--- a/Ressources/Presentation P6.pptx
+++ b/Ressources/Presentation P6.pptx
@@ -11,24 +11,21 @@
     <p:sldId id="260" r:id="rId5"/>
     <p:sldId id="274" r:id="rId6"/>
     <p:sldId id="261" r:id="rId7"/>
-    <p:sldId id="275" r:id="rId8"/>
-    <p:sldId id="276" r:id="rId9"/>
-    <p:sldId id="262" r:id="rId10"/>
-    <p:sldId id="277" r:id="rId11"/>
-    <p:sldId id="278" r:id="rId12"/>
-    <p:sldId id="263" r:id="rId13"/>
-    <p:sldId id="279" r:id="rId14"/>
-    <p:sldId id="280" r:id="rId15"/>
-    <p:sldId id="264" r:id="rId16"/>
-    <p:sldId id="281" r:id="rId17"/>
-    <p:sldId id="282" r:id="rId18"/>
-    <p:sldId id="265" r:id="rId19"/>
-    <p:sldId id="283" r:id="rId20"/>
-    <p:sldId id="284" r:id="rId21"/>
-    <p:sldId id="285" r:id="rId22"/>
-    <p:sldId id="287" r:id="rId23"/>
-    <p:sldId id="288" r:id="rId24"/>
-    <p:sldId id="286" r:id="rId25"/>
+    <p:sldId id="277" r:id="rId8"/>
+    <p:sldId id="262" r:id="rId9"/>
+    <p:sldId id="276" r:id="rId10"/>
+    <p:sldId id="263" r:id="rId11"/>
+    <p:sldId id="279" r:id="rId12"/>
+    <p:sldId id="264" r:id="rId13"/>
+    <p:sldId id="281" r:id="rId14"/>
+    <p:sldId id="265" r:id="rId15"/>
+    <p:sldId id="283" r:id="rId16"/>
+    <p:sldId id="284" r:id="rId17"/>
+    <p:sldId id="285" r:id="rId18"/>
+    <p:sldId id="287" r:id="rId19"/>
+    <p:sldId id="289" r:id="rId20"/>
+    <p:sldId id="290" r:id="rId21"/>
+    <p:sldId id="286" r:id="rId22"/>
   </p:sldIdLst>
   <p:sldSz cx="12192000" cy="6858000"/>
   <p:notesSz cx="6858000" cy="9144000"/>
@@ -282,7 +279,7 @@
           <a:p>
             <a:fld id="{C15E7A66-ACB3-4D28-AE91-C3D25B460E2D}" type="datetimeFigureOut">
               <a:rPr lang="fr-FR" smtClean="0"/>
-              <a:t>27/06/2022</a:t>
+              <a:t>14/07/2022</a:t>
             </a:fld>
             <a:endParaRPr lang="fr-FR"/>
           </a:p>
@@ -480,7 +477,7 @@
           <a:p>
             <a:fld id="{C15E7A66-ACB3-4D28-AE91-C3D25B460E2D}" type="datetimeFigureOut">
               <a:rPr lang="fr-FR" smtClean="0"/>
-              <a:t>27/06/2022</a:t>
+              <a:t>14/07/2022</a:t>
             </a:fld>
             <a:endParaRPr lang="fr-FR"/>
           </a:p>
@@ -688,7 +685,7 @@
           <a:p>
             <a:fld id="{C15E7A66-ACB3-4D28-AE91-C3D25B460E2D}" type="datetimeFigureOut">
               <a:rPr lang="fr-FR" smtClean="0"/>
-              <a:t>27/06/2022</a:t>
+              <a:t>14/07/2022</a:t>
             </a:fld>
             <a:endParaRPr lang="fr-FR"/>
           </a:p>
@@ -886,7 +883,7 @@
           <a:p>
             <a:fld id="{C15E7A66-ACB3-4D28-AE91-C3D25B460E2D}" type="datetimeFigureOut">
               <a:rPr lang="fr-FR" smtClean="0"/>
-              <a:t>27/06/2022</a:t>
+              <a:t>14/07/2022</a:t>
             </a:fld>
             <a:endParaRPr lang="fr-FR"/>
           </a:p>
@@ -1161,7 +1158,7 @@
           <a:p>
             <a:fld id="{C15E7A66-ACB3-4D28-AE91-C3D25B460E2D}" type="datetimeFigureOut">
               <a:rPr lang="fr-FR" smtClean="0"/>
-              <a:t>27/06/2022</a:t>
+              <a:t>14/07/2022</a:t>
             </a:fld>
             <a:endParaRPr lang="fr-FR"/>
           </a:p>
@@ -1426,7 +1423,7 @@
           <a:p>
             <a:fld id="{C15E7A66-ACB3-4D28-AE91-C3D25B460E2D}" type="datetimeFigureOut">
               <a:rPr lang="fr-FR" smtClean="0"/>
-              <a:t>27/06/2022</a:t>
+              <a:t>14/07/2022</a:t>
             </a:fld>
             <a:endParaRPr lang="fr-FR"/>
           </a:p>
@@ -1838,7 +1835,7 @@
           <a:p>
             <a:fld id="{C15E7A66-ACB3-4D28-AE91-C3D25B460E2D}" type="datetimeFigureOut">
               <a:rPr lang="fr-FR" smtClean="0"/>
-              <a:t>27/06/2022</a:t>
+              <a:t>14/07/2022</a:t>
             </a:fld>
             <a:endParaRPr lang="fr-FR"/>
           </a:p>
@@ -1979,7 +1976,7 @@
           <a:p>
             <a:fld id="{C15E7A66-ACB3-4D28-AE91-C3D25B460E2D}" type="datetimeFigureOut">
               <a:rPr lang="fr-FR" smtClean="0"/>
-              <a:t>27/06/2022</a:t>
+              <a:t>14/07/2022</a:t>
             </a:fld>
             <a:endParaRPr lang="fr-FR"/>
           </a:p>
@@ -2092,7 +2089,7 @@
           <a:p>
             <a:fld id="{C15E7A66-ACB3-4D28-AE91-C3D25B460E2D}" type="datetimeFigureOut">
               <a:rPr lang="fr-FR" smtClean="0"/>
-              <a:t>27/06/2022</a:t>
+              <a:t>14/07/2022</a:t>
             </a:fld>
             <a:endParaRPr lang="fr-FR"/>
           </a:p>
@@ -2403,7 +2400,7 @@
           <a:p>
             <a:fld id="{C15E7A66-ACB3-4D28-AE91-C3D25B460E2D}" type="datetimeFigureOut">
               <a:rPr lang="fr-FR" smtClean="0"/>
-              <a:t>27/06/2022</a:t>
+              <a:t>14/07/2022</a:t>
             </a:fld>
             <a:endParaRPr lang="fr-FR"/>
           </a:p>
@@ -2691,7 +2688,7 @@
           <a:p>
             <a:fld id="{C15E7A66-ACB3-4D28-AE91-C3D25B460E2D}" type="datetimeFigureOut">
               <a:rPr lang="fr-FR" smtClean="0"/>
-              <a:t>27/06/2022</a:t>
+              <a:t>14/07/2022</a:t>
             </a:fld>
             <a:endParaRPr lang="fr-FR"/>
           </a:p>
@@ -2932,7 +2929,7 @@
           <a:p>
             <a:fld id="{C15E7A66-ACB3-4D28-AE91-C3D25B460E2D}" type="datetimeFigureOut">
               <a:rPr lang="fr-FR" smtClean="0"/>
-              <a:t>27/06/2022</a:t>
+              <a:t>14/07/2022</a:t>
             </a:fld>
             <a:endParaRPr lang="fr-FR"/>
           </a:p>
@@ -3532,7 +3529,7 @@
           <a:lstStyle/>
           <a:p>
             <a:pPr algn="ctr"/>
-            <a:endParaRPr lang="en-US"/>
+            <a:endParaRPr lang="en-US" dirty="0"/>
           </a:p>
         </p:txBody>
       </p:sp>
@@ -3597,7 +3594,7 @@
           <a:lstStyle/>
           <a:p>
             <a:pPr algn="ctr"/>
-            <a:endParaRPr lang="en-US"/>
+            <a:endParaRPr lang="en-US" dirty="0"/>
           </a:p>
         </p:txBody>
       </p:sp>
@@ -3660,7 +3657,7 @@
           <a:lstStyle/>
           <a:p>
             <a:pPr algn="ctr"/>
-            <a:endParaRPr lang="en-US"/>
+            <a:endParaRPr lang="en-US" dirty="0"/>
           </a:p>
         </p:txBody>
       </p:sp>
@@ -3727,7 +3724,7 @@
           <a:lstStyle/>
           <a:p>
             <a:pPr algn="ctr"/>
-            <a:endParaRPr lang="en-US">
+            <a:endParaRPr lang="en-US" dirty="0">
               <a:solidFill>
                 <a:schemeClr val="tx1"/>
               </a:solidFill>
@@ -3805,12 +3802,28 @@
           <a:lstStyle/>
           <a:p>
             <a:r>
-              <a:rPr lang="fr-FR" sz="1600">
+              <a:rPr lang="fr-FR" sz="1600" dirty="0">
                 <a:solidFill>
                   <a:srgbClr val="080808"/>
                 </a:solidFill>
               </a:rPr>
-              <a:t>Renaud Sannier (06/2022)</a:t>
+              <a:t>Renaud </a:t>
+            </a:r>
+            <a:r>
+              <a:rPr lang="fr-FR" sz="1600" dirty="0" err="1">
+                <a:solidFill>
+                  <a:srgbClr val="080808"/>
+                </a:solidFill>
+              </a:rPr>
+              <a:t>Sannier</a:t>
+            </a:r>
+            <a:r>
+              <a:rPr lang="fr-FR" sz="1600" dirty="0">
+                <a:solidFill>
+                  <a:srgbClr val="080808"/>
+                </a:solidFill>
+              </a:rPr>
+              <a:t> (07/2022)</a:t>
             </a:r>
           </a:p>
         </p:txBody>
@@ -4142,970 +4155,6 @@
           <p:cNvPr id="8" name="Rectangle 7">
             <a:extLst>
               <a:ext uri="{FF2B5EF4-FFF2-40B4-BE49-F238E27FC236}">
-                <a16:creationId xmlns:a16="http://schemas.microsoft.com/office/drawing/2014/main" id="{2B566528-1B12-4246-9431-5C2D7D081168}"/>
-              </a:ext>
-              <a:ext uri="{C183D7F6-B498-43B3-948B-1728B52AA6E4}">
-                <adec:decorative xmlns:adec="http://schemas.microsoft.com/office/drawing/2017/decorative" val="1"/>
-              </a:ext>
-            </a:extLst>
-          </p:cNvPr>
-          <p:cNvSpPr>
-            <a:spLocks noGrp="1" noRot="1" noChangeAspect="1" noMove="1" noResize="1" noEditPoints="1" noAdjustHandles="1" noChangeArrowheads="1" noChangeShapeType="1" noTextEdit="1"/>
-          </p:cNvSpPr>
-          <p:nvPr>
-            <p:extLst>
-              <p:ext uri="{386F3935-93C4-4BCD-93E2-E3B085C9AB24}">
-                <p16:designElem xmlns:p16="http://schemas.microsoft.com/office/powerpoint/2015/main" val="1"/>
-              </p:ext>
-            </p:extLst>
-          </p:nvPr>
-        </p:nvSpPr>
-        <p:spPr>
-          <a:xfrm>
-            <a:off x="0" y="0"/>
-            <a:ext cx="12192000" cy="6858000"/>
-          </a:xfrm>
-          <a:prstGeom prst="rect">
-            <a:avLst/>
-          </a:prstGeom>
-          <a:solidFill>
-            <a:schemeClr val="bg1"/>
-          </a:solidFill>
-          <a:ln>
-            <a:noFill/>
-          </a:ln>
-        </p:spPr>
-        <p:style>
-          <a:lnRef idx="2">
-            <a:schemeClr val="accent1">
-              <a:shade val="50000"/>
-            </a:schemeClr>
-          </a:lnRef>
-          <a:fillRef idx="1">
-            <a:schemeClr val="accent1"/>
-          </a:fillRef>
-          <a:effectRef idx="0">
-            <a:schemeClr val="accent1"/>
-          </a:effectRef>
-          <a:fontRef idx="minor">
-            <a:schemeClr val="lt1"/>
-          </a:fontRef>
-        </p:style>
-        <p:txBody>
-          <a:bodyPr rtlCol="0" anchor="ctr"/>
-          <a:lstStyle/>
-          <a:p>
-            <a:pPr algn="ctr"/>
-            <a:endParaRPr lang="en-US" dirty="0"/>
-          </a:p>
-        </p:txBody>
-      </p:sp>
-      <p:sp>
-        <p:nvSpPr>
-          <p:cNvPr id="10" name="Rectangle 9">
-            <a:extLst>
-              <a:ext uri="{FF2B5EF4-FFF2-40B4-BE49-F238E27FC236}">
-                <a16:creationId xmlns:a16="http://schemas.microsoft.com/office/drawing/2014/main" id="{2E80C965-DB6D-4F81-9E9E-B027384D0BD6}"/>
-              </a:ext>
-              <a:ext uri="{C183D7F6-B498-43B3-948B-1728B52AA6E4}">
-                <adec:decorative xmlns:adec="http://schemas.microsoft.com/office/drawing/2017/decorative" val="1"/>
-              </a:ext>
-            </a:extLst>
-          </p:cNvPr>
-          <p:cNvSpPr>
-            <a:spLocks noGrp="1" noRot="1" noChangeAspect="1" noMove="1" noResize="1" noEditPoints="1" noAdjustHandles="1" noChangeArrowheads="1" noChangeShapeType="1" noTextEdit="1"/>
-          </p:cNvSpPr>
-          <p:nvPr>
-            <p:extLst>
-              <p:ext uri="{386F3935-93C4-4BCD-93E2-E3B085C9AB24}">
-                <p16:designElem xmlns:p16="http://schemas.microsoft.com/office/powerpoint/2015/main" val="1"/>
-              </p:ext>
-            </p:extLst>
-          </p:nvPr>
-        </p:nvSpPr>
-        <p:spPr>
-          <a:xfrm rot="2700000">
-            <a:off x="11052629" y="2120024"/>
-            <a:ext cx="645368" cy="645368"/>
-          </a:xfrm>
-          <a:prstGeom prst="rect">
-            <a:avLst/>
-          </a:prstGeom>
-          <a:solidFill>
-            <a:schemeClr val="accent4">
-              <a:alpha val="30000"/>
-            </a:schemeClr>
-          </a:solidFill>
-          <a:ln>
-            <a:noFill/>
-          </a:ln>
-        </p:spPr>
-        <p:style>
-          <a:lnRef idx="2">
-            <a:schemeClr val="accent1">
-              <a:shade val="50000"/>
-            </a:schemeClr>
-          </a:lnRef>
-          <a:fillRef idx="1">
-            <a:schemeClr val="accent1"/>
-          </a:fillRef>
-          <a:effectRef idx="0">
-            <a:schemeClr val="accent1"/>
-          </a:effectRef>
-          <a:fontRef idx="minor">
-            <a:schemeClr val="lt1"/>
-          </a:fontRef>
-        </p:style>
-        <p:txBody>
-          <a:bodyPr rtlCol="0" anchor="ctr"/>
-          <a:lstStyle/>
-          <a:p>
-            <a:pPr algn="ctr"/>
-            <a:endParaRPr lang="en-US"/>
-          </a:p>
-        </p:txBody>
-      </p:sp>
-      <p:sp>
-        <p:nvSpPr>
-          <p:cNvPr id="12" name="Isosceles Triangle 11">
-            <a:extLst>
-              <a:ext uri="{FF2B5EF4-FFF2-40B4-BE49-F238E27FC236}">
-                <a16:creationId xmlns:a16="http://schemas.microsoft.com/office/drawing/2014/main" id="{A580F890-B085-4E95-96AA-55AEBEC5CE6E}"/>
-              </a:ext>
-              <a:ext uri="{C183D7F6-B498-43B3-948B-1728B52AA6E4}">
-                <adec:decorative xmlns:adec="http://schemas.microsoft.com/office/drawing/2017/decorative" val="1"/>
-              </a:ext>
-            </a:extLst>
-          </p:cNvPr>
-          <p:cNvSpPr>
-            <a:spLocks noGrp="1" noRot="1" noChangeAspect="1" noMove="1" noResize="1" noEditPoints="1" noAdjustHandles="1" noChangeArrowheads="1" noChangeShapeType="1" noTextEdit="1"/>
-          </p:cNvSpPr>
-          <p:nvPr>
-            <p:extLst>
-              <p:ext uri="{386F3935-93C4-4BCD-93E2-E3B085C9AB24}">
-                <p16:designElem xmlns:p16="http://schemas.microsoft.com/office/powerpoint/2015/main" val="1"/>
-              </p:ext>
-            </p:extLst>
-          </p:nvPr>
-        </p:nvSpPr>
-        <p:spPr>
-          <a:xfrm rot="16200000">
-            <a:off x="10289068" y="1343027"/>
-            <a:ext cx="2532832" cy="1273032"/>
-          </a:xfrm>
-          <a:prstGeom prst="triangle">
-            <a:avLst>
-              <a:gd name="adj" fmla="val 50000"/>
-            </a:avLst>
-          </a:prstGeom>
-          <a:solidFill>
-            <a:schemeClr val="accent4">
-              <a:alpha val="30000"/>
-            </a:schemeClr>
-          </a:solidFill>
-          <a:ln>
-            <a:noFill/>
-          </a:ln>
-        </p:spPr>
-        <p:style>
-          <a:lnRef idx="2">
-            <a:schemeClr val="accent1">
-              <a:shade val="50000"/>
-            </a:schemeClr>
-          </a:lnRef>
-          <a:fillRef idx="1">
-            <a:schemeClr val="accent1"/>
-          </a:fillRef>
-          <a:effectRef idx="0">
-            <a:schemeClr val="accent1"/>
-          </a:effectRef>
-          <a:fontRef idx="minor">
-            <a:schemeClr val="lt1"/>
-          </a:fontRef>
-        </p:style>
-        <p:txBody>
-          <a:bodyPr rtlCol="0" anchor="ctr"/>
-          <a:lstStyle/>
-          <a:p>
-            <a:pPr algn="ctr"/>
-            <a:endParaRPr lang="en-US"/>
-          </a:p>
-        </p:txBody>
-      </p:sp>
-      <p:sp>
-        <p:nvSpPr>
-          <p:cNvPr id="14" name="Isosceles Triangle 13">
-            <a:extLst>
-              <a:ext uri="{FF2B5EF4-FFF2-40B4-BE49-F238E27FC236}">
-                <a16:creationId xmlns:a16="http://schemas.microsoft.com/office/drawing/2014/main" id="{D3F51FEB-38FB-4F6C-9F7B-2F2AFAB65463}"/>
-              </a:ext>
-              <a:ext uri="{C183D7F6-B498-43B3-948B-1728B52AA6E4}">
-                <adec:decorative xmlns:adec="http://schemas.microsoft.com/office/drawing/2017/decorative" val="1"/>
-              </a:ext>
-            </a:extLst>
-          </p:cNvPr>
-          <p:cNvSpPr>
-            <a:spLocks noGrp="1" noRot="1" noChangeAspect="1" noMove="1" noResize="1" noEditPoints="1" noAdjustHandles="1" noChangeArrowheads="1" noChangeShapeType="1" noTextEdit="1"/>
-          </p:cNvSpPr>
-          <p:nvPr>
-            <p:extLst>
-              <p:ext uri="{386F3935-93C4-4BCD-93E2-E3B085C9AB24}">
-                <p16:designElem xmlns:p16="http://schemas.microsoft.com/office/powerpoint/2015/main" val="1"/>
-              </p:ext>
-            </p:extLst>
-          </p:nvPr>
-        </p:nvSpPr>
-        <p:spPr>
-          <a:xfrm rot="5400000">
-            <a:off x="-501760" y="5103257"/>
-            <a:ext cx="2017580" cy="1014060"/>
-          </a:xfrm>
-          <a:prstGeom prst="triangle">
-            <a:avLst>
-              <a:gd name="adj" fmla="val 50000"/>
-            </a:avLst>
-          </a:prstGeom>
-          <a:solidFill>
-            <a:schemeClr val="accent1">
-              <a:alpha val="30000"/>
-            </a:schemeClr>
-          </a:solidFill>
-          <a:ln>
-            <a:noFill/>
-          </a:ln>
-        </p:spPr>
-        <p:style>
-          <a:lnRef idx="2">
-            <a:schemeClr val="accent1">
-              <a:shade val="50000"/>
-            </a:schemeClr>
-          </a:lnRef>
-          <a:fillRef idx="1">
-            <a:schemeClr val="accent1"/>
-          </a:fillRef>
-          <a:effectRef idx="0">
-            <a:schemeClr val="accent1"/>
-          </a:effectRef>
-          <a:fontRef idx="minor">
-            <a:schemeClr val="lt1"/>
-          </a:fontRef>
-        </p:style>
-        <p:txBody>
-          <a:bodyPr wrap="square" rtlCol="0" anchor="ctr">
-            <a:noAutofit/>
-          </a:bodyPr>
-          <a:lstStyle/>
-          <a:p>
-            <a:pPr algn="ctr"/>
-            <a:endParaRPr lang="en-US"/>
-          </a:p>
-        </p:txBody>
-      </p:sp>
-      <p:sp>
-        <p:nvSpPr>
-          <p:cNvPr id="16" name="Rectangle 15">
-            <a:extLst>
-              <a:ext uri="{FF2B5EF4-FFF2-40B4-BE49-F238E27FC236}">
-                <a16:creationId xmlns:a16="http://schemas.microsoft.com/office/drawing/2014/main" id="{1E547BA6-BAE0-43BB-A7CA-60F69CE252F0}"/>
-              </a:ext>
-              <a:ext uri="{C183D7F6-B498-43B3-948B-1728B52AA6E4}">
-                <adec:decorative xmlns:adec="http://schemas.microsoft.com/office/drawing/2017/decorative" val="1"/>
-              </a:ext>
-            </a:extLst>
-          </p:cNvPr>
-          <p:cNvSpPr>
-            <a:spLocks noGrp="1" noRot="1" noChangeAspect="1" noMove="1" noResize="1" noEditPoints="1" noAdjustHandles="1" noChangeArrowheads="1" noChangeShapeType="1" noTextEdit="1"/>
-          </p:cNvSpPr>
-          <p:nvPr>
-            <p:extLst>
-              <p:ext uri="{386F3935-93C4-4BCD-93E2-E3B085C9AB24}">
-                <p16:designElem xmlns:p16="http://schemas.microsoft.com/office/powerpoint/2015/main" val="1"/>
-              </p:ext>
-            </p:extLst>
-          </p:nvPr>
-        </p:nvSpPr>
-        <p:spPr>
-          <a:xfrm rot="2700000">
-            <a:off x="427916" y="5728708"/>
-            <a:ext cx="485578" cy="485578"/>
-          </a:xfrm>
-          <a:prstGeom prst="rect">
-            <a:avLst/>
-          </a:prstGeom>
-          <a:solidFill>
-            <a:schemeClr val="accent1">
-              <a:alpha val="30000"/>
-            </a:schemeClr>
-          </a:solidFill>
-          <a:ln>
-            <a:noFill/>
-          </a:ln>
-        </p:spPr>
-        <p:style>
-          <a:lnRef idx="2">
-            <a:schemeClr val="accent1">
-              <a:shade val="50000"/>
-            </a:schemeClr>
-          </a:lnRef>
-          <a:fillRef idx="1">
-            <a:schemeClr val="accent1"/>
-          </a:fillRef>
-          <a:effectRef idx="0">
-            <a:schemeClr val="accent1"/>
-          </a:effectRef>
-          <a:fontRef idx="minor">
-            <a:schemeClr val="lt1"/>
-          </a:fontRef>
-        </p:style>
-        <p:txBody>
-          <a:bodyPr wrap="square" rtlCol="0" anchor="ctr">
-            <a:noAutofit/>
-          </a:bodyPr>
-          <a:lstStyle/>
-          <a:p>
-            <a:pPr algn="ctr"/>
-            <a:endParaRPr lang="en-US"/>
-          </a:p>
-        </p:txBody>
-      </p:sp>
-    </p:spTree>
-    <p:extLst>
-      <p:ext uri="{BB962C8B-B14F-4D97-AF65-F5344CB8AC3E}">
-        <p14:creationId xmlns:p14="http://schemas.microsoft.com/office/powerpoint/2010/main" val="284108866"/>
-      </p:ext>
-    </p:extLst>
-  </p:cSld>
-  <p:clrMapOvr>
-    <a:masterClrMapping/>
-  </p:clrMapOvr>
-</p:sld>
-</file>
-
-<file path=ppt/slides/slide11.xml><?xml version="1.0" encoding="utf-8"?>
-<p:sld xmlns:a="http://schemas.openxmlformats.org/drawingml/2006/main" xmlns:r="http://schemas.openxmlformats.org/officeDocument/2006/relationships" xmlns:p="http://schemas.openxmlformats.org/presentationml/2006/main">
-  <p:cSld>
-    <p:bg>
-      <p:bgPr>
-        <a:solidFill>
-          <a:schemeClr val="bg1"/>
-        </a:solidFill>
-        <a:effectLst/>
-      </p:bgPr>
-    </p:bg>
-    <p:spTree>
-      <p:nvGrpSpPr>
-        <p:cNvPr id="1" name=""/>
-        <p:cNvGrpSpPr/>
-        <p:nvPr/>
-      </p:nvGrpSpPr>
-      <p:grpSpPr>
-        <a:xfrm>
-          <a:off x="0" y="0"/>
-          <a:ext cx="0" cy="0"/>
-          <a:chOff x="0" y="0"/>
-          <a:chExt cx="0" cy="0"/>
-        </a:xfrm>
-      </p:grpSpPr>
-      <p:sp>
-        <p:nvSpPr>
-          <p:cNvPr id="41" name="Rectangle 40">
-            <a:extLst>
-              <a:ext uri="{FF2B5EF4-FFF2-40B4-BE49-F238E27FC236}">
-                <a16:creationId xmlns:a16="http://schemas.microsoft.com/office/drawing/2014/main" id="{46D6306C-ED4F-4AAE-B4A5-EEA6AFAD726E}"/>
-              </a:ext>
-              <a:ext uri="{C183D7F6-B498-43B3-948B-1728B52AA6E4}">
-                <adec:decorative xmlns:adec="http://schemas.microsoft.com/office/drawing/2017/decorative" val="1"/>
-              </a:ext>
-            </a:extLst>
-          </p:cNvPr>
-          <p:cNvSpPr>
-            <a:spLocks noGrp="1" noRot="1" noChangeAspect="1" noMove="1" noResize="1" noEditPoints="1" noAdjustHandles="1" noChangeArrowheads="1" noChangeShapeType="1" noTextEdit="1"/>
-          </p:cNvSpPr>
-          <p:nvPr>
-            <p:extLst>
-              <p:ext uri="{386F3935-93C4-4BCD-93E2-E3B085C9AB24}">
-                <p16:designElem xmlns:p16="http://schemas.microsoft.com/office/powerpoint/2015/main" val="1"/>
-              </p:ext>
-            </p:extLst>
-          </p:nvPr>
-        </p:nvSpPr>
-        <p:spPr>
-          <a:xfrm>
-            <a:off x="0" y="0"/>
-            <a:ext cx="12192000" cy="6858000"/>
-          </a:xfrm>
-          <a:prstGeom prst="rect">
-            <a:avLst/>
-          </a:prstGeom>
-          <a:solidFill>
-            <a:schemeClr val="bg1"/>
-          </a:solidFill>
-          <a:ln>
-            <a:noFill/>
-          </a:ln>
-        </p:spPr>
-        <p:style>
-          <a:lnRef idx="2">
-            <a:schemeClr val="accent1">
-              <a:shade val="50000"/>
-            </a:schemeClr>
-          </a:lnRef>
-          <a:fillRef idx="1">
-            <a:schemeClr val="accent1"/>
-          </a:fillRef>
-          <a:effectRef idx="0">
-            <a:schemeClr val="accent1"/>
-          </a:effectRef>
-          <a:fontRef idx="minor">
-            <a:schemeClr val="lt1"/>
-          </a:fontRef>
-        </p:style>
-        <p:txBody>
-          <a:bodyPr rtlCol="0" anchor="ctr"/>
-          <a:lstStyle/>
-          <a:p>
-            <a:pPr algn="ctr"/>
-            <a:endParaRPr lang="en-US" dirty="0"/>
-          </a:p>
-        </p:txBody>
-      </p:sp>
-      <p:sp>
-        <p:nvSpPr>
-          <p:cNvPr id="43" name="Rectangle 42">
-            <a:extLst>
-              <a:ext uri="{FF2B5EF4-FFF2-40B4-BE49-F238E27FC236}">
-                <a16:creationId xmlns:a16="http://schemas.microsoft.com/office/drawing/2014/main" id="{0EC5361D-F897-4856-B945-0455A365EB24}"/>
-              </a:ext>
-              <a:ext uri="{C183D7F6-B498-43B3-948B-1728B52AA6E4}">
-                <adec:decorative xmlns:adec="http://schemas.microsoft.com/office/drawing/2017/decorative" val="1"/>
-              </a:ext>
-            </a:extLst>
-          </p:cNvPr>
-          <p:cNvSpPr>
-            <a:spLocks noGrp="1" noRot="1" noChangeAspect="1" noMove="1" noResize="1" noEditPoints="1" noAdjustHandles="1" noChangeArrowheads="1" noChangeShapeType="1" noTextEdit="1"/>
-          </p:cNvSpPr>
-          <p:nvPr>
-            <p:extLst>
-              <p:ext uri="{386F3935-93C4-4BCD-93E2-E3B085C9AB24}">
-                <p16:designElem xmlns:p16="http://schemas.microsoft.com/office/powerpoint/2015/main" val="1"/>
-              </p:ext>
-            </p:extLst>
-          </p:nvPr>
-        </p:nvSpPr>
-        <p:spPr>
-          <a:xfrm rot="2700000">
-            <a:off x="415435" y="655140"/>
-            <a:ext cx="687472" cy="687472"/>
-          </a:xfrm>
-          <a:prstGeom prst="rect">
-            <a:avLst/>
-          </a:prstGeom>
-          <a:solidFill>
-            <a:schemeClr val="accent4">
-              <a:alpha val="30000"/>
-            </a:schemeClr>
-          </a:solidFill>
-          <a:ln>
-            <a:noFill/>
-          </a:ln>
-        </p:spPr>
-        <p:style>
-          <a:lnRef idx="2">
-            <a:schemeClr val="accent1">
-              <a:shade val="50000"/>
-            </a:schemeClr>
-          </a:lnRef>
-          <a:fillRef idx="1">
-            <a:schemeClr val="accent1"/>
-          </a:fillRef>
-          <a:effectRef idx="0">
-            <a:schemeClr val="accent1"/>
-          </a:effectRef>
-          <a:fontRef idx="minor">
-            <a:schemeClr val="lt1"/>
-          </a:fontRef>
-        </p:style>
-        <p:txBody>
-          <a:bodyPr rtlCol="0" anchor="ctr"/>
-          <a:lstStyle/>
-          <a:p>
-            <a:pPr algn="ctr"/>
-            <a:endParaRPr lang="en-US"/>
-          </a:p>
-        </p:txBody>
-      </p:sp>
-      <p:sp>
-        <p:nvSpPr>
-          <p:cNvPr id="45" name="Freeform: Shape 44">
-            <a:extLst>
-              <a:ext uri="{FF2B5EF4-FFF2-40B4-BE49-F238E27FC236}">
-                <a16:creationId xmlns:a16="http://schemas.microsoft.com/office/drawing/2014/main" id="{4508C0C5-2268-42B5-B3C8-4D0899E05F8C}"/>
-              </a:ext>
-              <a:ext uri="{C183D7F6-B498-43B3-948B-1728B52AA6E4}">
-                <adec:decorative xmlns:adec="http://schemas.microsoft.com/office/drawing/2017/decorative" val="1"/>
-              </a:ext>
-            </a:extLst>
-          </p:cNvPr>
-          <p:cNvSpPr>
-            <a:spLocks noGrp="1" noRot="1" noChangeAspect="1" noMove="1" noResize="1" noEditPoints="1" noAdjustHandles="1" noChangeArrowheads="1" noChangeShapeType="1" noTextEdit="1"/>
-          </p:cNvSpPr>
-          <p:nvPr>
-            <p:extLst>
-              <p:ext uri="{386F3935-93C4-4BCD-93E2-E3B085C9AB24}">
-                <p16:designElem xmlns:p16="http://schemas.microsoft.com/office/powerpoint/2015/main" val="1"/>
-              </p:ext>
-            </p:extLst>
-          </p:nvPr>
-        </p:nvSpPr>
-        <p:spPr>
-          <a:xfrm rot="10800000">
-            <a:off x="0" y="0"/>
-            <a:ext cx="2835357" cy="1480837"/>
-          </a:xfrm>
-          <a:custGeom>
-            <a:avLst/>
-            <a:gdLst>
-              <a:gd name="connsiteX0" fmla="*/ 2835357 w 2835357"/>
-              <a:gd name="connsiteY0" fmla="*/ 1480837 h 1480837"/>
-              <a:gd name="connsiteX1" fmla="*/ 0 w 2835357"/>
-              <a:gd name="connsiteY1" fmla="*/ 1480837 h 1480837"/>
-              <a:gd name="connsiteX2" fmla="*/ 1552727 w 2835357"/>
-              <a:gd name="connsiteY2" fmla="*/ 0 h 1480837"/>
-              <a:gd name="connsiteX3" fmla="*/ 2835357 w 2835357"/>
-              <a:gd name="connsiteY3" fmla="*/ 1223245 h 1480837"/>
-            </a:gdLst>
-            <a:ahLst/>
-            <a:cxnLst>
-              <a:cxn ang="0">
-                <a:pos x="connsiteX0" y="connsiteY0"/>
-              </a:cxn>
-              <a:cxn ang="0">
-                <a:pos x="connsiteX1" y="connsiteY1"/>
-              </a:cxn>
-              <a:cxn ang="0">
-                <a:pos x="connsiteX2" y="connsiteY2"/>
-              </a:cxn>
-              <a:cxn ang="0">
-                <a:pos x="connsiteX3" y="connsiteY3"/>
-              </a:cxn>
-            </a:cxnLst>
-            <a:rect l="l" t="t" r="r" b="b"/>
-            <a:pathLst>
-              <a:path w="2835357" h="1480837">
-                <a:moveTo>
-                  <a:pt x="2835357" y="1480837"/>
-                </a:moveTo>
-                <a:lnTo>
-                  <a:pt x="0" y="1480837"/>
-                </a:lnTo>
-                <a:lnTo>
-                  <a:pt x="1552727" y="0"/>
-                </a:lnTo>
-                <a:lnTo>
-                  <a:pt x="2835357" y="1223245"/>
-                </a:lnTo>
-                <a:close/>
-              </a:path>
-            </a:pathLst>
-          </a:custGeom>
-          <a:solidFill>
-            <a:schemeClr val="accent4">
-              <a:alpha val="30000"/>
-            </a:schemeClr>
-          </a:solidFill>
-          <a:ln>
-            <a:noFill/>
-          </a:ln>
-        </p:spPr>
-        <p:style>
-          <a:lnRef idx="2">
-            <a:schemeClr val="accent1">
-              <a:shade val="50000"/>
-            </a:schemeClr>
-          </a:lnRef>
-          <a:fillRef idx="1">
-            <a:schemeClr val="accent1"/>
-          </a:fillRef>
-          <a:effectRef idx="0">
-            <a:schemeClr val="accent1"/>
-          </a:effectRef>
-          <a:fontRef idx="minor">
-            <a:schemeClr val="lt1"/>
-          </a:fontRef>
-        </p:style>
-        <p:txBody>
-          <a:bodyPr wrap="square" rtlCol="0" anchor="ctr">
-            <a:noAutofit/>
-          </a:bodyPr>
-          <a:lstStyle/>
-          <a:p>
-            <a:pPr algn="ctr"/>
-            <a:endParaRPr lang="en-US" dirty="0"/>
-          </a:p>
-        </p:txBody>
-      </p:sp>
-      <p:sp>
-        <p:nvSpPr>
-          <p:cNvPr id="47" name="Freeform: Shape 46">
-            <a:extLst>
-              <a:ext uri="{FF2B5EF4-FFF2-40B4-BE49-F238E27FC236}">
-                <a16:creationId xmlns:a16="http://schemas.microsoft.com/office/drawing/2014/main" id="{141ACBDB-38F8-4B34-8183-BD95B4E55A62}"/>
-              </a:ext>
-              <a:ext uri="{C183D7F6-B498-43B3-948B-1728B52AA6E4}">
-                <adec:decorative xmlns:adec="http://schemas.microsoft.com/office/drawing/2017/decorative" val="1"/>
-              </a:ext>
-            </a:extLst>
-          </p:cNvPr>
-          <p:cNvSpPr>
-            <a:spLocks noGrp="1" noRot="1" noChangeAspect="1" noMove="1" noResize="1" noEditPoints="1" noAdjustHandles="1" noChangeArrowheads="1" noChangeShapeType="1" noTextEdit="1"/>
-          </p:cNvSpPr>
-          <p:nvPr>
-            <p:extLst>
-              <p:ext uri="{386F3935-93C4-4BCD-93E2-E3B085C9AB24}">
-                <p16:designElem xmlns:p16="http://schemas.microsoft.com/office/powerpoint/2015/main" val="1"/>
-              </p:ext>
-            </p:extLst>
-          </p:nvPr>
-        </p:nvSpPr>
-        <p:spPr>
-          <a:xfrm rot="2700000">
-            <a:off x="10739327" y="-253670"/>
-            <a:ext cx="1827638" cy="1376989"/>
-          </a:xfrm>
-          <a:custGeom>
-            <a:avLst/>
-            <a:gdLst>
-              <a:gd name="connsiteX0" fmla="*/ 0 w 1827638"/>
-              <a:gd name="connsiteY0" fmla="*/ 987379 h 1376989"/>
-              <a:gd name="connsiteX1" fmla="*/ 987379 w 1827638"/>
-              <a:gd name="connsiteY1" fmla="*/ 0 h 1376989"/>
-              <a:gd name="connsiteX2" fmla="*/ 1827638 w 1827638"/>
-              <a:gd name="connsiteY2" fmla="*/ 840260 h 1376989"/>
-              <a:gd name="connsiteX3" fmla="*/ 1827638 w 1827638"/>
-              <a:gd name="connsiteY3" fmla="*/ 1376989 h 1376989"/>
-              <a:gd name="connsiteX4" fmla="*/ 0 w 1827638"/>
-              <a:gd name="connsiteY4" fmla="*/ 1376989 h 1376989"/>
-            </a:gdLst>
-            <a:ahLst/>
-            <a:cxnLst>
-              <a:cxn ang="0">
-                <a:pos x="connsiteX0" y="connsiteY0"/>
-              </a:cxn>
-              <a:cxn ang="0">
-                <a:pos x="connsiteX1" y="connsiteY1"/>
-              </a:cxn>
-              <a:cxn ang="0">
-                <a:pos x="connsiteX2" y="connsiteY2"/>
-              </a:cxn>
-              <a:cxn ang="0">
-                <a:pos x="connsiteX3" y="connsiteY3"/>
-              </a:cxn>
-              <a:cxn ang="0">
-                <a:pos x="connsiteX4" y="connsiteY4"/>
-              </a:cxn>
-            </a:cxnLst>
-            <a:rect l="l" t="t" r="r" b="b"/>
-            <a:pathLst>
-              <a:path w="1827638" h="1376989">
-                <a:moveTo>
-                  <a:pt x="0" y="987379"/>
-                </a:moveTo>
-                <a:lnTo>
-                  <a:pt x="987379" y="0"/>
-                </a:lnTo>
-                <a:lnTo>
-                  <a:pt x="1827638" y="840260"/>
-                </a:lnTo>
-                <a:lnTo>
-                  <a:pt x="1827638" y="1376989"/>
-                </a:lnTo>
-                <a:lnTo>
-                  <a:pt x="0" y="1376989"/>
-                </a:lnTo>
-                <a:close/>
-              </a:path>
-            </a:pathLst>
-          </a:custGeom>
-          <a:solidFill>
-            <a:schemeClr val="accent1">
-              <a:alpha val="30000"/>
-            </a:schemeClr>
-          </a:solidFill>
-          <a:ln>
-            <a:noFill/>
-          </a:ln>
-        </p:spPr>
-        <p:style>
-          <a:lnRef idx="2">
-            <a:schemeClr val="accent1">
-              <a:shade val="50000"/>
-            </a:schemeClr>
-          </a:lnRef>
-          <a:fillRef idx="1">
-            <a:schemeClr val="accent1"/>
-          </a:fillRef>
-          <a:effectRef idx="0">
-            <a:schemeClr val="accent1"/>
-          </a:effectRef>
-          <a:fontRef idx="minor">
-            <a:schemeClr val="lt1"/>
-          </a:fontRef>
-        </p:style>
-        <p:txBody>
-          <a:bodyPr wrap="square" rtlCol="0" anchor="ctr">
-            <a:noAutofit/>
-          </a:bodyPr>
-          <a:lstStyle/>
-          <a:p>
-            <a:pPr algn="ctr"/>
-            <a:endParaRPr lang="en-US" dirty="0"/>
-          </a:p>
-        </p:txBody>
-      </p:sp>
-      <p:sp>
-        <p:nvSpPr>
-          <p:cNvPr id="49" name="Rectangle 48">
-            <a:extLst>
-              <a:ext uri="{FF2B5EF4-FFF2-40B4-BE49-F238E27FC236}">
-                <a16:creationId xmlns:a16="http://schemas.microsoft.com/office/drawing/2014/main" id="{DE00DB52-3455-4E2F-867B-A6D0516E175B}"/>
-              </a:ext>
-              <a:ext uri="{C183D7F6-B498-43B3-948B-1728B52AA6E4}">
-                <adec:decorative xmlns:adec="http://schemas.microsoft.com/office/drawing/2017/decorative" val="1"/>
-              </a:ext>
-            </a:extLst>
-          </p:cNvPr>
-          <p:cNvSpPr>
-            <a:spLocks noGrp="1" noRot="1" noChangeAspect="1" noMove="1" noResize="1" noEditPoints="1" noAdjustHandles="1" noChangeArrowheads="1" noChangeShapeType="1" noTextEdit="1"/>
-          </p:cNvSpPr>
-          <p:nvPr>
-            <p:extLst>
-              <p:ext uri="{386F3935-93C4-4BCD-93E2-E3B085C9AB24}">
-                <p16:designElem xmlns:p16="http://schemas.microsoft.com/office/powerpoint/2015/main" val="1"/>
-              </p:ext>
-            </p:extLst>
-          </p:nvPr>
-        </p:nvSpPr>
-        <p:spPr>
-          <a:xfrm rot="2700000">
-            <a:off x="10653800" y="422146"/>
-            <a:ext cx="645368" cy="645368"/>
-          </a:xfrm>
-          <a:prstGeom prst="rect">
-            <a:avLst/>
-          </a:prstGeom>
-          <a:solidFill>
-            <a:schemeClr val="accent1">
-              <a:alpha val="30000"/>
-            </a:schemeClr>
-          </a:solidFill>
-          <a:ln>
-            <a:noFill/>
-          </a:ln>
-        </p:spPr>
-        <p:style>
-          <a:lnRef idx="2">
-            <a:schemeClr val="accent1">
-              <a:shade val="50000"/>
-            </a:schemeClr>
-          </a:lnRef>
-          <a:fillRef idx="1">
-            <a:schemeClr val="accent1"/>
-          </a:fillRef>
-          <a:effectRef idx="0">
-            <a:schemeClr val="accent1"/>
-          </a:effectRef>
-          <a:fontRef idx="minor">
-            <a:schemeClr val="lt1"/>
-          </a:fontRef>
-        </p:style>
-        <p:txBody>
-          <a:bodyPr wrap="square" rtlCol="0" anchor="ctr">
-            <a:noAutofit/>
-          </a:bodyPr>
-          <a:lstStyle/>
-          <a:p>
-            <a:pPr algn="ctr"/>
-            <a:endParaRPr lang="en-US"/>
-          </a:p>
-        </p:txBody>
-      </p:sp>
-      <p:sp>
-        <p:nvSpPr>
-          <p:cNvPr id="51" name="Isosceles Triangle 50">
-            <a:extLst>
-              <a:ext uri="{FF2B5EF4-FFF2-40B4-BE49-F238E27FC236}">
-                <a16:creationId xmlns:a16="http://schemas.microsoft.com/office/drawing/2014/main" id="{9E914C83-E0D8-4953-92D5-169D28CB43AE}"/>
-              </a:ext>
-              <a:ext uri="{C183D7F6-B498-43B3-948B-1728B52AA6E4}">
-                <adec:decorative xmlns:adec="http://schemas.microsoft.com/office/drawing/2017/decorative" val="1"/>
-              </a:ext>
-            </a:extLst>
-          </p:cNvPr>
-          <p:cNvSpPr>
-            <a:spLocks noGrp="1" noRot="1" noChangeAspect="1" noMove="1" noResize="1" noEditPoints="1" noAdjustHandles="1" noChangeArrowheads="1" noChangeShapeType="1" noTextEdit="1"/>
-          </p:cNvSpPr>
-          <p:nvPr>
-            <p:extLst>
-              <p:ext uri="{386F3935-93C4-4BCD-93E2-E3B085C9AB24}">
-                <p16:designElem xmlns:p16="http://schemas.microsoft.com/office/powerpoint/2015/main" val="1"/>
-              </p:ext>
-            </p:extLst>
-          </p:nvPr>
-        </p:nvSpPr>
-        <p:spPr>
-          <a:xfrm>
-            <a:off x="8115423" y="6115501"/>
-            <a:ext cx="1494513" cy="742499"/>
-          </a:xfrm>
-          <a:prstGeom prst="triangle">
-            <a:avLst/>
-          </a:prstGeom>
-          <a:solidFill>
-            <a:schemeClr val="accent1">
-              <a:alpha val="30000"/>
-            </a:schemeClr>
-          </a:solidFill>
-          <a:ln>
-            <a:noFill/>
-          </a:ln>
-        </p:spPr>
-        <p:style>
-          <a:lnRef idx="2">
-            <a:schemeClr val="accent1">
-              <a:shade val="50000"/>
-            </a:schemeClr>
-          </a:lnRef>
-          <a:fillRef idx="1">
-            <a:schemeClr val="accent1"/>
-          </a:fillRef>
-          <a:effectRef idx="0">
-            <a:schemeClr val="accent1"/>
-          </a:effectRef>
-          <a:fontRef idx="minor">
-            <a:schemeClr val="lt1"/>
-          </a:fontRef>
-        </p:style>
-        <p:txBody>
-          <a:bodyPr wrap="square" rtlCol="0" anchor="ctr">
-            <a:noAutofit/>
-          </a:bodyPr>
-          <a:lstStyle/>
-          <a:p>
-            <a:pPr algn="ctr"/>
-            <a:endParaRPr lang="en-US"/>
-          </a:p>
-        </p:txBody>
-      </p:sp>
-      <p:sp>
-        <p:nvSpPr>
-          <p:cNvPr id="53" name="Isosceles Triangle 52">
-            <a:extLst>
-              <a:ext uri="{FF2B5EF4-FFF2-40B4-BE49-F238E27FC236}">
-                <a16:creationId xmlns:a16="http://schemas.microsoft.com/office/drawing/2014/main" id="{3512E083-F550-46AF-8490-767ECFD00CB7}"/>
-              </a:ext>
-              <a:ext uri="{C183D7F6-B498-43B3-948B-1728B52AA6E4}">
-                <adec:decorative xmlns:adec="http://schemas.microsoft.com/office/drawing/2017/decorative" val="1"/>
-              </a:ext>
-            </a:extLst>
-          </p:cNvPr>
-          <p:cNvSpPr>
-            <a:spLocks noGrp="1" noRot="1" noChangeAspect="1" noMove="1" noResize="1" noEditPoints="1" noAdjustHandles="1" noChangeArrowheads="1" noChangeShapeType="1" noTextEdit="1"/>
-          </p:cNvSpPr>
-          <p:nvPr>
-            <p:extLst>
-              <p:ext uri="{386F3935-93C4-4BCD-93E2-E3B085C9AB24}">
-                <p16:designElem xmlns:p16="http://schemas.microsoft.com/office/powerpoint/2015/main" val="1"/>
-              </p:ext>
-            </p:extLst>
-          </p:nvPr>
-        </p:nvSpPr>
-        <p:spPr>
-          <a:xfrm>
-            <a:off x="9167297" y="6453143"/>
-            <a:ext cx="814903" cy="404857"/>
-          </a:xfrm>
-          <a:prstGeom prst="triangle">
-            <a:avLst/>
-          </a:prstGeom>
-          <a:solidFill>
-            <a:schemeClr val="accent1">
-              <a:alpha val="30000"/>
-            </a:schemeClr>
-          </a:solidFill>
-          <a:ln>
-            <a:noFill/>
-          </a:ln>
-        </p:spPr>
-        <p:style>
-          <a:lnRef idx="2">
-            <a:schemeClr val="accent1">
-              <a:shade val="50000"/>
-            </a:schemeClr>
-          </a:lnRef>
-          <a:fillRef idx="1">
-            <a:schemeClr val="accent1"/>
-          </a:fillRef>
-          <a:effectRef idx="0">
-            <a:schemeClr val="accent1"/>
-          </a:effectRef>
-          <a:fontRef idx="minor">
-            <a:schemeClr val="lt1"/>
-          </a:fontRef>
-        </p:style>
-        <p:txBody>
-          <a:bodyPr wrap="square" rtlCol="0" anchor="ctr">
-            <a:noAutofit/>
-          </a:bodyPr>
-          <a:lstStyle/>
-          <a:p>
-            <a:pPr algn="ctr"/>
-            <a:endParaRPr lang="en-US"/>
-          </a:p>
-        </p:txBody>
-      </p:sp>
-    </p:spTree>
-    <p:extLst>
-      <p:ext uri="{BB962C8B-B14F-4D97-AF65-F5344CB8AC3E}">
-        <p14:creationId xmlns:p14="http://schemas.microsoft.com/office/powerpoint/2010/main" val="3495795279"/>
-      </p:ext>
-    </p:extLst>
-  </p:cSld>
-  <p:clrMapOvr>
-    <a:masterClrMapping/>
-  </p:clrMapOvr>
-</p:sld>
-</file>
-
-<file path=ppt/slides/slide12.xml><?xml version="1.0" encoding="utf-8"?>
-<p:sld xmlns:a="http://schemas.openxmlformats.org/drawingml/2006/main" xmlns:r="http://schemas.openxmlformats.org/officeDocument/2006/relationships" xmlns:p="http://schemas.openxmlformats.org/presentationml/2006/main">
-  <p:cSld>
-    <p:bg>
-      <p:bgPr>
-        <a:solidFill>
-          <a:schemeClr val="bg1"/>
-        </a:solidFill>
-        <a:effectLst/>
-      </p:bgPr>
-    </p:bg>
-    <p:spTree>
-      <p:nvGrpSpPr>
-        <p:cNvPr id="1" name=""/>
-        <p:cNvGrpSpPr/>
-        <p:nvPr/>
-      </p:nvGrpSpPr>
-      <p:grpSpPr>
-        <a:xfrm>
-          <a:off x="0" y="0"/>
-          <a:ext cx="0" cy="0"/>
-          <a:chOff x="0" y="0"/>
-          <a:chExt cx="0" cy="0"/>
-        </a:xfrm>
-      </p:grpSpPr>
-      <p:sp>
-        <p:nvSpPr>
-          <p:cNvPr id="8" name="Rectangle 7">
-            <a:extLst>
-              <a:ext uri="{FF2B5EF4-FFF2-40B4-BE49-F238E27FC236}">
                 <a16:creationId xmlns:a16="http://schemas.microsoft.com/office/drawing/2014/main" id="{EE39DFCF-9247-4DE5-BB93-074BFAF07A3F}"/>
               </a:ext>
               <a:ext uri="{C183D7F6-B498-43B3-948B-1728B52AA6E4}">
@@ -5995,39 +5044,15 @@
               <a:buNone/>
             </a:pPr>
             <a:r>
-              <a:rPr lang="en-US" sz="2000" dirty="0" err="1">
+              <a:rPr lang="fr-FR" sz="2000" dirty="0">
                 <a:solidFill>
                   <a:srgbClr val="080808"/>
                 </a:solidFill>
               </a:rPr>
-              <a:t>Fonctions</a:t>
+              <a:t>Fonctions a exécuter par le backend</a:t>
             </a:r>
             <a:r>
-              <a:rPr lang="en-US" sz="2000" dirty="0">
-                <a:solidFill>
-                  <a:srgbClr val="080808"/>
-                </a:solidFill>
-              </a:rPr>
-              <a:t> a </a:t>
-            </a:r>
-            <a:r>
-              <a:rPr lang="en-US" sz="2000" dirty="0" err="1">
-                <a:solidFill>
-                  <a:srgbClr val="080808"/>
-                </a:solidFill>
-              </a:rPr>
-              <a:t>éxécuter</a:t>
-            </a:r>
-            <a:r>
-              <a:rPr lang="en-US" sz="2000" dirty="0">
-                <a:solidFill>
-                  <a:srgbClr val="080808"/>
-                </a:solidFill>
-              </a:rPr>
-              <a:t> par le backend</a:t>
-            </a:r>
-            <a:r>
-              <a:rPr lang="en-US" sz="2000" kern="1200" dirty="0">
+              <a:rPr lang="fr-FR" sz="2000" kern="1200" dirty="0">
                 <a:solidFill>
                   <a:srgbClr val="080808"/>
                 </a:solidFill>
@@ -6185,7 +5210,7 @@
 </p:sld>
 </file>
 
-<file path=ppt/slides/slide13.xml><?xml version="1.0" encoding="utf-8"?>
+<file path=ppt/slides/slide11.xml><?xml version="1.0" encoding="utf-8"?>
 <p:sld xmlns:a="http://schemas.openxmlformats.org/drawingml/2006/main" xmlns:r="http://schemas.openxmlformats.org/officeDocument/2006/relationships" xmlns:p="http://schemas.openxmlformats.org/presentationml/2006/main">
   <p:cSld>
     <p:bg>
@@ -6541,6 +5566,106 @@
           </a:p>
         </p:txBody>
       </p:sp>
+      <p:pic>
+        <p:nvPicPr>
+          <p:cNvPr id="3" name="Image 2">
+            <a:extLst>
+              <a:ext uri="{FF2B5EF4-FFF2-40B4-BE49-F238E27FC236}">
+                <a16:creationId xmlns:a16="http://schemas.microsoft.com/office/drawing/2014/main" id="{989AC516-30AC-CEB8-6FCB-E1CA85B45E4D}"/>
+              </a:ext>
+            </a:extLst>
+          </p:cNvPr>
+          <p:cNvPicPr>
+            <a:picLocks noChangeAspect="1"/>
+          </p:cNvPicPr>
+          <p:nvPr/>
+        </p:nvPicPr>
+        <p:blipFill>
+          <a:blip r:embed="rId2"/>
+          <a:stretch>
+            <a:fillRect/>
+          </a:stretch>
+        </p:blipFill>
+        <p:spPr>
+          <a:xfrm>
+            <a:off x="0" y="1627579"/>
+            <a:ext cx="12192000" cy="4086609"/>
+          </a:xfrm>
+          <a:prstGeom prst="rect">
+            <a:avLst/>
+          </a:prstGeom>
+        </p:spPr>
+      </p:pic>
+      <p:sp>
+        <p:nvSpPr>
+          <p:cNvPr id="4" name="ZoneTexte 3">
+            <a:extLst>
+              <a:ext uri="{FF2B5EF4-FFF2-40B4-BE49-F238E27FC236}">
+                <a16:creationId xmlns:a16="http://schemas.microsoft.com/office/drawing/2014/main" id="{E862F7EF-DCF0-A369-2F92-D3AA0C929AC8}"/>
+              </a:ext>
+            </a:extLst>
+          </p:cNvPr>
+          <p:cNvSpPr txBox="1"/>
+          <p:nvPr/>
+        </p:nvSpPr>
+        <p:spPr>
+          <a:xfrm>
+            <a:off x="728866" y="767183"/>
+            <a:ext cx="10934019" cy="369332"/>
+          </a:xfrm>
+          <a:prstGeom prst="rect">
+            <a:avLst/>
+          </a:prstGeom>
+          <a:noFill/>
+        </p:spPr>
+        <p:txBody>
+          <a:bodyPr wrap="none" rtlCol="0">
+            <a:spAutoFit/>
+          </a:bodyPr>
+          <a:lstStyle/>
+          <a:p>
+            <a:r>
+              <a:rPr lang="fr-FR" dirty="0"/>
+              <a:t>On y retrouve les différentes fonctions sous forme de ‘’modules’’ qu’on exporte puis importe dans les middleware.</a:t>
+            </a:r>
+          </a:p>
+        </p:txBody>
+      </p:sp>
+      <p:sp>
+        <p:nvSpPr>
+          <p:cNvPr id="5" name="ZoneTexte 4">
+            <a:extLst>
+              <a:ext uri="{FF2B5EF4-FFF2-40B4-BE49-F238E27FC236}">
+                <a16:creationId xmlns:a16="http://schemas.microsoft.com/office/drawing/2014/main" id="{F1AD34E5-11FF-CD11-E8A0-CBF43E4C74A5}"/>
+              </a:ext>
+            </a:extLst>
+          </p:cNvPr>
+          <p:cNvSpPr txBox="1"/>
+          <p:nvPr/>
+        </p:nvSpPr>
+        <p:spPr>
+          <a:xfrm>
+            <a:off x="2743199" y="6146110"/>
+            <a:ext cx="7118680" cy="369332"/>
+          </a:xfrm>
+          <a:prstGeom prst="rect">
+            <a:avLst/>
+          </a:prstGeom>
+          <a:noFill/>
+        </p:spPr>
+        <p:txBody>
+          <a:bodyPr wrap="none" rtlCol="0">
+            <a:spAutoFit/>
+          </a:bodyPr>
+          <a:lstStyle/>
+          <a:p>
+            <a:r>
+              <a:rPr lang="fr-FR" dirty="0"/>
+              <a:t>Voici par exemple a quoi ressemble le code pour créer une nouvelle sauce.</a:t>
+            </a:r>
+          </a:p>
+        </p:txBody>
+      </p:sp>
     </p:spTree>
     <p:extLst>
       <p:ext uri="{BB962C8B-B14F-4D97-AF65-F5344CB8AC3E}">
@@ -6554,602 +5679,7 @@
 </p:sld>
 </file>
 
-<file path=ppt/slides/slide14.xml><?xml version="1.0" encoding="utf-8"?>
-<p:sld xmlns:a="http://schemas.openxmlformats.org/drawingml/2006/main" xmlns:r="http://schemas.openxmlformats.org/officeDocument/2006/relationships" xmlns:p="http://schemas.openxmlformats.org/presentationml/2006/main">
-  <p:cSld>
-    <p:bg>
-      <p:bgPr>
-        <a:solidFill>
-          <a:schemeClr val="bg1"/>
-        </a:solidFill>
-        <a:effectLst/>
-      </p:bgPr>
-    </p:bg>
-    <p:spTree>
-      <p:nvGrpSpPr>
-        <p:cNvPr id="1" name=""/>
-        <p:cNvGrpSpPr/>
-        <p:nvPr/>
-      </p:nvGrpSpPr>
-      <p:grpSpPr>
-        <a:xfrm>
-          <a:off x="0" y="0"/>
-          <a:ext cx="0" cy="0"/>
-          <a:chOff x="0" y="0"/>
-          <a:chExt cx="0" cy="0"/>
-        </a:xfrm>
-      </p:grpSpPr>
-      <p:sp>
-        <p:nvSpPr>
-          <p:cNvPr id="41" name="Rectangle 40">
-            <a:extLst>
-              <a:ext uri="{FF2B5EF4-FFF2-40B4-BE49-F238E27FC236}">
-                <a16:creationId xmlns:a16="http://schemas.microsoft.com/office/drawing/2014/main" id="{46D6306C-ED4F-4AAE-B4A5-EEA6AFAD726E}"/>
-              </a:ext>
-              <a:ext uri="{C183D7F6-B498-43B3-948B-1728B52AA6E4}">
-                <adec:decorative xmlns:adec="http://schemas.microsoft.com/office/drawing/2017/decorative" val="1"/>
-              </a:ext>
-            </a:extLst>
-          </p:cNvPr>
-          <p:cNvSpPr>
-            <a:spLocks noGrp="1" noRot="1" noChangeAspect="1" noMove="1" noResize="1" noEditPoints="1" noAdjustHandles="1" noChangeArrowheads="1" noChangeShapeType="1" noTextEdit="1"/>
-          </p:cNvSpPr>
-          <p:nvPr>
-            <p:extLst>
-              <p:ext uri="{386F3935-93C4-4BCD-93E2-E3B085C9AB24}">
-                <p16:designElem xmlns:p16="http://schemas.microsoft.com/office/powerpoint/2015/main" val="1"/>
-              </p:ext>
-            </p:extLst>
-          </p:nvPr>
-        </p:nvSpPr>
-        <p:spPr>
-          <a:xfrm>
-            <a:off x="0" y="0"/>
-            <a:ext cx="12192000" cy="6858000"/>
-          </a:xfrm>
-          <a:prstGeom prst="rect">
-            <a:avLst/>
-          </a:prstGeom>
-          <a:solidFill>
-            <a:schemeClr val="bg1"/>
-          </a:solidFill>
-          <a:ln>
-            <a:noFill/>
-          </a:ln>
-        </p:spPr>
-        <p:style>
-          <a:lnRef idx="2">
-            <a:schemeClr val="accent1">
-              <a:shade val="50000"/>
-            </a:schemeClr>
-          </a:lnRef>
-          <a:fillRef idx="1">
-            <a:schemeClr val="accent1"/>
-          </a:fillRef>
-          <a:effectRef idx="0">
-            <a:schemeClr val="accent1"/>
-          </a:effectRef>
-          <a:fontRef idx="minor">
-            <a:schemeClr val="lt1"/>
-          </a:fontRef>
-        </p:style>
-        <p:txBody>
-          <a:bodyPr rtlCol="0" anchor="ctr"/>
-          <a:lstStyle/>
-          <a:p>
-            <a:pPr algn="ctr"/>
-            <a:endParaRPr lang="en-US" dirty="0"/>
-          </a:p>
-        </p:txBody>
-      </p:sp>
-      <p:sp>
-        <p:nvSpPr>
-          <p:cNvPr id="43" name="Rectangle 42">
-            <a:extLst>
-              <a:ext uri="{FF2B5EF4-FFF2-40B4-BE49-F238E27FC236}">
-                <a16:creationId xmlns:a16="http://schemas.microsoft.com/office/drawing/2014/main" id="{0EC5361D-F897-4856-B945-0455A365EB24}"/>
-              </a:ext>
-              <a:ext uri="{C183D7F6-B498-43B3-948B-1728B52AA6E4}">
-                <adec:decorative xmlns:adec="http://schemas.microsoft.com/office/drawing/2017/decorative" val="1"/>
-              </a:ext>
-            </a:extLst>
-          </p:cNvPr>
-          <p:cNvSpPr>
-            <a:spLocks noGrp="1" noRot="1" noChangeAspect="1" noMove="1" noResize="1" noEditPoints="1" noAdjustHandles="1" noChangeArrowheads="1" noChangeShapeType="1" noTextEdit="1"/>
-          </p:cNvSpPr>
-          <p:nvPr>
-            <p:extLst>
-              <p:ext uri="{386F3935-93C4-4BCD-93E2-E3B085C9AB24}">
-                <p16:designElem xmlns:p16="http://schemas.microsoft.com/office/powerpoint/2015/main" val="1"/>
-              </p:ext>
-            </p:extLst>
-          </p:nvPr>
-        </p:nvSpPr>
-        <p:spPr>
-          <a:xfrm rot="2700000">
-            <a:off x="415435" y="655140"/>
-            <a:ext cx="687472" cy="687472"/>
-          </a:xfrm>
-          <a:prstGeom prst="rect">
-            <a:avLst/>
-          </a:prstGeom>
-          <a:solidFill>
-            <a:schemeClr val="accent4">
-              <a:alpha val="30000"/>
-            </a:schemeClr>
-          </a:solidFill>
-          <a:ln>
-            <a:noFill/>
-          </a:ln>
-        </p:spPr>
-        <p:style>
-          <a:lnRef idx="2">
-            <a:schemeClr val="accent1">
-              <a:shade val="50000"/>
-            </a:schemeClr>
-          </a:lnRef>
-          <a:fillRef idx="1">
-            <a:schemeClr val="accent1"/>
-          </a:fillRef>
-          <a:effectRef idx="0">
-            <a:schemeClr val="accent1"/>
-          </a:effectRef>
-          <a:fontRef idx="minor">
-            <a:schemeClr val="lt1"/>
-          </a:fontRef>
-        </p:style>
-        <p:txBody>
-          <a:bodyPr rtlCol="0" anchor="ctr"/>
-          <a:lstStyle/>
-          <a:p>
-            <a:pPr algn="ctr"/>
-            <a:endParaRPr lang="en-US"/>
-          </a:p>
-        </p:txBody>
-      </p:sp>
-      <p:sp>
-        <p:nvSpPr>
-          <p:cNvPr id="45" name="Freeform: Shape 44">
-            <a:extLst>
-              <a:ext uri="{FF2B5EF4-FFF2-40B4-BE49-F238E27FC236}">
-                <a16:creationId xmlns:a16="http://schemas.microsoft.com/office/drawing/2014/main" id="{4508C0C5-2268-42B5-B3C8-4D0899E05F8C}"/>
-              </a:ext>
-              <a:ext uri="{C183D7F6-B498-43B3-948B-1728B52AA6E4}">
-                <adec:decorative xmlns:adec="http://schemas.microsoft.com/office/drawing/2017/decorative" val="1"/>
-              </a:ext>
-            </a:extLst>
-          </p:cNvPr>
-          <p:cNvSpPr>
-            <a:spLocks noGrp="1" noRot="1" noChangeAspect="1" noMove="1" noResize="1" noEditPoints="1" noAdjustHandles="1" noChangeArrowheads="1" noChangeShapeType="1" noTextEdit="1"/>
-          </p:cNvSpPr>
-          <p:nvPr>
-            <p:extLst>
-              <p:ext uri="{386F3935-93C4-4BCD-93E2-E3B085C9AB24}">
-                <p16:designElem xmlns:p16="http://schemas.microsoft.com/office/powerpoint/2015/main" val="1"/>
-              </p:ext>
-            </p:extLst>
-          </p:nvPr>
-        </p:nvSpPr>
-        <p:spPr>
-          <a:xfrm rot="10800000">
-            <a:off x="0" y="0"/>
-            <a:ext cx="2835357" cy="1480837"/>
-          </a:xfrm>
-          <a:custGeom>
-            <a:avLst/>
-            <a:gdLst>
-              <a:gd name="connsiteX0" fmla="*/ 2835357 w 2835357"/>
-              <a:gd name="connsiteY0" fmla="*/ 1480837 h 1480837"/>
-              <a:gd name="connsiteX1" fmla="*/ 0 w 2835357"/>
-              <a:gd name="connsiteY1" fmla="*/ 1480837 h 1480837"/>
-              <a:gd name="connsiteX2" fmla="*/ 1552727 w 2835357"/>
-              <a:gd name="connsiteY2" fmla="*/ 0 h 1480837"/>
-              <a:gd name="connsiteX3" fmla="*/ 2835357 w 2835357"/>
-              <a:gd name="connsiteY3" fmla="*/ 1223245 h 1480837"/>
-            </a:gdLst>
-            <a:ahLst/>
-            <a:cxnLst>
-              <a:cxn ang="0">
-                <a:pos x="connsiteX0" y="connsiteY0"/>
-              </a:cxn>
-              <a:cxn ang="0">
-                <a:pos x="connsiteX1" y="connsiteY1"/>
-              </a:cxn>
-              <a:cxn ang="0">
-                <a:pos x="connsiteX2" y="connsiteY2"/>
-              </a:cxn>
-              <a:cxn ang="0">
-                <a:pos x="connsiteX3" y="connsiteY3"/>
-              </a:cxn>
-            </a:cxnLst>
-            <a:rect l="l" t="t" r="r" b="b"/>
-            <a:pathLst>
-              <a:path w="2835357" h="1480837">
-                <a:moveTo>
-                  <a:pt x="2835357" y="1480837"/>
-                </a:moveTo>
-                <a:lnTo>
-                  <a:pt x="0" y="1480837"/>
-                </a:lnTo>
-                <a:lnTo>
-                  <a:pt x="1552727" y="0"/>
-                </a:lnTo>
-                <a:lnTo>
-                  <a:pt x="2835357" y="1223245"/>
-                </a:lnTo>
-                <a:close/>
-              </a:path>
-            </a:pathLst>
-          </a:custGeom>
-          <a:solidFill>
-            <a:schemeClr val="accent4">
-              <a:alpha val="30000"/>
-            </a:schemeClr>
-          </a:solidFill>
-          <a:ln>
-            <a:noFill/>
-          </a:ln>
-        </p:spPr>
-        <p:style>
-          <a:lnRef idx="2">
-            <a:schemeClr val="accent1">
-              <a:shade val="50000"/>
-            </a:schemeClr>
-          </a:lnRef>
-          <a:fillRef idx="1">
-            <a:schemeClr val="accent1"/>
-          </a:fillRef>
-          <a:effectRef idx="0">
-            <a:schemeClr val="accent1"/>
-          </a:effectRef>
-          <a:fontRef idx="minor">
-            <a:schemeClr val="lt1"/>
-          </a:fontRef>
-        </p:style>
-        <p:txBody>
-          <a:bodyPr wrap="square" rtlCol="0" anchor="ctr">
-            <a:noAutofit/>
-          </a:bodyPr>
-          <a:lstStyle/>
-          <a:p>
-            <a:pPr algn="ctr"/>
-            <a:endParaRPr lang="en-US" dirty="0"/>
-          </a:p>
-        </p:txBody>
-      </p:sp>
-      <p:sp>
-        <p:nvSpPr>
-          <p:cNvPr id="47" name="Freeform: Shape 46">
-            <a:extLst>
-              <a:ext uri="{FF2B5EF4-FFF2-40B4-BE49-F238E27FC236}">
-                <a16:creationId xmlns:a16="http://schemas.microsoft.com/office/drawing/2014/main" id="{141ACBDB-38F8-4B34-8183-BD95B4E55A62}"/>
-              </a:ext>
-              <a:ext uri="{C183D7F6-B498-43B3-948B-1728B52AA6E4}">
-                <adec:decorative xmlns:adec="http://schemas.microsoft.com/office/drawing/2017/decorative" val="1"/>
-              </a:ext>
-            </a:extLst>
-          </p:cNvPr>
-          <p:cNvSpPr>
-            <a:spLocks noGrp="1" noRot="1" noChangeAspect="1" noMove="1" noResize="1" noEditPoints="1" noAdjustHandles="1" noChangeArrowheads="1" noChangeShapeType="1" noTextEdit="1"/>
-          </p:cNvSpPr>
-          <p:nvPr>
-            <p:extLst>
-              <p:ext uri="{386F3935-93C4-4BCD-93E2-E3B085C9AB24}">
-                <p16:designElem xmlns:p16="http://schemas.microsoft.com/office/powerpoint/2015/main" val="1"/>
-              </p:ext>
-            </p:extLst>
-          </p:nvPr>
-        </p:nvSpPr>
-        <p:spPr>
-          <a:xfrm rot="2700000">
-            <a:off x="10739327" y="-253670"/>
-            <a:ext cx="1827638" cy="1376989"/>
-          </a:xfrm>
-          <a:custGeom>
-            <a:avLst/>
-            <a:gdLst>
-              <a:gd name="connsiteX0" fmla="*/ 0 w 1827638"/>
-              <a:gd name="connsiteY0" fmla="*/ 987379 h 1376989"/>
-              <a:gd name="connsiteX1" fmla="*/ 987379 w 1827638"/>
-              <a:gd name="connsiteY1" fmla="*/ 0 h 1376989"/>
-              <a:gd name="connsiteX2" fmla="*/ 1827638 w 1827638"/>
-              <a:gd name="connsiteY2" fmla="*/ 840260 h 1376989"/>
-              <a:gd name="connsiteX3" fmla="*/ 1827638 w 1827638"/>
-              <a:gd name="connsiteY3" fmla="*/ 1376989 h 1376989"/>
-              <a:gd name="connsiteX4" fmla="*/ 0 w 1827638"/>
-              <a:gd name="connsiteY4" fmla="*/ 1376989 h 1376989"/>
-            </a:gdLst>
-            <a:ahLst/>
-            <a:cxnLst>
-              <a:cxn ang="0">
-                <a:pos x="connsiteX0" y="connsiteY0"/>
-              </a:cxn>
-              <a:cxn ang="0">
-                <a:pos x="connsiteX1" y="connsiteY1"/>
-              </a:cxn>
-              <a:cxn ang="0">
-                <a:pos x="connsiteX2" y="connsiteY2"/>
-              </a:cxn>
-              <a:cxn ang="0">
-                <a:pos x="connsiteX3" y="connsiteY3"/>
-              </a:cxn>
-              <a:cxn ang="0">
-                <a:pos x="connsiteX4" y="connsiteY4"/>
-              </a:cxn>
-            </a:cxnLst>
-            <a:rect l="l" t="t" r="r" b="b"/>
-            <a:pathLst>
-              <a:path w="1827638" h="1376989">
-                <a:moveTo>
-                  <a:pt x="0" y="987379"/>
-                </a:moveTo>
-                <a:lnTo>
-                  <a:pt x="987379" y="0"/>
-                </a:lnTo>
-                <a:lnTo>
-                  <a:pt x="1827638" y="840260"/>
-                </a:lnTo>
-                <a:lnTo>
-                  <a:pt x="1827638" y="1376989"/>
-                </a:lnTo>
-                <a:lnTo>
-                  <a:pt x="0" y="1376989"/>
-                </a:lnTo>
-                <a:close/>
-              </a:path>
-            </a:pathLst>
-          </a:custGeom>
-          <a:solidFill>
-            <a:schemeClr val="accent1">
-              <a:alpha val="30000"/>
-            </a:schemeClr>
-          </a:solidFill>
-          <a:ln>
-            <a:noFill/>
-          </a:ln>
-        </p:spPr>
-        <p:style>
-          <a:lnRef idx="2">
-            <a:schemeClr val="accent1">
-              <a:shade val="50000"/>
-            </a:schemeClr>
-          </a:lnRef>
-          <a:fillRef idx="1">
-            <a:schemeClr val="accent1"/>
-          </a:fillRef>
-          <a:effectRef idx="0">
-            <a:schemeClr val="accent1"/>
-          </a:effectRef>
-          <a:fontRef idx="minor">
-            <a:schemeClr val="lt1"/>
-          </a:fontRef>
-        </p:style>
-        <p:txBody>
-          <a:bodyPr wrap="square" rtlCol="0" anchor="ctr">
-            <a:noAutofit/>
-          </a:bodyPr>
-          <a:lstStyle/>
-          <a:p>
-            <a:pPr algn="ctr"/>
-            <a:endParaRPr lang="en-US" dirty="0"/>
-          </a:p>
-        </p:txBody>
-      </p:sp>
-      <p:sp>
-        <p:nvSpPr>
-          <p:cNvPr id="49" name="Rectangle 48">
-            <a:extLst>
-              <a:ext uri="{FF2B5EF4-FFF2-40B4-BE49-F238E27FC236}">
-                <a16:creationId xmlns:a16="http://schemas.microsoft.com/office/drawing/2014/main" id="{DE00DB52-3455-4E2F-867B-A6D0516E175B}"/>
-              </a:ext>
-              <a:ext uri="{C183D7F6-B498-43B3-948B-1728B52AA6E4}">
-                <adec:decorative xmlns:adec="http://schemas.microsoft.com/office/drawing/2017/decorative" val="1"/>
-              </a:ext>
-            </a:extLst>
-          </p:cNvPr>
-          <p:cNvSpPr>
-            <a:spLocks noGrp="1" noRot="1" noChangeAspect="1" noMove="1" noResize="1" noEditPoints="1" noAdjustHandles="1" noChangeArrowheads="1" noChangeShapeType="1" noTextEdit="1"/>
-          </p:cNvSpPr>
-          <p:nvPr>
-            <p:extLst>
-              <p:ext uri="{386F3935-93C4-4BCD-93E2-E3B085C9AB24}">
-                <p16:designElem xmlns:p16="http://schemas.microsoft.com/office/powerpoint/2015/main" val="1"/>
-              </p:ext>
-            </p:extLst>
-          </p:nvPr>
-        </p:nvSpPr>
-        <p:spPr>
-          <a:xfrm rot="2700000">
-            <a:off x="10653800" y="422146"/>
-            <a:ext cx="645368" cy="645368"/>
-          </a:xfrm>
-          <a:prstGeom prst="rect">
-            <a:avLst/>
-          </a:prstGeom>
-          <a:solidFill>
-            <a:schemeClr val="accent1">
-              <a:alpha val="30000"/>
-            </a:schemeClr>
-          </a:solidFill>
-          <a:ln>
-            <a:noFill/>
-          </a:ln>
-        </p:spPr>
-        <p:style>
-          <a:lnRef idx="2">
-            <a:schemeClr val="accent1">
-              <a:shade val="50000"/>
-            </a:schemeClr>
-          </a:lnRef>
-          <a:fillRef idx="1">
-            <a:schemeClr val="accent1"/>
-          </a:fillRef>
-          <a:effectRef idx="0">
-            <a:schemeClr val="accent1"/>
-          </a:effectRef>
-          <a:fontRef idx="minor">
-            <a:schemeClr val="lt1"/>
-          </a:fontRef>
-        </p:style>
-        <p:txBody>
-          <a:bodyPr wrap="square" rtlCol="0" anchor="ctr">
-            <a:noAutofit/>
-          </a:bodyPr>
-          <a:lstStyle/>
-          <a:p>
-            <a:pPr algn="ctr"/>
-            <a:endParaRPr lang="en-US"/>
-          </a:p>
-        </p:txBody>
-      </p:sp>
-      <p:sp>
-        <p:nvSpPr>
-          <p:cNvPr id="51" name="Isosceles Triangle 50">
-            <a:extLst>
-              <a:ext uri="{FF2B5EF4-FFF2-40B4-BE49-F238E27FC236}">
-                <a16:creationId xmlns:a16="http://schemas.microsoft.com/office/drawing/2014/main" id="{9E914C83-E0D8-4953-92D5-169D28CB43AE}"/>
-              </a:ext>
-              <a:ext uri="{C183D7F6-B498-43B3-948B-1728B52AA6E4}">
-                <adec:decorative xmlns:adec="http://schemas.microsoft.com/office/drawing/2017/decorative" val="1"/>
-              </a:ext>
-            </a:extLst>
-          </p:cNvPr>
-          <p:cNvSpPr>
-            <a:spLocks noGrp="1" noRot="1" noChangeAspect="1" noMove="1" noResize="1" noEditPoints="1" noAdjustHandles="1" noChangeArrowheads="1" noChangeShapeType="1" noTextEdit="1"/>
-          </p:cNvSpPr>
-          <p:nvPr>
-            <p:extLst>
-              <p:ext uri="{386F3935-93C4-4BCD-93E2-E3B085C9AB24}">
-                <p16:designElem xmlns:p16="http://schemas.microsoft.com/office/powerpoint/2015/main" val="1"/>
-              </p:ext>
-            </p:extLst>
-          </p:nvPr>
-        </p:nvSpPr>
-        <p:spPr>
-          <a:xfrm>
-            <a:off x="8115423" y="6115501"/>
-            <a:ext cx="1494513" cy="742499"/>
-          </a:xfrm>
-          <a:prstGeom prst="triangle">
-            <a:avLst/>
-          </a:prstGeom>
-          <a:solidFill>
-            <a:schemeClr val="accent1">
-              <a:alpha val="30000"/>
-            </a:schemeClr>
-          </a:solidFill>
-          <a:ln>
-            <a:noFill/>
-          </a:ln>
-        </p:spPr>
-        <p:style>
-          <a:lnRef idx="2">
-            <a:schemeClr val="accent1">
-              <a:shade val="50000"/>
-            </a:schemeClr>
-          </a:lnRef>
-          <a:fillRef idx="1">
-            <a:schemeClr val="accent1"/>
-          </a:fillRef>
-          <a:effectRef idx="0">
-            <a:schemeClr val="accent1"/>
-          </a:effectRef>
-          <a:fontRef idx="minor">
-            <a:schemeClr val="lt1"/>
-          </a:fontRef>
-        </p:style>
-        <p:txBody>
-          <a:bodyPr wrap="square" rtlCol="0" anchor="ctr">
-            <a:noAutofit/>
-          </a:bodyPr>
-          <a:lstStyle/>
-          <a:p>
-            <a:pPr algn="ctr"/>
-            <a:endParaRPr lang="en-US"/>
-          </a:p>
-        </p:txBody>
-      </p:sp>
-      <p:sp>
-        <p:nvSpPr>
-          <p:cNvPr id="53" name="Isosceles Triangle 52">
-            <a:extLst>
-              <a:ext uri="{FF2B5EF4-FFF2-40B4-BE49-F238E27FC236}">
-                <a16:creationId xmlns:a16="http://schemas.microsoft.com/office/drawing/2014/main" id="{3512E083-F550-46AF-8490-767ECFD00CB7}"/>
-              </a:ext>
-              <a:ext uri="{C183D7F6-B498-43B3-948B-1728B52AA6E4}">
-                <adec:decorative xmlns:adec="http://schemas.microsoft.com/office/drawing/2017/decorative" val="1"/>
-              </a:ext>
-            </a:extLst>
-          </p:cNvPr>
-          <p:cNvSpPr>
-            <a:spLocks noGrp="1" noRot="1" noChangeAspect="1" noMove="1" noResize="1" noEditPoints="1" noAdjustHandles="1" noChangeArrowheads="1" noChangeShapeType="1" noTextEdit="1"/>
-          </p:cNvSpPr>
-          <p:nvPr>
-            <p:extLst>
-              <p:ext uri="{386F3935-93C4-4BCD-93E2-E3B085C9AB24}">
-                <p16:designElem xmlns:p16="http://schemas.microsoft.com/office/powerpoint/2015/main" val="1"/>
-              </p:ext>
-            </p:extLst>
-          </p:nvPr>
-        </p:nvSpPr>
-        <p:spPr>
-          <a:xfrm>
-            <a:off x="9167297" y="6453143"/>
-            <a:ext cx="814903" cy="404857"/>
-          </a:xfrm>
-          <a:prstGeom prst="triangle">
-            <a:avLst/>
-          </a:prstGeom>
-          <a:solidFill>
-            <a:schemeClr val="accent1">
-              <a:alpha val="30000"/>
-            </a:schemeClr>
-          </a:solidFill>
-          <a:ln>
-            <a:noFill/>
-          </a:ln>
-        </p:spPr>
-        <p:style>
-          <a:lnRef idx="2">
-            <a:schemeClr val="accent1">
-              <a:shade val="50000"/>
-            </a:schemeClr>
-          </a:lnRef>
-          <a:fillRef idx="1">
-            <a:schemeClr val="accent1"/>
-          </a:fillRef>
-          <a:effectRef idx="0">
-            <a:schemeClr val="accent1"/>
-          </a:effectRef>
-          <a:fontRef idx="minor">
-            <a:schemeClr val="lt1"/>
-          </a:fontRef>
-        </p:style>
-        <p:txBody>
-          <a:bodyPr wrap="square" rtlCol="0" anchor="ctr">
-            <a:noAutofit/>
-          </a:bodyPr>
-          <a:lstStyle/>
-          <a:p>
-            <a:pPr algn="ctr"/>
-            <a:endParaRPr lang="en-US"/>
-          </a:p>
-        </p:txBody>
-      </p:sp>
-    </p:spTree>
-    <p:extLst>
-      <p:ext uri="{BB962C8B-B14F-4D97-AF65-F5344CB8AC3E}">
-        <p14:creationId xmlns:p14="http://schemas.microsoft.com/office/powerpoint/2010/main" val="762647590"/>
-      </p:ext>
-    </p:extLst>
-  </p:cSld>
-  <p:clrMapOvr>
-    <a:masterClrMapping/>
-  </p:clrMapOvr>
-</p:sld>
-</file>
-
-<file path=ppt/slides/slide15.xml><?xml version="1.0" encoding="utf-8"?>
+<file path=ppt/slides/slide12.xml><?xml version="1.0" encoding="utf-8"?>
 <p:sld xmlns:a="http://schemas.openxmlformats.org/drawingml/2006/main" xmlns:r="http://schemas.openxmlformats.org/officeDocument/2006/relationships" xmlns:p="http://schemas.openxmlformats.org/presentationml/2006/main">
   <p:cSld>
     <p:bg>
@@ -7570,36 +6100,12 @@
               <a:buNone/>
             </a:pPr>
             <a:r>
-              <a:rPr lang="en-US" sz="2000" dirty="0" err="1">
+              <a:rPr lang="fr-FR" sz="2000" dirty="0">
                 <a:solidFill>
                   <a:srgbClr val="080808"/>
                 </a:solidFill>
               </a:rPr>
-              <a:t>Définit</a:t>
-            </a:r>
-            <a:r>
-              <a:rPr lang="en-US" sz="2000" dirty="0">
-                <a:solidFill>
-                  <a:srgbClr val="080808"/>
-                </a:solidFill>
-              </a:rPr>
-              <a:t> le schema des </a:t>
-            </a:r>
-            <a:r>
-              <a:rPr lang="en-US" sz="2000" dirty="0" err="1">
-                <a:solidFill>
-                  <a:srgbClr val="080808"/>
-                </a:solidFill>
-              </a:rPr>
-              <a:t>donnes</a:t>
-            </a:r>
-            <a:r>
-              <a:rPr lang="en-US" sz="2000" dirty="0">
-                <a:solidFill>
-                  <a:srgbClr val="080808"/>
-                </a:solidFill>
-              </a:rPr>
-              <a:t> </a:t>
+              <a:t>Définit le schéma des données </a:t>
             </a:r>
           </a:p>
         </p:txBody>
@@ -7992,7 +6498,7 @@
 </p:sld>
 </file>
 
-<file path=ppt/slides/slide16.xml><?xml version="1.0" encoding="utf-8"?>
+<file path=ppt/slides/slide13.xml><?xml version="1.0" encoding="utf-8"?>
 <p:sld xmlns:a="http://schemas.openxmlformats.org/drawingml/2006/main" xmlns:r="http://schemas.openxmlformats.org/officeDocument/2006/relationships" xmlns:p="http://schemas.openxmlformats.org/presentationml/2006/main">
   <p:cSld>
     <p:bg>
@@ -8348,6 +6854,72 @@
           </a:p>
         </p:txBody>
       </p:sp>
+      <p:pic>
+        <p:nvPicPr>
+          <p:cNvPr id="3" name="Image 2">
+            <a:extLst>
+              <a:ext uri="{FF2B5EF4-FFF2-40B4-BE49-F238E27FC236}">
+                <a16:creationId xmlns:a16="http://schemas.microsoft.com/office/drawing/2014/main" id="{DA9EA546-2A3C-C169-0AB0-53220C3E8F44}"/>
+              </a:ext>
+            </a:extLst>
+          </p:cNvPr>
+          <p:cNvPicPr>
+            <a:picLocks noChangeAspect="1"/>
+          </p:cNvPicPr>
+          <p:nvPr/>
+        </p:nvPicPr>
+        <p:blipFill>
+          <a:blip r:embed="rId2"/>
+          <a:stretch>
+            <a:fillRect/>
+          </a:stretch>
+        </p:blipFill>
+        <p:spPr>
+          <a:xfrm>
+            <a:off x="2419350" y="1014412"/>
+            <a:ext cx="7353300" cy="4829175"/>
+          </a:xfrm>
+          <a:prstGeom prst="rect">
+            <a:avLst/>
+          </a:prstGeom>
+        </p:spPr>
+      </p:pic>
+      <p:sp>
+        <p:nvSpPr>
+          <p:cNvPr id="4" name="ZoneTexte 3">
+            <a:extLst>
+              <a:ext uri="{FF2B5EF4-FFF2-40B4-BE49-F238E27FC236}">
+                <a16:creationId xmlns:a16="http://schemas.microsoft.com/office/drawing/2014/main" id="{557E2094-0374-F18E-5560-1C5D57138F4F}"/>
+              </a:ext>
+            </a:extLst>
+          </p:cNvPr>
+          <p:cNvSpPr txBox="1"/>
+          <p:nvPr/>
+        </p:nvSpPr>
+        <p:spPr>
+          <a:xfrm>
+            <a:off x="2218845" y="184041"/>
+            <a:ext cx="8126964" cy="646331"/>
+          </a:xfrm>
+          <a:prstGeom prst="rect">
+            <a:avLst/>
+          </a:prstGeom>
+          <a:noFill/>
+        </p:spPr>
+        <p:txBody>
+          <a:bodyPr wrap="square" rtlCol="0">
+            <a:spAutoFit/>
+          </a:bodyPr>
+          <a:lstStyle/>
+          <a:p>
+            <a:pPr algn="ctr"/>
+            <a:r>
+              <a:rPr lang="fr-FR" dirty="0"/>
+              <a:t>Les modèles déterminent les structures qui seront attendus par la base de données (ex  : nom ? Email ? Unique ? Ou encore quel type ?).</a:t>
+            </a:r>
+          </a:p>
+        </p:txBody>
+      </p:sp>
     </p:spTree>
     <p:extLst>
       <p:ext uri="{BB962C8B-B14F-4D97-AF65-F5344CB8AC3E}">
@@ -8361,602 +6933,7 @@
 </p:sld>
 </file>
 
-<file path=ppt/slides/slide17.xml><?xml version="1.0" encoding="utf-8"?>
-<p:sld xmlns:a="http://schemas.openxmlformats.org/drawingml/2006/main" xmlns:r="http://schemas.openxmlformats.org/officeDocument/2006/relationships" xmlns:p="http://schemas.openxmlformats.org/presentationml/2006/main">
-  <p:cSld>
-    <p:bg>
-      <p:bgPr>
-        <a:solidFill>
-          <a:schemeClr val="bg1"/>
-        </a:solidFill>
-        <a:effectLst/>
-      </p:bgPr>
-    </p:bg>
-    <p:spTree>
-      <p:nvGrpSpPr>
-        <p:cNvPr id="1" name=""/>
-        <p:cNvGrpSpPr/>
-        <p:nvPr/>
-      </p:nvGrpSpPr>
-      <p:grpSpPr>
-        <a:xfrm>
-          <a:off x="0" y="0"/>
-          <a:ext cx="0" cy="0"/>
-          <a:chOff x="0" y="0"/>
-          <a:chExt cx="0" cy="0"/>
-        </a:xfrm>
-      </p:grpSpPr>
-      <p:sp>
-        <p:nvSpPr>
-          <p:cNvPr id="41" name="Rectangle 40">
-            <a:extLst>
-              <a:ext uri="{FF2B5EF4-FFF2-40B4-BE49-F238E27FC236}">
-                <a16:creationId xmlns:a16="http://schemas.microsoft.com/office/drawing/2014/main" id="{46D6306C-ED4F-4AAE-B4A5-EEA6AFAD726E}"/>
-              </a:ext>
-              <a:ext uri="{C183D7F6-B498-43B3-948B-1728B52AA6E4}">
-                <adec:decorative xmlns:adec="http://schemas.microsoft.com/office/drawing/2017/decorative" val="1"/>
-              </a:ext>
-            </a:extLst>
-          </p:cNvPr>
-          <p:cNvSpPr>
-            <a:spLocks noGrp="1" noRot="1" noChangeAspect="1" noMove="1" noResize="1" noEditPoints="1" noAdjustHandles="1" noChangeArrowheads="1" noChangeShapeType="1" noTextEdit="1"/>
-          </p:cNvSpPr>
-          <p:nvPr>
-            <p:extLst>
-              <p:ext uri="{386F3935-93C4-4BCD-93E2-E3B085C9AB24}">
-                <p16:designElem xmlns:p16="http://schemas.microsoft.com/office/powerpoint/2015/main" val="1"/>
-              </p:ext>
-            </p:extLst>
-          </p:nvPr>
-        </p:nvSpPr>
-        <p:spPr>
-          <a:xfrm>
-            <a:off x="0" y="0"/>
-            <a:ext cx="12192000" cy="6858000"/>
-          </a:xfrm>
-          <a:prstGeom prst="rect">
-            <a:avLst/>
-          </a:prstGeom>
-          <a:solidFill>
-            <a:schemeClr val="bg1"/>
-          </a:solidFill>
-          <a:ln>
-            <a:noFill/>
-          </a:ln>
-        </p:spPr>
-        <p:style>
-          <a:lnRef idx="2">
-            <a:schemeClr val="accent1">
-              <a:shade val="50000"/>
-            </a:schemeClr>
-          </a:lnRef>
-          <a:fillRef idx="1">
-            <a:schemeClr val="accent1"/>
-          </a:fillRef>
-          <a:effectRef idx="0">
-            <a:schemeClr val="accent1"/>
-          </a:effectRef>
-          <a:fontRef idx="minor">
-            <a:schemeClr val="lt1"/>
-          </a:fontRef>
-        </p:style>
-        <p:txBody>
-          <a:bodyPr rtlCol="0" anchor="ctr"/>
-          <a:lstStyle/>
-          <a:p>
-            <a:pPr algn="ctr"/>
-            <a:endParaRPr lang="en-US" dirty="0"/>
-          </a:p>
-        </p:txBody>
-      </p:sp>
-      <p:sp>
-        <p:nvSpPr>
-          <p:cNvPr id="43" name="Rectangle 42">
-            <a:extLst>
-              <a:ext uri="{FF2B5EF4-FFF2-40B4-BE49-F238E27FC236}">
-                <a16:creationId xmlns:a16="http://schemas.microsoft.com/office/drawing/2014/main" id="{0EC5361D-F897-4856-B945-0455A365EB24}"/>
-              </a:ext>
-              <a:ext uri="{C183D7F6-B498-43B3-948B-1728B52AA6E4}">
-                <adec:decorative xmlns:adec="http://schemas.microsoft.com/office/drawing/2017/decorative" val="1"/>
-              </a:ext>
-            </a:extLst>
-          </p:cNvPr>
-          <p:cNvSpPr>
-            <a:spLocks noGrp="1" noRot="1" noChangeAspect="1" noMove="1" noResize="1" noEditPoints="1" noAdjustHandles="1" noChangeArrowheads="1" noChangeShapeType="1" noTextEdit="1"/>
-          </p:cNvSpPr>
-          <p:nvPr>
-            <p:extLst>
-              <p:ext uri="{386F3935-93C4-4BCD-93E2-E3B085C9AB24}">
-                <p16:designElem xmlns:p16="http://schemas.microsoft.com/office/powerpoint/2015/main" val="1"/>
-              </p:ext>
-            </p:extLst>
-          </p:nvPr>
-        </p:nvSpPr>
-        <p:spPr>
-          <a:xfrm rot="2700000">
-            <a:off x="415435" y="655140"/>
-            <a:ext cx="687472" cy="687472"/>
-          </a:xfrm>
-          <a:prstGeom prst="rect">
-            <a:avLst/>
-          </a:prstGeom>
-          <a:solidFill>
-            <a:schemeClr val="accent4">
-              <a:alpha val="30000"/>
-            </a:schemeClr>
-          </a:solidFill>
-          <a:ln>
-            <a:noFill/>
-          </a:ln>
-        </p:spPr>
-        <p:style>
-          <a:lnRef idx="2">
-            <a:schemeClr val="accent1">
-              <a:shade val="50000"/>
-            </a:schemeClr>
-          </a:lnRef>
-          <a:fillRef idx="1">
-            <a:schemeClr val="accent1"/>
-          </a:fillRef>
-          <a:effectRef idx="0">
-            <a:schemeClr val="accent1"/>
-          </a:effectRef>
-          <a:fontRef idx="minor">
-            <a:schemeClr val="lt1"/>
-          </a:fontRef>
-        </p:style>
-        <p:txBody>
-          <a:bodyPr rtlCol="0" anchor="ctr"/>
-          <a:lstStyle/>
-          <a:p>
-            <a:pPr algn="ctr"/>
-            <a:endParaRPr lang="en-US"/>
-          </a:p>
-        </p:txBody>
-      </p:sp>
-      <p:sp>
-        <p:nvSpPr>
-          <p:cNvPr id="45" name="Freeform: Shape 44">
-            <a:extLst>
-              <a:ext uri="{FF2B5EF4-FFF2-40B4-BE49-F238E27FC236}">
-                <a16:creationId xmlns:a16="http://schemas.microsoft.com/office/drawing/2014/main" id="{4508C0C5-2268-42B5-B3C8-4D0899E05F8C}"/>
-              </a:ext>
-              <a:ext uri="{C183D7F6-B498-43B3-948B-1728B52AA6E4}">
-                <adec:decorative xmlns:adec="http://schemas.microsoft.com/office/drawing/2017/decorative" val="1"/>
-              </a:ext>
-            </a:extLst>
-          </p:cNvPr>
-          <p:cNvSpPr>
-            <a:spLocks noGrp="1" noRot="1" noChangeAspect="1" noMove="1" noResize="1" noEditPoints="1" noAdjustHandles="1" noChangeArrowheads="1" noChangeShapeType="1" noTextEdit="1"/>
-          </p:cNvSpPr>
-          <p:nvPr>
-            <p:extLst>
-              <p:ext uri="{386F3935-93C4-4BCD-93E2-E3B085C9AB24}">
-                <p16:designElem xmlns:p16="http://schemas.microsoft.com/office/powerpoint/2015/main" val="1"/>
-              </p:ext>
-            </p:extLst>
-          </p:nvPr>
-        </p:nvSpPr>
-        <p:spPr>
-          <a:xfrm rot="10800000">
-            <a:off x="0" y="0"/>
-            <a:ext cx="2835357" cy="1480837"/>
-          </a:xfrm>
-          <a:custGeom>
-            <a:avLst/>
-            <a:gdLst>
-              <a:gd name="connsiteX0" fmla="*/ 2835357 w 2835357"/>
-              <a:gd name="connsiteY0" fmla="*/ 1480837 h 1480837"/>
-              <a:gd name="connsiteX1" fmla="*/ 0 w 2835357"/>
-              <a:gd name="connsiteY1" fmla="*/ 1480837 h 1480837"/>
-              <a:gd name="connsiteX2" fmla="*/ 1552727 w 2835357"/>
-              <a:gd name="connsiteY2" fmla="*/ 0 h 1480837"/>
-              <a:gd name="connsiteX3" fmla="*/ 2835357 w 2835357"/>
-              <a:gd name="connsiteY3" fmla="*/ 1223245 h 1480837"/>
-            </a:gdLst>
-            <a:ahLst/>
-            <a:cxnLst>
-              <a:cxn ang="0">
-                <a:pos x="connsiteX0" y="connsiteY0"/>
-              </a:cxn>
-              <a:cxn ang="0">
-                <a:pos x="connsiteX1" y="connsiteY1"/>
-              </a:cxn>
-              <a:cxn ang="0">
-                <a:pos x="connsiteX2" y="connsiteY2"/>
-              </a:cxn>
-              <a:cxn ang="0">
-                <a:pos x="connsiteX3" y="connsiteY3"/>
-              </a:cxn>
-            </a:cxnLst>
-            <a:rect l="l" t="t" r="r" b="b"/>
-            <a:pathLst>
-              <a:path w="2835357" h="1480837">
-                <a:moveTo>
-                  <a:pt x="2835357" y="1480837"/>
-                </a:moveTo>
-                <a:lnTo>
-                  <a:pt x="0" y="1480837"/>
-                </a:lnTo>
-                <a:lnTo>
-                  <a:pt x="1552727" y="0"/>
-                </a:lnTo>
-                <a:lnTo>
-                  <a:pt x="2835357" y="1223245"/>
-                </a:lnTo>
-                <a:close/>
-              </a:path>
-            </a:pathLst>
-          </a:custGeom>
-          <a:solidFill>
-            <a:schemeClr val="accent4">
-              <a:alpha val="30000"/>
-            </a:schemeClr>
-          </a:solidFill>
-          <a:ln>
-            <a:noFill/>
-          </a:ln>
-        </p:spPr>
-        <p:style>
-          <a:lnRef idx="2">
-            <a:schemeClr val="accent1">
-              <a:shade val="50000"/>
-            </a:schemeClr>
-          </a:lnRef>
-          <a:fillRef idx="1">
-            <a:schemeClr val="accent1"/>
-          </a:fillRef>
-          <a:effectRef idx="0">
-            <a:schemeClr val="accent1"/>
-          </a:effectRef>
-          <a:fontRef idx="minor">
-            <a:schemeClr val="lt1"/>
-          </a:fontRef>
-        </p:style>
-        <p:txBody>
-          <a:bodyPr wrap="square" rtlCol="0" anchor="ctr">
-            <a:noAutofit/>
-          </a:bodyPr>
-          <a:lstStyle/>
-          <a:p>
-            <a:pPr algn="ctr"/>
-            <a:endParaRPr lang="en-US" dirty="0"/>
-          </a:p>
-        </p:txBody>
-      </p:sp>
-      <p:sp>
-        <p:nvSpPr>
-          <p:cNvPr id="47" name="Freeform: Shape 46">
-            <a:extLst>
-              <a:ext uri="{FF2B5EF4-FFF2-40B4-BE49-F238E27FC236}">
-                <a16:creationId xmlns:a16="http://schemas.microsoft.com/office/drawing/2014/main" id="{141ACBDB-38F8-4B34-8183-BD95B4E55A62}"/>
-              </a:ext>
-              <a:ext uri="{C183D7F6-B498-43B3-948B-1728B52AA6E4}">
-                <adec:decorative xmlns:adec="http://schemas.microsoft.com/office/drawing/2017/decorative" val="1"/>
-              </a:ext>
-            </a:extLst>
-          </p:cNvPr>
-          <p:cNvSpPr>
-            <a:spLocks noGrp="1" noRot="1" noChangeAspect="1" noMove="1" noResize="1" noEditPoints="1" noAdjustHandles="1" noChangeArrowheads="1" noChangeShapeType="1" noTextEdit="1"/>
-          </p:cNvSpPr>
-          <p:nvPr>
-            <p:extLst>
-              <p:ext uri="{386F3935-93C4-4BCD-93E2-E3B085C9AB24}">
-                <p16:designElem xmlns:p16="http://schemas.microsoft.com/office/powerpoint/2015/main" val="1"/>
-              </p:ext>
-            </p:extLst>
-          </p:nvPr>
-        </p:nvSpPr>
-        <p:spPr>
-          <a:xfrm rot="2700000">
-            <a:off x="10739327" y="-253670"/>
-            <a:ext cx="1827638" cy="1376989"/>
-          </a:xfrm>
-          <a:custGeom>
-            <a:avLst/>
-            <a:gdLst>
-              <a:gd name="connsiteX0" fmla="*/ 0 w 1827638"/>
-              <a:gd name="connsiteY0" fmla="*/ 987379 h 1376989"/>
-              <a:gd name="connsiteX1" fmla="*/ 987379 w 1827638"/>
-              <a:gd name="connsiteY1" fmla="*/ 0 h 1376989"/>
-              <a:gd name="connsiteX2" fmla="*/ 1827638 w 1827638"/>
-              <a:gd name="connsiteY2" fmla="*/ 840260 h 1376989"/>
-              <a:gd name="connsiteX3" fmla="*/ 1827638 w 1827638"/>
-              <a:gd name="connsiteY3" fmla="*/ 1376989 h 1376989"/>
-              <a:gd name="connsiteX4" fmla="*/ 0 w 1827638"/>
-              <a:gd name="connsiteY4" fmla="*/ 1376989 h 1376989"/>
-            </a:gdLst>
-            <a:ahLst/>
-            <a:cxnLst>
-              <a:cxn ang="0">
-                <a:pos x="connsiteX0" y="connsiteY0"/>
-              </a:cxn>
-              <a:cxn ang="0">
-                <a:pos x="connsiteX1" y="connsiteY1"/>
-              </a:cxn>
-              <a:cxn ang="0">
-                <a:pos x="connsiteX2" y="connsiteY2"/>
-              </a:cxn>
-              <a:cxn ang="0">
-                <a:pos x="connsiteX3" y="connsiteY3"/>
-              </a:cxn>
-              <a:cxn ang="0">
-                <a:pos x="connsiteX4" y="connsiteY4"/>
-              </a:cxn>
-            </a:cxnLst>
-            <a:rect l="l" t="t" r="r" b="b"/>
-            <a:pathLst>
-              <a:path w="1827638" h="1376989">
-                <a:moveTo>
-                  <a:pt x="0" y="987379"/>
-                </a:moveTo>
-                <a:lnTo>
-                  <a:pt x="987379" y="0"/>
-                </a:lnTo>
-                <a:lnTo>
-                  <a:pt x="1827638" y="840260"/>
-                </a:lnTo>
-                <a:lnTo>
-                  <a:pt x="1827638" y="1376989"/>
-                </a:lnTo>
-                <a:lnTo>
-                  <a:pt x="0" y="1376989"/>
-                </a:lnTo>
-                <a:close/>
-              </a:path>
-            </a:pathLst>
-          </a:custGeom>
-          <a:solidFill>
-            <a:schemeClr val="accent1">
-              <a:alpha val="30000"/>
-            </a:schemeClr>
-          </a:solidFill>
-          <a:ln>
-            <a:noFill/>
-          </a:ln>
-        </p:spPr>
-        <p:style>
-          <a:lnRef idx="2">
-            <a:schemeClr val="accent1">
-              <a:shade val="50000"/>
-            </a:schemeClr>
-          </a:lnRef>
-          <a:fillRef idx="1">
-            <a:schemeClr val="accent1"/>
-          </a:fillRef>
-          <a:effectRef idx="0">
-            <a:schemeClr val="accent1"/>
-          </a:effectRef>
-          <a:fontRef idx="minor">
-            <a:schemeClr val="lt1"/>
-          </a:fontRef>
-        </p:style>
-        <p:txBody>
-          <a:bodyPr wrap="square" rtlCol="0" anchor="ctr">
-            <a:noAutofit/>
-          </a:bodyPr>
-          <a:lstStyle/>
-          <a:p>
-            <a:pPr algn="ctr"/>
-            <a:endParaRPr lang="en-US" dirty="0"/>
-          </a:p>
-        </p:txBody>
-      </p:sp>
-      <p:sp>
-        <p:nvSpPr>
-          <p:cNvPr id="49" name="Rectangle 48">
-            <a:extLst>
-              <a:ext uri="{FF2B5EF4-FFF2-40B4-BE49-F238E27FC236}">
-                <a16:creationId xmlns:a16="http://schemas.microsoft.com/office/drawing/2014/main" id="{DE00DB52-3455-4E2F-867B-A6D0516E175B}"/>
-              </a:ext>
-              <a:ext uri="{C183D7F6-B498-43B3-948B-1728B52AA6E4}">
-                <adec:decorative xmlns:adec="http://schemas.microsoft.com/office/drawing/2017/decorative" val="1"/>
-              </a:ext>
-            </a:extLst>
-          </p:cNvPr>
-          <p:cNvSpPr>
-            <a:spLocks noGrp="1" noRot="1" noChangeAspect="1" noMove="1" noResize="1" noEditPoints="1" noAdjustHandles="1" noChangeArrowheads="1" noChangeShapeType="1" noTextEdit="1"/>
-          </p:cNvSpPr>
-          <p:nvPr>
-            <p:extLst>
-              <p:ext uri="{386F3935-93C4-4BCD-93E2-E3B085C9AB24}">
-                <p16:designElem xmlns:p16="http://schemas.microsoft.com/office/powerpoint/2015/main" val="1"/>
-              </p:ext>
-            </p:extLst>
-          </p:nvPr>
-        </p:nvSpPr>
-        <p:spPr>
-          <a:xfrm rot="2700000">
-            <a:off x="10653800" y="422146"/>
-            <a:ext cx="645368" cy="645368"/>
-          </a:xfrm>
-          <a:prstGeom prst="rect">
-            <a:avLst/>
-          </a:prstGeom>
-          <a:solidFill>
-            <a:schemeClr val="accent1">
-              <a:alpha val="30000"/>
-            </a:schemeClr>
-          </a:solidFill>
-          <a:ln>
-            <a:noFill/>
-          </a:ln>
-        </p:spPr>
-        <p:style>
-          <a:lnRef idx="2">
-            <a:schemeClr val="accent1">
-              <a:shade val="50000"/>
-            </a:schemeClr>
-          </a:lnRef>
-          <a:fillRef idx="1">
-            <a:schemeClr val="accent1"/>
-          </a:fillRef>
-          <a:effectRef idx="0">
-            <a:schemeClr val="accent1"/>
-          </a:effectRef>
-          <a:fontRef idx="minor">
-            <a:schemeClr val="lt1"/>
-          </a:fontRef>
-        </p:style>
-        <p:txBody>
-          <a:bodyPr wrap="square" rtlCol="0" anchor="ctr">
-            <a:noAutofit/>
-          </a:bodyPr>
-          <a:lstStyle/>
-          <a:p>
-            <a:pPr algn="ctr"/>
-            <a:endParaRPr lang="en-US"/>
-          </a:p>
-        </p:txBody>
-      </p:sp>
-      <p:sp>
-        <p:nvSpPr>
-          <p:cNvPr id="51" name="Isosceles Triangle 50">
-            <a:extLst>
-              <a:ext uri="{FF2B5EF4-FFF2-40B4-BE49-F238E27FC236}">
-                <a16:creationId xmlns:a16="http://schemas.microsoft.com/office/drawing/2014/main" id="{9E914C83-E0D8-4953-92D5-169D28CB43AE}"/>
-              </a:ext>
-              <a:ext uri="{C183D7F6-B498-43B3-948B-1728B52AA6E4}">
-                <adec:decorative xmlns:adec="http://schemas.microsoft.com/office/drawing/2017/decorative" val="1"/>
-              </a:ext>
-            </a:extLst>
-          </p:cNvPr>
-          <p:cNvSpPr>
-            <a:spLocks noGrp="1" noRot="1" noChangeAspect="1" noMove="1" noResize="1" noEditPoints="1" noAdjustHandles="1" noChangeArrowheads="1" noChangeShapeType="1" noTextEdit="1"/>
-          </p:cNvSpPr>
-          <p:nvPr>
-            <p:extLst>
-              <p:ext uri="{386F3935-93C4-4BCD-93E2-E3B085C9AB24}">
-                <p16:designElem xmlns:p16="http://schemas.microsoft.com/office/powerpoint/2015/main" val="1"/>
-              </p:ext>
-            </p:extLst>
-          </p:nvPr>
-        </p:nvSpPr>
-        <p:spPr>
-          <a:xfrm>
-            <a:off x="8115423" y="6115501"/>
-            <a:ext cx="1494513" cy="742499"/>
-          </a:xfrm>
-          <a:prstGeom prst="triangle">
-            <a:avLst/>
-          </a:prstGeom>
-          <a:solidFill>
-            <a:schemeClr val="accent1">
-              <a:alpha val="30000"/>
-            </a:schemeClr>
-          </a:solidFill>
-          <a:ln>
-            <a:noFill/>
-          </a:ln>
-        </p:spPr>
-        <p:style>
-          <a:lnRef idx="2">
-            <a:schemeClr val="accent1">
-              <a:shade val="50000"/>
-            </a:schemeClr>
-          </a:lnRef>
-          <a:fillRef idx="1">
-            <a:schemeClr val="accent1"/>
-          </a:fillRef>
-          <a:effectRef idx="0">
-            <a:schemeClr val="accent1"/>
-          </a:effectRef>
-          <a:fontRef idx="minor">
-            <a:schemeClr val="lt1"/>
-          </a:fontRef>
-        </p:style>
-        <p:txBody>
-          <a:bodyPr wrap="square" rtlCol="0" anchor="ctr">
-            <a:noAutofit/>
-          </a:bodyPr>
-          <a:lstStyle/>
-          <a:p>
-            <a:pPr algn="ctr"/>
-            <a:endParaRPr lang="en-US"/>
-          </a:p>
-        </p:txBody>
-      </p:sp>
-      <p:sp>
-        <p:nvSpPr>
-          <p:cNvPr id="53" name="Isosceles Triangle 52">
-            <a:extLst>
-              <a:ext uri="{FF2B5EF4-FFF2-40B4-BE49-F238E27FC236}">
-                <a16:creationId xmlns:a16="http://schemas.microsoft.com/office/drawing/2014/main" id="{3512E083-F550-46AF-8490-767ECFD00CB7}"/>
-              </a:ext>
-              <a:ext uri="{C183D7F6-B498-43B3-948B-1728B52AA6E4}">
-                <adec:decorative xmlns:adec="http://schemas.microsoft.com/office/drawing/2017/decorative" val="1"/>
-              </a:ext>
-            </a:extLst>
-          </p:cNvPr>
-          <p:cNvSpPr>
-            <a:spLocks noGrp="1" noRot="1" noChangeAspect="1" noMove="1" noResize="1" noEditPoints="1" noAdjustHandles="1" noChangeArrowheads="1" noChangeShapeType="1" noTextEdit="1"/>
-          </p:cNvSpPr>
-          <p:nvPr>
-            <p:extLst>
-              <p:ext uri="{386F3935-93C4-4BCD-93E2-E3B085C9AB24}">
-                <p16:designElem xmlns:p16="http://schemas.microsoft.com/office/powerpoint/2015/main" val="1"/>
-              </p:ext>
-            </p:extLst>
-          </p:nvPr>
-        </p:nvSpPr>
-        <p:spPr>
-          <a:xfrm>
-            <a:off x="9167297" y="6453143"/>
-            <a:ext cx="814903" cy="404857"/>
-          </a:xfrm>
-          <a:prstGeom prst="triangle">
-            <a:avLst/>
-          </a:prstGeom>
-          <a:solidFill>
-            <a:schemeClr val="accent1">
-              <a:alpha val="30000"/>
-            </a:schemeClr>
-          </a:solidFill>
-          <a:ln>
-            <a:noFill/>
-          </a:ln>
-        </p:spPr>
-        <p:style>
-          <a:lnRef idx="2">
-            <a:schemeClr val="accent1">
-              <a:shade val="50000"/>
-            </a:schemeClr>
-          </a:lnRef>
-          <a:fillRef idx="1">
-            <a:schemeClr val="accent1"/>
-          </a:fillRef>
-          <a:effectRef idx="0">
-            <a:schemeClr val="accent1"/>
-          </a:effectRef>
-          <a:fontRef idx="minor">
-            <a:schemeClr val="lt1"/>
-          </a:fontRef>
-        </p:style>
-        <p:txBody>
-          <a:bodyPr wrap="square" rtlCol="0" anchor="ctr">
-            <a:noAutofit/>
-          </a:bodyPr>
-          <a:lstStyle/>
-          <a:p>
-            <a:pPr algn="ctr"/>
-            <a:endParaRPr lang="en-US"/>
-          </a:p>
-        </p:txBody>
-      </p:sp>
-    </p:spTree>
-    <p:extLst>
-      <p:ext uri="{BB962C8B-B14F-4D97-AF65-F5344CB8AC3E}">
-        <p14:creationId xmlns:p14="http://schemas.microsoft.com/office/powerpoint/2010/main" val="966395286"/>
-      </p:ext>
-    </p:extLst>
-  </p:cSld>
-  <p:clrMapOvr>
-    <a:masterClrMapping/>
-  </p:clrMapOvr>
-</p:sld>
-</file>
-
-<file path=ppt/slides/slide18.xml><?xml version="1.0" encoding="utf-8"?>
+<file path=ppt/slides/slide14.xml><?xml version="1.0" encoding="utf-8"?>
 <p:sld xmlns:a="http://schemas.openxmlformats.org/drawingml/2006/main" xmlns:r="http://schemas.openxmlformats.org/officeDocument/2006/relationships" xmlns:p="http://schemas.openxmlformats.org/presentationml/2006/main">
   <p:cSld>
     <p:bg>
@@ -9995,7 +7972,7 @@
         </p:spPr>
         <p:txBody>
           <a:bodyPr vert="horz" lIns="91440" tIns="45720" rIns="91440" bIns="45720" rtlCol="0">
-            <a:normAutofit/>
+            <a:normAutofit lnSpcReduction="10000"/>
           </a:bodyPr>
           <a:lstStyle>
             <a:lvl1pPr marL="228600" indent="-228600" algn="l" defTabSz="914400" rtl="0" eaLnBrk="1" latinLnBrk="0" hangingPunct="1">
@@ -10167,68 +8144,44 @@
               <a:buNone/>
             </a:pPr>
             <a:r>
-              <a:rPr lang="en-US" sz="2000" dirty="0" err="1">
+              <a:rPr lang="fr-FR" sz="2000" dirty="0">
                 <a:solidFill>
                   <a:srgbClr val="080808"/>
                 </a:solidFill>
               </a:rPr>
-              <a:t>Permet</a:t>
+              <a:t>Permet de configurer certaines </a:t>
             </a:r>
             <a:r>
-              <a:rPr lang="en-US" sz="2000" dirty="0">
+              <a:rPr lang="fr-FR" sz="2000" dirty="0" err="1">
                 <a:solidFill>
                   <a:srgbClr val="080808"/>
                 </a:solidFill>
               </a:rPr>
-              <a:t> de </a:t>
+              <a:t>fonctionnalitées</a:t>
             </a:r>
             <a:r>
-              <a:rPr lang="en-US" sz="2000" dirty="0" err="1">
+              <a:rPr lang="fr-FR" sz="2000" dirty="0">
                 <a:solidFill>
                   <a:srgbClr val="080808"/>
                 </a:solidFill>
               </a:rPr>
-              <a:t>gérer</a:t>
+              <a:t> comme l’ajout de fichier avec ‘</a:t>
             </a:r>
             <a:r>
-              <a:rPr lang="en-US" sz="2000" dirty="0">
+              <a:rPr lang="fr-FR" sz="2000" dirty="0" err="1">
                 <a:solidFill>
                   <a:srgbClr val="080808"/>
                 </a:solidFill>
               </a:rPr>
-              <a:t> le token </a:t>
+              <a:t>multer</a:t>
             </a:r>
             <a:r>
-              <a:rPr lang="en-US" sz="2000" dirty="0" err="1">
+              <a:rPr lang="fr-FR" sz="2000" dirty="0">
                 <a:solidFill>
                   <a:srgbClr val="080808"/>
                 </a:solidFill>
               </a:rPr>
-              <a:t>d’autorisation</a:t>
-            </a:r>
-            <a:r>
-              <a:rPr lang="en-US" sz="2000" dirty="0">
-                <a:solidFill>
-                  <a:srgbClr val="080808"/>
-                </a:solidFill>
-              </a:rPr>
-              <a:t> et la </a:t>
-            </a:r>
-            <a:r>
-              <a:rPr lang="en-US" sz="2000" dirty="0" err="1">
-                <a:solidFill>
-                  <a:srgbClr val="080808"/>
-                </a:solidFill>
-              </a:rPr>
-              <a:t>gesion</a:t>
-            </a:r>
-            <a:r>
-              <a:rPr lang="en-US" sz="2000" dirty="0">
-                <a:solidFill>
-                  <a:srgbClr val="080808"/>
-                </a:solidFill>
-              </a:rPr>
-              <a:t> des images (multer-config.js)</a:t>
+              <a:t>’</a:t>
             </a:r>
           </a:p>
         </p:txBody>
@@ -10237,6 +8190,2295 @@
     <p:extLst>
       <p:ext uri="{BB962C8B-B14F-4D97-AF65-F5344CB8AC3E}">
         <p14:creationId xmlns:p14="http://schemas.microsoft.com/office/powerpoint/2010/main" val="3632919454"/>
+      </p:ext>
+    </p:extLst>
+  </p:cSld>
+  <p:clrMapOvr>
+    <a:masterClrMapping/>
+  </p:clrMapOvr>
+</p:sld>
+</file>
+
+<file path=ppt/slides/slide15.xml><?xml version="1.0" encoding="utf-8"?>
+<p:sld xmlns:a="http://schemas.openxmlformats.org/drawingml/2006/main" xmlns:r="http://schemas.openxmlformats.org/officeDocument/2006/relationships" xmlns:p="http://schemas.openxmlformats.org/presentationml/2006/main">
+  <p:cSld>
+    <p:bg>
+      <p:bgPr>
+        <a:solidFill>
+          <a:schemeClr val="bg1"/>
+        </a:solidFill>
+        <a:effectLst/>
+      </p:bgPr>
+    </p:bg>
+    <p:spTree>
+      <p:nvGrpSpPr>
+        <p:cNvPr id="1" name=""/>
+        <p:cNvGrpSpPr/>
+        <p:nvPr/>
+      </p:nvGrpSpPr>
+      <p:grpSpPr>
+        <a:xfrm>
+          <a:off x="0" y="0"/>
+          <a:ext cx="0" cy="0"/>
+          <a:chOff x="0" y="0"/>
+          <a:chExt cx="0" cy="0"/>
+        </a:xfrm>
+      </p:grpSpPr>
+      <p:sp>
+        <p:nvSpPr>
+          <p:cNvPr id="8" name="Rectangle 7">
+            <a:extLst>
+              <a:ext uri="{FF2B5EF4-FFF2-40B4-BE49-F238E27FC236}">
+                <a16:creationId xmlns:a16="http://schemas.microsoft.com/office/drawing/2014/main" id="{2B566528-1B12-4246-9431-5C2D7D081168}"/>
+              </a:ext>
+              <a:ext uri="{C183D7F6-B498-43B3-948B-1728B52AA6E4}">
+                <adec:decorative xmlns:adec="http://schemas.microsoft.com/office/drawing/2017/decorative" val="1"/>
+              </a:ext>
+            </a:extLst>
+          </p:cNvPr>
+          <p:cNvSpPr>
+            <a:spLocks noGrp="1" noRot="1" noChangeAspect="1" noMove="1" noResize="1" noEditPoints="1" noAdjustHandles="1" noChangeArrowheads="1" noChangeShapeType="1" noTextEdit="1"/>
+          </p:cNvSpPr>
+          <p:nvPr>
+            <p:extLst>
+              <p:ext uri="{386F3935-93C4-4BCD-93E2-E3B085C9AB24}">
+                <p16:designElem xmlns:p16="http://schemas.microsoft.com/office/powerpoint/2015/main" val="1"/>
+              </p:ext>
+            </p:extLst>
+          </p:nvPr>
+        </p:nvSpPr>
+        <p:spPr>
+          <a:xfrm>
+            <a:off x="0" y="0"/>
+            <a:ext cx="12192000" cy="6858000"/>
+          </a:xfrm>
+          <a:prstGeom prst="rect">
+            <a:avLst/>
+          </a:prstGeom>
+          <a:solidFill>
+            <a:schemeClr val="bg1"/>
+          </a:solidFill>
+          <a:ln>
+            <a:noFill/>
+          </a:ln>
+        </p:spPr>
+        <p:style>
+          <a:lnRef idx="2">
+            <a:schemeClr val="accent1">
+              <a:shade val="50000"/>
+            </a:schemeClr>
+          </a:lnRef>
+          <a:fillRef idx="1">
+            <a:schemeClr val="accent1"/>
+          </a:fillRef>
+          <a:effectRef idx="0">
+            <a:schemeClr val="accent1"/>
+          </a:effectRef>
+          <a:fontRef idx="minor">
+            <a:schemeClr val="lt1"/>
+          </a:fontRef>
+        </p:style>
+        <p:txBody>
+          <a:bodyPr rtlCol="0" anchor="ctr"/>
+          <a:lstStyle/>
+          <a:p>
+            <a:pPr algn="ctr"/>
+            <a:endParaRPr lang="en-US" dirty="0"/>
+          </a:p>
+        </p:txBody>
+      </p:sp>
+      <p:sp>
+        <p:nvSpPr>
+          <p:cNvPr id="10" name="Rectangle 9">
+            <a:extLst>
+              <a:ext uri="{FF2B5EF4-FFF2-40B4-BE49-F238E27FC236}">
+                <a16:creationId xmlns:a16="http://schemas.microsoft.com/office/drawing/2014/main" id="{2E80C965-DB6D-4F81-9E9E-B027384D0BD6}"/>
+              </a:ext>
+              <a:ext uri="{C183D7F6-B498-43B3-948B-1728B52AA6E4}">
+                <adec:decorative xmlns:adec="http://schemas.microsoft.com/office/drawing/2017/decorative" val="1"/>
+              </a:ext>
+            </a:extLst>
+          </p:cNvPr>
+          <p:cNvSpPr>
+            <a:spLocks noGrp="1" noRot="1" noChangeAspect="1" noMove="1" noResize="1" noEditPoints="1" noAdjustHandles="1" noChangeArrowheads="1" noChangeShapeType="1" noTextEdit="1"/>
+          </p:cNvSpPr>
+          <p:nvPr>
+            <p:extLst>
+              <p:ext uri="{386F3935-93C4-4BCD-93E2-E3B085C9AB24}">
+                <p16:designElem xmlns:p16="http://schemas.microsoft.com/office/powerpoint/2015/main" val="1"/>
+              </p:ext>
+            </p:extLst>
+          </p:nvPr>
+        </p:nvSpPr>
+        <p:spPr>
+          <a:xfrm rot="2700000">
+            <a:off x="11052629" y="2120024"/>
+            <a:ext cx="645368" cy="645368"/>
+          </a:xfrm>
+          <a:prstGeom prst="rect">
+            <a:avLst/>
+          </a:prstGeom>
+          <a:solidFill>
+            <a:schemeClr val="accent4">
+              <a:alpha val="30000"/>
+            </a:schemeClr>
+          </a:solidFill>
+          <a:ln>
+            <a:noFill/>
+          </a:ln>
+        </p:spPr>
+        <p:style>
+          <a:lnRef idx="2">
+            <a:schemeClr val="accent1">
+              <a:shade val="50000"/>
+            </a:schemeClr>
+          </a:lnRef>
+          <a:fillRef idx="1">
+            <a:schemeClr val="accent1"/>
+          </a:fillRef>
+          <a:effectRef idx="0">
+            <a:schemeClr val="accent1"/>
+          </a:effectRef>
+          <a:fontRef idx="minor">
+            <a:schemeClr val="lt1"/>
+          </a:fontRef>
+        </p:style>
+        <p:txBody>
+          <a:bodyPr rtlCol="0" anchor="ctr"/>
+          <a:lstStyle/>
+          <a:p>
+            <a:pPr algn="ctr"/>
+            <a:endParaRPr lang="en-US"/>
+          </a:p>
+        </p:txBody>
+      </p:sp>
+      <p:sp>
+        <p:nvSpPr>
+          <p:cNvPr id="12" name="Isosceles Triangle 11">
+            <a:extLst>
+              <a:ext uri="{FF2B5EF4-FFF2-40B4-BE49-F238E27FC236}">
+                <a16:creationId xmlns:a16="http://schemas.microsoft.com/office/drawing/2014/main" id="{A580F890-B085-4E95-96AA-55AEBEC5CE6E}"/>
+              </a:ext>
+              <a:ext uri="{C183D7F6-B498-43B3-948B-1728B52AA6E4}">
+                <adec:decorative xmlns:adec="http://schemas.microsoft.com/office/drawing/2017/decorative" val="1"/>
+              </a:ext>
+            </a:extLst>
+          </p:cNvPr>
+          <p:cNvSpPr>
+            <a:spLocks noGrp="1" noRot="1" noChangeAspect="1" noMove="1" noResize="1" noEditPoints="1" noAdjustHandles="1" noChangeArrowheads="1" noChangeShapeType="1" noTextEdit="1"/>
+          </p:cNvSpPr>
+          <p:nvPr>
+            <p:extLst>
+              <p:ext uri="{386F3935-93C4-4BCD-93E2-E3B085C9AB24}">
+                <p16:designElem xmlns:p16="http://schemas.microsoft.com/office/powerpoint/2015/main" val="1"/>
+              </p:ext>
+            </p:extLst>
+          </p:nvPr>
+        </p:nvSpPr>
+        <p:spPr>
+          <a:xfrm rot="16200000">
+            <a:off x="10289068" y="1343027"/>
+            <a:ext cx="2532832" cy="1273032"/>
+          </a:xfrm>
+          <a:prstGeom prst="triangle">
+            <a:avLst>
+              <a:gd name="adj" fmla="val 50000"/>
+            </a:avLst>
+          </a:prstGeom>
+          <a:solidFill>
+            <a:schemeClr val="accent4">
+              <a:alpha val="30000"/>
+            </a:schemeClr>
+          </a:solidFill>
+          <a:ln>
+            <a:noFill/>
+          </a:ln>
+        </p:spPr>
+        <p:style>
+          <a:lnRef idx="2">
+            <a:schemeClr val="accent1">
+              <a:shade val="50000"/>
+            </a:schemeClr>
+          </a:lnRef>
+          <a:fillRef idx="1">
+            <a:schemeClr val="accent1"/>
+          </a:fillRef>
+          <a:effectRef idx="0">
+            <a:schemeClr val="accent1"/>
+          </a:effectRef>
+          <a:fontRef idx="minor">
+            <a:schemeClr val="lt1"/>
+          </a:fontRef>
+        </p:style>
+        <p:txBody>
+          <a:bodyPr rtlCol="0" anchor="ctr"/>
+          <a:lstStyle/>
+          <a:p>
+            <a:pPr algn="ctr"/>
+            <a:endParaRPr lang="en-US"/>
+          </a:p>
+        </p:txBody>
+      </p:sp>
+      <p:sp>
+        <p:nvSpPr>
+          <p:cNvPr id="14" name="Isosceles Triangle 13">
+            <a:extLst>
+              <a:ext uri="{FF2B5EF4-FFF2-40B4-BE49-F238E27FC236}">
+                <a16:creationId xmlns:a16="http://schemas.microsoft.com/office/drawing/2014/main" id="{D3F51FEB-38FB-4F6C-9F7B-2F2AFAB65463}"/>
+              </a:ext>
+              <a:ext uri="{C183D7F6-B498-43B3-948B-1728B52AA6E4}">
+                <adec:decorative xmlns:adec="http://schemas.microsoft.com/office/drawing/2017/decorative" val="1"/>
+              </a:ext>
+            </a:extLst>
+          </p:cNvPr>
+          <p:cNvSpPr>
+            <a:spLocks noGrp="1" noRot="1" noChangeAspect="1" noMove="1" noResize="1" noEditPoints="1" noAdjustHandles="1" noChangeArrowheads="1" noChangeShapeType="1" noTextEdit="1"/>
+          </p:cNvSpPr>
+          <p:nvPr>
+            <p:extLst>
+              <p:ext uri="{386F3935-93C4-4BCD-93E2-E3B085C9AB24}">
+                <p16:designElem xmlns:p16="http://schemas.microsoft.com/office/powerpoint/2015/main" val="1"/>
+              </p:ext>
+            </p:extLst>
+          </p:nvPr>
+        </p:nvSpPr>
+        <p:spPr>
+          <a:xfrm rot="5400000">
+            <a:off x="-501760" y="5103257"/>
+            <a:ext cx="2017580" cy="1014060"/>
+          </a:xfrm>
+          <a:prstGeom prst="triangle">
+            <a:avLst>
+              <a:gd name="adj" fmla="val 50000"/>
+            </a:avLst>
+          </a:prstGeom>
+          <a:solidFill>
+            <a:schemeClr val="accent1">
+              <a:alpha val="30000"/>
+            </a:schemeClr>
+          </a:solidFill>
+          <a:ln>
+            <a:noFill/>
+          </a:ln>
+        </p:spPr>
+        <p:style>
+          <a:lnRef idx="2">
+            <a:schemeClr val="accent1">
+              <a:shade val="50000"/>
+            </a:schemeClr>
+          </a:lnRef>
+          <a:fillRef idx="1">
+            <a:schemeClr val="accent1"/>
+          </a:fillRef>
+          <a:effectRef idx="0">
+            <a:schemeClr val="accent1"/>
+          </a:effectRef>
+          <a:fontRef idx="minor">
+            <a:schemeClr val="lt1"/>
+          </a:fontRef>
+        </p:style>
+        <p:txBody>
+          <a:bodyPr wrap="square" rtlCol="0" anchor="ctr">
+            <a:noAutofit/>
+          </a:bodyPr>
+          <a:lstStyle/>
+          <a:p>
+            <a:pPr algn="ctr"/>
+            <a:endParaRPr lang="en-US"/>
+          </a:p>
+        </p:txBody>
+      </p:sp>
+      <p:sp>
+        <p:nvSpPr>
+          <p:cNvPr id="16" name="Rectangle 15">
+            <a:extLst>
+              <a:ext uri="{FF2B5EF4-FFF2-40B4-BE49-F238E27FC236}">
+                <a16:creationId xmlns:a16="http://schemas.microsoft.com/office/drawing/2014/main" id="{1E547BA6-BAE0-43BB-A7CA-60F69CE252F0}"/>
+              </a:ext>
+              <a:ext uri="{C183D7F6-B498-43B3-948B-1728B52AA6E4}">
+                <adec:decorative xmlns:adec="http://schemas.microsoft.com/office/drawing/2017/decorative" val="1"/>
+              </a:ext>
+            </a:extLst>
+          </p:cNvPr>
+          <p:cNvSpPr>
+            <a:spLocks noGrp="1" noRot="1" noChangeAspect="1" noMove="1" noResize="1" noEditPoints="1" noAdjustHandles="1" noChangeArrowheads="1" noChangeShapeType="1" noTextEdit="1"/>
+          </p:cNvSpPr>
+          <p:nvPr>
+            <p:extLst>
+              <p:ext uri="{386F3935-93C4-4BCD-93E2-E3B085C9AB24}">
+                <p16:designElem xmlns:p16="http://schemas.microsoft.com/office/powerpoint/2015/main" val="1"/>
+              </p:ext>
+            </p:extLst>
+          </p:nvPr>
+        </p:nvSpPr>
+        <p:spPr>
+          <a:xfrm rot="2700000">
+            <a:off x="427916" y="5728708"/>
+            <a:ext cx="485578" cy="485578"/>
+          </a:xfrm>
+          <a:prstGeom prst="rect">
+            <a:avLst/>
+          </a:prstGeom>
+          <a:solidFill>
+            <a:schemeClr val="accent1">
+              <a:alpha val="30000"/>
+            </a:schemeClr>
+          </a:solidFill>
+          <a:ln>
+            <a:noFill/>
+          </a:ln>
+        </p:spPr>
+        <p:style>
+          <a:lnRef idx="2">
+            <a:schemeClr val="accent1">
+              <a:shade val="50000"/>
+            </a:schemeClr>
+          </a:lnRef>
+          <a:fillRef idx="1">
+            <a:schemeClr val="accent1"/>
+          </a:fillRef>
+          <a:effectRef idx="0">
+            <a:schemeClr val="accent1"/>
+          </a:effectRef>
+          <a:fontRef idx="minor">
+            <a:schemeClr val="lt1"/>
+          </a:fontRef>
+        </p:style>
+        <p:txBody>
+          <a:bodyPr wrap="square" rtlCol="0" anchor="ctr">
+            <a:noAutofit/>
+          </a:bodyPr>
+          <a:lstStyle/>
+          <a:p>
+            <a:pPr algn="ctr"/>
+            <a:endParaRPr lang="en-US"/>
+          </a:p>
+        </p:txBody>
+      </p:sp>
+      <p:pic>
+        <p:nvPicPr>
+          <p:cNvPr id="3" name="Image 2">
+            <a:extLst>
+              <a:ext uri="{FF2B5EF4-FFF2-40B4-BE49-F238E27FC236}">
+                <a16:creationId xmlns:a16="http://schemas.microsoft.com/office/drawing/2014/main" id="{554B8EB3-3B1B-6BE2-7E9C-76D044FBD02B}"/>
+              </a:ext>
+            </a:extLst>
+          </p:cNvPr>
+          <p:cNvPicPr>
+            <a:picLocks noChangeAspect="1"/>
+          </p:cNvPicPr>
+          <p:nvPr/>
+        </p:nvPicPr>
+        <p:blipFill>
+          <a:blip r:embed="rId2"/>
+          <a:stretch>
+            <a:fillRect/>
+          </a:stretch>
+        </p:blipFill>
+        <p:spPr>
+          <a:xfrm>
+            <a:off x="1341409" y="1282212"/>
+            <a:ext cx="9550354" cy="4862661"/>
+          </a:xfrm>
+          <a:prstGeom prst="rect">
+            <a:avLst/>
+          </a:prstGeom>
+        </p:spPr>
+      </p:pic>
+      <p:sp>
+        <p:nvSpPr>
+          <p:cNvPr id="4" name="ZoneTexte 3">
+            <a:extLst>
+              <a:ext uri="{FF2B5EF4-FFF2-40B4-BE49-F238E27FC236}">
+                <a16:creationId xmlns:a16="http://schemas.microsoft.com/office/drawing/2014/main" id="{31E16752-C1D7-CC77-9698-383C9D7D0B57}"/>
+              </a:ext>
+            </a:extLst>
+          </p:cNvPr>
+          <p:cNvSpPr txBox="1"/>
+          <p:nvPr/>
+        </p:nvSpPr>
+        <p:spPr>
+          <a:xfrm>
+            <a:off x="2244272" y="465688"/>
+            <a:ext cx="7831696" cy="369332"/>
+          </a:xfrm>
+          <a:prstGeom prst="rect">
+            <a:avLst/>
+          </a:prstGeom>
+          <a:noFill/>
+        </p:spPr>
+        <p:txBody>
+          <a:bodyPr wrap="none" rtlCol="0">
+            <a:spAutoFit/>
+          </a:bodyPr>
+          <a:lstStyle/>
+          <a:p>
+            <a:r>
+              <a:rPr lang="fr-FR" dirty="0"/>
+              <a:t> Voici un exemple de configuration du middleware pour l’ajout de fichier (</a:t>
+            </a:r>
+            <a:r>
+              <a:rPr lang="fr-FR" dirty="0" err="1"/>
+              <a:t>multer</a:t>
+            </a:r>
+            <a:r>
+              <a:rPr lang="fr-FR" dirty="0"/>
+              <a:t>).</a:t>
+            </a:r>
+          </a:p>
+        </p:txBody>
+      </p:sp>
+    </p:spTree>
+    <p:extLst>
+      <p:ext uri="{BB962C8B-B14F-4D97-AF65-F5344CB8AC3E}">
+        <p14:creationId xmlns:p14="http://schemas.microsoft.com/office/powerpoint/2010/main" val="917865238"/>
+      </p:ext>
+    </p:extLst>
+  </p:cSld>
+  <p:clrMapOvr>
+    <a:masterClrMapping/>
+  </p:clrMapOvr>
+</p:sld>
+</file>
+
+<file path=ppt/slides/slide16.xml><?xml version="1.0" encoding="utf-8"?>
+<p:sld xmlns:a="http://schemas.openxmlformats.org/drawingml/2006/main" xmlns:r="http://schemas.openxmlformats.org/officeDocument/2006/relationships" xmlns:p="http://schemas.openxmlformats.org/presentationml/2006/main">
+  <p:cSld>
+    <p:bg>
+      <p:bgPr>
+        <a:solidFill>
+          <a:schemeClr val="bg1"/>
+        </a:solidFill>
+        <a:effectLst/>
+      </p:bgPr>
+    </p:bg>
+    <p:spTree>
+      <p:nvGrpSpPr>
+        <p:cNvPr id="1" name=""/>
+        <p:cNvGrpSpPr/>
+        <p:nvPr/>
+      </p:nvGrpSpPr>
+      <p:grpSpPr>
+        <a:xfrm>
+          <a:off x="0" y="0"/>
+          <a:ext cx="0" cy="0"/>
+          <a:chOff x="0" y="0"/>
+          <a:chExt cx="0" cy="0"/>
+        </a:xfrm>
+      </p:grpSpPr>
+      <p:sp>
+        <p:nvSpPr>
+          <p:cNvPr id="41" name="Rectangle 40">
+            <a:extLst>
+              <a:ext uri="{FF2B5EF4-FFF2-40B4-BE49-F238E27FC236}">
+                <a16:creationId xmlns:a16="http://schemas.microsoft.com/office/drawing/2014/main" id="{46D6306C-ED4F-4AAE-B4A5-EEA6AFAD726E}"/>
+              </a:ext>
+              <a:ext uri="{C183D7F6-B498-43B3-948B-1728B52AA6E4}">
+                <adec:decorative xmlns:adec="http://schemas.microsoft.com/office/drawing/2017/decorative" val="1"/>
+              </a:ext>
+            </a:extLst>
+          </p:cNvPr>
+          <p:cNvSpPr>
+            <a:spLocks noGrp="1" noRot="1" noChangeAspect="1" noMove="1" noResize="1" noEditPoints="1" noAdjustHandles="1" noChangeArrowheads="1" noChangeShapeType="1" noTextEdit="1"/>
+          </p:cNvSpPr>
+          <p:nvPr>
+            <p:extLst>
+              <p:ext uri="{386F3935-93C4-4BCD-93E2-E3B085C9AB24}">
+                <p16:designElem xmlns:p16="http://schemas.microsoft.com/office/powerpoint/2015/main" val="1"/>
+              </p:ext>
+            </p:extLst>
+          </p:nvPr>
+        </p:nvSpPr>
+        <p:spPr>
+          <a:xfrm>
+            <a:off x="0" y="0"/>
+            <a:ext cx="12192000" cy="6858000"/>
+          </a:xfrm>
+          <a:prstGeom prst="rect">
+            <a:avLst/>
+          </a:prstGeom>
+          <a:solidFill>
+            <a:schemeClr val="bg1"/>
+          </a:solidFill>
+          <a:ln>
+            <a:noFill/>
+          </a:ln>
+        </p:spPr>
+        <p:style>
+          <a:lnRef idx="2">
+            <a:schemeClr val="accent1">
+              <a:shade val="50000"/>
+            </a:schemeClr>
+          </a:lnRef>
+          <a:fillRef idx="1">
+            <a:schemeClr val="accent1"/>
+          </a:fillRef>
+          <a:effectRef idx="0">
+            <a:schemeClr val="accent1"/>
+          </a:effectRef>
+          <a:fontRef idx="minor">
+            <a:schemeClr val="lt1"/>
+          </a:fontRef>
+        </p:style>
+        <p:txBody>
+          <a:bodyPr rtlCol="0" anchor="ctr"/>
+          <a:lstStyle/>
+          <a:p>
+            <a:pPr algn="ctr"/>
+            <a:endParaRPr lang="en-US" dirty="0"/>
+          </a:p>
+        </p:txBody>
+      </p:sp>
+      <p:sp>
+        <p:nvSpPr>
+          <p:cNvPr id="43" name="Rectangle 42">
+            <a:extLst>
+              <a:ext uri="{FF2B5EF4-FFF2-40B4-BE49-F238E27FC236}">
+                <a16:creationId xmlns:a16="http://schemas.microsoft.com/office/drawing/2014/main" id="{0EC5361D-F897-4856-B945-0455A365EB24}"/>
+              </a:ext>
+              <a:ext uri="{C183D7F6-B498-43B3-948B-1728B52AA6E4}">
+                <adec:decorative xmlns:adec="http://schemas.microsoft.com/office/drawing/2017/decorative" val="1"/>
+              </a:ext>
+            </a:extLst>
+          </p:cNvPr>
+          <p:cNvSpPr>
+            <a:spLocks noGrp="1" noRot="1" noChangeAspect="1" noMove="1" noResize="1" noEditPoints="1" noAdjustHandles="1" noChangeArrowheads="1" noChangeShapeType="1" noTextEdit="1"/>
+          </p:cNvSpPr>
+          <p:nvPr>
+            <p:extLst>
+              <p:ext uri="{386F3935-93C4-4BCD-93E2-E3B085C9AB24}">
+                <p16:designElem xmlns:p16="http://schemas.microsoft.com/office/powerpoint/2015/main" val="1"/>
+              </p:ext>
+            </p:extLst>
+          </p:nvPr>
+        </p:nvSpPr>
+        <p:spPr>
+          <a:xfrm rot="2700000">
+            <a:off x="415435" y="655140"/>
+            <a:ext cx="687472" cy="687472"/>
+          </a:xfrm>
+          <a:prstGeom prst="rect">
+            <a:avLst/>
+          </a:prstGeom>
+          <a:solidFill>
+            <a:schemeClr val="accent4">
+              <a:alpha val="30000"/>
+            </a:schemeClr>
+          </a:solidFill>
+          <a:ln>
+            <a:noFill/>
+          </a:ln>
+        </p:spPr>
+        <p:style>
+          <a:lnRef idx="2">
+            <a:schemeClr val="accent1">
+              <a:shade val="50000"/>
+            </a:schemeClr>
+          </a:lnRef>
+          <a:fillRef idx="1">
+            <a:schemeClr val="accent1"/>
+          </a:fillRef>
+          <a:effectRef idx="0">
+            <a:schemeClr val="accent1"/>
+          </a:effectRef>
+          <a:fontRef idx="minor">
+            <a:schemeClr val="lt1"/>
+          </a:fontRef>
+        </p:style>
+        <p:txBody>
+          <a:bodyPr rtlCol="0" anchor="ctr"/>
+          <a:lstStyle/>
+          <a:p>
+            <a:pPr algn="ctr"/>
+            <a:endParaRPr lang="en-US"/>
+          </a:p>
+        </p:txBody>
+      </p:sp>
+      <p:sp>
+        <p:nvSpPr>
+          <p:cNvPr id="45" name="Freeform: Shape 44">
+            <a:extLst>
+              <a:ext uri="{FF2B5EF4-FFF2-40B4-BE49-F238E27FC236}">
+                <a16:creationId xmlns:a16="http://schemas.microsoft.com/office/drawing/2014/main" id="{4508C0C5-2268-42B5-B3C8-4D0899E05F8C}"/>
+              </a:ext>
+              <a:ext uri="{C183D7F6-B498-43B3-948B-1728B52AA6E4}">
+                <adec:decorative xmlns:adec="http://schemas.microsoft.com/office/drawing/2017/decorative" val="1"/>
+              </a:ext>
+            </a:extLst>
+          </p:cNvPr>
+          <p:cNvSpPr>
+            <a:spLocks noGrp="1" noRot="1" noChangeAspect="1" noMove="1" noResize="1" noEditPoints="1" noAdjustHandles="1" noChangeArrowheads="1" noChangeShapeType="1" noTextEdit="1"/>
+          </p:cNvSpPr>
+          <p:nvPr>
+            <p:extLst>
+              <p:ext uri="{386F3935-93C4-4BCD-93E2-E3B085C9AB24}">
+                <p16:designElem xmlns:p16="http://schemas.microsoft.com/office/powerpoint/2015/main" val="1"/>
+              </p:ext>
+            </p:extLst>
+          </p:nvPr>
+        </p:nvSpPr>
+        <p:spPr>
+          <a:xfrm rot="10800000">
+            <a:off x="0" y="0"/>
+            <a:ext cx="2835357" cy="1480837"/>
+          </a:xfrm>
+          <a:custGeom>
+            <a:avLst/>
+            <a:gdLst>
+              <a:gd name="connsiteX0" fmla="*/ 2835357 w 2835357"/>
+              <a:gd name="connsiteY0" fmla="*/ 1480837 h 1480837"/>
+              <a:gd name="connsiteX1" fmla="*/ 0 w 2835357"/>
+              <a:gd name="connsiteY1" fmla="*/ 1480837 h 1480837"/>
+              <a:gd name="connsiteX2" fmla="*/ 1552727 w 2835357"/>
+              <a:gd name="connsiteY2" fmla="*/ 0 h 1480837"/>
+              <a:gd name="connsiteX3" fmla="*/ 2835357 w 2835357"/>
+              <a:gd name="connsiteY3" fmla="*/ 1223245 h 1480837"/>
+            </a:gdLst>
+            <a:ahLst/>
+            <a:cxnLst>
+              <a:cxn ang="0">
+                <a:pos x="connsiteX0" y="connsiteY0"/>
+              </a:cxn>
+              <a:cxn ang="0">
+                <a:pos x="connsiteX1" y="connsiteY1"/>
+              </a:cxn>
+              <a:cxn ang="0">
+                <a:pos x="connsiteX2" y="connsiteY2"/>
+              </a:cxn>
+              <a:cxn ang="0">
+                <a:pos x="connsiteX3" y="connsiteY3"/>
+              </a:cxn>
+            </a:cxnLst>
+            <a:rect l="l" t="t" r="r" b="b"/>
+            <a:pathLst>
+              <a:path w="2835357" h="1480837">
+                <a:moveTo>
+                  <a:pt x="2835357" y="1480837"/>
+                </a:moveTo>
+                <a:lnTo>
+                  <a:pt x="0" y="1480837"/>
+                </a:lnTo>
+                <a:lnTo>
+                  <a:pt x="1552727" y="0"/>
+                </a:lnTo>
+                <a:lnTo>
+                  <a:pt x="2835357" y="1223245"/>
+                </a:lnTo>
+                <a:close/>
+              </a:path>
+            </a:pathLst>
+          </a:custGeom>
+          <a:solidFill>
+            <a:schemeClr val="accent4">
+              <a:alpha val="30000"/>
+            </a:schemeClr>
+          </a:solidFill>
+          <a:ln>
+            <a:noFill/>
+          </a:ln>
+        </p:spPr>
+        <p:style>
+          <a:lnRef idx="2">
+            <a:schemeClr val="accent1">
+              <a:shade val="50000"/>
+            </a:schemeClr>
+          </a:lnRef>
+          <a:fillRef idx="1">
+            <a:schemeClr val="accent1"/>
+          </a:fillRef>
+          <a:effectRef idx="0">
+            <a:schemeClr val="accent1"/>
+          </a:effectRef>
+          <a:fontRef idx="minor">
+            <a:schemeClr val="lt1"/>
+          </a:fontRef>
+        </p:style>
+        <p:txBody>
+          <a:bodyPr wrap="square" rtlCol="0" anchor="ctr">
+            <a:noAutofit/>
+          </a:bodyPr>
+          <a:lstStyle/>
+          <a:p>
+            <a:pPr algn="ctr"/>
+            <a:endParaRPr lang="en-US" dirty="0"/>
+          </a:p>
+        </p:txBody>
+      </p:sp>
+      <p:sp>
+        <p:nvSpPr>
+          <p:cNvPr id="47" name="Freeform: Shape 46">
+            <a:extLst>
+              <a:ext uri="{FF2B5EF4-FFF2-40B4-BE49-F238E27FC236}">
+                <a16:creationId xmlns:a16="http://schemas.microsoft.com/office/drawing/2014/main" id="{141ACBDB-38F8-4B34-8183-BD95B4E55A62}"/>
+              </a:ext>
+              <a:ext uri="{C183D7F6-B498-43B3-948B-1728B52AA6E4}">
+                <adec:decorative xmlns:adec="http://schemas.microsoft.com/office/drawing/2017/decorative" val="1"/>
+              </a:ext>
+            </a:extLst>
+          </p:cNvPr>
+          <p:cNvSpPr>
+            <a:spLocks noGrp="1" noRot="1" noChangeAspect="1" noMove="1" noResize="1" noEditPoints="1" noAdjustHandles="1" noChangeArrowheads="1" noChangeShapeType="1" noTextEdit="1"/>
+          </p:cNvSpPr>
+          <p:nvPr>
+            <p:extLst>
+              <p:ext uri="{386F3935-93C4-4BCD-93E2-E3B085C9AB24}">
+                <p16:designElem xmlns:p16="http://schemas.microsoft.com/office/powerpoint/2015/main" val="1"/>
+              </p:ext>
+            </p:extLst>
+          </p:nvPr>
+        </p:nvSpPr>
+        <p:spPr>
+          <a:xfrm rot="2700000">
+            <a:off x="10739327" y="-253670"/>
+            <a:ext cx="1827638" cy="1376989"/>
+          </a:xfrm>
+          <a:custGeom>
+            <a:avLst/>
+            <a:gdLst>
+              <a:gd name="connsiteX0" fmla="*/ 0 w 1827638"/>
+              <a:gd name="connsiteY0" fmla="*/ 987379 h 1376989"/>
+              <a:gd name="connsiteX1" fmla="*/ 987379 w 1827638"/>
+              <a:gd name="connsiteY1" fmla="*/ 0 h 1376989"/>
+              <a:gd name="connsiteX2" fmla="*/ 1827638 w 1827638"/>
+              <a:gd name="connsiteY2" fmla="*/ 840260 h 1376989"/>
+              <a:gd name="connsiteX3" fmla="*/ 1827638 w 1827638"/>
+              <a:gd name="connsiteY3" fmla="*/ 1376989 h 1376989"/>
+              <a:gd name="connsiteX4" fmla="*/ 0 w 1827638"/>
+              <a:gd name="connsiteY4" fmla="*/ 1376989 h 1376989"/>
+            </a:gdLst>
+            <a:ahLst/>
+            <a:cxnLst>
+              <a:cxn ang="0">
+                <a:pos x="connsiteX0" y="connsiteY0"/>
+              </a:cxn>
+              <a:cxn ang="0">
+                <a:pos x="connsiteX1" y="connsiteY1"/>
+              </a:cxn>
+              <a:cxn ang="0">
+                <a:pos x="connsiteX2" y="connsiteY2"/>
+              </a:cxn>
+              <a:cxn ang="0">
+                <a:pos x="connsiteX3" y="connsiteY3"/>
+              </a:cxn>
+              <a:cxn ang="0">
+                <a:pos x="connsiteX4" y="connsiteY4"/>
+              </a:cxn>
+            </a:cxnLst>
+            <a:rect l="l" t="t" r="r" b="b"/>
+            <a:pathLst>
+              <a:path w="1827638" h="1376989">
+                <a:moveTo>
+                  <a:pt x="0" y="987379"/>
+                </a:moveTo>
+                <a:lnTo>
+                  <a:pt x="987379" y="0"/>
+                </a:lnTo>
+                <a:lnTo>
+                  <a:pt x="1827638" y="840260"/>
+                </a:lnTo>
+                <a:lnTo>
+                  <a:pt x="1827638" y="1376989"/>
+                </a:lnTo>
+                <a:lnTo>
+                  <a:pt x="0" y="1376989"/>
+                </a:lnTo>
+                <a:close/>
+              </a:path>
+            </a:pathLst>
+          </a:custGeom>
+          <a:solidFill>
+            <a:schemeClr val="accent1">
+              <a:alpha val="30000"/>
+            </a:schemeClr>
+          </a:solidFill>
+          <a:ln>
+            <a:noFill/>
+          </a:ln>
+        </p:spPr>
+        <p:style>
+          <a:lnRef idx="2">
+            <a:schemeClr val="accent1">
+              <a:shade val="50000"/>
+            </a:schemeClr>
+          </a:lnRef>
+          <a:fillRef idx="1">
+            <a:schemeClr val="accent1"/>
+          </a:fillRef>
+          <a:effectRef idx="0">
+            <a:schemeClr val="accent1"/>
+          </a:effectRef>
+          <a:fontRef idx="minor">
+            <a:schemeClr val="lt1"/>
+          </a:fontRef>
+        </p:style>
+        <p:txBody>
+          <a:bodyPr wrap="square" rtlCol="0" anchor="ctr">
+            <a:noAutofit/>
+          </a:bodyPr>
+          <a:lstStyle/>
+          <a:p>
+            <a:pPr algn="ctr"/>
+            <a:endParaRPr lang="en-US" dirty="0"/>
+          </a:p>
+        </p:txBody>
+      </p:sp>
+      <p:sp>
+        <p:nvSpPr>
+          <p:cNvPr id="49" name="Rectangle 48">
+            <a:extLst>
+              <a:ext uri="{FF2B5EF4-FFF2-40B4-BE49-F238E27FC236}">
+                <a16:creationId xmlns:a16="http://schemas.microsoft.com/office/drawing/2014/main" id="{DE00DB52-3455-4E2F-867B-A6D0516E175B}"/>
+              </a:ext>
+              <a:ext uri="{C183D7F6-B498-43B3-948B-1728B52AA6E4}">
+                <adec:decorative xmlns:adec="http://schemas.microsoft.com/office/drawing/2017/decorative" val="1"/>
+              </a:ext>
+            </a:extLst>
+          </p:cNvPr>
+          <p:cNvSpPr>
+            <a:spLocks noGrp="1" noRot="1" noChangeAspect="1" noMove="1" noResize="1" noEditPoints="1" noAdjustHandles="1" noChangeArrowheads="1" noChangeShapeType="1" noTextEdit="1"/>
+          </p:cNvSpPr>
+          <p:nvPr>
+            <p:extLst>
+              <p:ext uri="{386F3935-93C4-4BCD-93E2-E3B085C9AB24}">
+                <p16:designElem xmlns:p16="http://schemas.microsoft.com/office/powerpoint/2015/main" val="1"/>
+              </p:ext>
+            </p:extLst>
+          </p:nvPr>
+        </p:nvSpPr>
+        <p:spPr>
+          <a:xfrm rot="2700000">
+            <a:off x="10653800" y="422146"/>
+            <a:ext cx="645368" cy="645368"/>
+          </a:xfrm>
+          <a:prstGeom prst="rect">
+            <a:avLst/>
+          </a:prstGeom>
+          <a:solidFill>
+            <a:schemeClr val="accent1">
+              <a:alpha val="30000"/>
+            </a:schemeClr>
+          </a:solidFill>
+          <a:ln>
+            <a:noFill/>
+          </a:ln>
+        </p:spPr>
+        <p:style>
+          <a:lnRef idx="2">
+            <a:schemeClr val="accent1">
+              <a:shade val="50000"/>
+            </a:schemeClr>
+          </a:lnRef>
+          <a:fillRef idx="1">
+            <a:schemeClr val="accent1"/>
+          </a:fillRef>
+          <a:effectRef idx="0">
+            <a:schemeClr val="accent1"/>
+          </a:effectRef>
+          <a:fontRef idx="minor">
+            <a:schemeClr val="lt1"/>
+          </a:fontRef>
+        </p:style>
+        <p:txBody>
+          <a:bodyPr wrap="square" rtlCol="0" anchor="ctr">
+            <a:noAutofit/>
+          </a:bodyPr>
+          <a:lstStyle/>
+          <a:p>
+            <a:pPr algn="ctr"/>
+            <a:endParaRPr lang="en-US"/>
+          </a:p>
+        </p:txBody>
+      </p:sp>
+      <p:sp>
+        <p:nvSpPr>
+          <p:cNvPr id="51" name="Isosceles Triangle 50">
+            <a:extLst>
+              <a:ext uri="{FF2B5EF4-FFF2-40B4-BE49-F238E27FC236}">
+                <a16:creationId xmlns:a16="http://schemas.microsoft.com/office/drawing/2014/main" id="{9E914C83-E0D8-4953-92D5-169D28CB43AE}"/>
+              </a:ext>
+              <a:ext uri="{C183D7F6-B498-43B3-948B-1728B52AA6E4}">
+                <adec:decorative xmlns:adec="http://schemas.microsoft.com/office/drawing/2017/decorative" val="1"/>
+              </a:ext>
+            </a:extLst>
+          </p:cNvPr>
+          <p:cNvSpPr>
+            <a:spLocks noGrp="1" noRot="1" noChangeAspect="1" noMove="1" noResize="1" noEditPoints="1" noAdjustHandles="1" noChangeArrowheads="1" noChangeShapeType="1" noTextEdit="1"/>
+          </p:cNvSpPr>
+          <p:nvPr>
+            <p:extLst>
+              <p:ext uri="{386F3935-93C4-4BCD-93E2-E3B085C9AB24}">
+                <p16:designElem xmlns:p16="http://schemas.microsoft.com/office/powerpoint/2015/main" val="1"/>
+              </p:ext>
+            </p:extLst>
+          </p:nvPr>
+        </p:nvSpPr>
+        <p:spPr>
+          <a:xfrm>
+            <a:off x="8115423" y="6115501"/>
+            <a:ext cx="1494513" cy="742499"/>
+          </a:xfrm>
+          <a:prstGeom prst="triangle">
+            <a:avLst/>
+          </a:prstGeom>
+          <a:solidFill>
+            <a:schemeClr val="accent1">
+              <a:alpha val="30000"/>
+            </a:schemeClr>
+          </a:solidFill>
+          <a:ln>
+            <a:noFill/>
+          </a:ln>
+        </p:spPr>
+        <p:style>
+          <a:lnRef idx="2">
+            <a:schemeClr val="accent1">
+              <a:shade val="50000"/>
+            </a:schemeClr>
+          </a:lnRef>
+          <a:fillRef idx="1">
+            <a:schemeClr val="accent1"/>
+          </a:fillRef>
+          <a:effectRef idx="0">
+            <a:schemeClr val="accent1"/>
+          </a:effectRef>
+          <a:fontRef idx="minor">
+            <a:schemeClr val="lt1"/>
+          </a:fontRef>
+        </p:style>
+        <p:txBody>
+          <a:bodyPr wrap="square" rtlCol="0" anchor="ctr">
+            <a:noAutofit/>
+          </a:bodyPr>
+          <a:lstStyle/>
+          <a:p>
+            <a:pPr algn="ctr"/>
+            <a:endParaRPr lang="en-US"/>
+          </a:p>
+        </p:txBody>
+      </p:sp>
+      <p:sp>
+        <p:nvSpPr>
+          <p:cNvPr id="53" name="Isosceles Triangle 52">
+            <a:extLst>
+              <a:ext uri="{FF2B5EF4-FFF2-40B4-BE49-F238E27FC236}">
+                <a16:creationId xmlns:a16="http://schemas.microsoft.com/office/drawing/2014/main" id="{3512E083-F550-46AF-8490-767ECFD00CB7}"/>
+              </a:ext>
+              <a:ext uri="{C183D7F6-B498-43B3-948B-1728B52AA6E4}">
+                <adec:decorative xmlns:adec="http://schemas.microsoft.com/office/drawing/2017/decorative" val="1"/>
+              </a:ext>
+            </a:extLst>
+          </p:cNvPr>
+          <p:cNvSpPr>
+            <a:spLocks noGrp="1" noRot="1" noChangeAspect="1" noMove="1" noResize="1" noEditPoints="1" noAdjustHandles="1" noChangeArrowheads="1" noChangeShapeType="1" noTextEdit="1"/>
+          </p:cNvSpPr>
+          <p:nvPr>
+            <p:extLst>
+              <p:ext uri="{386F3935-93C4-4BCD-93E2-E3B085C9AB24}">
+                <p16:designElem xmlns:p16="http://schemas.microsoft.com/office/powerpoint/2015/main" val="1"/>
+              </p:ext>
+            </p:extLst>
+          </p:nvPr>
+        </p:nvSpPr>
+        <p:spPr>
+          <a:xfrm>
+            <a:off x="9167297" y="6453143"/>
+            <a:ext cx="814903" cy="404857"/>
+          </a:xfrm>
+          <a:prstGeom prst="triangle">
+            <a:avLst/>
+          </a:prstGeom>
+          <a:solidFill>
+            <a:schemeClr val="accent1">
+              <a:alpha val="30000"/>
+            </a:schemeClr>
+          </a:solidFill>
+          <a:ln>
+            <a:noFill/>
+          </a:ln>
+        </p:spPr>
+        <p:style>
+          <a:lnRef idx="2">
+            <a:schemeClr val="accent1">
+              <a:shade val="50000"/>
+            </a:schemeClr>
+          </a:lnRef>
+          <a:fillRef idx="1">
+            <a:schemeClr val="accent1"/>
+          </a:fillRef>
+          <a:effectRef idx="0">
+            <a:schemeClr val="accent1"/>
+          </a:effectRef>
+          <a:fontRef idx="minor">
+            <a:schemeClr val="lt1"/>
+          </a:fontRef>
+        </p:style>
+        <p:txBody>
+          <a:bodyPr wrap="square" rtlCol="0" anchor="ctr">
+            <a:noAutofit/>
+          </a:bodyPr>
+          <a:lstStyle/>
+          <a:p>
+            <a:pPr algn="ctr"/>
+            <a:endParaRPr lang="en-US"/>
+          </a:p>
+        </p:txBody>
+      </p:sp>
+      <p:pic>
+        <p:nvPicPr>
+          <p:cNvPr id="3" name="Image 2">
+            <a:extLst>
+              <a:ext uri="{FF2B5EF4-FFF2-40B4-BE49-F238E27FC236}">
+                <a16:creationId xmlns:a16="http://schemas.microsoft.com/office/drawing/2014/main" id="{EF3241C4-F6D6-223E-3F15-6BA18C6CDD6B}"/>
+              </a:ext>
+            </a:extLst>
+          </p:cNvPr>
+          <p:cNvPicPr>
+            <a:picLocks noChangeAspect="1"/>
+          </p:cNvPicPr>
+          <p:nvPr/>
+        </p:nvPicPr>
+        <p:blipFill>
+          <a:blip r:embed="rId2"/>
+          <a:stretch>
+            <a:fillRect/>
+          </a:stretch>
+        </p:blipFill>
+        <p:spPr>
+          <a:xfrm>
+            <a:off x="1752600" y="1201175"/>
+            <a:ext cx="8686800" cy="4943475"/>
+          </a:xfrm>
+          <a:prstGeom prst="rect">
+            <a:avLst/>
+          </a:prstGeom>
+        </p:spPr>
+      </p:pic>
+      <p:sp>
+        <p:nvSpPr>
+          <p:cNvPr id="4" name="ZoneTexte 3">
+            <a:extLst>
+              <a:ext uri="{FF2B5EF4-FFF2-40B4-BE49-F238E27FC236}">
+                <a16:creationId xmlns:a16="http://schemas.microsoft.com/office/drawing/2014/main" id="{301D1FF7-2302-24D5-687A-2009EFE48B70}"/>
+              </a:ext>
+            </a:extLst>
+          </p:cNvPr>
+          <p:cNvSpPr txBox="1"/>
+          <p:nvPr/>
+        </p:nvSpPr>
+        <p:spPr>
+          <a:xfrm>
+            <a:off x="3415005" y="487825"/>
+            <a:ext cx="4898072" cy="369332"/>
+          </a:xfrm>
+          <a:prstGeom prst="rect">
+            <a:avLst/>
+          </a:prstGeom>
+          <a:noFill/>
+        </p:spPr>
+        <p:txBody>
+          <a:bodyPr wrap="none" rtlCol="0">
+            <a:spAutoFit/>
+          </a:bodyPr>
+          <a:lstStyle/>
+          <a:p>
+            <a:r>
+              <a:rPr lang="fr-FR" dirty="0"/>
+              <a:t>Ou encore la création de </a:t>
+            </a:r>
+            <a:r>
+              <a:rPr lang="fr-FR" dirty="0" err="1"/>
+              <a:t>token</a:t>
+            </a:r>
+            <a:r>
+              <a:rPr lang="fr-FR" dirty="0"/>
+              <a:t> d’authentification .</a:t>
+            </a:r>
+          </a:p>
+        </p:txBody>
+      </p:sp>
+    </p:spTree>
+    <p:extLst>
+      <p:ext uri="{BB962C8B-B14F-4D97-AF65-F5344CB8AC3E}">
+        <p14:creationId xmlns:p14="http://schemas.microsoft.com/office/powerpoint/2010/main" val="3425504835"/>
+      </p:ext>
+    </p:extLst>
+  </p:cSld>
+  <p:clrMapOvr>
+    <a:masterClrMapping/>
+  </p:clrMapOvr>
+</p:sld>
+</file>
+
+<file path=ppt/slides/slide17.xml><?xml version="1.0" encoding="utf-8"?>
+<p:sld xmlns:a="http://schemas.openxmlformats.org/drawingml/2006/main" xmlns:r="http://schemas.openxmlformats.org/officeDocument/2006/relationships" xmlns:p="http://schemas.openxmlformats.org/presentationml/2006/main">
+  <p:cSld>
+    <p:bg>
+      <p:bgPr>
+        <a:solidFill>
+          <a:schemeClr val="bg1"/>
+        </a:solidFill>
+        <a:effectLst/>
+      </p:bgPr>
+    </p:bg>
+    <p:spTree>
+      <p:nvGrpSpPr>
+        <p:cNvPr id="1" name=""/>
+        <p:cNvGrpSpPr/>
+        <p:nvPr/>
+      </p:nvGrpSpPr>
+      <p:grpSpPr>
+        <a:xfrm>
+          <a:off x="0" y="0"/>
+          <a:ext cx="0" cy="0"/>
+          <a:chOff x="0" y="0"/>
+          <a:chExt cx="0" cy="0"/>
+        </a:xfrm>
+      </p:grpSpPr>
+      <p:sp>
+        <p:nvSpPr>
+          <p:cNvPr id="41" name="Rectangle 40">
+            <a:extLst>
+              <a:ext uri="{FF2B5EF4-FFF2-40B4-BE49-F238E27FC236}">
+                <a16:creationId xmlns:a16="http://schemas.microsoft.com/office/drawing/2014/main" id="{46D6306C-ED4F-4AAE-B4A5-EEA6AFAD726E}"/>
+              </a:ext>
+              <a:ext uri="{C183D7F6-B498-43B3-948B-1728B52AA6E4}">
+                <adec:decorative xmlns:adec="http://schemas.microsoft.com/office/drawing/2017/decorative" val="1"/>
+              </a:ext>
+            </a:extLst>
+          </p:cNvPr>
+          <p:cNvSpPr>
+            <a:spLocks noGrp="1" noRot="1" noChangeAspect="1" noMove="1" noResize="1" noEditPoints="1" noAdjustHandles="1" noChangeArrowheads="1" noChangeShapeType="1" noTextEdit="1"/>
+          </p:cNvSpPr>
+          <p:nvPr>
+            <p:extLst>
+              <p:ext uri="{386F3935-93C4-4BCD-93E2-E3B085C9AB24}">
+                <p16:designElem xmlns:p16="http://schemas.microsoft.com/office/powerpoint/2015/main" val="1"/>
+              </p:ext>
+            </p:extLst>
+          </p:nvPr>
+        </p:nvSpPr>
+        <p:spPr>
+          <a:xfrm>
+            <a:off x="0" y="0"/>
+            <a:ext cx="12192000" cy="6858000"/>
+          </a:xfrm>
+          <a:prstGeom prst="rect">
+            <a:avLst/>
+          </a:prstGeom>
+          <a:solidFill>
+            <a:schemeClr val="bg1"/>
+          </a:solidFill>
+          <a:ln>
+            <a:noFill/>
+          </a:ln>
+        </p:spPr>
+        <p:style>
+          <a:lnRef idx="2">
+            <a:schemeClr val="accent1">
+              <a:shade val="50000"/>
+            </a:schemeClr>
+          </a:lnRef>
+          <a:fillRef idx="1">
+            <a:schemeClr val="accent1"/>
+          </a:fillRef>
+          <a:effectRef idx="0">
+            <a:schemeClr val="accent1"/>
+          </a:effectRef>
+          <a:fontRef idx="minor">
+            <a:schemeClr val="lt1"/>
+          </a:fontRef>
+        </p:style>
+        <p:txBody>
+          <a:bodyPr rtlCol="0" anchor="ctr"/>
+          <a:lstStyle/>
+          <a:p>
+            <a:pPr algn="ctr"/>
+            <a:endParaRPr lang="en-US" dirty="0"/>
+          </a:p>
+        </p:txBody>
+      </p:sp>
+      <p:sp>
+        <p:nvSpPr>
+          <p:cNvPr id="43" name="Rectangle 42">
+            <a:extLst>
+              <a:ext uri="{FF2B5EF4-FFF2-40B4-BE49-F238E27FC236}">
+                <a16:creationId xmlns:a16="http://schemas.microsoft.com/office/drawing/2014/main" id="{0EC5361D-F897-4856-B945-0455A365EB24}"/>
+              </a:ext>
+              <a:ext uri="{C183D7F6-B498-43B3-948B-1728B52AA6E4}">
+                <adec:decorative xmlns:adec="http://schemas.microsoft.com/office/drawing/2017/decorative" val="1"/>
+              </a:ext>
+            </a:extLst>
+          </p:cNvPr>
+          <p:cNvSpPr>
+            <a:spLocks noGrp="1" noRot="1" noChangeAspect="1" noMove="1" noResize="1" noEditPoints="1" noAdjustHandles="1" noChangeArrowheads="1" noChangeShapeType="1" noTextEdit="1"/>
+          </p:cNvSpPr>
+          <p:nvPr>
+            <p:extLst>
+              <p:ext uri="{386F3935-93C4-4BCD-93E2-E3B085C9AB24}">
+                <p16:designElem xmlns:p16="http://schemas.microsoft.com/office/powerpoint/2015/main" val="1"/>
+              </p:ext>
+            </p:extLst>
+          </p:nvPr>
+        </p:nvSpPr>
+        <p:spPr>
+          <a:xfrm rot="2700000">
+            <a:off x="415435" y="655140"/>
+            <a:ext cx="687472" cy="687472"/>
+          </a:xfrm>
+          <a:prstGeom prst="rect">
+            <a:avLst/>
+          </a:prstGeom>
+          <a:solidFill>
+            <a:schemeClr val="accent4">
+              <a:alpha val="30000"/>
+            </a:schemeClr>
+          </a:solidFill>
+          <a:ln>
+            <a:noFill/>
+          </a:ln>
+        </p:spPr>
+        <p:style>
+          <a:lnRef idx="2">
+            <a:schemeClr val="accent1">
+              <a:shade val="50000"/>
+            </a:schemeClr>
+          </a:lnRef>
+          <a:fillRef idx="1">
+            <a:schemeClr val="accent1"/>
+          </a:fillRef>
+          <a:effectRef idx="0">
+            <a:schemeClr val="accent1"/>
+          </a:effectRef>
+          <a:fontRef idx="minor">
+            <a:schemeClr val="lt1"/>
+          </a:fontRef>
+        </p:style>
+        <p:txBody>
+          <a:bodyPr rtlCol="0" anchor="ctr"/>
+          <a:lstStyle/>
+          <a:p>
+            <a:pPr algn="ctr"/>
+            <a:endParaRPr lang="en-US"/>
+          </a:p>
+        </p:txBody>
+      </p:sp>
+      <p:sp>
+        <p:nvSpPr>
+          <p:cNvPr id="45" name="Freeform: Shape 44">
+            <a:extLst>
+              <a:ext uri="{FF2B5EF4-FFF2-40B4-BE49-F238E27FC236}">
+                <a16:creationId xmlns:a16="http://schemas.microsoft.com/office/drawing/2014/main" id="{4508C0C5-2268-42B5-B3C8-4D0899E05F8C}"/>
+              </a:ext>
+              <a:ext uri="{C183D7F6-B498-43B3-948B-1728B52AA6E4}">
+                <adec:decorative xmlns:adec="http://schemas.microsoft.com/office/drawing/2017/decorative" val="1"/>
+              </a:ext>
+            </a:extLst>
+          </p:cNvPr>
+          <p:cNvSpPr>
+            <a:spLocks noGrp="1" noRot="1" noChangeAspect="1" noMove="1" noResize="1" noEditPoints="1" noAdjustHandles="1" noChangeArrowheads="1" noChangeShapeType="1" noTextEdit="1"/>
+          </p:cNvSpPr>
+          <p:nvPr>
+            <p:extLst>
+              <p:ext uri="{386F3935-93C4-4BCD-93E2-E3B085C9AB24}">
+                <p16:designElem xmlns:p16="http://schemas.microsoft.com/office/powerpoint/2015/main" val="1"/>
+              </p:ext>
+            </p:extLst>
+          </p:nvPr>
+        </p:nvSpPr>
+        <p:spPr>
+          <a:xfrm rot="10800000">
+            <a:off x="0" y="0"/>
+            <a:ext cx="2835357" cy="1480837"/>
+          </a:xfrm>
+          <a:custGeom>
+            <a:avLst/>
+            <a:gdLst>
+              <a:gd name="connsiteX0" fmla="*/ 2835357 w 2835357"/>
+              <a:gd name="connsiteY0" fmla="*/ 1480837 h 1480837"/>
+              <a:gd name="connsiteX1" fmla="*/ 0 w 2835357"/>
+              <a:gd name="connsiteY1" fmla="*/ 1480837 h 1480837"/>
+              <a:gd name="connsiteX2" fmla="*/ 1552727 w 2835357"/>
+              <a:gd name="connsiteY2" fmla="*/ 0 h 1480837"/>
+              <a:gd name="connsiteX3" fmla="*/ 2835357 w 2835357"/>
+              <a:gd name="connsiteY3" fmla="*/ 1223245 h 1480837"/>
+            </a:gdLst>
+            <a:ahLst/>
+            <a:cxnLst>
+              <a:cxn ang="0">
+                <a:pos x="connsiteX0" y="connsiteY0"/>
+              </a:cxn>
+              <a:cxn ang="0">
+                <a:pos x="connsiteX1" y="connsiteY1"/>
+              </a:cxn>
+              <a:cxn ang="0">
+                <a:pos x="connsiteX2" y="connsiteY2"/>
+              </a:cxn>
+              <a:cxn ang="0">
+                <a:pos x="connsiteX3" y="connsiteY3"/>
+              </a:cxn>
+            </a:cxnLst>
+            <a:rect l="l" t="t" r="r" b="b"/>
+            <a:pathLst>
+              <a:path w="2835357" h="1480837">
+                <a:moveTo>
+                  <a:pt x="2835357" y="1480837"/>
+                </a:moveTo>
+                <a:lnTo>
+                  <a:pt x="0" y="1480837"/>
+                </a:lnTo>
+                <a:lnTo>
+                  <a:pt x="1552727" y="0"/>
+                </a:lnTo>
+                <a:lnTo>
+                  <a:pt x="2835357" y="1223245"/>
+                </a:lnTo>
+                <a:close/>
+              </a:path>
+            </a:pathLst>
+          </a:custGeom>
+          <a:solidFill>
+            <a:schemeClr val="accent4">
+              <a:alpha val="30000"/>
+            </a:schemeClr>
+          </a:solidFill>
+          <a:ln>
+            <a:noFill/>
+          </a:ln>
+        </p:spPr>
+        <p:style>
+          <a:lnRef idx="2">
+            <a:schemeClr val="accent1">
+              <a:shade val="50000"/>
+            </a:schemeClr>
+          </a:lnRef>
+          <a:fillRef idx="1">
+            <a:schemeClr val="accent1"/>
+          </a:fillRef>
+          <a:effectRef idx="0">
+            <a:schemeClr val="accent1"/>
+          </a:effectRef>
+          <a:fontRef idx="minor">
+            <a:schemeClr val="lt1"/>
+          </a:fontRef>
+        </p:style>
+        <p:txBody>
+          <a:bodyPr wrap="square" rtlCol="0" anchor="ctr">
+            <a:noAutofit/>
+          </a:bodyPr>
+          <a:lstStyle/>
+          <a:p>
+            <a:pPr algn="ctr"/>
+            <a:endParaRPr lang="en-US" dirty="0"/>
+          </a:p>
+        </p:txBody>
+      </p:sp>
+      <p:sp>
+        <p:nvSpPr>
+          <p:cNvPr id="47" name="Freeform: Shape 46">
+            <a:extLst>
+              <a:ext uri="{FF2B5EF4-FFF2-40B4-BE49-F238E27FC236}">
+                <a16:creationId xmlns:a16="http://schemas.microsoft.com/office/drawing/2014/main" id="{141ACBDB-38F8-4B34-8183-BD95B4E55A62}"/>
+              </a:ext>
+              <a:ext uri="{C183D7F6-B498-43B3-948B-1728B52AA6E4}">
+                <adec:decorative xmlns:adec="http://schemas.microsoft.com/office/drawing/2017/decorative" val="1"/>
+              </a:ext>
+            </a:extLst>
+          </p:cNvPr>
+          <p:cNvSpPr>
+            <a:spLocks noGrp="1" noRot="1" noChangeAspect="1" noMove="1" noResize="1" noEditPoints="1" noAdjustHandles="1" noChangeArrowheads="1" noChangeShapeType="1" noTextEdit="1"/>
+          </p:cNvSpPr>
+          <p:nvPr>
+            <p:extLst>
+              <p:ext uri="{386F3935-93C4-4BCD-93E2-E3B085C9AB24}">
+                <p16:designElem xmlns:p16="http://schemas.microsoft.com/office/powerpoint/2015/main" val="1"/>
+              </p:ext>
+            </p:extLst>
+          </p:nvPr>
+        </p:nvSpPr>
+        <p:spPr>
+          <a:xfrm rot="2700000">
+            <a:off x="10739327" y="-253670"/>
+            <a:ext cx="1827638" cy="1376989"/>
+          </a:xfrm>
+          <a:custGeom>
+            <a:avLst/>
+            <a:gdLst>
+              <a:gd name="connsiteX0" fmla="*/ 0 w 1827638"/>
+              <a:gd name="connsiteY0" fmla="*/ 987379 h 1376989"/>
+              <a:gd name="connsiteX1" fmla="*/ 987379 w 1827638"/>
+              <a:gd name="connsiteY1" fmla="*/ 0 h 1376989"/>
+              <a:gd name="connsiteX2" fmla="*/ 1827638 w 1827638"/>
+              <a:gd name="connsiteY2" fmla="*/ 840260 h 1376989"/>
+              <a:gd name="connsiteX3" fmla="*/ 1827638 w 1827638"/>
+              <a:gd name="connsiteY3" fmla="*/ 1376989 h 1376989"/>
+              <a:gd name="connsiteX4" fmla="*/ 0 w 1827638"/>
+              <a:gd name="connsiteY4" fmla="*/ 1376989 h 1376989"/>
+            </a:gdLst>
+            <a:ahLst/>
+            <a:cxnLst>
+              <a:cxn ang="0">
+                <a:pos x="connsiteX0" y="connsiteY0"/>
+              </a:cxn>
+              <a:cxn ang="0">
+                <a:pos x="connsiteX1" y="connsiteY1"/>
+              </a:cxn>
+              <a:cxn ang="0">
+                <a:pos x="connsiteX2" y="connsiteY2"/>
+              </a:cxn>
+              <a:cxn ang="0">
+                <a:pos x="connsiteX3" y="connsiteY3"/>
+              </a:cxn>
+              <a:cxn ang="0">
+                <a:pos x="connsiteX4" y="connsiteY4"/>
+              </a:cxn>
+            </a:cxnLst>
+            <a:rect l="l" t="t" r="r" b="b"/>
+            <a:pathLst>
+              <a:path w="1827638" h="1376989">
+                <a:moveTo>
+                  <a:pt x="0" y="987379"/>
+                </a:moveTo>
+                <a:lnTo>
+                  <a:pt x="987379" y="0"/>
+                </a:lnTo>
+                <a:lnTo>
+                  <a:pt x="1827638" y="840260"/>
+                </a:lnTo>
+                <a:lnTo>
+                  <a:pt x="1827638" y="1376989"/>
+                </a:lnTo>
+                <a:lnTo>
+                  <a:pt x="0" y="1376989"/>
+                </a:lnTo>
+                <a:close/>
+              </a:path>
+            </a:pathLst>
+          </a:custGeom>
+          <a:solidFill>
+            <a:schemeClr val="accent1">
+              <a:alpha val="30000"/>
+            </a:schemeClr>
+          </a:solidFill>
+          <a:ln>
+            <a:noFill/>
+          </a:ln>
+        </p:spPr>
+        <p:style>
+          <a:lnRef idx="2">
+            <a:schemeClr val="accent1">
+              <a:shade val="50000"/>
+            </a:schemeClr>
+          </a:lnRef>
+          <a:fillRef idx="1">
+            <a:schemeClr val="accent1"/>
+          </a:fillRef>
+          <a:effectRef idx="0">
+            <a:schemeClr val="accent1"/>
+          </a:effectRef>
+          <a:fontRef idx="minor">
+            <a:schemeClr val="lt1"/>
+          </a:fontRef>
+        </p:style>
+        <p:txBody>
+          <a:bodyPr wrap="square" rtlCol="0" anchor="ctr">
+            <a:noAutofit/>
+          </a:bodyPr>
+          <a:lstStyle/>
+          <a:p>
+            <a:pPr algn="ctr"/>
+            <a:endParaRPr lang="en-US" dirty="0"/>
+          </a:p>
+        </p:txBody>
+      </p:sp>
+      <p:sp>
+        <p:nvSpPr>
+          <p:cNvPr id="49" name="Rectangle 48">
+            <a:extLst>
+              <a:ext uri="{FF2B5EF4-FFF2-40B4-BE49-F238E27FC236}">
+                <a16:creationId xmlns:a16="http://schemas.microsoft.com/office/drawing/2014/main" id="{DE00DB52-3455-4E2F-867B-A6D0516E175B}"/>
+              </a:ext>
+              <a:ext uri="{C183D7F6-B498-43B3-948B-1728B52AA6E4}">
+                <adec:decorative xmlns:adec="http://schemas.microsoft.com/office/drawing/2017/decorative" val="1"/>
+              </a:ext>
+            </a:extLst>
+          </p:cNvPr>
+          <p:cNvSpPr>
+            <a:spLocks noGrp="1" noRot="1" noChangeAspect="1" noMove="1" noResize="1" noEditPoints="1" noAdjustHandles="1" noChangeArrowheads="1" noChangeShapeType="1" noTextEdit="1"/>
+          </p:cNvSpPr>
+          <p:nvPr>
+            <p:extLst>
+              <p:ext uri="{386F3935-93C4-4BCD-93E2-E3B085C9AB24}">
+                <p16:designElem xmlns:p16="http://schemas.microsoft.com/office/powerpoint/2015/main" val="1"/>
+              </p:ext>
+            </p:extLst>
+          </p:nvPr>
+        </p:nvSpPr>
+        <p:spPr>
+          <a:xfrm rot="2700000">
+            <a:off x="10653800" y="422146"/>
+            <a:ext cx="645368" cy="645368"/>
+          </a:xfrm>
+          <a:prstGeom prst="rect">
+            <a:avLst/>
+          </a:prstGeom>
+          <a:solidFill>
+            <a:schemeClr val="accent1">
+              <a:alpha val="30000"/>
+            </a:schemeClr>
+          </a:solidFill>
+          <a:ln>
+            <a:noFill/>
+          </a:ln>
+        </p:spPr>
+        <p:style>
+          <a:lnRef idx="2">
+            <a:schemeClr val="accent1">
+              <a:shade val="50000"/>
+            </a:schemeClr>
+          </a:lnRef>
+          <a:fillRef idx="1">
+            <a:schemeClr val="accent1"/>
+          </a:fillRef>
+          <a:effectRef idx="0">
+            <a:schemeClr val="accent1"/>
+          </a:effectRef>
+          <a:fontRef idx="minor">
+            <a:schemeClr val="lt1"/>
+          </a:fontRef>
+        </p:style>
+        <p:txBody>
+          <a:bodyPr wrap="square" rtlCol="0" anchor="ctr">
+            <a:noAutofit/>
+          </a:bodyPr>
+          <a:lstStyle/>
+          <a:p>
+            <a:pPr algn="ctr"/>
+            <a:endParaRPr lang="en-US"/>
+          </a:p>
+        </p:txBody>
+      </p:sp>
+      <p:sp>
+        <p:nvSpPr>
+          <p:cNvPr id="51" name="Isosceles Triangle 50">
+            <a:extLst>
+              <a:ext uri="{FF2B5EF4-FFF2-40B4-BE49-F238E27FC236}">
+                <a16:creationId xmlns:a16="http://schemas.microsoft.com/office/drawing/2014/main" id="{9E914C83-E0D8-4953-92D5-169D28CB43AE}"/>
+              </a:ext>
+              <a:ext uri="{C183D7F6-B498-43B3-948B-1728B52AA6E4}">
+                <adec:decorative xmlns:adec="http://schemas.microsoft.com/office/drawing/2017/decorative" val="1"/>
+              </a:ext>
+            </a:extLst>
+          </p:cNvPr>
+          <p:cNvSpPr>
+            <a:spLocks noGrp="1" noRot="1" noChangeAspect="1" noMove="1" noResize="1" noEditPoints="1" noAdjustHandles="1" noChangeArrowheads="1" noChangeShapeType="1" noTextEdit="1"/>
+          </p:cNvSpPr>
+          <p:nvPr>
+            <p:extLst>
+              <p:ext uri="{386F3935-93C4-4BCD-93E2-E3B085C9AB24}">
+                <p16:designElem xmlns:p16="http://schemas.microsoft.com/office/powerpoint/2015/main" val="1"/>
+              </p:ext>
+            </p:extLst>
+          </p:nvPr>
+        </p:nvSpPr>
+        <p:spPr>
+          <a:xfrm>
+            <a:off x="8115423" y="6115501"/>
+            <a:ext cx="1494513" cy="742499"/>
+          </a:xfrm>
+          <a:prstGeom prst="triangle">
+            <a:avLst/>
+          </a:prstGeom>
+          <a:solidFill>
+            <a:schemeClr val="accent1">
+              <a:alpha val="30000"/>
+            </a:schemeClr>
+          </a:solidFill>
+          <a:ln>
+            <a:noFill/>
+          </a:ln>
+        </p:spPr>
+        <p:style>
+          <a:lnRef idx="2">
+            <a:schemeClr val="accent1">
+              <a:shade val="50000"/>
+            </a:schemeClr>
+          </a:lnRef>
+          <a:fillRef idx="1">
+            <a:schemeClr val="accent1"/>
+          </a:fillRef>
+          <a:effectRef idx="0">
+            <a:schemeClr val="accent1"/>
+          </a:effectRef>
+          <a:fontRef idx="minor">
+            <a:schemeClr val="lt1"/>
+          </a:fontRef>
+        </p:style>
+        <p:txBody>
+          <a:bodyPr wrap="square" rtlCol="0" anchor="ctr">
+            <a:noAutofit/>
+          </a:bodyPr>
+          <a:lstStyle/>
+          <a:p>
+            <a:pPr algn="ctr"/>
+            <a:endParaRPr lang="en-US"/>
+          </a:p>
+        </p:txBody>
+      </p:sp>
+      <p:sp>
+        <p:nvSpPr>
+          <p:cNvPr id="53" name="Isosceles Triangle 52">
+            <a:extLst>
+              <a:ext uri="{FF2B5EF4-FFF2-40B4-BE49-F238E27FC236}">
+                <a16:creationId xmlns:a16="http://schemas.microsoft.com/office/drawing/2014/main" id="{3512E083-F550-46AF-8490-767ECFD00CB7}"/>
+              </a:ext>
+              <a:ext uri="{C183D7F6-B498-43B3-948B-1728B52AA6E4}">
+                <adec:decorative xmlns:adec="http://schemas.microsoft.com/office/drawing/2017/decorative" val="1"/>
+              </a:ext>
+            </a:extLst>
+          </p:cNvPr>
+          <p:cNvSpPr>
+            <a:spLocks noGrp="1" noRot="1" noChangeAspect="1" noMove="1" noResize="1" noEditPoints="1" noAdjustHandles="1" noChangeArrowheads="1" noChangeShapeType="1" noTextEdit="1"/>
+          </p:cNvSpPr>
+          <p:nvPr>
+            <p:extLst>
+              <p:ext uri="{386F3935-93C4-4BCD-93E2-E3B085C9AB24}">
+                <p16:designElem xmlns:p16="http://schemas.microsoft.com/office/powerpoint/2015/main" val="1"/>
+              </p:ext>
+            </p:extLst>
+          </p:nvPr>
+        </p:nvSpPr>
+        <p:spPr>
+          <a:xfrm>
+            <a:off x="9167297" y="6453143"/>
+            <a:ext cx="814903" cy="404857"/>
+          </a:xfrm>
+          <a:prstGeom prst="triangle">
+            <a:avLst/>
+          </a:prstGeom>
+          <a:solidFill>
+            <a:schemeClr val="accent1">
+              <a:alpha val="30000"/>
+            </a:schemeClr>
+          </a:solidFill>
+          <a:ln>
+            <a:noFill/>
+          </a:ln>
+        </p:spPr>
+        <p:style>
+          <a:lnRef idx="2">
+            <a:schemeClr val="accent1">
+              <a:shade val="50000"/>
+            </a:schemeClr>
+          </a:lnRef>
+          <a:fillRef idx="1">
+            <a:schemeClr val="accent1"/>
+          </a:fillRef>
+          <a:effectRef idx="0">
+            <a:schemeClr val="accent1"/>
+          </a:effectRef>
+          <a:fontRef idx="minor">
+            <a:schemeClr val="lt1"/>
+          </a:fontRef>
+        </p:style>
+        <p:txBody>
+          <a:bodyPr wrap="square" rtlCol="0" anchor="ctr">
+            <a:noAutofit/>
+          </a:bodyPr>
+          <a:lstStyle/>
+          <a:p>
+            <a:pPr algn="ctr"/>
+            <a:endParaRPr lang="en-US"/>
+          </a:p>
+        </p:txBody>
+      </p:sp>
+      <p:sp>
+        <p:nvSpPr>
+          <p:cNvPr id="12" name="Titre 1">
+            <a:extLst>
+              <a:ext uri="{FF2B5EF4-FFF2-40B4-BE49-F238E27FC236}">
+                <a16:creationId xmlns:a16="http://schemas.microsoft.com/office/drawing/2014/main" id="{610BD3F2-A24B-BE5D-717F-03565D561ACB}"/>
+              </a:ext>
+            </a:extLst>
+          </p:cNvPr>
+          <p:cNvSpPr>
+            <a:spLocks noGrp="1"/>
+          </p:cNvSpPr>
+          <p:nvPr>
+            <p:ph type="title"/>
+          </p:nvPr>
+        </p:nvSpPr>
+        <p:spPr>
+          <a:xfrm>
+            <a:off x="838200" y="365125"/>
+            <a:ext cx="10515600" cy="1325563"/>
+          </a:xfrm>
+        </p:spPr>
+        <p:txBody>
+          <a:bodyPr/>
+          <a:lstStyle/>
+          <a:p>
+            <a:pPr algn="ctr"/>
+            <a:r>
+              <a:rPr lang="fr-FR" dirty="0"/>
+              <a:t>IV - Sécurité</a:t>
+            </a:r>
+          </a:p>
+        </p:txBody>
+      </p:sp>
+      <p:pic>
+        <p:nvPicPr>
+          <p:cNvPr id="5" name="Image 4">
+            <a:extLst>
+              <a:ext uri="{FF2B5EF4-FFF2-40B4-BE49-F238E27FC236}">
+                <a16:creationId xmlns:a16="http://schemas.microsoft.com/office/drawing/2014/main" id="{1E851071-DD77-0E4B-9B8A-2BA8B7AE454D}"/>
+              </a:ext>
+            </a:extLst>
+          </p:cNvPr>
+          <p:cNvPicPr>
+            <a:picLocks noChangeAspect="1"/>
+          </p:cNvPicPr>
+          <p:nvPr/>
+        </p:nvPicPr>
+        <p:blipFill>
+          <a:blip r:embed="rId2"/>
+          <a:stretch>
+            <a:fillRect/>
+          </a:stretch>
+        </p:blipFill>
+        <p:spPr>
+          <a:xfrm>
+            <a:off x="3545423" y="2028330"/>
+            <a:ext cx="6029325" cy="3095625"/>
+          </a:xfrm>
+          <a:prstGeom prst="rect">
+            <a:avLst/>
+          </a:prstGeom>
+        </p:spPr>
+      </p:pic>
+    </p:spTree>
+    <p:extLst>
+      <p:ext uri="{BB962C8B-B14F-4D97-AF65-F5344CB8AC3E}">
+        <p14:creationId xmlns:p14="http://schemas.microsoft.com/office/powerpoint/2010/main" val="2088949549"/>
+      </p:ext>
+    </p:extLst>
+  </p:cSld>
+  <p:clrMapOvr>
+    <a:masterClrMapping/>
+  </p:clrMapOvr>
+</p:sld>
+</file>
+
+<file path=ppt/slides/slide18.xml><?xml version="1.0" encoding="utf-8"?>
+<p:sld xmlns:a="http://schemas.openxmlformats.org/drawingml/2006/main" xmlns:r="http://schemas.openxmlformats.org/officeDocument/2006/relationships" xmlns:p="http://schemas.openxmlformats.org/presentationml/2006/main">
+  <p:cSld>
+    <p:bg>
+      <p:bgPr>
+        <a:solidFill>
+          <a:schemeClr val="bg1"/>
+        </a:solidFill>
+        <a:effectLst/>
+      </p:bgPr>
+    </p:bg>
+    <p:spTree>
+      <p:nvGrpSpPr>
+        <p:cNvPr id="1" name=""/>
+        <p:cNvGrpSpPr/>
+        <p:nvPr/>
+      </p:nvGrpSpPr>
+      <p:grpSpPr>
+        <a:xfrm>
+          <a:off x="0" y="0"/>
+          <a:ext cx="0" cy="0"/>
+          <a:chOff x="0" y="0"/>
+          <a:chExt cx="0" cy="0"/>
+        </a:xfrm>
+      </p:grpSpPr>
+      <p:sp>
+        <p:nvSpPr>
+          <p:cNvPr id="8" name="Rectangle 7">
+            <a:extLst>
+              <a:ext uri="{FF2B5EF4-FFF2-40B4-BE49-F238E27FC236}">
+                <a16:creationId xmlns:a16="http://schemas.microsoft.com/office/drawing/2014/main" id="{2B566528-1B12-4246-9431-5C2D7D081168}"/>
+              </a:ext>
+              <a:ext uri="{C183D7F6-B498-43B3-948B-1728B52AA6E4}">
+                <adec:decorative xmlns:adec="http://schemas.microsoft.com/office/drawing/2017/decorative" val="1"/>
+              </a:ext>
+            </a:extLst>
+          </p:cNvPr>
+          <p:cNvSpPr>
+            <a:spLocks noGrp="1" noRot="1" noChangeAspect="1" noMove="1" noResize="1" noEditPoints="1" noAdjustHandles="1" noChangeArrowheads="1" noChangeShapeType="1" noTextEdit="1"/>
+          </p:cNvSpPr>
+          <p:nvPr>
+            <p:extLst>
+              <p:ext uri="{386F3935-93C4-4BCD-93E2-E3B085C9AB24}">
+                <p16:designElem xmlns:p16="http://schemas.microsoft.com/office/powerpoint/2015/main" val="1"/>
+              </p:ext>
+            </p:extLst>
+          </p:nvPr>
+        </p:nvSpPr>
+        <p:spPr>
+          <a:xfrm>
+            <a:off x="0" y="0"/>
+            <a:ext cx="12192000" cy="6858000"/>
+          </a:xfrm>
+          <a:prstGeom prst="rect">
+            <a:avLst/>
+          </a:prstGeom>
+          <a:solidFill>
+            <a:schemeClr val="bg1"/>
+          </a:solidFill>
+          <a:ln>
+            <a:noFill/>
+          </a:ln>
+        </p:spPr>
+        <p:style>
+          <a:lnRef idx="2">
+            <a:schemeClr val="accent1">
+              <a:shade val="50000"/>
+            </a:schemeClr>
+          </a:lnRef>
+          <a:fillRef idx="1">
+            <a:schemeClr val="accent1"/>
+          </a:fillRef>
+          <a:effectRef idx="0">
+            <a:schemeClr val="accent1"/>
+          </a:effectRef>
+          <a:fontRef idx="minor">
+            <a:schemeClr val="lt1"/>
+          </a:fontRef>
+        </p:style>
+        <p:txBody>
+          <a:bodyPr rtlCol="0" anchor="ctr"/>
+          <a:lstStyle/>
+          <a:p>
+            <a:pPr algn="ctr"/>
+            <a:endParaRPr lang="en-US" dirty="0"/>
+          </a:p>
+        </p:txBody>
+      </p:sp>
+      <p:sp>
+        <p:nvSpPr>
+          <p:cNvPr id="10" name="Rectangle 9">
+            <a:extLst>
+              <a:ext uri="{FF2B5EF4-FFF2-40B4-BE49-F238E27FC236}">
+                <a16:creationId xmlns:a16="http://schemas.microsoft.com/office/drawing/2014/main" id="{2E80C965-DB6D-4F81-9E9E-B027384D0BD6}"/>
+              </a:ext>
+              <a:ext uri="{C183D7F6-B498-43B3-948B-1728B52AA6E4}">
+                <adec:decorative xmlns:adec="http://schemas.microsoft.com/office/drawing/2017/decorative" val="1"/>
+              </a:ext>
+            </a:extLst>
+          </p:cNvPr>
+          <p:cNvSpPr>
+            <a:spLocks noGrp="1" noRot="1" noChangeAspect="1" noMove="1" noResize="1" noEditPoints="1" noAdjustHandles="1" noChangeArrowheads="1" noChangeShapeType="1" noTextEdit="1"/>
+          </p:cNvSpPr>
+          <p:nvPr>
+            <p:extLst>
+              <p:ext uri="{386F3935-93C4-4BCD-93E2-E3B085C9AB24}">
+                <p16:designElem xmlns:p16="http://schemas.microsoft.com/office/powerpoint/2015/main" val="1"/>
+              </p:ext>
+            </p:extLst>
+          </p:nvPr>
+        </p:nvSpPr>
+        <p:spPr>
+          <a:xfrm rot="2700000">
+            <a:off x="11052629" y="2120024"/>
+            <a:ext cx="645368" cy="645368"/>
+          </a:xfrm>
+          <a:prstGeom prst="rect">
+            <a:avLst/>
+          </a:prstGeom>
+          <a:solidFill>
+            <a:schemeClr val="accent4">
+              <a:alpha val="30000"/>
+            </a:schemeClr>
+          </a:solidFill>
+          <a:ln>
+            <a:noFill/>
+          </a:ln>
+        </p:spPr>
+        <p:style>
+          <a:lnRef idx="2">
+            <a:schemeClr val="accent1">
+              <a:shade val="50000"/>
+            </a:schemeClr>
+          </a:lnRef>
+          <a:fillRef idx="1">
+            <a:schemeClr val="accent1"/>
+          </a:fillRef>
+          <a:effectRef idx="0">
+            <a:schemeClr val="accent1"/>
+          </a:effectRef>
+          <a:fontRef idx="minor">
+            <a:schemeClr val="lt1"/>
+          </a:fontRef>
+        </p:style>
+        <p:txBody>
+          <a:bodyPr rtlCol="0" anchor="ctr"/>
+          <a:lstStyle/>
+          <a:p>
+            <a:pPr algn="ctr"/>
+            <a:endParaRPr lang="en-US"/>
+          </a:p>
+        </p:txBody>
+      </p:sp>
+      <p:sp>
+        <p:nvSpPr>
+          <p:cNvPr id="12" name="Isosceles Triangle 11">
+            <a:extLst>
+              <a:ext uri="{FF2B5EF4-FFF2-40B4-BE49-F238E27FC236}">
+                <a16:creationId xmlns:a16="http://schemas.microsoft.com/office/drawing/2014/main" id="{A580F890-B085-4E95-96AA-55AEBEC5CE6E}"/>
+              </a:ext>
+              <a:ext uri="{C183D7F6-B498-43B3-948B-1728B52AA6E4}">
+                <adec:decorative xmlns:adec="http://schemas.microsoft.com/office/drawing/2017/decorative" val="1"/>
+              </a:ext>
+            </a:extLst>
+          </p:cNvPr>
+          <p:cNvSpPr>
+            <a:spLocks noGrp="1" noRot="1" noChangeAspect="1" noMove="1" noResize="1" noEditPoints="1" noAdjustHandles="1" noChangeArrowheads="1" noChangeShapeType="1" noTextEdit="1"/>
+          </p:cNvSpPr>
+          <p:nvPr>
+            <p:extLst>
+              <p:ext uri="{386F3935-93C4-4BCD-93E2-E3B085C9AB24}">
+                <p16:designElem xmlns:p16="http://schemas.microsoft.com/office/powerpoint/2015/main" val="1"/>
+              </p:ext>
+            </p:extLst>
+          </p:nvPr>
+        </p:nvSpPr>
+        <p:spPr>
+          <a:xfrm rot="16200000">
+            <a:off x="10289068" y="1343027"/>
+            <a:ext cx="2532832" cy="1273032"/>
+          </a:xfrm>
+          <a:prstGeom prst="triangle">
+            <a:avLst>
+              <a:gd name="adj" fmla="val 50000"/>
+            </a:avLst>
+          </a:prstGeom>
+          <a:solidFill>
+            <a:schemeClr val="accent4">
+              <a:alpha val="30000"/>
+            </a:schemeClr>
+          </a:solidFill>
+          <a:ln>
+            <a:noFill/>
+          </a:ln>
+        </p:spPr>
+        <p:style>
+          <a:lnRef idx="2">
+            <a:schemeClr val="accent1">
+              <a:shade val="50000"/>
+            </a:schemeClr>
+          </a:lnRef>
+          <a:fillRef idx="1">
+            <a:schemeClr val="accent1"/>
+          </a:fillRef>
+          <a:effectRef idx="0">
+            <a:schemeClr val="accent1"/>
+          </a:effectRef>
+          <a:fontRef idx="minor">
+            <a:schemeClr val="lt1"/>
+          </a:fontRef>
+        </p:style>
+        <p:txBody>
+          <a:bodyPr rtlCol="0" anchor="ctr"/>
+          <a:lstStyle/>
+          <a:p>
+            <a:pPr algn="ctr"/>
+            <a:endParaRPr lang="en-US"/>
+          </a:p>
+        </p:txBody>
+      </p:sp>
+      <p:sp>
+        <p:nvSpPr>
+          <p:cNvPr id="14" name="Isosceles Triangle 13">
+            <a:extLst>
+              <a:ext uri="{FF2B5EF4-FFF2-40B4-BE49-F238E27FC236}">
+                <a16:creationId xmlns:a16="http://schemas.microsoft.com/office/drawing/2014/main" id="{D3F51FEB-38FB-4F6C-9F7B-2F2AFAB65463}"/>
+              </a:ext>
+              <a:ext uri="{C183D7F6-B498-43B3-948B-1728B52AA6E4}">
+                <adec:decorative xmlns:adec="http://schemas.microsoft.com/office/drawing/2017/decorative" val="1"/>
+              </a:ext>
+            </a:extLst>
+          </p:cNvPr>
+          <p:cNvSpPr>
+            <a:spLocks noGrp="1" noRot="1" noChangeAspect="1" noMove="1" noResize="1" noEditPoints="1" noAdjustHandles="1" noChangeArrowheads="1" noChangeShapeType="1" noTextEdit="1"/>
+          </p:cNvSpPr>
+          <p:nvPr>
+            <p:extLst>
+              <p:ext uri="{386F3935-93C4-4BCD-93E2-E3B085C9AB24}">
+                <p16:designElem xmlns:p16="http://schemas.microsoft.com/office/powerpoint/2015/main" val="1"/>
+              </p:ext>
+            </p:extLst>
+          </p:nvPr>
+        </p:nvSpPr>
+        <p:spPr>
+          <a:xfrm rot="5400000">
+            <a:off x="-501760" y="5103257"/>
+            <a:ext cx="2017580" cy="1014060"/>
+          </a:xfrm>
+          <a:prstGeom prst="triangle">
+            <a:avLst>
+              <a:gd name="adj" fmla="val 50000"/>
+            </a:avLst>
+          </a:prstGeom>
+          <a:solidFill>
+            <a:schemeClr val="accent1">
+              <a:alpha val="30000"/>
+            </a:schemeClr>
+          </a:solidFill>
+          <a:ln>
+            <a:noFill/>
+          </a:ln>
+        </p:spPr>
+        <p:style>
+          <a:lnRef idx="2">
+            <a:schemeClr val="accent1">
+              <a:shade val="50000"/>
+            </a:schemeClr>
+          </a:lnRef>
+          <a:fillRef idx="1">
+            <a:schemeClr val="accent1"/>
+          </a:fillRef>
+          <a:effectRef idx="0">
+            <a:schemeClr val="accent1"/>
+          </a:effectRef>
+          <a:fontRef idx="minor">
+            <a:schemeClr val="lt1"/>
+          </a:fontRef>
+        </p:style>
+        <p:txBody>
+          <a:bodyPr wrap="square" rtlCol="0" anchor="ctr">
+            <a:noAutofit/>
+          </a:bodyPr>
+          <a:lstStyle/>
+          <a:p>
+            <a:pPr algn="ctr"/>
+            <a:endParaRPr lang="en-US"/>
+          </a:p>
+        </p:txBody>
+      </p:sp>
+      <p:sp>
+        <p:nvSpPr>
+          <p:cNvPr id="16" name="Rectangle 15">
+            <a:extLst>
+              <a:ext uri="{FF2B5EF4-FFF2-40B4-BE49-F238E27FC236}">
+                <a16:creationId xmlns:a16="http://schemas.microsoft.com/office/drawing/2014/main" id="{1E547BA6-BAE0-43BB-A7CA-60F69CE252F0}"/>
+              </a:ext>
+              <a:ext uri="{C183D7F6-B498-43B3-948B-1728B52AA6E4}">
+                <adec:decorative xmlns:adec="http://schemas.microsoft.com/office/drawing/2017/decorative" val="1"/>
+              </a:ext>
+            </a:extLst>
+          </p:cNvPr>
+          <p:cNvSpPr>
+            <a:spLocks noGrp="1" noRot="1" noChangeAspect="1" noMove="1" noResize="1" noEditPoints="1" noAdjustHandles="1" noChangeArrowheads="1" noChangeShapeType="1" noTextEdit="1"/>
+          </p:cNvSpPr>
+          <p:nvPr>
+            <p:extLst>
+              <p:ext uri="{386F3935-93C4-4BCD-93E2-E3B085C9AB24}">
+                <p16:designElem xmlns:p16="http://schemas.microsoft.com/office/powerpoint/2015/main" val="1"/>
+              </p:ext>
+            </p:extLst>
+          </p:nvPr>
+        </p:nvSpPr>
+        <p:spPr>
+          <a:xfrm rot="2700000">
+            <a:off x="427916" y="5728708"/>
+            <a:ext cx="485578" cy="485578"/>
+          </a:xfrm>
+          <a:prstGeom prst="rect">
+            <a:avLst/>
+          </a:prstGeom>
+          <a:solidFill>
+            <a:schemeClr val="accent1">
+              <a:alpha val="30000"/>
+            </a:schemeClr>
+          </a:solidFill>
+          <a:ln>
+            <a:noFill/>
+          </a:ln>
+        </p:spPr>
+        <p:style>
+          <a:lnRef idx="2">
+            <a:schemeClr val="accent1">
+              <a:shade val="50000"/>
+            </a:schemeClr>
+          </a:lnRef>
+          <a:fillRef idx="1">
+            <a:schemeClr val="accent1"/>
+          </a:fillRef>
+          <a:effectRef idx="0">
+            <a:schemeClr val="accent1"/>
+          </a:effectRef>
+          <a:fontRef idx="minor">
+            <a:schemeClr val="lt1"/>
+          </a:fontRef>
+        </p:style>
+        <p:txBody>
+          <a:bodyPr wrap="square" rtlCol="0" anchor="ctr">
+            <a:noAutofit/>
+          </a:bodyPr>
+          <a:lstStyle/>
+          <a:p>
+            <a:pPr algn="ctr"/>
+            <a:endParaRPr lang="en-US"/>
+          </a:p>
+        </p:txBody>
+      </p:sp>
+      <p:pic>
+        <p:nvPicPr>
+          <p:cNvPr id="3" name="Image 2">
+            <a:extLst>
+              <a:ext uri="{FF2B5EF4-FFF2-40B4-BE49-F238E27FC236}">
+                <a16:creationId xmlns:a16="http://schemas.microsoft.com/office/drawing/2014/main" id="{0F720382-6F1D-3BE2-780B-230F78DC1144}"/>
+              </a:ext>
+            </a:extLst>
+          </p:cNvPr>
+          <p:cNvPicPr>
+            <a:picLocks noChangeAspect="1"/>
+          </p:cNvPicPr>
+          <p:nvPr/>
+        </p:nvPicPr>
+        <p:blipFill>
+          <a:blip r:embed="rId2"/>
+          <a:stretch>
+            <a:fillRect/>
+          </a:stretch>
+        </p:blipFill>
+        <p:spPr>
+          <a:xfrm>
+            <a:off x="1557337" y="1524000"/>
+            <a:ext cx="9077325" cy="3810000"/>
+          </a:xfrm>
+          <a:prstGeom prst="rect">
+            <a:avLst/>
+          </a:prstGeom>
+        </p:spPr>
+      </p:pic>
+      <p:sp>
+        <p:nvSpPr>
+          <p:cNvPr id="4" name="ZoneTexte 3">
+            <a:extLst>
+              <a:ext uri="{FF2B5EF4-FFF2-40B4-BE49-F238E27FC236}">
+                <a16:creationId xmlns:a16="http://schemas.microsoft.com/office/drawing/2014/main" id="{D29EA244-EDF1-84A2-8113-67BCFE1E7AA1}"/>
+              </a:ext>
+            </a:extLst>
+          </p:cNvPr>
+          <p:cNvSpPr txBox="1"/>
+          <p:nvPr/>
+        </p:nvSpPr>
+        <p:spPr>
+          <a:xfrm>
+            <a:off x="2301164" y="300335"/>
+            <a:ext cx="7589669" cy="923330"/>
+          </a:xfrm>
+          <a:prstGeom prst="rect">
+            <a:avLst/>
+          </a:prstGeom>
+          <a:noFill/>
+        </p:spPr>
+        <p:txBody>
+          <a:bodyPr wrap="square" rtlCol="0">
+            <a:spAutoFit/>
+          </a:bodyPr>
+          <a:lstStyle/>
+          <a:p>
+            <a:pPr algn="ctr"/>
+            <a:r>
+              <a:rPr lang="fr-FR" dirty="0"/>
+              <a:t>A la création du compte, le package ‘</a:t>
+            </a:r>
+            <a:r>
+              <a:rPr lang="fr-FR" dirty="0" err="1"/>
+              <a:t>bcrypt</a:t>
+            </a:r>
+            <a:r>
+              <a:rPr lang="fr-FR" dirty="0"/>
+              <a:t>’ va ‘’</a:t>
+            </a:r>
+            <a:r>
+              <a:rPr lang="fr-FR" dirty="0" err="1"/>
+              <a:t>hasher</a:t>
+            </a:r>
+            <a:r>
+              <a:rPr lang="fr-FR" dirty="0"/>
+              <a:t>’’ le mot de passe </a:t>
+            </a:r>
+          </a:p>
+          <a:p>
+            <a:pPr algn="ctr"/>
+            <a:r>
+              <a:rPr lang="fr-FR" dirty="0"/>
+              <a:t>en passant le mot de passe 10X dans l’algorithme de hachage</a:t>
+            </a:r>
+          </a:p>
+          <a:p>
+            <a:pPr algn="ctr"/>
+            <a:r>
+              <a:rPr lang="fr-FR" dirty="0"/>
+              <a:t>ce qui apporte la sécurité nécessaire contre le vol de mot de passe</a:t>
+            </a:r>
+          </a:p>
+        </p:txBody>
+      </p:sp>
+      <p:sp>
+        <p:nvSpPr>
+          <p:cNvPr id="5" name="Rectangle 4">
+            <a:extLst>
+              <a:ext uri="{FF2B5EF4-FFF2-40B4-BE49-F238E27FC236}">
+                <a16:creationId xmlns:a16="http://schemas.microsoft.com/office/drawing/2014/main" id="{B8817139-1DB6-AEFB-F888-B357B1367C96}"/>
+              </a:ext>
+            </a:extLst>
+          </p:cNvPr>
+          <p:cNvSpPr/>
+          <p:nvPr/>
+        </p:nvSpPr>
+        <p:spPr>
+          <a:xfrm>
+            <a:off x="1847655" y="1838226"/>
+            <a:ext cx="4333690" cy="319757"/>
+          </a:xfrm>
+          <a:prstGeom prst="rect">
+            <a:avLst/>
+          </a:prstGeom>
+          <a:noFill/>
+          <a:ln w="38100">
+            <a:solidFill>
+              <a:schemeClr val="accent2">
+                <a:lumMod val="60000"/>
+                <a:lumOff val="40000"/>
+              </a:schemeClr>
+            </a:solidFill>
+          </a:ln>
+        </p:spPr>
+        <p:style>
+          <a:lnRef idx="2">
+            <a:schemeClr val="accent1">
+              <a:shade val="50000"/>
+            </a:schemeClr>
+          </a:lnRef>
+          <a:fillRef idx="1">
+            <a:schemeClr val="accent1"/>
+          </a:fillRef>
+          <a:effectRef idx="0">
+            <a:schemeClr val="accent1"/>
+          </a:effectRef>
+          <a:fontRef idx="minor">
+            <a:schemeClr val="lt1"/>
+          </a:fontRef>
+        </p:style>
+        <p:txBody>
+          <a:bodyPr rtlCol="0" anchor="ctr"/>
+          <a:lstStyle/>
+          <a:p>
+            <a:pPr algn="ctr"/>
+            <a:endParaRPr lang="fr-FR" dirty="0"/>
+          </a:p>
+        </p:txBody>
+      </p:sp>
+    </p:spTree>
+    <p:extLst>
+      <p:ext uri="{BB962C8B-B14F-4D97-AF65-F5344CB8AC3E}">
+        <p14:creationId xmlns:p14="http://schemas.microsoft.com/office/powerpoint/2010/main" val="305113604"/>
       </p:ext>
     </p:extLst>
   </p:cSld>
@@ -10273,10 +10515,10 @@
       </p:grpSpPr>
       <p:sp>
         <p:nvSpPr>
-          <p:cNvPr id="8" name="Rectangle 7">
-            <a:extLst>
-              <a:ext uri="{FF2B5EF4-FFF2-40B4-BE49-F238E27FC236}">
-                <a16:creationId xmlns:a16="http://schemas.microsoft.com/office/drawing/2014/main" id="{2B566528-1B12-4246-9431-5C2D7D081168}"/>
+          <p:cNvPr id="41" name="Rectangle 40">
+            <a:extLst>
+              <a:ext uri="{FF2B5EF4-FFF2-40B4-BE49-F238E27FC236}">
+                <a16:creationId xmlns:a16="http://schemas.microsoft.com/office/drawing/2014/main" id="{46D6306C-ED4F-4AAE-B4A5-EEA6AFAD726E}"/>
               </a:ext>
               <a:ext uri="{C183D7F6-B498-43B3-948B-1728B52AA6E4}">
                 <adec:decorative xmlns:adec="http://schemas.microsoft.com/office/drawing/2017/decorative" val="1"/>
@@ -10336,10 +10578,10 @@
       </p:sp>
       <p:sp>
         <p:nvSpPr>
-          <p:cNvPr id="10" name="Rectangle 9">
-            <a:extLst>
-              <a:ext uri="{FF2B5EF4-FFF2-40B4-BE49-F238E27FC236}">
-                <a16:creationId xmlns:a16="http://schemas.microsoft.com/office/drawing/2014/main" id="{2E80C965-DB6D-4F81-9E9E-B027384D0BD6}"/>
+          <p:cNvPr id="43" name="Rectangle 42">
+            <a:extLst>
+              <a:ext uri="{FF2B5EF4-FFF2-40B4-BE49-F238E27FC236}">
+                <a16:creationId xmlns:a16="http://schemas.microsoft.com/office/drawing/2014/main" id="{0EC5361D-F897-4856-B945-0455A365EB24}"/>
               </a:ext>
               <a:ext uri="{C183D7F6-B498-43B3-948B-1728B52AA6E4}">
                 <adec:decorative xmlns:adec="http://schemas.microsoft.com/office/drawing/2017/decorative" val="1"/>
@@ -10359,8 +10601,8 @@
         </p:nvSpPr>
         <p:spPr>
           <a:xfrm rot="2700000">
-            <a:off x="11052629" y="2120024"/>
-            <a:ext cx="645368" cy="645368"/>
+            <a:off x="415435" y="655140"/>
+            <a:ext cx="687472" cy="687472"/>
           </a:xfrm>
           <a:prstGeom prst="rect">
             <a:avLst/>
@@ -10395,16 +10637,16 @@
           <a:lstStyle/>
           <a:p>
             <a:pPr algn="ctr"/>
-            <a:endParaRPr lang="en-US"/>
-          </a:p>
-        </p:txBody>
-      </p:sp>
-      <p:sp>
-        <p:nvSpPr>
-          <p:cNvPr id="12" name="Isosceles Triangle 11">
-            <a:extLst>
-              <a:ext uri="{FF2B5EF4-FFF2-40B4-BE49-F238E27FC236}">
-                <a16:creationId xmlns:a16="http://schemas.microsoft.com/office/drawing/2014/main" id="{A580F890-B085-4E95-96AA-55AEBEC5CE6E}"/>
+            <a:endParaRPr lang="en-US" dirty="0"/>
+          </a:p>
+        </p:txBody>
+      </p:sp>
+      <p:sp>
+        <p:nvSpPr>
+          <p:cNvPr id="45" name="Freeform: Shape 44">
+            <a:extLst>
+              <a:ext uri="{FF2B5EF4-FFF2-40B4-BE49-F238E27FC236}">
+                <a16:creationId xmlns:a16="http://schemas.microsoft.com/office/drawing/2014/main" id="{4508C0C5-2268-42B5-B3C8-4D0899E05F8C}"/>
               </a:ext>
               <a:ext uri="{C183D7F6-B498-43B3-948B-1728B52AA6E4}">
                 <adec:decorative xmlns:adec="http://schemas.microsoft.com/office/drawing/2017/decorative" val="1"/>
@@ -10423,15 +10665,56 @@
           </p:nvPr>
         </p:nvSpPr>
         <p:spPr>
-          <a:xfrm rot="16200000">
-            <a:off x="10289068" y="1343027"/>
-            <a:ext cx="2532832" cy="1273032"/>
-          </a:xfrm>
-          <a:prstGeom prst="triangle">
-            <a:avLst>
-              <a:gd name="adj" fmla="val 50000"/>
-            </a:avLst>
-          </a:prstGeom>
+          <a:xfrm rot="10800000">
+            <a:off x="0" y="0"/>
+            <a:ext cx="2835357" cy="1480837"/>
+          </a:xfrm>
+          <a:custGeom>
+            <a:avLst/>
+            <a:gdLst>
+              <a:gd name="connsiteX0" fmla="*/ 2835357 w 2835357"/>
+              <a:gd name="connsiteY0" fmla="*/ 1480837 h 1480837"/>
+              <a:gd name="connsiteX1" fmla="*/ 0 w 2835357"/>
+              <a:gd name="connsiteY1" fmla="*/ 1480837 h 1480837"/>
+              <a:gd name="connsiteX2" fmla="*/ 1552727 w 2835357"/>
+              <a:gd name="connsiteY2" fmla="*/ 0 h 1480837"/>
+              <a:gd name="connsiteX3" fmla="*/ 2835357 w 2835357"/>
+              <a:gd name="connsiteY3" fmla="*/ 1223245 h 1480837"/>
+            </a:gdLst>
+            <a:ahLst/>
+            <a:cxnLst>
+              <a:cxn ang="0">
+                <a:pos x="connsiteX0" y="connsiteY0"/>
+              </a:cxn>
+              <a:cxn ang="0">
+                <a:pos x="connsiteX1" y="connsiteY1"/>
+              </a:cxn>
+              <a:cxn ang="0">
+                <a:pos x="connsiteX2" y="connsiteY2"/>
+              </a:cxn>
+              <a:cxn ang="0">
+                <a:pos x="connsiteX3" y="connsiteY3"/>
+              </a:cxn>
+            </a:cxnLst>
+            <a:rect l="l" t="t" r="r" b="b"/>
+            <a:pathLst>
+              <a:path w="2835357" h="1480837">
+                <a:moveTo>
+                  <a:pt x="2835357" y="1480837"/>
+                </a:moveTo>
+                <a:lnTo>
+                  <a:pt x="0" y="1480837"/>
+                </a:lnTo>
+                <a:lnTo>
+                  <a:pt x="1552727" y="0"/>
+                </a:lnTo>
+                <a:lnTo>
+                  <a:pt x="2835357" y="1223245"/>
+                </a:lnTo>
+                <a:close/>
+              </a:path>
+            </a:pathLst>
+          </a:custGeom>
           <a:solidFill>
             <a:schemeClr val="accent4">
               <a:alpha val="30000"/>
@@ -10458,20 +10741,22 @@
           </a:fontRef>
         </p:style>
         <p:txBody>
-          <a:bodyPr rtlCol="0" anchor="ctr"/>
+          <a:bodyPr wrap="square" rtlCol="0" anchor="ctr">
+            <a:noAutofit/>
+          </a:bodyPr>
           <a:lstStyle/>
           <a:p>
             <a:pPr algn="ctr"/>
-            <a:endParaRPr lang="en-US"/>
-          </a:p>
-        </p:txBody>
-      </p:sp>
-      <p:sp>
-        <p:nvSpPr>
-          <p:cNvPr id="14" name="Isosceles Triangle 13">
-            <a:extLst>
-              <a:ext uri="{FF2B5EF4-FFF2-40B4-BE49-F238E27FC236}">
-                <a16:creationId xmlns:a16="http://schemas.microsoft.com/office/drawing/2014/main" id="{D3F51FEB-38FB-4F6C-9F7B-2F2AFAB65463}"/>
+            <a:endParaRPr lang="en-US" dirty="0"/>
+          </a:p>
+        </p:txBody>
+      </p:sp>
+      <p:sp>
+        <p:nvSpPr>
+          <p:cNvPr id="47" name="Freeform: Shape 46">
+            <a:extLst>
+              <a:ext uri="{FF2B5EF4-FFF2-40B4-BE49-F238E27FC236}">
+                <a16:creationId xmlns:a16="http://schemas.microsoft.com/office/drawing/2014/main" id="{141ACBDB-38F8-4B34-8183-BD95B4E55A62}"/>
               </a:ext>
               <a:ext uri="{C183D7F6-B498-43B3-948B-1728B52AA6E4}">
                 <adec:decorative xmlns:adec="http://schemas.microsoft.com/office/drawing/2017/decorative" val="1"/>
@@ -10490,15 +10775,64 @@
           </p:nvPr>
         </p:nvSpPr>
         <p:spPr>
-          <a:xfrm rot="5400000">
-            <a:off x="-501760" y="5103257"/>
-            <a:ext cx="2017580" cy="1014060"/>
-          </a:xfrm>
-          <a:prstGeom prst="triangle">
-            <a:avLst>
-              <a:gd name="adj" fmla="val 50000"/>
-            </a:avLst>
-          </a:prstGeom>
+          <a:xfrm rot="2700000">
+            <a:off x="10739327" y="-253670"/>
+            <a:ext cx="1827638" cy="1376989"/>
+          </a:xfrm>
+          <a:custGeom>
+            <a:avLst/>
+            <a:gdLst>
+              <a:gd name="connsiteX0" fmla="*/ 0 w 1827638"/>
+              <a:gd name="connsiteY0" fmla="*/ 987379 h 1376989"/>
+              <a:gd name="connsiteX1" fmla="*/ 987379 w 1827638"/>
+              <a:gd name="connsiteY1" fmla="*/ 0 h 1376989"/>
+              <a:gd name="connsiteX2" fmla="*/ 1827638 w 1827638"/>
+              <a:gd name="connsiteY2" fmla="*/ 840260 h 1376989"/>
+              <a:gd name="connsiteX3" fmla="*/ 1827638 w 1827638"/>
+              <a:gd name="connsiteY3" fmla="*/ 1376989 h 1376989"/>
+              <a:gd name="connsiteX4" fmla="*/ 0 w 1827638"/>
+              <a:gd name="connsiteY4" fmla="*/ 1376989 h 1376989"/>
+            </a:gdLst>
+            <a:ahLst/>
+            <a:cxnLst>
+              <a:cxn ang="0">
+                <a:pos x="connsiteX0" y="connsiteY0"/>
+              </a:cxn>
+              <a:cxn ang="0">
+                <a:pos x="connsiteX1" y="connsiteY1"/>
+              </a:cxn>
+              <a:cxn ang="0">
+                <a:pos x="connsiteX2" y="connsiteY2"/>
+              </a:cxn>
+              <a:cxn ang="0">
+                <a:pos x="connsiteX3" y="connsiteY3"/>
+              </a:cxn>
+              <a:cxn ang="0">
+                <a:pos x="connsiteX4" y="connsiteY4"/>
+              </a:cxn>
+            </a:cxnLst>
+            <a:rect l="l" t="t" r="r" b="b"/>
+            <a:pathLst>
+              <a:path w="1827638" h="1376989">
+                <a:moveTo>
+                  <a:pt x="0" y="987379"/>
+                </a:moveTo>
+                <a:lnTo>
+                  <a:pt x="987379" y="0"/>
+                </a:lnTo>
+                <a:lnTo>
+                  <a:pt x="1827638" y="840260"/>
+                </a:lnTo>
+                <a:lnTo>
+                  <a:pt x="1827638" y="1376989"/>
+                </a:lnTo>
+                <a:lnTo>
+                  <a:pt x="0" y="1376989"/>
+                </a:lnTo>
+                <a:close/>
+              </a:path>
+            </a:pathLst>
+          </a:custGeom>
           <a:solidFill>
             <a:schemeClr val="accent1">
               <a:alpha val="30000"/>
@@ -10531,16 +10865,16 @@
           <a:lstStyle/>
           <a:p>
             <a:pPr algn="ctr"/>
-            <a:endParaRPr lang="en-US"/>
-          </a:p>
-        </p:txBody>
-      </p:sp>
-      <p:sp>
-        <p:nvSpPr>
-          <p:cNvPr id="16" name="Rectangle 15">
-            <a:extLst>
-              <a:ext uri="{FF2B5EF4-FFF2-40B4-BE49-F238E27FC236}">
-                <a16:creationId xmlns:a16="http://schemas.microsoft.com/office/drawing/2014/main" id="{1E547BA6-BAE0-43BB-A7CA-60F69CE252F0}"/>
+            <a:endParaRPr lang="en-US" dirty="0"/>
+          </a:p>
+        </p:txBody>
+      </p:sp>
+      <p:sp>
+        <p:nvSpPr>
+          <p:cNvPr id="49" name="Rectangle 48">
+            <a:extLst>
+              <a:ext uri="{FF2B5EF4-FFF2-40B4-BE49-F238E27FC236}">
+                <a16:creationId xmlns:a16="http://schemas.microsoft.com/office/drawing/2014/main" id="{DE00DB52-3455-4E2F-867B-A6D0516E175B}"/>
               </a:ext>
               <a:ext uri="{C183D7F6-B498-43B3-948B-1728B52AA6E4}">
                 <adec:decorative xmlns:adec="http://schemas.microsoft.com/office/drawing/2017/decorative" val="1"/>
@@ -10560,8 +10894,8 @@
         </p:nvSpPr>
         <p:spPr>
           <a:xfrm rot="2700000">
-            <a:off x="427916" y="5728708"/>
-            <a:ext cx="485578" cy="485578"/>
+            <a:off x="10653800" y="422146"/>
+            <a:ext cx="645368" cy="645368"/>
           </a:xfrm>
           <a:prstGeom prst="rect">
             <a:avLst/>
@@ -10598,14 +10932,477 @@
           <a:lstStyle/>
           <a:p>
             <a:pPr algn="ctr"/>
-            <a:endParaRPr lang="en-US"/>
+            <a:endParaRPr lang="en-US" dirty="0"/>
+          </a:p>
+        </p:txBody>
+      </p:sp>
+      <p:sp>
+        <p:nvSpPr>
+          <p:cNvPr id="51" name="Isosceles Triangle 50">
+            <a:extLst>
+              <a:ext uri="{FF2B5EF4-FFF2-40B4-BE49-F238E27FC236}">
+                <a16:creationId xmlns:a16="http://schemas.microsoft.com/office/drawing/2014/main" id="{9E914C83-E0D8-4953-92D5-169D28CB43AE}"/>
+              </a:ext>
+              <a:ext uri="{C183D7F6-B498-43B3-948B-1728B52AA6E4}">
+                <adec:decorative xmlns:adec="http://schemas.microsoft.com/office/drawing/2017/decorative" val="1"/>
+              </a:ext>
+            </a:extLst>
+          </p:cNvPr>
+          <p:cNvSpPr>
+            <a:spLocks noGrp="1" noRot="1" noChangeAspect="1" noMove="1" noResize="1" noEditPoints="1" noAdjustHandles="1" noChangeArrowheads="1" noChangeShapeType="1" noTextEdit="1"/>
+          </p:cNvSpPr>
+          <p:nvPr>
+            <p:extLst>
+              <p:ext uri="{386F3935-93C4-4BCD-93E2-E3B085C9AB24}">
+                <p16:designElem xmlns:p16="http://schemas.microsoft.com/office/powerpoint/2015/main" val="1"/>
+              </p:ext>
+            </p:extLst>
+          </p:nvPr>
+        </p:nvSpPr>
+        <p:spPr>
+          <a:xfrm>
+            <a:off x="8115423" y="6115501"/>
+            <a:ext cx="1494513" cy="742499"/>
+          </a:xfrm>
+          <a:prstGeom prst="triangle">
+            <a:avLst/>
+          </a:prstGeom>
+          <a:solidFill>
+            <a:schemeClr val="accent1">
+              <a:alpha val="30000"/>
+            </a:schemeClr>
+          </a:solidFill>
+          <a:ln>
+            <a:noFill/>
+          </a:ln>
+        </p:spPr>
+        <p:style>
+          <a:lnRef idx="2">
+            <a:schemeClr val="accent1">
+              <a:shade val="50000"/>
+            </a:schemeClr>
+          </a:lnRef>
+          <a:fillRef idx="1">
+            <a:schemeClr val="accent1"/>
+          </a:fillRef>
+          <a:effectRef idx="0">
+            <a:schemeClr val="accent1"/>
+          </a:effectRef>
+          <a:fontRef idx="minor">
+            <a:schemeClr val="lt1"/>
+          </a:fontRef>
+        </p:style>
+        <p:txBody>
+          <a:bodyPr wrap="square" rtlCol="0" anchor="ctr">
+            <a:noAutofit/>
+          </a:bodyPr>
+          <a:lstStyle/>
+          <a:p>
+            <a:pPr algn="ctr"/>
+            <a:endParaRPr lang="en-US" dirty="0"/>
+          </a:p>
+        </p:txBody>
+      </p:sp>
+      <p:sp>
+        <p:nvSpPr>
+          <p:cNvPr id="53" name="Isosceles Triangle 52">
+            <a:extLst>
+              <a:ext uri="{FF2B5EF4-FFF2-40B4-BE49-F238E27FC236}">
+                <a16:creationId xmlns:a16="http://schemas.microsoft.com/office/drawing/2014/main" id="{3512E083-F550-46AF-8490-767ECFD00CB7}"/>
+              </a:ext>
+              <a:ext uri="{C183D7F6-B498-43B3-948B-1728B52AA6E4}">
+                <adec:decorative xmlns:adec="http://schemas.microsoft.com/office/drawing/2017/decorative" val="1"/>
+              </a:ext>
+            </a:extLst>
+          </p:cNvPr>
+          <p:cNvSpPr>
+            <a:spLocks noGrp="1" noRot="1" noChangeAspect="1" noMove="1" noResize="1" noEditPoints="1" noAdjustHandles="1" noChangeArrowheads="1" noChangeShapeType="1" noTextEdit="1"/>
+          </p:cNvSpPr>
+          <p:nvPr>
+            <p:extLst>
+              <p:ext uri="{386F3935-93C4-4BCD-93E2-E3B085C9AB24}">
+                <p16:designElem xmlns:p16="http://schemas.microsoft.com/office/powerpoint/2015/main" val="1"/>
+              </p:ext>
+            </p:extLst>
+          </p:nvPr>
+        </p:nvSpPr>
+        <p:spPr>
+          <a:xfrm>
+            <a:off x="9167297" y="6453143"/>
+            <a:ext cx="814903" cy="404857"/>
+          </a:xfrm>
+          <a:prstGeom prst="triangle">
+            <a:avLst/>
+          </a:prstGeom>
+          <a:solidFill>
+            <a:schemeClr val="accent1">
+              <a:alpha val="30000"/>
+            </a:schemeClr>
+          </a:solidFill>
+          <a:ln>
+            <a:noFill/>
+          </a:ln>
+        </p:spPr>
+        <p:style>
+          <a:lnRef idx="2">
+            <a:schemeClr val="accent1">
+              <a:shade val="50000"/>
+            </a:schemeClr>
+          </a:lnRef>
+          <a:fillRef idx="1">
+            <a:schemeClr val="accent1"/>
+          </a:fillRef>
+          <a:effectRef idx="0">
+            <a:schemeClr val="accent1"/>
+          </a:effectRef>
+          <a:fontRef idx="minor">
+            <a:schemeClr val="lt1"/>
+          </a:fontRef>
+        </p:style>
+        <p:txBody>
+          <a:bodyPr wrap="square" rtlCol="0" anchor="ctr">
+            <a:noAutofit/>
+          </a:bodyPr>
+          <a:lstStyle/>
+          <a:p>
+            <a:pPr algn="ctr"/>
+            <a:endParaRPr lang="en-US" dirty="0"/>
+          </a:p>
+        </p:txBody>
+      </p:sp>
+      <p:sp>
+        <p:nvSpPr>
+          <p:cNvPr id="10" name="ZoneTexte 9">
+            <a:extLst>
+              <a:ext uri="{FF2B5EF4-FFF2-40B4-BE49-F238E27FC236}">
+                <a16:creationId xmlns:a16="http://schemas.microsoft.com/office/drawing/2014/main" id="{5EEF4589-906D-B830-AF30-E3791040BE4D}"/>
+              </a:ext>
+            </a:extLst>
+          </p:cNvPr>
+          <p:cNvSpPr txBox="1"/>
+          <p:nvPr/>
+        </p:nvSpPr>
+        <p:spPr>
+          <a:xfrm>
+            <a:off x="3723125" y="343795"/>
+            <a:ext cx="4005584" cy="369332"/>
+          </a:xfrm>
+          <a:prstGeom prst="rect">
+            <a:avLst/>
+          </a:prstGeom>
+          <a:noFill/>
+        </p:spPr>
+        <p:txBody>
+          <a:bodyPr wrap="none" rtlCol="0">
+            <a:spAutoFit/>
+          </a:bodyPr>
+          <a:lstStyle/>
+          <a:p>
+            <a:r>
+              <a:rPr lang="fr-FR" dirty="0"/>
+              <a:t>On vérifie que l’email entrée est unique :</a:t>
+            </a:r>
+          </a:p>
+        </p:txBody>
+      </p:sp>
+      <p:sp>
+        <p:nvSpPr>
+          <p:cNvPr id="11" name="Rectangle 10">
+            <a:extLst>
+              <a:ext uri="{FF2B5EF4-FFF2-40B4-BE49-F238E27FC236}">
+                <a16:creationId xmlns:a16="http://schemas.microsoft.com/office/drawing/2014/main" id="{B049E458-2CBC-8C8F-F21C-3DCB3A786F01}"/>
+              </a:ext>
+            </a:extLst>
+          </p:cNvPr>
+          <p:cNvSpPr/>
+          <p:nvPr/>
+        </p:nvSpPr>
+        <p:spPr>
+          <a:xfrm>
+            <a:off x="1847655" y="1838226"/>
+            <a:ext cx="4333690" cy="319757"/>
+          </a:xfrm>
+          <a:prstGeom prst="rect">
+            <a:avLst/>
+          </a:prstGeom>
+          <a:noFill/>
+          <a:ln w="38100">
+            <a:solidFill>
+              <a:schemeClr val="accent2">
+                <a:lumMod val="60000"/>
+                <a:lumOff val="40000"/>
+              </a:schemeClr>
+            </a:solidFill>
+          </a:ln>
+        </p:spPr>
+        <p:style>
+          <a:lnRef idx="2">
+            <a:schemeClr val="accent1">
+              <a:shade val="50000"/>
+            </a:schemeClr>
+          </a:lnRef>
+          <a:fillRef idx="1">
+            <a:schemeClr val="accent1"/>
+          </a:fillRef>
+          <a:effectRef idx="0">
+            <a:schemeClr val="accent1"/>
+          </a:effectRef>
+          <a:fontRef idx="minor">
+            <a:schemeClr val="lt1"/>
+          </a:fontRef>
+        </p:style>
+        <p:txBody>
+          <a:bodyPr rtlCol="0" anchor="ctr"/>
+          <a:lstStyle/>
+          <a:p>
+            <a:pPr algn="ctr"/>
+            <a:endParaRPr lang="fr-FR" dirty="0"/>
+          </a:p>
+        </p:txBody>
+      </p:sp>
+      <p:pic>
+        <p:nvPicPr>
+          <p:cNvPr id="12" name="Image 11">
+            <a:extLst>
+              <a:ext uri="{FF2B5EF4-FFF2-40B4-BE49-F238E27FC236}">
+                <a16:creationId xmlns:a16="http://schemas.microsoft.com/office/drawing/2014/main" id="{34C6ECA7-2B51-1565-A13F-6D525252561A}"/>
+              </a:ext>
+            </a:extLst>
+          </p:cNvPr>
+          <p:cNvPicPr>
+            <a:picLocks noChangeAspect="1"/>
+          </p:cNvPicPr>
+          <p:nvPr/>
+        </p:nvPicPr>
+        <p:blipFill>
+          <a:blip r:embed="rId2"/>
+          <a:stretch>
+            <a:fillRect/>
+          </a:stretch>
+        </p:blipFill>
+        <p:spPr>
+          <a:xfrm>
+            <a:off x="1697573" y="1086188"/>
+            <a:ext cx="7877175" cy="1304925"/>
+          </a:xfrm>
+          <a:prstGeom prst="rect">
+            <a:avLst/>
+          </a:prstGeom>
+        </p:spPr>
+      </p:pic>
+      <p:pic>
+        <p:nvPicPr>
+          <p:cNvPr id="13" name="Image 12">
+            <a:extLst>
+              <a:ext uri="{FF2B5EF4-FFF2-40B4-BE49-F238E27FC236}">
+                <a16:creationId xmlns:a16="http://schemas.microsoft.com/office/drawing/2014/main" id="{54289106-B34C-3FF6-36C4-8AB8C5E26596}"/>
+              </a:ext>
+            </a:extLst>
+          </p:cNvPr>
+          <p:cNvPicPr>
+            <a:picLocks noChangeAspect="1"/>
+          </p:cNvPicPr>
+          <p:nvPr/>
+        </p:nvPicPr>
+        <p:blipFill>
+          <a:blip r:embed="rId3"/>
+          <a:stretch>
+            <a:fillRect/>
+          </a:stretch>
+        </p:blipFill>
+        <p:spPr>
+          <a:xfrm>
+            <a:off x="1668998" y="3155704"/>
+            <a:ext cx="7905750" cy="2228850"/>
+          </a:xfrm>
+          <a:prstGeom prst="rect">
+            <a:avLst/>
+          </a:prstGeom>
+        </p:spPr>
+      </p:pic>
+      <p:sp>
+        <p:nvSpPr>
+          <p:cNvPr id="14" name="ZoneTexte 13">
+            <a:extLst>
+              <a:ext uri="{FF2B5EF4-FFF2-40B4-BE49-F238E27FC236}">
+                <a16:creationId xmlns:a16="http://schemas.microsoft.com/office/drawing/2014/main" id="{AD033113-7E5B-7D9D-9C8E-DB71BBE1BB24}"/>
+              </a:ext>
+            </a:extLst>
+          </p:cNvPr>
+          <p:cNvSpPr txBox="1"/>
+          <p:nvPr/>
+        </p:nvSpPr>
+        <p:spPr>
+          <a:xfrm>
+            <a:off x="947347" y="2519598"/>
+            <a:ext cx="10412722" cy="369332"/>
+          </a:xfrm>
+          <a:prstGeom prst="rect">
+            <a:avLst/>
+          </a:prstGeom>
+          <a:noFill/>
+        </p:spPr>
+        <p:txBody>
+          <a:bodyPr wrap="none" rtlCol="0">
+            <a:spAutoFit/>
+          </a:bodyPr>
+          <a:lstStyle/>
+          <a:p>
+            <a:r>
+              <a:rPr lang="fr-FR" dirty="0"/>
+              <a:t>On sécurise toutes les routes a l’aide du middleware ‘’</a:t>
+            </a:r>
+            <a:r>
+              <a:rPr lang="fr-FR" dirty="0" err="1"/>
+              <a:t>auth</a:t>
+            </a:r>
+            <a:r>
+              <a:rPr lang="fr-FR" dirty="0"/>
+              <a:t>’’ qui vérifie la validité du </a:t>
+            </a:r>
+            <a:r>
+              <a:rPr lang="fr-FR" dirty="0" err="1"/>
+              <a:t>token</a:t>
+            </a:r>
+            <a:r>
+              <a:rPr lang="fr-FR" dirty="0"/>
+              <a:t> d’authentification :</a:t>
+            </a:r>
+          </a:p>
+        </p:txBody>
+      </p:sp>
+      <p:sp>
+        <p:nvSpPr>
+          <p:cNvPr id="15" name="Rectangle 14">
+            <a:extLst>
+              <a:ext uri="{FF2B5EF4-FFF2-40B4-BE49-F238E27FC236}">
+                <a16:creationId xmlns:a16="http://schemas.microsoft.com/office/drawing/2014/main" id="{A3F0F6E5-412F-52C1-36FA-811E5750DBFA}"/>
+              </a:ext>
+            </a:extLst>
+          </p:cNvPr>
+          <p:cNvSpPr/>
+          <p:nvPr/>
+        </p:nvSpPr>
+        <p:spPr>
+          <a:xfrm>
+            <a:off x="7068518" y="1524847"/>
+            <a:ext cx="1810306" cy="319757"/>
+          </a:xfrm>
+          <a:prstGeom prst="rect">
+            <a:avLst/>
+          </a:prstGeom>
+          <a:noFill/>
+          <a:ln w="38100">
+            <a:solidFill>
+              <a:schemeClr val="accent2">
+                <a:lumMod val="60000"/>
+                <a:lumOff val="40000"/>
+              </a:schemeClr>
+            </a:solidFill>
+          </a:ln>
+        </p:spPr>
+        <p:style>
+          <a:lnRef idx="2">
+            <a:schemeClr val="accent1">
+              <a:shade val="50000"/>
+            </a:schemeClr>
+          </a:lnRef>
+          <a:fillRef idx="1">
+            <a:schemeClr val="accent1"/>
+          </a:fillRef>
+          <a:effectRef idx="0">
+            <a:schemeClr val="accent1"/>
+          </a:effectRef>
+          <a:fontRef idx="minor">
+            <a:schemeClr val="lt1"/>
+          </a:fontRef>
+        </p:style>
+        <p:txBody>
+          <a:bodyPr rtlCol="0" anchor="ctr"/>
+          <a:lstStyle/>
+          <a:p>
+            <a:pPr algn="ctr"/>
+            <a:endParaRPr lang="fr-FR"/>
+          </a:p>
+        </p:txBody>
+      </p:sp>
+      <p:pic>
+        <p:nvPicPr>
+          <p:cNvPr id="3" name="Image 2">
+            <a:extLst>
+              <a:ext uri="{FF2B5EF4-FFF2-40B4-BE49-F238E27FC236}">
+                <a16:creationId xmlns:a16="http://schemas.microsoft.com/office/drawing/2014/main" id="{51D6294A-AC88-97F5-6943-ED292B2AD32F}"/>
+              </a:ext>
+            </a:extLst>
+          </p:cNvPr>
+          <p:cNvPicPr>
+            <a:picLocks noChangeAspect="1"/>
+          </p:cNvPicPr>
+          <p:nvPr/>
+        </p:nvPicPr>
+        <p:blipFill>
+          <a:blip r:embed="rId4"/>
+          <a:stretch>
+            <a:fillRect/>
+          </a:stretch>
+        </p:blipFill>
+        <p:spPr>
+          <a:xfrm>
+            <a:off x="2564410" y="6218930"/>
+            <a:ext cx="6076950" cy="295275"/>
+          </a:xfrm>
+          <a:prstGeom prst="rect">
+            <a:avLst/>
+          </a:prstGeom>
+        </p:spPr>
+      </p:pic>
+      <p:sp>
+        <p:nvSpPr>
+          <p:cNvPr id="20" name="ZoneTexte 19">
+            <a:extLst>
+              <a:ext uri="{FF2B5EF4-FFF2-40B4-BE49-F238E27FC236}">
+                <a16:creationId xmlns:a16="http://schemas.microsoft.com/office/drawing/2014/main" id="{A5901E3A-BA1E-C629-D923-8081176E1CF9}"/>
+              </a:ext>
+            </a:extLst>
+          </p:cNvPr>
+          <p:cNvSpPr txBox="1"/>
+          <p:nvPr/>
+        </p:nvSpPr>
+        <p:spPr>
+          <a:xfrm>
+            <a:off x="1755791" y="5581744"/>
+            <a:ext cx="8336000" cy="369332"/>
+          </a:xfrm>
+          <a:prstGeom prst="rect">
+            <a:avLst/>
+          </a:prstGeom>
+          <a:noFill/>
+        </p:spPr>
+        <p:txBody>
+          <a:bodyPr wrap="none" rtlCol="0">
+            <a:spAutoFit/>
+          </a:bodyPr>
+          <a:lstStyle/>
+          <a:p>
+            <a:r>
+              <a:rPr lang="fr-FR" dirty="0"/>
+              <a:t>Les différentes erreurs sont affichés et le « </a:t>
+            </a:r>
+            <a:r>
+              <a:rPr lang="fr-FR" dirty="0" err="1"/>
+              <a:t>status</a:t>
+            </a:r>
+            <a:r>
+              <a:rPr lang="fr-FR" dirty="0"/>
+              <a:t> » renvoyé grâce a la méthode ‘’.catch’’</a:t>
+            </a:r>
           </a:p>
         </p:txBody>
       </p:sp>
     </p:spTree>
     <p:extLst>
       <p:ext uri="{BB962C8B-B14F-4D97-AF65-F5344CB8AC3E}">
-        <p14:creationId xmlns:p14="http://schemas.microsoft.com/office/powerpoint/2010/main" val="917865238"/>
+        <p14:creationId xmlns:p14="http://schemas.microsoft.com/office/powerpoint/2010/main" val="3153964446"/>
       </p:ext>
     </p:extLst>
   </p:cSld>
@@ -11349,10 +12146,10 @@
       </p:grpSpPr>
       <p:sp>
         <p:nvSpPr>
-          <p:cNvPr id="41" name="Rectangle 40">
-            <a:extLst>
-              <a:ext uri="{FF2B5EF4-FFF2-40B4-BE49-F238E27FC236}">
-                <a16:creationId xmlns:a16="http://schemas.microsoft.com/office/drawing/2014/main" id="{46D6306C-ED4F-4AAE-B4A5-EEA6AFAD726E}"/>
+          <p:cNvPr id="8" name="Rectangle 7">
+            <a:extLst>
+              <a:ext uri="{FF2B5EF4-FFF2-40B4-BE49-F238E27FC236}">
+                <a16:creationId xmlns:a16="http://schemas.microsoft.com/office/drawing/2014/main" id="{2B566528-1B12-4246-9431-5C2D7D081168}"/>
               </a:ext>
               <a:ext uri="{C183D7F6-B498-43B3-948B-1728B52AA6E4}">
                 <adec:decorative xmlns:adec="http://schemas.microsoft.com/office/drawing/2017/decorative" val="1"/>
@@ -11412,10 +12209,10 @@
       </p:sp>
       <p:sp>
         <p:nvSpPr>
-          <p:cNvPr id="43" name="Rectangle 42">
-            <a:extLst>
-              <a:ext uri="{FF2B5EF4-FFF2-40B4-BE49-F238E27FC236}">
-                <a16:creationId xmlns:a16="http://schemas.microsoft.com/office/drawing/2014/main" id="{0EC5361D-F897-4856-B945-0455A365EB24}"/>
+          <p:cNvPr id="10" name="Rectangle 9">
+            <a:extLst>
+              <a:ext uri="{FF2B5EF4-FFF2-40B4-BE49-F238E27FC236}">
+                <a16:creationId xmlns:a16="http://schemas.microsoft.com/office/drawing/2014/main" id="{2E80C965-DB6D-4F81-9E9E-B027384D0BD6}"/>
               </a:ext>
               <a:ext uri="{C183D7F6-B498-43B3-948B-1728B52AA6E4}">
                 <adec:decorative xmlns:adec="http://schemas.microsoft.com/office/drawing/2017/decorative" val="1"/>
@@ -11435,8 +12232,8 @@
         </p:nvSpPr>
         <p:spPr>
           <a:xfrm rot="2700000">
-            <a:off x="415435" y="655140"/>
-            <a:ext cx="687472" cy="687472"/>
+            <a:off x="11052629" y="2120024"/>
+            <a:ext cx="645368" cy="645368"/>
           </a:xfrm>
           <a:prstGeom prst="rect">
             <a:avLst/>
@@ -11477,10 +12274,10 @@
       </p:sp>
       <p:sp>
         <p:nvSpPr>
-          <p:cNvPr id="45" name="Freeform: Shape 44">
-            <a:extLst>
-              <a:ext uri="{FF2B5EF4-FFF2-40B4-BE49-F238E27FC236}">
-                <a16:creationId xmlns:a16="http://schemas.microsoft.com/office/drawing/2014/main" id="{4508C0C5-2268-42B5-B3C8-4D0899E05F8C}"/>
+          <p:cNvPr id="12" name="Isosceles Triangle 11">
+            <a:extLst>
+              <a:ext uri="{FF2B5EF4-FFF2-40B4-BE49-F238E27FC236}">
+                <a16:creationId xmlns:a16="http://schemas.microsoft.com/office/drawing/2014/main" id="{A580F890-B085-4E95-96AA-55AEBEC5CE6E}"/>
               </a:ext>
               <a:ext uri="{C183D7F6-B498-43B3-948B-1728B52AA6E4}">
                 <adec:decorative xmlns:adec="http://schemas.microsoft.com/office/drawing/2017/decorative" val="1"/>
@@ -11499,56 +12296,15 @@
           </p:nvPr>
         </p:nvSpPr>
         <p:spPr>
-          <a:xfrm rot="10800000">
-            <a:off x="0" y="0"/>
-            <a:ext cx="2835357" cy="1480837"/>
-          </a:xfrm>
-          <a:custGeom>
-            <a:avLst/>
-            <a:gdLst>
-              <a:gd name="connsiteX0" fmla="*/ 2835357 w 2835357"/>
-              <a:gd name="connsiteY0" fmla="*/ 1480837 h 1480837"/>
-              <a:gd name="connsiteX1" fmla="*/ 0 w 2835357"/>
-              <a:gd name="connsiteY1" fmla="*/ 1480837 h 1480837"/>
-              <a:gd name="connsiteX2" fmla="*/ 1552727 w 2835357"/>
-              <a:gd name="connsiteY2" fmla="*/ 0 h 1480837"/>
-              <a:gd name="connsiteX3" fmla="*/ 2835357 w 2835357"/>
-              <a:gd name="connsiteY3" fmla="*/ 1223245 h 1480837"/>
-            </a:gdLst>
-            <a:ahLst/>
-            <a:cxnLst>
-              <a:cxn ang="0">
-                <a:pos x="connsiteX0" y="connsiteY0"/>
-              </a:cxn>
-              <a:cxn ang="0">
-                <a:pos x="connsiteX1" y="connsiteY1"/>
-              </a:cxn>
-              <a:cxn ang="0">
-                <a:pos x="connsiteX2" y="connsiteY2"/>
-              </a:cxn>
-              <a:cxn ang="0">
-                <a:pos x="connsiteX3" y="connsiteY3"/>
-              </a:cxn>
-            </a:cxnLst>
-            <a:rect l="l" t="t" r="r" b="b"/>
-            <a:pathLst>
-              <a:path w="2835357" h="1480837">
-                <a:moveTo>
-                  <a:pt x="2835357" y="1480837"/>
-                </a:moveTo>
-                <a:lnTo>
-                  <a:pt x="0" y="1480837"/>
-                </a:lnTo>
-                <a:lnTo>
-                  <a:pt x="1552727" y="0"/>
-                </a:lnTo>
-                <a:lnTo>
-                  <a:pt x="2835357" y="1223245"/>
-                </a:lnTo>
-                <a:close/>
-              </a:path>
-            </a:pathLst>
-          </a:custGeom>
+          <a:xfrm rot="16200000">
+            <a:off x="10289068" y="1343027"/>
+            <a:ext cx="2532832" cy="1273032"/>
+          </a:xfrm>
+          <a:prstGeom prst="triangle">
+            <a:avLst>
+              <a:gd name="adj" fmla="val 50000"/>
+            </a:avLst>
+          </a:prstGeom>
           <a:solidFill>
             <a:schemeClr val="accent4">
               <a:alpha val="30000"/>
@@ -11575,22 +12331,20 @@
           </a:fontRef>
         </p:style>
         <p:txBody>
-          <a:bodyPr wrap="square" rtlCol="0" anchor="ctr">
-            <a:noAutofit/>
-          </a:bodyPr>
+          <a:bodyPr rtlCol="0" anchor="ctr"/>
           <a:lstStyle/>
           <a:p>
             <a:pPr algn="ctr"/>
-            <a:endParaRPr lang="en-US" dirty="0"/>
-          </a:p>
-        </p:txBody>
-      </p:sp>
-      <p:sp>
-        <p:nvSpPr>
-          <p:cNvPr id="47" name="Freeform: Shape 46">
-            <a:extLst>
-              <a:ext uri="{FF2B5EF4-FFF2-40B4-BE49-F238E27FC236}">
-                <a16:creationId xmlns:a16="http://schemas.microsoft.com/office/drawing/2014/main" id="{141ACBDB-38F8-4B34-8183-BD95B4E55A62}"/>
+            <a:endParaRPr lang="en-US"/>
+          </a:p>
+        </p:txBody>
+      </p:sp>
+      <p:sp>
+        <p:nvSpPr>
+          <p:cNvPr id="14" name="Isosceles Triangle 13">
+            <a:extLst>
+              <a:ext uri="{FF2B5EF4-FFF2-40B4-BE49-F238E27FC236}">
+                <a16:creationId xmlns:a16="http://schemas.microsoft.com/office/drawing/2014/main" id="{D3F51FEB-38FB-4F6C-9F7B-2F2AFAB65463}"/>
               </a:ext>
               <a:ext uri="{C183D7F6-B498-43B3-948B-1728B52AA6E4}">
                 <adec:decorative xmlns:adec="http://schemas.microsoft.com/office/drawing/2017/decorative" val="1"/>
@@ -11609,64 +12363,15 @@
           </p:nvPr>
         </p:nvSpPr>
         <p:spPr>
-          <a:xfrm rot="2700000">
-            <a:off x="10739327" y="-253670"/>
-            <a:ext cx="1827638" cy="1376989"/>
-          </a:xfrm>
-          <a:custGeom>
-            <a:avLst/>
-            <a:gdLst>
-              <a:gd name="connsiteX0" fmla="*/ 0 w 1827638"/>
-              <a:gd name="connsiteY0" fmla="*/ 987379 h 1376989"/>
-              <a:gd name="connsiteX1" fmla="*/ 987379 w 1827638"/>
-              <a:gd name="connsiteY1" fmla="*/ 0 h 1376989"/>
-              <a:gd name="connsiteX2" fmla="*/ 1827638 w 1827638"/>
-              <a:gd name="connsiteY2" fmla="*/ 840260 h 1376989"/>
-              <a:gd name="connsiteX3" fmla="*/ 1827638 w 1827638"/>
-              <a:gd name="connsiteY3" fmla="*/ 1376989 h 1376989"/>
-              <a:gd name="connsiteX4" fmla="*/ 0 w 1827638"/>
-              <a:gd name="connsiteY4" fmla="*/ 1376989 h 1376989"/>
-            </a:gdLst>
-            <a:ahLst/>
-            <a:cxnLst>
-              <a:cxn ang="0">
-                <a:pos x="connsiteX0" y="connsiteY0"/>
-              </a:cxn>
-              <a:cxn ang="0">
-                <a:pos x="connsiteX1" y="connsiteY1"/>
-              </a:cxn>
-              <a:cxn ang="0">
-                <a:pos x="connsiteX2" y="connsiteY2"/>
-              </a:cxn>
-              <a:cxn ang="0">
-                <a:pos x="connsiteX3" y="connsiteY3"/>
-              </a:cxn>
-              <a:cxn ang="0">
-                <a:pos x="connsiteX4" y="connsiteY4"/>
-              </a:cxn>
-            </a:cxnLst>
-            <a:rect l="l" t="t" r="r" b="b"/>
-            <a:pathLst>
-              <a:path w="1827638" h="1376989">
-                <a:moveTo>
-                  <a:pt x="0" y="987379"/>
-                </a:moveTo>
-                <a:lnTo>
-                  <a:pt x="987379" y="0"/>
-                </a:lnTo>
-                <a:lnTo>
-                  <a:pt x="1827638" y="840260"/>
-                </a:lnTo>
-                <a:lnTo>
-                  <a:pt x="1827638" y="1376989"/>
-                </a:lnTo>
-                <a:lnTo>
-                  <a:pt x="0" y="1376989"/>
-                </a:lnTo>
-                <a:close/>
-              </a:path>
-            </a:pathLst>
-          </a:custGeom>
+          <a:xfrm rot="5400000">
+            <a:off x="-501760" y="5103257"/>
+            <a:ext cx="2017580" cy="1014060"/>
+          </a:xfrm>
+          <a:prstGeom prst="triangle">
+            <a:avLst>
+              <a:gd name="adj" fmla="val 50000"/>
+            </a:avLst>
+          </a:prstGeom>
           <a:solidFill>
             <a:schemeClr val="accent1">
               <a:alpha val="30000"/>
@@ -11699,16 +12404,16 @@
           <a:lstStyle/>
           <a:p>
             <a:pPr algn="ctr"/>
-            <a:endParaRPr lang="en-US" dirty="0"/>
-          </a:p>
-        </p:txBody>
-      </p:sp>
-      <p:sp>
-        <p:nvSpPr>
-          <p:cNvPr id="49" name="Rectangle 48">
-            <a:extLst>
-              <a:ext uri="{FF2B5EF4-FFF2-40B4-BE49-F238E27FC236}">
-                <a16:creationId xmlns:a16="http://schemas.microsoft.com/office/drawing/2014/main" id="{DE00DB52-3455-4E2F-867B-A6D0516E175B}"/>
+            <a:endParaRPr lang="en-US"/>
+          </a:p>
+        </p:txBody>
+      </p:sp>
+      <p:sp>
+        <p:nvSpPr>
+          <p:cNvPr id="16" name="Rectangle 15">
+            <a:extLst>
+              <a:ext uri="{FF2B5EF4-FFF2-40B4-BE49-F238E27FC236}">
+                <a16:creationId xmlns:a16="http://schemas.microsoft.com/office/drawing/2014/main" id="{1E547BA6-BAE0-43BB-A7CA-60F69CE252F0}"/>
               </a:ext>
               <a:ext uri="{C183D7F6-B498-43B3-948B-1728B52AA6E4}">
                 <adec:decorative xmlns:adec="http://schemas.microsoft.com/office/drawing/2017/decorative" val="1"/>
@@ -11728,8 +12433,8 @@
         </p:nvSpPr>
         <p:spPr>
           <a:xfrm rot="2700000">
-            <a:off x="10653800" y="422146"/>
-            <a:ext cx="645368" cy="645368"/>
+            <a:off x="427916" y="5728708"/>
+            <a:ext cx="485578" cy="485578"/>
           </a:xfrm>
           <a:prstGeom prst="rect">
             <a:avLst/>
@@ -11772,142 +12477,100 @@
       </p:sp>
       <p:sp>
         <p:nvSpPr>
-          <p:cNvPr id="51" name="Isosceles Triangle 50">
-            <a:extLst>
-              <a:ext uri="{FF2B5EF4-FFF2-40B4-BE49-F238E27FC236}">
-                <a16:creationId xmlns:a16="http://schemas.microsoft.com/office/drawing/2014/main" id="{9E914C83-E0D8-4953-92D5-169D28CB43AE}"/>
-              </a:ext>
-              <a:ext uri="{C183D7F6-B498-43B3-948B-1728B52AA6E4}">
-                <adec:decorative xmlns:adec="http://schemas.microsoft.com/office/drawing/2017/decorative" val="1"/>
-              </a:ext>
-            </a:extLst>
-          </p:cNvPr>
-          <p:cNvSpPr>
-            <a:spLocks noGrp="1" noRot="1" noChangeAspect="1" noMove="1" noResize="1" noEditPoints="1" noAdjustHandles="1" noChangeArrowheads="1" noChangeShapeType="1" noTextEdit="1"/>
-          </p:cNvSpPr>
-          <p:nvPr>
-            <p:extLst>
-              <p:ext uri="{386F3935-93C4-4BCD-93E2-E3B085C9AB24}">
-                <p16:designElem xmlns:p16="http://schemas.microsoft.com/office/powerpoint/2015/main" val="1"/>
-              </p:ext>
-            </p:extLst>
-          </p:nvPr>
+          <p:cNvPr id="4" name="ZoneTexte 3">
+            <a:extLst>
+              <a:ext uri="{FF2B5EF4-FFF2-40B4-BE49-F238E27FC236}">
+                <a16:creationId xmlns:a16="http://schemas.microsoft.com/office/drawing/2014/main" id="{D29EA244-EDF1-84A2-8113-67BCFE1E7AA1}"/>
+              </a:ext>
+            </a:extLst>
+          </p:cNvPr>
+          <p:cNvSpPr txBox="1"/>
+          <p:nvPr/>
         </p:nvSpPr>
         <p:spPr>
           <a:xfrm>
-            <a:off x="8115423" y="6115501"/>
-            <a:ext cx="1494513" cy="742499"/>
-          </a:xfrm>
-          <a:prstGeom prst="triangle">
+            <a:off x="2301165" y="2442708"/>
+            <a:ext cx="7589669" cy="2585323"/>
+          </a:xfrm>
+          <a:prstGeom prst="rect">
             <a:avLst/>
           </a:prstGeom>
-          <a:solidFill>
-            <a:schemeClr val="accent1">
-              <a:alpha val="30000"/>
-            </a:schemeClr>
-          </a:solidFill>
-          <a:ln>
-            <a:noFill/>
-          </a:ln>
-        </p:spPr>
-        <p:style>
-          <a:lnRef idx="2">
-            <a:schemeClr val="accent1">
-              <a:shade val="50000"/>
-            </a:schemeClr>
-          </a:lnRef>
-          <a:fillRef idx="1">
-            <a:schemeClr val="accent1"/>
-          </a:fillRef>
-          <a:effectRef idx="0">
-            <a:schemeClr val="accent1"/>
-          </a:effectRef>
-          <a:fontRef idx="minor">
-            <a:schemeClr val="lt1"/>
-          </a:fontRef>
-        </p:style>
-        <p:txBody>
-          <a:bodyPr wrap="square" rtlCol="0" anchor="ctr">
-            <a:noAutofit/>
+          <a:noFill/>
+        </p:spPr>
+        <p:txBody>
+          <a:bodyPr wrap="square" rtlCol="0">
+            <a:spAutoFit/>
           </a:bodyPr>
           <a:lstStyle/>
           <a:p>
             <a:pPr algn="ctr"/>
-            <a:endParaRPr lang="en-US"/>
-          </a:p>
-        </p:txBody>
-      </p:sp>
-      <p:sp>
-        <p:nvSpPr>
-          <p:cNvPr id="53" name="Isosceles Triangle 52">
-            <a:extLst>
-              <a:ext uri="{FF2B5EF4-FFF2-40B4-BE49-F238E27FC236}">
-                <a16:creationId xmlns:a16="http://schemas.microsoft.com/office/drawing/2014/main" id="{3512E083-F550-46AF-8490-767ECFD00CB7}"/>
-              </a:ext>
-              <a:ext uri="{C183D7F6-B498-43B3-948B-1728B52AA6E4}">
-                <adec:decorative xmlns:adec="http://schemas.microsoft.com/office/drawing/2017/decorative" val="1"/>
-              </a:ext>
-            </a:extLst>
-          </p:cNvPr>
-          <p:cNvSpPr>
-            <a:spLocks noGrp="1" noRot="1" noChangeAspect="1" noMove="1" noResize="1" noEditPoints="1" noAdjustHandles="1" noChangeArrowheads="1" noChangeShapeType="1" noTextEdit="1"/>
-          </p:cNvSpPr>
-          <p:nvPr>
-            <p:extLst>
-              <p:ext uri="{386F3935-93C4-4BCD-93E2-E3B085C9AB24}">
-                <p16:designElem xmlns:p16="http://schemas.microsoft.com/office/powerpoint/2015/main" val="1"/>
-              </p:ext>
-            </p:extLst>
-          </p:nvPr>
-        </p:nvSpPr>
-        <p:spPr>
-          <a:xfrm>
-            <a:off x="9167297" y="6453143"/>
-            <a:ext cx="814903" cy="404857"/>
-          </a:xfrm>
-          <a:prstGeom prst="triangle">
-            <a:avLst/>
-          </a:prstGeom>
-          <a:solidFill>
-            <a:schemeClr val="accent1">
-              <a:alpha val="30000"/>
-            </a:schemeClr>
-          </a:solidFill>
-          <a:ln>
-            <a:noFill/>
-          </a:ln>
-        </p:spPr>
-        <p:style>
-          <a:lnRef idx="2">
-            <a:schemeClr val="accent1">
-              <a:shade val="50000"/>
-            </a:schemeClr>
-          </a:lnRef>
-          <a:fillRef idx="1">
-            <a:schemeClr val="accent1"/>
-          </a:fillRef>
-          <a:effectRef idx="0">
-            <a:schemeClr val="accent1"/>
-          </a:effectRef>
-          <a:fontRef idx="minor">
-            <a:schemeClr val="lt1"/>
-          </a:fontRef>
-        </p:style>
-        <p:txBody>
-          <a:bodyPr wrap="square" rtlCol="0" anchor="ctr">
-            <a:noAutofit/>
-          </a:bodyPr>
-          <a:lstStyle/>
+            <a:r>
+              <a:rPr lang="fr-FR" dirty="0"/>
+              <a:t>D’autres améliorations en terme de sécurité sont possibles, comme par exemple :</a:t>
+            </a:r>
+          </a:p>
           <a:p>
             <a:pPr algn="ctr"/>
-            <a:endParaRPr lang="en-US"/>
+            <a:endParaRPr lang="fr-FR" dirty="0"/>
+          </a:p>
+          <a:p>
+            <a:pPr algn="ctr"/>
+            <a:endParaRPr lang="fr-FR" dirty="0"/>
+          </a:p>
+          <a:p>
+            <a:pPr marL="285750" indent="-285750">
+              <a:buFont typeface="Wingdings" panose="05000000000000000000" pitchFamily="2" charset="2"/>
+              <a:buChar char="Ø"/>
+            </a:pPr>
+            <a:r>
+              <a:rPr lang="fr-FR" dirty="0"/>
+              <a:t>Passer le serveur en HTTPS</a:t>
+            </a:r>
+          </a:p>
+          <a:p>
+            <a:pPr marL="285750" indent="-285750">
+              <a:buFont typeface="Wingdings" panose="05000000000000000000" pitchFamily="2" charset="2"/>
+              <a:buChar char="Ø"/>
+            </a:pPr>
+            <a:r>
+              <a:rPr lang="fr-FR" dirty="0"/>
+              <a:t>Utiliser le package « </a:t>
+            </a:r>
+            <a:r>
+              <a:rPr lang="fr-FR" dirty="0" err="1"/>
+              <a:t>helmet</a:t>
+            </a:r>
+            <a:r>
+              <a:rPr lang="fr-FR" dirty="0"/>
+              <a:t> »</a:t>
+            </a:r>
+          </a:p>
+          <a:p>
+            <a:pPr marL="285750" indent="-285750">
+              <a:buFont typeface="Wingdings" panose="05000000000000000000" pitchFamily="2" charset="2"/>
+              <a:buChar char="Ø"/>
+            </a:pPr>
+            <a:r>
+              <a:rPr lang="fr-FR" dirty="0"/>
+              <a:t>Hacher les différentes données utilisateur en md5</a:t>
+            </a:r>
+          </a:p>
+          <a:p>
+            <a:endParaRPr lang="fr-FR" dirty="0"/>
+          </a:p>
+          <a:p>
+            <a:pPr marL="285750" indent="-285750" algn="ctr">
+              <a:buFont typeface="Wingdings" panose="05000000000000000000" pitchFamily="2" charset="2"/>
+              <a:buChar char="Ø"/>
+            </a:pPr>
+            <a:endParaRPr lang="fr-FR" dirty="0"/>
           </a:p>
         </p:txBody>
       </p:sp>
     </p:spTree>
     <p:extLst>
       <p:ext uri="{BB962C8B-B14F-4D97-AF65-F5344CB8AC3E}">
-        <p14:creationId xmlns:p14="http://schemas.microsoft.com/office/powerpoint/2010/main" val="3425504835"/>
+        <p14:creationId xmlns:p14="http://schemas.microsoft.com/office/powerpoint/2010/main" val="1965409324"/>
       </p:ext>
     </p:extLst>
   </p:cSld>
@@ -11918,1629 +12581,6 @@
 </file>
 
 <file path=ppt/slides/slide21.xml><?xml version="1.0" encoding="utf-8"?>
-<p:sld xmlns:a="http://schemas.openxmlformats.org/drawingml/2006/main" xmlns:r="http://schemas.openxmlformats.org/officeDocument/2006/relationships" xmlns:p="http://schemas.openxmlformats.org/presentationml/2006/main">
-  <p:cSld>
-    <p:bg>
-      <p:bgPr>
-        <a:solidFill>
-          <a:schemeClr val="bg1"/>
-        </a:solidFill>
-        <a:effectLst/>
-      </p:bgPr>
-    </p:bg>
-    <p:spTree>
-      <p:nvGrpSpPr>
-        <p:cNvPr id="1" name=""/>
-        <p:cNvGrpSpPr/>
-        <p:nvPr/>
-      </p:nvGrpSpPr>
-      <p:grpSpPr>
-        <a:xfrm>
-          <a:off x="0" y="0"/>
-          <a:ext cx="0" cy="0"/>
-          <a:chOff x="0" y="0"/>
-          <a:chExt cx="0" cy="0"/>
-        </a:xfrm>
-      </p:grpSpPr>
-      <p:sp>
-        <p:nvSpPr>
-          <p:cNvPr id="41" name="Rectangle 40">
-            <a:extLst>
-              <a:ext uri="{FF2B5EF4-FFF2-40B4-BE49-F238E27FC236}">
-                <a16:creationId xmlns:a16="http://schemas.microsoft.com/office/drawing/2014/main" id="{46D6306C-ED4F-4AAE-B4A5-EEA6AFAD726E}"/>
-              </a:ext>
-              <a:ext uri="{C183D7F6-B498-43B3-948B-1728B52AA6E4}">
-                <adec:decorative xmlns:adec="http://schemas.microsoft.com/office/drawing/2017/decorative" val="1"/>
-              </a:ext>
-            </a:extLst>
-          </p:cNvPr>
-          <p:cNvSpPr>
-            <a:spLocks noGrp="1" noRot="1" noChangeAspect="1" noMove="1" noResize="1" noEditPoints="1" noAdjustHandles="1" noChangeArrowheads="1" noChangeShapeType="1" noTextEdit="1"/>
-          </p:cNvSpPr>
-          <p:nvPr>
-            <p:extLst>
-              <p:ext uri="{386F3935-93C4-4BCD-93E2-E3B085C9AB24}">
-                <p16:designElem xmlns:p16="http://schemas.microsoft.com/office/powerpoint/2015/main" val="1"/>
-              </p:ext>
-            </p:extLst>
-          </p:nvPr>
-        </p:nvSpPr>
-        <p:spPr>
-          <a:xfrm>
-            <a:off x="0" y="0"/>
-            <a:ext cx="12192000" cy="6858000"/>
-          </a:xfrm>
-          <a:prstGeom prst="rect">
-            <a:avLst/>
-          </a:prstGeom>
-          <a:solidFill>
-            <a:schemeClr val="bg1"/>
-          </a:solidFill>
-          <a:ln>
-            <a:noFill/>
-          </a:ln>
-        </p:spPr>
-        <p:style>
-          <a:lnRef idx="2">
-            <a:schemeClr val="accent1">
-              <a:shade val="50000"/>
-            </a:schemeClr>
-          </a:lnRef>
-          <a:fillRef idx="1">
-            <a:schemeClr val="accent1"/>
-          </a:fillRef>
-          <a:effectRef idx="0">
-            <a:schemeClr val="accent1"/>
-          </a:effectRef>
-          <a:fontRef idx="minor">
-            <a:schemeClr val="lt1"/>
-          </a:fontRef>
-        </p:style>
-        <p:txBody>
-          <a:bodyPr rtlCol="0" anchor="ctr"/>
-          <a:lstStyle/>
-          <a:p>
-            <a:pPr algn="ctr"/>
-            <a:endParaRPr lang="en-US" dirty="0"/>
-          </a:p>
-        </p:txBody>
-      </p:sp>
-      <p:sp>
-        <p:nvSpPr>
-          <p:cNvPr id="43" name="Rectangle 42">
-            <a:extLst>
-              <a:ext uri="{FF2B5EF4-FFF2-40B4-BE49-F238E27FC236}">
-                <a16:creationId xmlns:a16="http://schemas.microsoft.com/office/drawing/2014/main" id="{0EC5361D-F897-4856-B945-0455A365EB24}"/>
-              </a:ext>
-              <a:ext uri="{C183D7F6-B498-43B3-948B-1728B52AA6E4}">
-                <adec:decorative xmlns:adec="http://schemas.microsoft.com/office/drawing/2017/decorative" val="1"/>
-              </a:ext>
-            </a:extLst>
-          </p:cNvPr>
-          <p:cNvSpPr>
-            <a:spLocks noGrp="1" noRot="1" noChangeAspect="1" noMove="1" noResize="1" noEditPoints="1" noAdjustHandles="1" noChangeArrowheads="1" noChangeShapeType="1" noTextEdit="1"/>
-          </p:cNvSpPr>
-          <p:nvPr>
-            <p:extLst>
-              <p:ext uri="{386F3935-93C4-4BCD-93E2-E3B085C9AB24}">
-                <p16:designElem xmlns:p16="http://schemas.microsoft.com/office/powerpoint/2015/main" val="1"/>
-              </p:ext>
-            </p:extLst>
-          </p:nvPr>
-        </p:nvSpPr>
-        <p:spPr>
-          <a:xfrm rot="2700000">
-            <a:off x="415435" y="655140"/>
-            <a:ext cx="687472" cy="687472"/>
-          </a:xfrm>
-          <a:prstGeom prst="rect">
-            <a:avLst/>
-          </a:prstGeom>
-          <a:solidFill>
-            <a:schemeClr val="accent4">
-              <a:alpha val="30000"/>
-            </a:schemeClr>
-          </a:solidFill>
-          <a:ln>
-            <a:noFill/>
-          </a:ln>
-        </p:spPr>
-        <p:style>
-          <a:lnRef idx="2">
-            <a:schemeClr val="accent1">
-              <a:shade val="50000"/>
-            </a:schemeClr>
-          </a:lnRef>
-          <a:fillRef idx="1">
-            <a:schemeClr val="accent1"/>
-          </a:fillRef>
-          <a:effectRef idx="0">
-            <a:schemeClr val="accent1"/>
-          </a:effectRef>
-          <a:fontRef idx="minor">
-            <a:schemeClr val="lt1"/>
-          </a:fontRef>
-        </p:style>
-        <p:txBody>
-          <a:bodyPr rtlCol="0" anchor="ctr"/>
-          <a:lstStyle/>
-          <a:p>
-            <a:pPr algn="ctr"/>
-            <a:endParaRPr lang="en-US"/>
-          </a:p>
-        </p:txBody>
-      </p:sp>
-      <p:sp>
-        <p:nvSpPr>
-          <p:cNvPr id="45" name="Freeform: Shape 44">
-            <a:extLst>
-              <a:ext uri="{FF2B5EF4-FFF2-40B4-BE49-F238E27FC236}">
-                <a16:creationId xmlns:a16="http://schemas.microsoft.com/office/drawing/2014/main" id="{4508C0C5-2268-42B5-B3C8-4D0899E05F8C}"/>
-              </a:ext>
-              <a:ext uri="{C183D7F6-B498-43B3-948B-1728B52AA6E4}">
-                <adec:decorative xmlns:adec="http://schemas.microsoft.com/office/drawing/2017/decorative" val="1"/>
-              </a:ext>
-            </a:extLst>
-          </p:cNvPr>
-          <p:cNvSpPr>
-            <a:spLocks noGrp="1" noRot="1" noChangeAspect="1" noMove="1" noResize="1" noEditPoints="1" noAdjustHandles="1" noChangeArrowheads="1" noChangeShapeType="1" noTextEdit="1"/>
-          </p:cNvSpPr>
-          <p:nvPr>
-            <p:extLst>
-              <p:ext uri="{386F3935-93C4-4BCD-93E2-E3B085C9AB24}">
-                <p16:designElem xmlns:p16="http://schemas.microsoft.com/office/powerpoint/2015/main" val="1"/>
-              </p:ext>
-            </p:extLst>
-          </p:nvPr>
-        </p:nvSpPr>
-        <p:spPr>
-          <a:xfrm rot="10800000">
-            <a:off x="0" y="0"/>
-            <a:ext cx="2835357" cy="1480837"/>
-          </a:xfrm>
-          <a:custGeom>
-            <a:avLst/>
-            <a:gdLst>
-              <a:gd name="connsiteX0" fmla="*/ 2835357 w 2835357"/>
-              <a:gd name="connsiteY0" fmla="*/ 1480837 h 1480837"/>
-              <a:gd name="connsiteX1" fmla="*/ 0 w 2835357"/>
-              <a:gd name="connsiteY1" fmla="*/ 1480837 h 1480837"/>
-              <a:gd name="connsiteX2" fmla="*/ 1552727 w 2835357"/>
-              <a:gd name="connsiteY2" fmla="*/ 0 h 1480837"/>
-              <a:gd name="connsiteX3" fmla="*/ 2835357 w 2835357"/>
-              <a:gd name="connsiteY3" fmla="*/ 1223245 h 1480837"/>
-            </a:gdLst>
-            <a:ahLst/>
-            <a:cxnLst>
-              <a:cxn ang="0">
-                <a:pos x="connsiteX0" y="connsiteY0"/>
-              </a:cxn>
-              <a:cxn ang="0">
-                <a:pos x="connsiteX1" y="connsiteY1"/>
-              </a:cxn>
-              <a:cxn ang="0">
-                <a:pos x="connsiteX2" y="connsiteY2"/>
-              </a:cxn>
-              <a:cxn ang="0">
-                <a:pos x="connsiteX3" y="connsiteY3"/>
-              </a:cxn>
-            </a:cxnLst>
-            <a:rect l="l" t="t" r="r" b="b"/>
-            <a:pathLst>
-              <a:path w="2835357" h="1480837">
-                <a:moveTo>
-                  <a:pt x="2835357" y="1480837"/>
-                </a:moveTo>
-                <a:lnTo>
-                  <a:pt x="0" y="1480837"/>
-                </a:lnTo>
-                <a:lnTo>
-                  <a:pt x="1552727" y="0"/>
-                </a:lnTo>
-                <a:lnTo>
-                  <a:pt x="2835357" y="1223245"/>
-                </a:lnTo>
-                <a:close/>
-              </a:path>
-            </a:pathLst>
-          </a:custGeom>
-          <a:solidFill>
-            <a:schemeClr val="accent4">
-              <a:alpha val="30000"/>
-            </a:schemeClr>
-          </a:solidFill>
-          <a:ln>
-            <a:noFill/>
-          </a:ln>
-        </p:spPr>
-        <p:style>
-          <a:lnRef idx="2">
-            <a:schemeClr val="accent1">
-              <a:shade val="50000"/>
-            </a:schemeClr>
-          </a:lnRef>
-          <a:fillRef idx="1">
-            <a:schemeClr val="accent1"/>
-          </a:fillRef>
-          <a:effectRef idx="0">
-            <a:schemeClr val="accent1"/>
-          </a:effectRef>
-          <a:fontRef idx="minor">
-            <a:schemeClr val="lt1"/>
-          </a:fontRef>
-        </p:style>
-        <p:txBody>
-          <a:bodyPr wrap="square" rtlCol="0" anchor="ctr">
-            <a:noAutofit/>
-          </a:bodyPr>
-          <a:lstStyle/>
-          <a:p>
-            <a:pPr algn="ctr"/>
-            <a:endParaRPr lang="en-US" dirty="0"/>
-          </a:p>
-        </p:txBody>
-      </p:sp>
-      <p:sp>
-        <p:nvSpPr>
-          <p:cNvPr id="47" name="Freeform: Shape 46">
-            <a:extLst>
-              <a:ext uri="{FF2B5EF4-FFF2-40B4-BE49-F238E27FC236}">
-                <a16:creationId xmlns:a16="http://schemas.microsoft.com/office/drawing/2014/main" id="{141ACBDB-38F8-4B34-8183-BD95B4E55A62}"/>
-              </a:ext>
-              <a:ext uri="{C183D7F6-B498-43B3-948B-1728B52AA6E4}">
-                <adec:decorative xmlns:adec="http://schemas.microsoft.com/office/drawing/2017/decorative" val="1"/>
-              </a:ext>
-            </a:extLst>
-          </p:cNvPr>
-          <p:cNvSpPr>
-            <a:spLocks noGrp="1" noRot="1" noChangeAspect="1" noMove="1" noResize="1" noEditPoints="1" noAdjustHandles="1" noChangeArrowheads="1" noChangeShapeType="1" noTextEdit="1"/>
-          </p:cNvSpPr>
-          <p:nvPr>
-            <p:extLst>
-              <p:ext uri="{386F3935-93C4-4BCD-93E2-E3B085C9AB24}">
-                <p16:designElem xmlns:p16="http://schemas.microsoft.com/office/powerpoint/2015/main" val="1"/>
-              </p:ext>
-            </p:extLst>
-          </p:nvPr>
-        </p:nvSpPr>
-        <p:spPr>
-          <a:xfrm rot="2700000">
-            <a:off x="10739327" y="-253670"/>
-            <a:ext cx="1827638" cy="1376989"/>
-          </a:xfrm>
-          <a:custGeom>
-            <a:avLst/>
-            <a:gdLst>
-              <a:gd name="connsiteX0" fmla="*/ 0 w 1827638"/>
-              <a:gd name="connsiteY0" fmla="*/ 987379 h 1376989"/>
-              <a:gd name="connsiteX1" fmla="*/ 987379 w 1827638"/>
-              <a:gd name="connsiteY1" fmla="*/ 0 h 1376989"/>
-              <a:gd name="connsiteX2" fmla="*/ 1827638 w 1827638"/>
-              <a:gd name="connsiteY2" fmla="*/ 840260 h 1376989"/>
-              <a:gd name="connsiteX3" fmla="*/ 1827638 w 1827638"/>
-              <a:gd name="connsiteY3" fmla="*/ 1376989 h 1376989"/>
-              <a:gd name="connsiteX4" fmla="*/ 0 w 1827638"/>
-              <a:gd name="connsiteY4" fmla="*/ 1376989 h 1376989"/>
-            </a:gdLst>
-            <a:ahLst/>
-            <a:cxnLst>
-              <a:cxn ang="0">
-                <a:pos x="connsiteX0" y="connsiteY0"/>
-              </a:cxn>
-              <a:cxn ang="0">
-                <a:pos x="connsiteX1" y="connsiteY1"/>
-              </a:cxn>
-              <a:cxn ang="0">
-                <a:pos x="connsiteX2" y="connsiteY2"/>
-              </a:cxn>
-              <a:cxn ang="0">
-                <a:pos x="connsiteX3" y="connsiteY3"/>
-              </a:cxn>
-              <a:cxn ang="0">
-                <a:pos x="connsiteX4" y="connsiteY4"/>
-              </a:cxn>
-            </a:cxnLst>
-            <a:rect l="l" t="t" r="r" b="b"/>
-            <a:pathLst>
-              <a:path w="1827638" h="1376989">
-                <a:moveTo>
-                  <a:pt x="0" y="987379"/>
-                </a:moveTo>
-                <a:lnTo>
-                  <a:pt x="987379" y="0"/>
-                </a:lnTo>
-                <a:lnTo>
-                  <a:pt x="1827638" y="840260"/>
-                </a:lnTo>
-                <a:lnTo>
-                  <a:pt x="1827638" y="1376989"/>
-                </a:lnTo>
-                <a:lnTo>
-                  <a:pt x="0" y="1376989"/>
-                </a:lnTo>
-                <a:close/>
-              </a:path>
-            </a:pathLst>
-          </a:custGeom>
-          <a:solidFill>
-            <a:schemeClr val="accent1">
-              <a:alpha val="30000"/>
-            </a:schemeClr>
-          </a:solidFill>
-          <a:ln>
-            <a:noFill/>
-          </a:ln>
-        </p:spPr>
-        <p:style>
-          <a:lnRef idx="2">
-            <a:schemeClr val="accent1">
-              <a:shade val="50000"/>
-            </a:schemeClr>
-          </a:lnRef>
-          <a:fillRef idx="1">
-            <a:schemeClr val="accent1"/>
-          </a:fillRef>
-          <a:effectRef idx="0">
-            <a:schemeClr val="accent1"/>
-          </a:effectRef>
-          <a:fontRef idx="minor">
-            <a:schemeClr val="lt1"/>
-          </a:fontRef>
-        </p:style>
-        <p:txBody>
-          <a:bodyPr wrap="square" rtlCol="0" anchor="ctr">
-            <a:noAutofit/>
-          </a:bodyPr>
-          <a:lstStyle/>
-          <a:p>
-            <a:pPr algn="ctr"/>
-            <a:endParaRPr lang="en-US" dirty="0"/>
-          </a:p>
-        </p:txBody>
-      </p:sp>
-      <p:sp>
-        <p:nvSpPr>
-          <p:cNvPr id="49" name="Rectangle 48">
-            <a:extLst>
-              <a:ext uri="{FF2B5EF4-FFF2-40B4-BE49-F238E27FC236}">
-                <a16:creationId xmlns:a16="http://schemas.microsoft.com/office/drawing/2014/main" id="{DE00DB52-3455-4E2F-867B-A6D0516E175B}"/>
-              </a:ext>
-              <a:ext uri="{C183D7F6-B498-43B3-948B-1728B52AA6E4}">
-                <adec:decorative xmlns:adec="http://schemas.microsoft.com/office/drawing/2017/decorative" val="1"/>
-              </a:ext>
-            </a:extLst>
-          </p:cNvPr>
-          <p:cNvSpPr>
-            <a:spLocks noGrp="1" noRot="1" noChangeAspect="1" noMove="1" noResize="1" noEditPoints="1" noAdjustHandles="1" noChangeArrowheads="1" noChangeShapeType="1" noTextEdit="1"/>
-          </p:cNvSpPr>
-          <p:nvPr>
-            <p:extLst>
-              <p:ext uri="{386F3935-93C4-4BCD-93E2-E3B085C9AB24}">
-                <p16:designElem xmlns:p16="http://schemas.microsoft.com/office/powerpoint/2015/main" val="1"/>
-              </p:ext>
-            </p:extLst>
-          </p:nvPr>
-        </p:nvSpPr>
-        <p:spPr>
-          <a:xfrm rot="2700000">
-            <a:off x="10653800" y="422146"/>
-            <a:ext cx="645368" cy="645368"/>
-          </a:xfrm>
-          <a:prstGeom prst="rect">
-            <a:avLst/>
-          </a:prstGeom>
-          <a:solidFill>
-            <a:schemeClr val="accent1">
-              <a:alpha val="30000"/>
-            </a:schemeClr>
-          </a:solidFill>
-          <a:ln>
-            <a:noFill/>
-          </a:ln>
-        </p:spPr>
-        <p:style>
-          <a:lnRef idx="2">
-            <a:schemeClr val="accent1">
-              <a:shade val="50000"/>
-            </a:schemeClr>
-          </a:lnRef>
-          <a:fillRef idx="1">
-            <a:schemeClr val="accent1"/>
-          </a:fillRef>
-          <a:effectRef idx="0">
-            <a:schemeClr val="accent1"/>
-          </a:effectRef>
-          <a:fontRef idx="minor">
-            <a:schemeClr val="lt1"/>
-          </a:fontRef>
-        </p:style>
-        <p:txBody>
-          <a:bodyPr wrap="square" rtlCol="0" anchor="ctr">
-            <a:noAutofit/>
-          </a:bodyPr>
-          <a:lstStyle/>
-          <a:p>
-            <a:pPr algn="ctr"/>
-            <a:endParaRPr lang="en-US"/>
-          </a:p>
-        </p:txBody>
-      </p:sp>
-      <p:sp>
-        <p:nvSpPr>
-          <p:cNvPr id="51" name="Isosceles Triangle 50">
-            <a:extLst>
-              <a:ext uri="{FF2B5EF4-FFF2-40B4-BE49-F238E27FC236}">
-                <a16:creationId xmlns:a16="http://schemas.microsoft.com/office/drawing/2014/main" id="{9E914C83-E0D8-4953-92D5-169D28CB43AE}"/>
-              </a:ext>
-              <a:ext uri="{C183D7F6-B498-43B3-948B-1728B52AA6E4}">
-                <adec:decorative xmlns:adec="http://schemas.microsoft.com/office/drawing/2017/decorative" val="1"/>
-              </a:ext>
-            </a:extLst>
-          </p:cNvPr>
-          <p:cNvSpPr>
-            <a:spLocks noGrp="1" noRot="1" noChangeAspect="1" noMove="1" noResize="1" noEditPoints="1" noAdjustHandles="1" noChangeArrowheads="1" noChangeShapeType="1" noTextEdit="1"/>
-          </p:cNvSpPr>
-          <p:nvPr>
-            <p:extLst>
-              <p:ext uri="{386F3935-93C4-4BCD-93E2-E3B085C9AB24}">
-                <p16:designElem xmlns:p16="http://schemas.microsoft.com/office/powerpoint/2015/main" val="1"/>
-              </p:ext>
-            </p:extLst>
-          </p:nvPr>
-        </p:nvSpPr>
-        <p:spPr>
-          <a:xfrm>
-            <a:off x="8115423" y="6115501"/>
-            <a:ext cx="1494513" cy="742499"/>
-          </a:xfrm>
-          <a:prstGeom prst="triangle">
-            <a:avLst/>
-          </a:prstGeom>
-          <a:solidFill>
-            <a:schemeClr val="accent1">
-              <a:alpha val="30000"/>
-            </a:schemeClr>
-          </a:solidFill>
-          <a:ln>
-            <a:noFill/>
-          </a:ln>
-        </p:spPr>
-        <p:style>
-          <a:lnRef idx="2">
-            <a:schemeClr val="accent1">
-              <a:shade val="50000"/>
-            </a:schemeClr>
-          </a:lnRef>
-          <a:fillRef idx="1">
-            <a:schemeClr val="accent1"/>
-          </a:fillRef>
-          <a:effectRef idx="0">
-            <a:schemeClr val="accent1"/>
-          </a:effectRef>
-          <a:fontRef idx="minor">
-            <a:schemeClr val="lt1"/>
-          </a:fontRef>
-        </p:style>
-        <p:txBody>
-          <a:bodyPr wrap="square" rtlCol="0" anchor="ctr">
-            <a:noAutofit/>
-          </a:bodyPr>
-          <a:lstStyle/>
-          <a:p>
-            <a:pPr algn="ctr"/>
-            <a:endParaRPr lang="en-US"/>
-          </a:p>
-        </p:txBody>
-      </p:sp>
-      <p:sp>
-        <p:nvSpPr>
-          <p:cNvPr id="53" name="Isosceles Triangle 52">
-            <a:extLst>
-              <a:ext uri="{FF2B5EF4-FFF2-40B4-BE49-F238E27FC236}">
-                <a16:creationId xmlns:a16="http://schemas.microsoft.com/office/drawing/2014/main" id="{3512E083-F550-46AF-8490-767ECFD00CB7}"/>
-              </a:ext>
-              <a:ext uri="{C183D7F6-B498-43B3-948B-1728B52AA6E4}">
-                <adec:decorative xmlns:adec="http://schemas.microsoft.com/office/drawing/2017/decorative" val="1"/>
-              </a:ext>
-            </a:extLst>
-          </p:cNvPr>
-          <p:cNvSpPr>
-            <a:spLocks noGrp="1" noRot="1" noChangeAspect="1" noMove="1" noResize="1" noEditPoints="1" noAdjustHandles="1" noChangeArrowheads="1" noChangeShapeType="1" noTextEdit="1"/>
-          </p:cNvSpPr>
-          <p:nvPr>
-            <p:extLst>
-              <p:ext uri="{386F3935-93C4-4BCD-93E2-E3B085C9AB24}">
-                <p16:designElem xmlns:p16="http://schemas.microsoft.com/office/powerpoint/2015/main" val="1"/>
-              </p:ext>
-            </p:extLst>
-          </p:nvPr>
-        </p:nvSpPr>
-        <p:spPr>
-          <a:xfrm>
-            <a:off x="9167297" y="6453143"/>
-            <a:ext cx="814903" cy="404857"/>
-          </a:xfrm>
-          <a:prstGeom prst="triangle">
-            <a:avLst/>
-          </a:prstGeom>
-          <a:solidFill>
-            <a:schemeClr val="accent1">
-              <a:alpha val="30000"/>
-            </a:schemeClr>
-          </a:solidFill>
-          <a:ln>
-            <a:noFill/>
-          </a:ln>
-        </p:spPr>
-        <p:style>
-          <a:lnRef idx="2">
-            <a:schemeClr val="accent1">
-              <a:shade val="50000"/>
-            </a:schemeClr>
-          </a:lnRef>
-          <a:fillRef idx="1">
-            <a:schemeClr val="accent1"/>
-          </a:fillRef>
-          <a:effectRef idx="0">
-            <a:schemeClr val="accent1"/>
-          </a:effectRef>
-          <a:fontRef idx="minor">
-            <a:schemeClr val="lt1"/>
-          </a:fontRef>
-        </p:style>
-        <p:txBody>
-          <a:bodyPr wrap="square" rtlCol="0" anchor="ctr">
-            <a:noAutofit/>
-          </a:bodyPr>
-          <a:lstStyle/>
-          <a:p>
-            <a:pPr algn="ctr"/>
-            <a:endParaRPr lang="en-US"/>
-          </a:p>
-        </p:txBody>
-      </p:sp>
-      <p:sp>
-        <p:nvSpPr>
-          <p:cNvPr id="12" name="Titre 1">
-            <a:extLst>
-              <a:ext uri="{FF2B5EF4-FFF2-40B4-BE49-F238E27FC236}">
-                <a16:creationId xmlns:a16="http://schemas.microsoft.com/office/drawing/2014/main" id="{610BD3F2-A24B-BE5D-717F-03565D561ACB}"/>
-              </a:ext>
-            </a:extLst>
-          </p:cNvPr>
-          <p:cNvSpPr>
-            <a:spLocks noGrp="1"/>
-          </p:cNvSpPr>
-          <p:nvPr>
-            <p:ph type="title"/>
-          </p:nvPr>
-        </p:nvSpPr>
-        <p:spPr>
-          <a:xfrm>
-            <a:off x="838200" y="365125"/>
-            <a:ext cx="10515600" cy="1325563"/>
-          </a:xfrm>
-        </p:spPr>
-        <p:txBody>
-          <a:bodyPr/>
-          <a:lstStyle/>
-          <a:p>
-            <a:pPr algn="ctr"/>
-            <a:r>
-              <a:rPr lang="fr-FR" dirty="0"/>
-              <a:t>IV - Sécurité</a:t>
-            </a:r>
-          </a:p>
-        </p:txBody>
-      </p:sp>
-      <p:pic>
-        <p:nvPicPr>
-          <p:cNvPr id="5" name="Image 4">
-            <a:extLst>
-              <a:ext uri="{FF2B5EF4-FFF2-40B4-BE49-F238E27FC236}">
-                <a16:creationId xmlns:a16="http://schemas.microsoft.com/office/drawing/2014/main" id="{1E851071-DD77-0E4B-9B8A-2BA8B7AE454D}"/>
-              </a:ext>
-            </a:extLst>
-          </p:cNvPr>
-          <p:cNvPicPr>
-            <a:picLocks noChangeAspect="1"/>
-          </p:cNvPicPr>
-          <p:nvPr/>
-        </p:nvPicPr>
-        <p:blipFill>
-          <a:blip r:embed="rId2"/>
-          <a:stretch>
-            <a:fillRect/>
-          </a:stretch>
-        </p:blipFill>
-        <p:spPr>
-          <a:xfrm>
-            <a:off x="3545423" y="2028330"/>
-            <a:ext cx="6029325" cy="3095625"/>
-          </a:xfrm>
-          <a:prstGeom prst="rect">
-            <a:avLst/>
-          </a:prstGeom>
-        </p:spPr>
-      </p:pic>
-    </p:spTree>
-    <p:extLst>
-      <p:ext uri="{BB962C8B-B14F-4D97-AF65-F5344CB8AC3E}">
-        <p14:creationId xmlns:p14="http://schemas.microsoft.com/office/powerpoint/2010/main" val="2088949549"/>
-      </p:ext>
-    </p:extLst>
-  </p:cSld>
-  <p:clrMapOvr>
-    <a:masterClrMapping/>
-  </p:clrMapOvr>
-</p:sld>
-</file>
-
-<file path=ppt/slides/slide22.xml><?xml version="1.0" encoding="utf-8"?>
-<p:sld xmlns:a="http://schemas.openxmlformats.org/drawingml/2006/main" xmlns:r="http://schemas.openxmlformats.org/officeDocument/2006/relationships" xmlns:p="http://schemas.openxmlformats.org/presentationml/2006/main">
-  <p:cSld>
-    <p:bg>
-      <p:bgPr>
-        <a:solidFill>
-          <a:schemeClr val="bg1"/>
-        </a:solidFill>
-        <a:effectLst/>
-      </p:bgPr>
-    </p:bg>
-    <p:spTree>
-      <p:nvGrpSpPr>
-        <p:cNvPr id="1" name=""/>
-        <p:cNvGrpSpPr/>
-        <p:nvPr/>
-      </p:nvGrpSpPr>
-      <p:grpSpPr>
-        <a:xfrm>
-          <a:off x="0" y="0"/>
-          <a:ext cx="0" cy="0"/>
-          <a:chOff x="0" y="0"/>
-          <a:chExt cx="0" cy="0"/>
-        </a:xfrm>
-      </p:grpSpPr>
-      <p:sp>
-        <p:nvSpPr>
-          <p:cNvPr id="8" name="Rectangle 7">
-            <a:extLst>
-              <a:ext uri="{FF2B5EF4-FFF2-40B4-BE49-F238E27FC236}">
-                <a16:creationId xmlns:a16="http://schemas.microsoft.com/office/drawing/2014/main" id="{2B566528-1B12-4246-9431-5C2D7D081168}"/>
-              </a:ext>
-              <a:ext uri="{C183D7F6-B498-43B3-948B-1728B52AA6E4}">
-                <adec:decorative xmlns:adec="http://schemas.microsoft.com/office/drawing/2017/decorative" val="1"/>
-              </a:ext>
-            </a:extLst>
-          </p:cNvPr>
-          <p:cNvSpPr>
-            <a:spLocks noGrp="1" noRot="1" noChangeAspect="1" noMove="1" noResize="1" noEditPoints="1" noAdjustHandles="1" noChangeArrowheads="1" noChangeShapeType="1" noTextEdit="1"/>
-          </p:cNvSpPr>
-          <p:nvPr>
-            <p:extLst>
-              <p:ext uri="{386F3935-93C4-4BCD-93E2-E3B085C9AB24}">
-                <p16:designElem xmlns:p16="http://schemas.microsoft.com/office/powerpoint/2015/main" val="1"/>
-              </p:ext>
-            </p:extLst>
-          </p:nvPr>
-        </p:nvSpPr>
-        <p:spPr>
-          <a:xfrm>
-            <a:off x="0" y="0"/>
-            <a:ext cx="12192000" cy="6858000"/>
-          </a:xfrm>
-          <a:prstGeom prst="rect">
-            <a:avLst/>
-          </a:prstGeom>
-          <a:solidFill>
-            <a:schemeClr val="bg1"/>
-          </a:solidFill>
-          <a:ln>
-            <a:noFill/>
-          </a:ln>
-        </p:spPr>
-        <p:style>
-          <a:lnRef idx="2">
-            <a:schemeClr val="accent1">
-              <a:shade val="50000"/>
-            </a:schemeClr>
-          </a:lnRef>
-          <a:fillRef idx="1">
-            <a:schemeClr val="accent1"/>
-          </a:fillRef>
-          <a:effectRef idx="0">
-            <a:schemeClr val="accent1"/>
-          </a:effectRef>
-          <a:fontRef idx="minor">
-            <a:schemeClr val="lt1"/>
-          </a:fontRef>
-        </p:style>
-        <p:txBody>
-          <a:bodyPr rtlCol="0" anchor="ctr"/>
-          <a:lstStyle/>
-          <a:p>
-            <a:pPr algn="ctr"/>
-            <a:endParaRPr lang="en-US" dirty="0"/>
-          </a:p>
-        </p:txBody>
-      </p:sp>
-      <p:sp>
-        <p:nvSpPr>
-          <p:cNvPr id="10" name="Rectangle 9">
-            <a:extLst>
-              <a:ext uri="{FF2B5EF4-FFF2-40B4-BE49-F238E27FC236}">
-                <a16:creationId xmlns:a16="http://schemas.microsoft.com/office/drawing/2014/main" id="{2E80C965-DB6D-4F81-9E9E-B027384D0BD6}"/>
-              </a:ext>
-              <a:ext uri="{C183D7F6-B498-43B3-948B-1728B52AA6E4}">
-                <adec:decorative xmlns:adec="http://schemas.microsoft.com/office/drawing/2017/decorative" val="1"/>
-              </a:ext>
-            </a:extLst>
-          </p:cNvPr>
-          <p:cNvSpPr>
-            <a:spLocks noGrp="1" noRot="1" noChangeAspect="1" noMove="1" noResize="1" noEditPoints="1" noAdjustHandles="1" noChangeArrowheads="1" noChangeShapeType="1" noTextEdit="1"/>
-          </p:cNvSpPr>
-          <p:nvPr>
-            <p:extLst>
-              <p:ext uri="{386F3935-93C4-4BCD-93E2-E3B085C9AB24}">
-                <p16:designElem xmlns:p16="http://schemas.microsoft.com/office/powerpoint/2015/main" val="1"/>
-              </p:ext>
-            </p:extLst>
-          </p:nvPr>
-        </p:nvSpPr>
-        <p:spPr>
-          <a:xfrm rot="2700000">
-            <a:off x="11052629" y="2120024"/>
-            <a:ext cx="645368" cy="645368"/>
-          </a:xfrm>
-          <a:prstGeom prst="rect">
-            <a:avLst/>
-          </a:prstGeom>
-          <a:solidFill>
-            <a:schemeClr val="accent4">
-              <a:alpha val="30000"/>
-            </a:schemeClr>
-          </a:solidFill>
-          <a:ln>
-            <a:noFill/>
-          </a:ln>
-        </p:spPr>
-        <p:style>
-          <a:lnRef idx="2">
-            <a:schemeClr val="accent1">
-              <a:shade val="50000"/>
-            </a:schemeClr>
-          </a:lnRef>
-          <a:fillRef idx="1">
-            <a:schemeClr val="accent1"/>
-          </a:fillRef>
-          <a:effectRef idx="0">
-            <a:schemeClr val="accent1"/>
-          </a:effectRef>
-          <a:fontRef idx="minor">
-            <a:schemeClr val="lt1"/>
-          </a:fontRef>
-        </p:style>
-        <p:txBody>
-          <a:bodyPr rtlCol="0" anchor="ctr"/>
-          <a:lstStyle/>
-          <a:p>
-            <a:pPr algn="ctr"/>
-            <a:endParaRPr lang="en-US"/>
-          </a:p>
-        </p:txBody>
-      </p:sp>
-      <p:sp>
-        <p:nvSpPr>
-          <p:cNvPr id="12" name="Isosceles Triangle 11">
-            <a:extLst>
-              <a:ext uri="{FF2B5EF4-FFF2-40B4-BE49-F238E27FC236}">
-                <a16:creationId xmlns:a16="http://schemas.microsoft.com/office/drawing/2014/main" id="{A580F890-B085-4E95-96AA-55AEBEC5CE6E}"/>
-              </a:ext>
-              <a:ext uri="{C183D7F6-B498-43B3-948B-1728B52AA6E4}">
-                <adec:decorative xmlns:adec="http://schemas.microsoft.com/office/drawing/2017/decorative" val="1"/>
-              </a:ext>
-            </a:extLst>
-          </p:cNvPr>
-          <p:cNvSpPr>
-            <a:spLocks noGrp="1" noRot="1" noChangeAspect="1" noMove="1" noResize="1" noEditPoints="1" noAdjustHandles="1" noChangeArrowheads="1" noChangeShapeType="1" noTextEdit="1"/>
-          </p:cNvSpPr>
-          <p:nvPr>
-            <p:extLst>
-              <p:ext uri="{386F3935-93C4-4BCD-93E2-E3B085C9AB24}">
-                <p16:designElem xmlns:p16="http://schemas.microsoft.com/office/powerpoint/2015/main" val="1"/>
-              </p:ext>
-            </p:extLst>
-          </p:nvPr>
-        </p:nvSpPr>
-        <p:spPr>
-          <a:xfrm rot="16200000">
-            <a:off x="10289068" y="1343027"/>
-            <a:ext cx="2532832" cy="1273032"/>
-          </a:xfrm>
-          <a:prstGeom prst="triangle">
-            <a:avLst>
-              <a:gd name="adj" fmla="val 50000"/>
-            </a:avLst>
-          </a:prstGeom>
-          <a:solidFill>
-            <a:schemeClr val="accent4">
-              <a:alpha val="30000"/>
-            </a:schemeClr>
-          </a:solidFill>
-          <a:ln>
-            <a:noFill/>
-          </a:ln>
-        </p:spPr>
-        <p:style>
-          <a:lnRef idx="2">
-            <a:schemeClr val="accent1">
-              <a:shade val="50000"/>
-            </a:schemeClr>
-          </a:lnRef>
-          <a:fillRef idx="1">
-            <a:schemeClr val="accent1"/>
-          </a:fillRef>
-          <a:effectRef idx="0">
-            <a:schemeClr val="accent1"/>
-          </a:effectRef>
-          <a:fontRef idx="minor">
-            <a:schemeClr val="lt1"/>
-          </a:fontRef>
-        </p:style>
-        <p:txBody>
-          <a:bodyPr rtlCol="0" anchor="ctr"/>
-          <a:lstStyle/>
-          <a:p>
-            <a:pPr algn="ctr"/>
-            <a:endParaRPr lang="en-US"/>
-          </a:p>
-        </p:txBody>
-      </p:sp>
-      <p:sp>
-        <p:nvSpPr>
-          <p:cNvPr id="14" name="Isosceles Triangle 13">
-            <a:extLst>
-              <a:ext uri="{FF2B5EF4-FFF2-40B4-BE49-F238E27FC236}">
-                <a16:creationId xmlns:a16="http://schemas.microsoft.com/office/drawing/2014/main" id="{D3F51FEB-38FB-4F6C-9F7B-2F2AFAB65463}"/>
-              </a:ext>
-              <a:ext uri="{C183D7F6-B498-43B3-948B-1728B52AA6E4}">
-                <adec:decorative xmlns:adec="http://schemas.microsoft.com/office/drawing/2017/decorative" val="1"/>
-              </a:ext>
-            </a:extLst>
-          </p:cNvPr>
-          <p:cNvSpPr>
-            <a:spLocks noGrp="1" noRot="1" noChangeAspect="1" noMove="1" noResize="1" noEditPoints="1" noAdjustHandles="1" noChangeArrowheads="1" noChangeShapeType="1" noTextEdit="1"/>
-          </p:cNvSpPr>
-          <p:nvPr>
-            <p:extLst>
-              <p:ext uri="{386F3935-93C4-4BCD-93E2-E3B085C9AB24}">
-                <p16:designElem xmlns:p16="http://schemas.microsoft.com/office/powerpoint/2015/main" val="1"/>
-              </p:ext>
-            </p:extLst>
-          </p:nvPr>
-        </p:nvSpPr>
-        <p:spPr>
-          <a:xfrm rot="5400000">
-            <a:off x="-501760" y="5103257"/>
-            <a:ext cx="2017580" cy="1014060"/>
-          </a:xfrm>
-          <a:prstGeom prst="triangle">
-            <a:avLst>
-              <a:gd name="adj" fmla="val 50000"/>
-            </a:avLst>
-          </a:prstGeom>
-          <a:solidFill>
-            <a:schemeClr val="accent1">
-              <a:alpha val="30000"/>
-            </a:schemeClr>
-          </a:solidFill>
-          <a:ln>
-            <a:noFill/>
-          </a:ln>
-        </p:spPr>
-        <p:style>
-          <a:lnRef idx="2">
-            <a:schemeClr val="accent1">
-              <a:shade val="50000"/>
-            </a:schemeClr>
-          </a:lnRef>
-          <a:fillRef idx="1">
-            <a:schemeClr val="accent1"/>
-          </a:fillRef>
-          <a:effectRef idx="0">
-            <a:schemeClr val="accent1"/>
-          </a:effectRef>
-          <a:fontRef idx="minor">
-            <a:schemeClr val="lt1"/>
-          </a:fontRef>
-        </p:style>
-        <p:txBody>
-          <a:bodyPr wrap="square" rtlCol="0" anchor="ctr">
-            <a:noAutofit/>
-          </a:bodyPr>
-          <a:lstStyle/>
-          <a:p>
-            <a:pPr algn="ctr"/>
-            <a:endParaRPr lang="en-US"/>
-          </a:p>
-        </p:txBody>
-      </p:sp>
-      <p:sp>
-        <p:nvSpPr>
-          <p:cNvPr id="16" name="Rectangle 15">
-            <a:extLst>
-              <a:ext uri="{FF2B5EF4-FFF2-40B4-BE49-F238E27FC236}">
-                <a16:creationId xmlns:a16="http://schemas.microsoft.com/office/drawing/2014/main" id="{1E547BA6-BAE0-43BB-A7CA-60F69CE252F0}"/>
-              </a:ext>
-              <a:ext uri="{C183D7F6-B498-43B3-948B-1728B52AA6E4}">
-                <adec:decorative xmlns:adec="http://schemas.microsoft.com/office/drawing/2017/decorative" val="1"/>
-              </a:ext>
-            </a:extLst>
-          </p:cNvPr>
-          <p:cNvSpPr>
-            <a:spLocks noGrp="1" noRot="1" noChangeAspect="1" noMove="1" noResize="1" noEditPoints="1" noAdjustHandles="1" noChangeArrowheads="1" noChangeShapeType="1" noTextEdit="1"/>
-          </p:cNvSpPr>
-          <p:nvPr>
-            <p:extLst>
-              <p:ext uri="{386F3935-93C4-4BCD-93E2-E3B085C9AB24}">
-                <p16:designElem xmlns:p16="http://schemas.microsoft.com/office/powerpoint/2015/main" val="1"/>
-              </p:ext>
-            </p:extLst>
-          </p:nvPr>
-        </p:nvSpPr>
-        <p:spPr>
-          <a:xfrm rot="2700000">
-            <a:off x="427916" y="5728708"/>
-            <a:ext cx="485578" cy="485578"/>
-          </a:xfrm>
-          <a:prstGeom prst="rect">
-            <a:avLst/>
-          </a:prstGeom>
-          <a:solidFill>
-            <a:schemeClr val="accent1">
-              <a:alpha val="30000"/>
-            </a:schemeClr>
-          </a:solidFill>
-          <a:ln>
-            <a:noFill/>
-          </a:ln>
-        </p:spPr>
-        <p:style>
-          <a:lnRef idx="2">
-            <a:schemeClr val="accent1">
-              <a:shade val="50000"/>
-            </a:schemeClr>
-          </a:lnRef>
-          <a:fillRef idx="1">
-            <a:schemeClr val="accent1"/>
-          </a:fillRef>
-          <a:effectRef idx="0">
-            <a:schemeClr val="accent1"/>
-          </a:effectRef>
-          <a:fontRef idx="minor">
-            <a:schemeClr val="lt1"/>
-          </a:fontRef>
-        </p:style>
-        <p:txBody>
-          <a:bodyPr wrap="square" rtlCol="0" anchor="ctr">
-            <a:noAutofit/>
-          </a:bodyPr>
-          <a:lstStyle/>
-          <a:p>
-            <a:pPr algn="ctr"/>
-            <a:endParaRPr lang="en-US"/>
-          </a:p>
-        </p:txBody>
-      </p:sp>
-    </p:spTree>
-    <p:extLst>
-      <p:ext uri="{BB962C8B-B14F-4D97-AF65-F5344CB8AC3E}">
-        <p14:creationId xmlns:p14="http://schemas.microsoft.com/office/powerpoint/2010/main" val="305113604"/>
-      </p:ext>
-    </p:extLst>
-  </p:cSld>
-  <p:clrMapOvr>
-    <a:masterClrMapping/>
-  </p:clrMapOvr>
-</p:sld>
-</file>
-
-<file path=ppt/slides/slide23.xml><?xml version="1.0" encoding="utf-8"?>
-<p:sld xmlns:a="http://schemas.openxmlformats.org/drawingml/2006/main" xmlns:r="http://schemas.openxmlformats.org/officeDocument/2006/relationships" xmlns:p="http://schemas.openxmlformats.org/presentationml/2006/main">
-  <p:cSld>
-    <p:bg>
-      <p:bgPr>
-        <a:solidFill>
-          <a:schemeClr val="bg1"/>
-        </a:solidFill>
-        <a:effectLst/>
-      </p:bgPr>
-    </p:bg>
-    <p:spTree>
-      <p:nvGrpSpPr>
-        <p:cNvPr id="1" name=""/>
-        <p:cNvGrpSpPr/>
-        <p:nvPr/>
-      </p:nvGrpSpPr>
-      <p:grpSpPr>
-        <a:xfrm>
-          <a:off x="0" y="0"/>
-          <a:ext cx="0" cy="0"/>
-          <a:chOff x="0" y="0"/>
-          <a:chExt cx="0" cy="0"/>
-        </a:xfrm>
-      </p:grpSpPr>
-      <p:sp>
-        <p:nvSpPr>
-          <p:cNvPr id="41" name="Rectangle 40">
-            <a:extLst>
-              <a:ext uri="{FF2B5EF4-FFF2-40B4-BE49-F238E27FC236}">
-                <a16:creationId xmlns:a16="http://schemas.microsoft.com/office/drawing/2014/main" id="{46D6306C-ED4F-4AAE-B4A5-EEA6AFAD726E}"/>
-              </a:ext>
-              <a:ext uri="{C183D7F6-B498-43B3-948B-1728B52AA6E4}">
-                <adec:decorative xmlns:adec="http://schemas.microsoft.com/office/drawing/2017/decorative" val="1"/>
-              </a:ext>
-            </a:extLst>
-          </p:cNvPr>
-          <p:cNvSpPr>
-            <a:spLocks noGrp="1" noRot="1" noChangeAspect="1" noMove="1" noResize="1" noEditPoints="1" noAdjustHandles="1" noChangeArrowheads="1" noChangeShapeType="1" noTextEdit="1"/>
-          </p:cNvSpPr>
-          <p:nvPr>
-            <p:extLst>
-              <p:ext uri="{386F3935-93C4-4BCD-93E2-E3B085C9AB24}">
-                <p16:designElem xmlns:p16="http://schemas.microsoft.com/office/powerpoint/2015/main" val="1"/>
-              </p:ext>
-            </p:extLst>
-          </p:nvPr>
-        </p:nvSpPr>
-        <p:spPr>
-          <a:xfrm>
-            <a:off x="0" y="0"/>
-            <a:ext cx="12192000" cy="6858000"/>
-          </a:xfrm>
-          <a:prstGeom prst="rect">
-            <a:avLst/>
-          </a:prstGeom>
-          <a:solidFill>
-            <a:schemeClr val="bg1"/>
-          </a:solidFill>
-          <a:ln>
-            <a:noFill/>
-          </a:ln>
-        </p:spPr>
-        <p:style>
-          <a:lnRef idx="2">
-            <a:schemeClr val="accent1">
-              <a:shade val="50000"/>
-            </a:schemeClr>
-          </a:lnRef>
-          <a:fillRef idx="1">
-            <a:schemeClr val="accent1"/>
-          </a:fillRef>
-          <a:effectRef idx="0">
-            <a:schemeClr val="accent1"/>
-          </a:effectRef>
-          <a:fontRef idx="minor">
-            <a:schemeClr val="lt1"/>
-          </a:fontRef>
-        </p:style>
-        <p:txBody>
-          <a:bodyPr rtlCol="0" anchor="ctr"/>
-          <a:lstStyle/>
-          <a:p>
-            <a:pPr algn="ctr"/>
-            <a:endParaRPr lang="en-US" dirty="0"/>
-          </a:p>
-        </p:txBody>
-      </p:sp>
-      <p:sp>
-        <p:nvSpPr>
-          <p:cNvPr id="43" name="Rectangle 42">
-            <a:extLst>
-              <a:ext uri="{FF2B5EF4-FFF2-40B4-BE49-F238E27FC236}">
-                <a16:creationId xmlns:a16="http://schemas.microsoft.com/office/drawing/2014/main" id="{0EC5361D-F897-4856-B945-0455A365EB24}"/>
-              </a:ext>
-              <a:ext uri="{C183D7F6-B498-43B3-948B-1728B52AA6E4}">
-                <adec:decorative xmlns:adec="http://schemas.microsoft.com/office/drawing/2017/decorative" val="1"/>
-              </a:ext>
-            </a:extLst>
-          </p:cNvPr>
-          <p:cNvSpPr>
-            <a:spLocks noGrp="1" noRot="1" noChangeAspect="1" noMove="1" noResize="1" noEditPoints="1" noAdjustHandles="1" noChangeArrowheads="1" noChangeShapeType="1" noTextEdit="1"/>
-          </p:cNvSpPr>
-          <p:nvPr>
-            <p:extLst>
-              <p:ext uri="{386F3935-93C4-4BCD-93E2-E3B085C9AB24}">
-                <p16:designElem xmlns:p16="http://schemas.microsoft.com/office/powerpoint/2015/main" val="1"/>
-              </p:ext>
-            </p:extLst>
-          </p:nvPr>
-        </p:nvSpPr>
-        <p:spPr>
-          <a:xfrm rot="2700000">
-            <a:off x="415435" y="655140"/>
-            <a:ext cx="687472" cy="687472"/>
-          </a:xfrm>
-          <a:prstGeom prst="rect">
-            <a:avLst/>
-          </a:prstGeom>
-          <a:solidFill>
-            <a:schemeClr val="accent4">
-              <a:alpha val="30000"/>
-            </a:schemeClr>
-          </a:solidFill>
-          <a:ln>
-            <a:noFill/>
-          </a:ln>
-        </p:spPr>
-        <p:style>
-          <a:lnRef idx="2">
-            <a:schemeClr val="accent1">
-              <a:shade val="50000"/>
-            </a:schemeClr>
-          </a:lnRef>
-          <a:fillRef idx="1">
-            <a:schemeClr val="accent1"/>
-          </a:fillRef>
-          <a:effectRef idx="0">
-            <a:schemeClr val="accent1"/>
-          </a:effectRef>
-          <a:fontRef idx="minor">
-            <a:schemeClr val="lt1"/>
-          </a:fontRef>
-        </p:style>
-        <p:txBody>
-          <a:bodyPr rtlCol="0" anchor="ctr"/>
-          <a:lstStyle/>
-          <a:p>
-            <a:pPr algn="ctr"/>
-            <a:endParaRPr lang="en-US"/>
-          </a:p>
-        </p:txBody>
-      </p:sp>
-      <p:sp>
-        <p:nvSpPr>
-          <p:cNvPr id="45" name="Freeform: Shape 44">
-            <a:extLst>
-              <a:ext uri="{FF2B5EF4-FFF2-40B4-BE49-F238E27FC236}">
-                <a16:creationId xmlns:a16="http://schemas.microsoft.com/office/drawing/2014/main" id="{4508C0C5-2268-42B5-B3C8-4D0899E05F8C}"/>
-              </a:ext>
-              <a:ext uri="{C183D7F6-B498-43B3-948B-1728B52AA6E4}">
-                <adec:decorative xmlns:adec="http://schemas.microsoft.com/office/drawing/2017/decorative" val="1"/>
-              </a:ext>
-            </a:extLst>
-          </p:cNvPr>
-          <p:cNvSpPr>
-            <a:spLocks noGrp="1" noRot="1" noChangeAspect="1" noMove="1" noResize="1" noEditPoints="1" noAdjustHandles="1" noChangeArrowheads="1" noChangeShapeType="1" noTextEdit="1"/>
-          </p:cNvSpPr>
-          <p:nvPr>
-            <p:extLst>
-              <p:ext uri="{386F3935-93C4-4BCD-93E2-E3B085C9AB24}">
-                <p16:designElem xmlns:p16="http://schemas.microsoft.com/office/powerpoint/2015/main" val="1"/>
-              </p:ext>
-            </p:extLst>
-          </p:nvPr>
-        </p:nvSpPr>
-        <p:spPr>
-          <a:xfrm rot="10800000">
-            <a:off x="0" y="0"/>
-            <a:ext cx="2835357" cy="1480837"/>
-          </a:xfrm>
-          <a:custGeom>
-            <a:avLst/>
-            <a:gdLst>
-              <a:gd name="connsiteX0" fmla="*/ 2835357 w 2835357"/>
-              <a:gd name="connsiteY0" fmla="*/ 1480837 h 1480837"/>
-              <a:gd name="connsiteX1" fmla="*/ 0 w 2835357"/>
-              <a:gd name="connsiteY1" fmla="*/ 1480837 h 1480837"/>
-              <a:gd name="connsiteX2" fmla="*/ 1552727 w 2835357"/>
-              <a:gd name="connsiteY2" fmla="*/ 0 h 1480837"/>
-              <a:gd name="connsiteX3" fmla="*/ 2835357 w 2835357"/>
-              <a:gd name="connsiteY3" fmla="*/ 1223245 h 1480837"/>
-            </a:gdLst>
-            <a:ahLst/>
-            <a:cxnLst>
-              <a:cxn ang="0">
-                <a:pos x="connsiteX0" y="connsiteY0"/>
-              </a:cxn>
-              <a:cxn ang="0">
-                <a:pos x="connsiteX1" y="connsiteY1"/>
-              </a:cxn>
-              <a:cxn ang="0">
-                <a:pos x="connsiteX2" y="connsiteY2"/>
-              </a:cxn>
-              <a:cxn ang="0">
-                <a:pos x="connsiteX3" y="connsiteY3"/>
-              </a:cxn>
-            </a:cxnLst>
-            <a:rect l="l" t="t" r="r" b="b"/>
-            <a:pathLst>
-              <a:path w="2835357" h="1480837">
-                <a:moveTo>
-                  <a:pt x="2835357" y="1480837"/>
-                </a:moveTo>
-                <a:lnTo>
-                  <a:pt x="0" y="1480837"/>
-                </a:lnTo>
-                <a:lnTo>
-                  <a:pt x="1552727" y="0"/>
-                </a:lnTo>
-                <a:lnTo>
-                  <a:pt x="2835357" y="1223245"/>
-                </a:lnTo>
-                <a:close/>
-              </a:path>
-            </a:pathLst>
-          </a:custGeom>
-          <a:solidFill>
-            <a:schemeClr val="accent4">
-              <a:alpha val="30000"/>
-            </a:schemeClr>
-          </a:solidFill>
-          <a:ln>
-            <a:noFill/>
-          </a:ln>
-        </p:spPr>
-        <p:style>
-          <a:lnRef idx="2">
-            <a:schemeClr val="accent1">
-              <a:shade val="50000"/>
-            </a:schemeClr>
-          </a:lnRef>
-          <a:fillRef idx="1">
-            <a:schemeClr val="accent1"/>
-          </a:fillRef>
-          <a:effectRef idx="0">
-            <a:schemeClr val="accent1"/>
-          </a:effectRef>
-          <a:fontRef idx="minor">
-            <a:schemeClr val="lt1"/>
-          </a:fontRef>
-        </p:style>
-        <p:txBody>
-          <a:bodyPr wrap="square" rtlCol="0" anchor="ctr">
-            <a:noAutofit/>
-          </a:bodyPr>
-          <a:lstStyle/>
-          <a:p>
-            <a:pPr algn="ctr"/>
-            <a:endParaRPr lang="en-US" dirty="0"/>
-          </a:p>
-        </p:txBody>
-      </p:sp>
-      <p:sp>
-        <p:nvSpPr>
-          <p:cNvPr id="47" name="Freeform: Shape 46">
-            <a:extLst>
-              <a:ext uri="{FF2B5EF4-FFF2-40B4-BE49-F238E27FC236}">
-                <a16:creationId xmlns:a16="http://schemas.microsoft.com/office/drawing/2014/main" id="{141ACBDB-38F8-4B34-8183-BD95B4E55A62}"/>
-              </a:ext>
-              <a:ext uri="{C183D7F6-B498-43B3-948B-1728B52AA6E4}">
-                <adec:decorative xmlns:adec="http://schemas.microsoft.com/office/drawing/2017/decorative" val="1"/>
-              </a:ext>
-            </a:extLst>
-          </p:cNvPr>
-          <p:cNvSpPr>
-            <a:spLocks noGrp="1" noRot="1" noChangeAspect="1" noMove="1" noResize="1" noEditPoints="1" noAdjustHandles="1" noChangeArrowheads="1" noChangeShapeType="1" noTextEdit="1"/>
-          </p:cNvSpPr>
-          <p:nvPr>
-            <p:extLst>
-              <p:ext uri="{386F3935-93C4-4BCD-93E2-E3B085C9AB24}">
-                <p16:designElem xmlns:p16="http://schemas.microsoft.com/office/powerpoint/2015/main" val="1"/>
-              </p:ext>
-            </p:extLst>
-          </p:nvPr>
-        </p:nvSpPr>
-        <p:spPr>
-          <a:xfrm rot="2700000">
-            <a:off x="10739327" y="-253670"/>
-            <a:ext cx="1827638" cy="1376989"/>
-          </a:xfrm>
-          <a:custGeom>
-            <a:avLst/>
-            <a:gdLst>
-              <a:gd name="connsiteX0" fmla="*/ 0 w 1827638"/>
-              <a:gd name="connsiteY0" fmla="*/ 987379 h 1376989"/>
-              <a:gd name="connsiteX1" fmla="*/ 987379 w 1827638"/>
-              <a:gd name="connsiteY1" fmla="*/ 0 h 1376989"/>
-              <a:gd name="connsiteX2" fmla="*/ 1827638 w 1827638"/>
-              <a:gd name="connsiteY2" fmla="*/ 840260 h 1376989"/>
-              <a:gd name="connsiteX3" fmla="*/ 1827638 w 1827638"/>
-              <a:gd name="connsiteY3" fmla="*/ 1376989 h 1376989"/>
-              <a:gd name="connsiteX4" fmla="*/ 0 w 1827638"/>
-              <a:gd name="connsiteY4" fmla="*/ 1376989 h 1376989"/>
-            </a:gdLst>
-            <a:ahLst/>
-            <a:cxnLst>
-              <a:cxn ang="0">
-                <a:pos x="connsiteX0" y="connsiteY0"/>
-              </a:cxn>
-              <a:cxn ang="0">
-                <a:pos x="connsiteX1" y="connsiteY1"/>
-              </a:cxn>
-              <a:cxn ang="0">
-                <a:pos x="connsiteX2" y="connsiteY2"/>
-              </a:cxn>
-              <a:cxn ang="0">
-                <a:pos x="connsiteX3" y="connsiteY3"/>
-              </a:cxn>
-              <a:cxn ang="0">
-                <a:pos x="connsiteX4" y="connsiteY4"/>
-              </a:cxn>
-            </a:cxnLst>
-            <a:rect l="l" t="t" r="r" b="b"/>
-            <a:pathLst>
-              <a:path w="1827638" h="1376989">
-                <a:moveTo>
-                  <a:pt x="0" y="987379"/>
-                </a:moveTo>
-                <a:lnTo>
-                  <a:pt x="987379" y="0"/>
-                </a:lnTo>
-                <a:lnTo>
-                  <a:pt x="1827638" y="840260"/>
-                </a:lnTo>
-                <a:lnTo>
-                  <a:pt x="1827638" y="1376989"/>
-                </a:lnTo>
-                <a:lnTo>
-                  <a:pt x="0" y="1376989"/>
-                </a:lnTo>
-                <a:close/>
-              </a:path>
-            </a:pathLst>
-          </a:custGeom>
-          <a:solidFill>
-            <a:schemeClr val="accent1">
-              <a:alpha val="30000"/>
-            </a:schemeClr>
-          </a:solidFill>
-          <a:ln>
-            <a:noFill/>
-          </a:ln>
-        </p:spPr>
-        <p:style>
-          <a:lnRef idx="2">
-            <a:schemeClr val="accent1">
-              <a:shade val="50000"/>
-            </a:schemeClr>
-          </a:lnRef>
-          <a:fillRef idx="1">
-            <a:schemeClr val="accent1"/>
-          </a:fillRef>
-          <a:effectRef idx="0">
-            <a:schemeClr val="accent1"/>
-          </a:effectRef>
-          <a:fontRef idx="minor">
-            <a:schemeClr val="lt1"/>
-          </a:fontRef>
-        </p:style>
-        <p:txBody>
-          <a:bodyPr wrap="square" rtlCol="0" anchor="ctr">
-            <a:noAutofit/>
-          </a:bodyPr>
-          <a:lstStyle/>
-          <a:p>
-            <a:pPr algn="ctr"/>
-            <a:endParaRPr lang="en-US" dirty="0"/>
-          </a:p>
-        </p:txBody>
-      </p:sp>
-      <p:sp>
-        <p:nvSpPr>
-          <p:cNvPr id="49" name="Rectangle 48">
-            <a:extLst>
-              <a:ext uri="{FF2B5EF4-FFF2-40B4-BE49-F238E27FC236}">
-                <a16:creationId xmlns:a16="http://schemas.microsoft.com/office/drawing/2014/main" id="{DE00DB52-3455-4E2F-867B-A6D0516E175B}"/>
-              </a:ext>
-              <a:ext uri="{C183D7F6-B498-43B3-948B-1728B52AA6E4}">
-                <adec:decorative xmlns:adec="http://schemas.microsoft.com/office/drawing/2017/decorative" val="1"/>
-              </a:ext>
-            </a:extLst>
-          </p:cNvPr>
-          <p:cNvSpPr>
-            <a:spLocks noGrp="1" noRot="1" noChangeAspect="1" noMove="1" noResize="1" noEditPoints="1" noAdjustHandles="1" noChangeArrowheads="1" noChangeShapeType="1" noTextEdit="1"/>
-          </p:cNvSpPr>
-          <p:nvPr>
-            <p:extLst>
-              <p:ext uri="{386F3935-93C4-4BCD-93E2-E3B085C9AB24}">
-                <p16:designElem xmlns:p16="http://schemas.microsoft.com/office/powerpoint/2015/main" val="1"/>
-              </p:ext>
-            </p:extLst>
-          </p:nvPr>
-        </p:nvSpPr>
-        <p:spPr>
-          <a:xfrm rot="2700000">
-            <a:off x="10653800" y="422146"/>
-            <a:ext cx="645368" cy="645368"/>
-          </a:xfrm>
-          <a:prstGeom prst="rect">
-            <a:avLst/>
-          </a:prstGeom>
-          <a:solidFill>
-            <a:schemeClr val="accent1">
-              <a:alpha val="30000"/>
-            </a:schemeClr>
-          </a:solidFill>
-          <a:ln>
-            <a:noFill/>
-          </a:ln>
-        </p:spPr>
-        <p:style>
-          <a:lnRef idx="2">
-            <a:schemeClr val="accent1">
-              <a:shade val="50000"/>
-            </a:schemeClr>
-          </a:lnRef>
-          <a:fillRef idx="1">
-            <a:schemeClr val="accent1"/>
-          </a:fillRef>
-          <a:effectRef idx="0">
-            <a:schemeClr val="accent1"/>
-          </a:effectRef>
-          <a:fontRef idx="minor">
-            <a:schemeClr val="lt1"/>
-          </a:fontRef>
-        </p:style>
-        <p:txBody>
-          <a:bodyPr wrap="square" rtlCol="0" anchor="ctr">
-            <a:noAutofit/>
-          </a:bodyPr>
-          <a:lstStyle/>
-          <a:p>
-            <a:pPr algn="ctr"/>
-            <a:endParaRPr lang="en-US"/>
-          </a:p>
-        </p:txBody>
-      </p:sp>
-      <p:sp>
-        <p:nvSpPr>
-          <p:cNvPr id="51" name="Isosceles Triangle 50">
-            <a:extLst>
-              <a:ext uri="{FF2B5EF4-FFF2-40B4-BE49-F238E27FC236}">
-                <a16:creationId xmlns:a16="http://schemas.microsoft.com/office/drawing/2014/main" id="{9E914C83-E0D8-4953-92D5-169D28CB43AE}"/>
-              </a:ext>
-              <a:ext uri="{C183D7F6-B498-43B3-948B-1728B52AA6E4}">
-                <adec:decorative xmlns:adec="http://schemas.microsoft.com/office/drawing/2017/decorative" val="1"/>
-              </a:ext>
-            </a:extLst>
-          </p:cNvPr>
-          <p:cNvSpPr>
-            <a:spLocks noGrp="1" noRot="1" noChangeAspect="1" noMove="1" noResize="1" noEditPoints="1" noAdjustHandles="1" noChangeArrowheads="1" noChangeShapeType="1" noTextEdit="1"/>
-          </p:cNvSpPr>
-          <p:nvPr>
-            <p:extLst>
-              <p:ext uri="{386F3935-93C4-4BCD-93E2-E3B085C9AB24}">
-                <p16:designElem xmlns:p16="http://schemas.microsoft.com/office/powerpoint/2015/main" val="1"/>
-              </p:ext>
-            </p:extLst>
-          </p:nvPr>
-        </p:nvSpPr>
-        <p:spPr>
-          <a:xfrm>
-            <a:off x="8115423" y="6115501"/>
-            <a:ext cx="1494513" cy="742499"/>
-          </a:xfrm>
-          <a:prstGeom prst="triangle">
-            <a:avLst/>
-          </a:prstGeom>
-          <a:solidFill>
-            <a:schemeClr val="accent1">
-              <a:alpha val="30000"/>
-            </a:schemeClr>
-          </a:solidFill>
-          <a:ln>
-            <a:noFill/>
-          </a:ln>
-        </p:spPr>
-        <p:style>
-          <a:lnRef idx="2">
-            <a:schemeClr val="accent1">
-              <a:shade val="50000"/>
-            </a:schemeClr>
-          </a:lnRef>
-          <a:fillRef idx="1">
-            <a:schemeClr val="accent1"/>
-          </a:fillRef>
-          <a:effectRef idx="0">
-            <a:schemeClr val="accent1"/>
-          </a:effectRef>
-          <a:fontRef idx="minor">
-            <a:schemeClr val="lt1"/>
-          </a:fontRef>
-        </p:style>
-        <p:txBody>
-          <a:bodyPr wrap="square" rtlCol="0" anchor="ctr">
-            <a:noAutofit/>
-          </a:bodyPr>
-          <a:lstStyle/>
-          <a:p>
-            <a:pPr algn="ctr"/>
-            <a:endParaRPr lang="en-US"/>
-          </a:p>
-        </p:txBody>
-      </p:sp>
-      <p:sp>
-        <p:nvSpPr>
-          <p:cNvPr id="53" name="Isosceles Triangle 52">
-            <a:extLst>
-              <a:ext uri="{FF2B5EF4-FFF2-40B4-BE49-F238E27FC236}">
-                <a16:creationId xmlns:a16="http://schemas.microsoft.com/office/drawing/2014/main" id="{3512E083-F550-46AF-8490-767ECFD00CB7}"/>
-              </a:ext>
-              <a:ext uri="{C183D7F6-B498-43B3-948B-1728B52AA6E4}">
-                <adec:decorative xmlns:adec="http://schemas.microsoft.com/office/drawing/2017/decorative" val="1"/>
-              </a:ext>
-            </a:extLst>
-          </p:cNvPr>
-          <p:cNvSpPr>
-            <a:spLocks noGrp="1" noRot="1" noChangeAspect="1" noMove="1" noResize="1" noEditPoints="1" noAdjustHandles="1" noChangeArrowheads="1" noChangeShapeType="1" noTextEdit="1"/>
-          </p:cNvSpPr>
-          <p:nvPr>
-            <p:extLst>
-              <p:ext uri="{386F3935-93C4-4BCD-93E2-E3B085C9AB24}">
-                <p16:designElem xmlns:p16="http://schemas.microsoft.com/office/powerpoint/2015/main" val="1"/>
-              </p:ext>
-            </p:extLst>
-          </p:nvPr>
-        </p:nvSpPr>
-        <p:spPr>
-          <a:xfrm>
-            <a:off x="9167297" y="6453143"/>
-            <a:ext cx="814903" cy="404857"/>
-          </a:xfrm>
-          <a:prstGeom prst="triangle">
-            <a:avLst/>
-          </a:prstGeom>
-          <a:solidFill>
-            <a:schemeClr val="accent1">
-              <a:alpha val="30000"/>
-            </a:schemeClr>
-          </a:solidFill>
-          <a:ln>
-            <a:noFill/>
-          </a:ln>
-        </p:spPr>
-        <p:style>
-          <a:lnRef idx="2">
-            <a:schemeClr val="accent1">
-              <a:shade val="50000"/>
-            </a:schemeClr>
-          </a:lnRef>
-          <a:fillRef idx="1">
-            <a:schemeClr val="accent1"/>
-          </a:fillRef>
-          <a:effectRef idx="0">
-            <a:schemeClr val="accent1"/>
-          </a:effectRef>
-          <a:fontRef idx="minor">
-            <a:schemeClr val="lt1"/>
-          </a:fontRef>
-        </p:style>
-        <p:txBody>
-          <a:bodyPr wrap="square" rtlCol="0" anchor="ctr">
-            <a:noAutofit/>
-          </a:bodyPr>
-          <a:lstStyle/>
-          <a:p>
-            <a:pPr algn="ctr"/>
-            <a:endParaRPr lang="en-US"/>
-          </a:p>
-        </p:txBody>
-      </p:sp>
-    </p:spTree>
-    <p:extLst>
-      <p:ext uri="{BB962C8B-B14F-4D97-AF65-F5344CB8AC3E}">
-        <p14:creationId xmlns:p14="http://schemas.microsoft.com/office/powerpoint/2010/main" val="437742667"/>
-      </p:ext>
-    </p:extLst>
-  </p:cSld>
-  <p:clrMapOvr>
-    <a:masterClrMapping/>
-  </p:clrMapOvr>
-</p:sld>
-</file>
-
-<file path=ppt/slides/slide24.xml><?xml version="1.0" encoding="utf-8"?>
 <p:sld xmlns:a="http://schemas.openxmlformats.org/drawingml/2006/main" xmlns:r="http://schemas.openxmlformats.org/officeDocument/2006/relationships" xmlns:p="http://schemas.openxmlformats.org/presentationml/2006/main">
   <p:cSld>
     <p:bg>
@@ -14672,7 +13712,7 @@
           <a:p>
             <a:r>
               <a:rPr lang="fr-FR" dirty="0"/>
-              <a:t>Permettre a l’utilisateur d’Ajouter de modifier ou de supprimer des sauces</a:t>
+              <a:t>Permettre a l’utilisateur d’ajouter, de modifier ou de supprimer des sauces</a:t>
             </a:r>
           </a:p>
           <a:p>
@@ -15341,7 +14381,7 @@
         </p:nvSpPr>
         <p:spPr>
           <a:xfrm>
-            <a:off x="838200" y="3128211"/>
+            <a:off x="5095875" y="3244334"/>
             <a:ext cx="2311146" cy="369332"/>
           </a:xfrm>
           <a:prstGeom prst="rect">
@@ -15356,52 +14396,24 @@
           <a:lstStyle/>
           <a:p>
             <a:r>
-              <a:rPr lang="fr-FR" dirty="0"/>
+              <a:rPr lang="fr-FR" dirty="0">
+                <a:hlinkClick r:id="rId2"/>
+              </a:rPr>
               <a:t>Lien du site </a:t>
             </a:r>
             <a:r>
-              <a:rPr lang="fr-FR" dirty="0" err="1"/>
+              <a:rPr lang="fr-FR" dirty="0" err="1">
+                <a:hlinkClick r:id="rId2"/>
+              </a:rPr>
               <a:t>Piiquante</a:t>
             </a:r>
             <a:r>
-              <a:rPr lang="fr-FR" dirty="0"/>
-              <a:t> :</a:t>
+              <a:rPr lang="fr-FR" dirty="0">
+                <a:hlinkClick r:id="rId2"/>
+              </a:rPr>
+              <a:t> </a:t>
             </a:r>
-          </a:p>
-        </p:txBody>
-      </p:sp>
-      <p:sp>
-        <p:nvSpPr>
-          <p:cNvPr id="17" name="ZoneTexte 16">
-            <a:extLst>
-              <a:ext uri="{FF2B5EF4-FFF2-40B4-BE49-F238E27FC236}">
-                <a16:creationId xmlns:a16="http://schemas.microsoft.com/office/drawing/2014/main" id="{FE712CC0-4A71-F00E-DC98-DE15CB5551F3}"/>
-              </a:ext>
-            </a:extLst>
-          </p:cNvPr>
-          <p:cNvSpPr txBox="1"/>
-          <p:nvPr/>
-        </p:nvSpPr>
-        <p:spPr>
-          <a:xfrm>
-            <a:off x="962526" y="3914274"/>
-            <a:ext cx="1712841" cy="369332"/>
-          </a:xfrm>
-          <a:prstGeom prst="rect">
-            <a:avLst/>
-          </a:prstGeom>
-          <a:noFill/>
-        </p:spPr>
-        <p:txBody>
-          <a:bodyPr wrap="none" rtlCol="0">
-            <a:spAutoFit/>
-          </a:bodyPr>
-          <a:lstStyle/>
-          <a:p>
-            <a:r>
-              <a:rPr lang="fr-FR" dirty="0"/>
-              <a:t>Mettre le lien ici</a:t>
-            </a:r>
+            <a:endParaRPr lang="fr-FR" dirty="0"/>
           </a:p>
         </p:txBody>
       </p:sp>
@@ -16015,7 +15027,7 @@
         <p:spPr>
           <a:xfrm>
             <a:off x="3460246" y="1962735"/>
-            <a:ext cx="5271508" cy="369332"/>
+            <a:ext cx="5386924" cy="369332"/>
           </a:xfrm>
           <a:prstGeom prst="rect">
             <a:avLst/>
@@ -16030,15 +15042,7 @@
           <a:p>
             <a:r>
               <a:rPr lang="fr-FR" dirty="0"/>
-              <a:t>La présentation du code a été </a:t>
-            </a:r>
-            <a:r>
-              <a:rPr lang="fr-FR" dirty="0" err="1"/>
-              <a:t>ségmenté</a:t>
-            </a:r>
-            <a:r>
-              <a:rPr lang="fr-FR" dirty="0"/>
-              <a:t> en 5 parties : </a:t>
+              <a:t>La présentation du code a été segmentée en 5 parties : </a:t>
             </a:r>
           </a:p>
         </p:txBody>
@@ -17887,10 +16891,91 @@
           </a:p>
         </p:txBody>
       </p:sp>
+      <p:pic>
+        <p:nvPicPr>
+          <p:cNvPr id="3" name="Image 2">
+            <a:extLst>
+              <a:ext uri="{FF2B5EF4-FFF2-40B4-BE49-F238E27FC236}">
+                <a16:creationId xmlns:a16="http://schemas.microsoft.com/office/drawing/2014/main" id="{200CC0CC-A711-8504-5A8B-92F84AF2E4E9}"/>
+              </a:ext>
+            </a:extLst>
+          </p:cNvPr>
+          <p:cNvPicPr>
+            <a:picLocks noChangeAspect="1"/>
+          </p:cNvPicPr>
+          <p:nvPr/>
+        </p:nvPicPr>
+        <p:blipFill>
+          <a:blip r:embed="rId2"/>
+          <a:stretch>
+            <a:fillRect/>
+          </a:stretch>
+        </p:blipFill>
+        <p:spPr>
+          <a:xfrm>
+            <a:off x="1341409" y="1268963"/>
+            <a:ext cx="9200566" cy="4769939"/>
+          </a:xfrm>
+          <a:prstGeom prst="rect">
+            <a:avLst/>
+          </a:prstGeom>
+        </p:spPr>
+      </p:pic>
+      <p:sp>
+        <p:nvSpPr>
+          <p:cNvPr id="4" name="ZoneTexte 3">
+            <a:extLst>
+              <a:ext uri="{FF2B5EF4-FFF2-40B4-BE49-F238E27FC236}">
+                <a16:creationId xmlns:a16="http://schemas.microsoft.com/office/drawing/2014/main" id="{B627B34A-0664-0BBD-B62C-D07C13CA172B}"/>
+              </a:ext>
+            </a:extLst>
+          </p:cNvPr>
+          <p:cNvSpPr txBox="1"/>
+          <p:nvPr/>
+        </p:nvSpPr>
+        <p:spPr>
+          <a:xfrm>
+            <a:off x="1820756" y="311316"/>
+            <a:ext cx="8241872" cy="646331"/>
+          </a:xfrm>
+          <a:prstGeom prst="rect">
+            <a:avLst/>
+          </a:prstGeom>
+          <a:noFill/>
+        </p:spPr>
+        <p:txBody>
+          <a:bodyPr wrap="none" rtlCol="0">
+            <a:spAutoFit/>
+          </a:bodyPr>
+          <a:lstStyle/>
+          <a:p>
+            <a:pPr algn="ctr"/>
+            <a:r>
+              <a:rPr lang="fr-FR" dirty="0"/>
+              <a:t>C’est ici que les routes sont importées. </a:t>
+            </a:r>
+          </a:p>
+          <a:p>
+            <a:pPr algn="ctr"/>
+            <a:r>
+              <a:rPr lang="fr-FR" dirty="0"/>
+              <a:t>On y retrouve aussi la configuration de </a:t>
+            </a:r>
+            <a:r>
+              <a:rPr lang="fr-FR" dirty="0" err="1"/>
+              <a:t>mongoose</a:t>
+            </a:r>
+            <a:r>
+              <a:rPr lang="fr-FR" dirty="0"/>
+              <a:t> et les différents réglages de ‘CORS’</a:t>
+            </a:r>
+          </a:p>
+        </p:txBody>
+      </p:sp>
     </p:spTree>
     <p:extLst>
       <p:ext uri="{BB962C8B-B14F-4D97-AF65-F5344CB8AC3E}">
-        <p14:creationId xmlns:p14="http://schemas.microsoft.com/office/powerpoint/2010/main" val="519685547"/>
+        <p14:creationId xmlns:p14="http://schemas.microsoft.com/office/powerpoint/2010/main" val="284108866"/>
       </p:ext>
     </p:extLst>
   </p:cSld>
@@ -17901,601 +16986,6 @@
 </file>
 
 <file path=ppt/slides/slide8.xml><?xml version="1.0" encoding="utf-8"?>
-<p:sld xmlns:a="http://schemas.openxmlformats.org/drawingml/2006/main" xmlns:r="http://schemas.openxmlformats.org/officeDocument/2006/relationships" xmlns:p="http://schemas.openxmlformats.org/presentationml/2006/main">
-  <p:cSld>
-    <p:bg>
-      <p:bgPr>
-        <a:solidFill>
-          <a:schemeClr val="bg1"/>
-        </a:solidFill>
-        <a:effectLst/>
-      </p:bgPr>
-    </p:bg>
-    <p:spTree>
-      <p:nvGrpSpPr>
-        <p:cNvPr id="1" name=""/>
-        <p:cNvGrpSpPr/>
-        <p:nvPr/>
-      </p:nvGrpSpPr>
-      <p:grpSpPr>
-        <a:xfrm>
-          <a:off x="0" y="0"/>
-          <a:ext cx="0" cy="0"/>
-          <a:chOff x="0" y="0"/>
-          <a:chExt cx="0" cy="0"/>
-        </a:xfrm>
-      </p:grpSpPr>
-      <p:sp>
-        <p:nvSpPr>
-          <p:cNvPr id="41" name="Rectangle 40">
-            <a:extLst>
-              <a:ext uri="{FF2B5EF4-FFF2-40B4-BE49-F238E27FC236}">
-                <a16:creationId xmlns:a16="http://schemas.microsoft.com/office/drawing/2014/main" id="{46D6306C-ED4F-4AAE-B4A5-EEA6AFAD726E}"/>
-              </a:ext>
-              <a:ext uri="{C183D7F6-B498-43B3-948B-1728B52AA6E4}">
-                <adec:decorative xmlns:adec="http://schemas.microsoft.com/office/drawing/2017/decorative" val="1"/>
-              </a:ext>
-            </a:extLst>
-          </p:cNvPr>
-          <p:cNvSpPr>
-            <a:spLocks noGrp="1" noRot="1" noChangeAspect="1" noMove="1" noResize="1" noEditPoints="1" noAdjustHandles="1" noChangeArrowheads="1" noChangeShapeType="1" noTextEdit="1"/>
-          </p:cNvSpPr>
-          <p:nvPr>
-            <p:extLst>
-              <p:ext uri="{386F3935-93C4-4BCD-93E2-E3B085C9AB24}">
-                <p16:designElem xmlns:p16="http://schemas.microsoft.com/office/powerpoint/2015/main" val="1"/>
-              </p:ext>
-            </p:extLst>
-          </p:nvPr>
-        </p:nvSpPr>
-        <p:spPr>
-          <a:xfrm>
-            <a:off x="0" y="0"/>
-            <a:ext cx="12192000" cy="6858000"/>
-          </a:xfrm>
-          <a:prstGeom prst="rect">
-            <a:avLst/>
-          </a:prstGeom>
-          <a:solidFill>
-            <a:schemeClr val="bg1"/>
-          </a:solidFill>
-          <a:ln>
-            <a:noFill/>
-          </a:ln>
-        </p:spPr>
-        <p:style>
-          <a:lnRef idx="2">
-            <a:schemeClr val="accent1">
-              <a:shade val="50000"/>
-            </a:schemeClr>
-          </a:lnRef>
-          <a:fillRef idx="1">
-            <a:schemeClr val="accent1"/>
-          </a:fillRef>
-          <a:effectRef idx="0">
-            <a:schemeClr val="accent1"/>
-          </a:effectRef>
-          <a:fontRef idx="minor">
-            <a:schemeClr val="lt1"/>
-          </a:fontRef>
-        </p:style>
-        <p:txBody>
-          <a:bodyPr rtlCol="0" anchor="ctr"/>
-          <a:lstStyle/>
-          <a:p>
-            <a:pPr algn="ctr"/>
-            <a:endParaRPr lang="en-US" dirty="0"/>
-          </a:p>
-        </p:txBody>
-      </p:sp>
-      <p:sp>
-        <p:nvSpPr>
-          <p:cNvPr id="43" name="Rectangle 42">
-            <a:extLst>
-              <a:ext uri="{FF2B5EF4-FFF2-40B4-BE49-F238E27FC236}">
-                <a16:creationId xmlns:a16="http://schemas.microsoft.com/office/drawing/2014/main" id="{0EC5361D-F897-4856-B945-0455A365EB24}"/>
-              </a:ext>
-              <a:ext uri="{C183D7F6-B498-43B3-948B-1728B52AA6E4}">
-                <adec:decorative xmlns:adec="http://schemas.microsoft.com/office/drawing/2017/decorative" val="1"/>
-              </a:ext>
-            </a:extLst>
-          </p:cNvPr>
-          <p:cNvSpPr>
-            <a:spLocks noGrp="1" noRot="1" noChangeAspect="1" noMove="1" noResize="1" noEditPoints="1" noAdjustHandles="1" noChangeArrowheads="1" noChangeShapeType="1" noTextEdit="1"/>
-          </p:cNvSpPr>
-          <p:nvPr>
-            <p:extLst>
-              <p:ext uri="{386F3935-93C4-4BCD-93E2-E3B085C9AB24}">
-                <p16:designElem xmlns:p16="http://schemas.microsoft.com/office/powerpoint/2015/main" val="1"/>
-              </p:ext>
-            </p:extLst>
-          </p:nvPr>
-        </p:nvSpPr>
-        <p:spPr>
-          <a:xfrm rot="2700000">
-            <a:off x="415435" y="655140"/>
-            <a:ext cx="687472" cy="687472"/>
-          </a:xfrm>
-          <a:prstGeom prst="rect">
-            <a:avLst/>
-          </a:prstGeom>
-          <a:solidFill>
-            <a:schemeClr val="accent4">
-              <a:alpha val="30000"/>
-            </a:schemeClr>
-          </a:solidFill>
-          <a:ln>
-            <a:noFill/>
-          </a:ln>
-        </p:spPr>
-        <p:style>
-          <a:lnRef idx="2">
-            <a:schemeClr val="accent1">
-              <a:shade val="50000"/>
-            </a:schemeClr>
-          </a:lnRef>
-          <a:fillRef idx="1">
-            <a:schemeClr val="accent1"/>
-          </a:fillRef>
-          <a:effectRef idx="0">
-            <a:schemeClr val="accent1"/>
-          </a:effectRef>
-          <a:fontRef idx="minor">
-            <a:schemeClr val="lt1"/>
-          </a:fontRef>
-        </p:style>
-        <p:txBody>
-          <a:bodyPr rtlCol="0" anchor="ctr"/>
-          <a:lstStyle/>
-          <a:p>
-            <a:pPr algn="ctr"/>
-            <a:endParaRPr lang="en-US"/>
-          </a:p>
-        </p:txBody>
-      </p:sp>
-      <p:sp>
-        <p:nvSpPr>
-          <p:cNvPr id="45" name="Freeform: Shape 44">
-            <a:extLst>
-              <a:ext uri="{FF2B5EF4-FFF2-40B4-BE49-F238E27FC236}">
-                <a16:creationId xmlns:a16="http://schemas.microsoft.com/office/drawing/2014/main" id="{4508C0C5-2268-42B5-B3C8-4D0899E05F8C}"/>
-              </a:ext>
-              <a:ext uri="{C183D7F6-B498-43B3-948B-1728B52AA6E4}">
-                <adec:decorative xmlns:adec="http://schemas.microsoft.com/office/drawing/2017/decorative" val="1"/>
-              </a:ext>
-            </a:extLst>
-          </p:cNvPr>
-          <p:cNvSpPr>
-            <a:spLocks noGrp="1" noRot="1" noChangeAspect="1" noMove="1" noResize="1" noEditPoints="1" noAdjustHandles="1" noChangeArrowheads="1" noChangeShapeType="1" noTextEdit="1"/>
-          </p:cNvSpPr>
-          <p:nvPr>
-            <p:extLst>
-              <p:ext uri="{386F3935-93C4-4BCD-93E2-E3B085C9AB24}">
-                <p16:designElem xmlns:p16="http://schemas.microsoft.com/office/powerpoint/2015/main" val="1"/>
-              </p:ext>
-            </p:extLst>
-          </p:nvPr>
-        </p:nvSpPr>
-        <p:spPr>
-          <a:xfrm rot="10800000">
-            <a:off x="0" y="0"/>
-            <a:ext cx="2835357" cy="1480837"/>
-          </a:xfrm>
-          <a:custGeom>
-            <a:avLst/>
-            <a:gdLst>
-              <a:gd name="connsiteX0" fmla="*/ 2835357 w 2835357"/>
-              <a:gd name="connsiteY0" fmla="*/ 1480837 h 1480837"/>
-              <a:gd name="connsiteX1" fmla="*/ 0 w 2835357"/>
-              <a:gd name="connsiteY1" fmla="*/ 1480837 h 1480837"/>
-              <a:gd name="connsiteX2" fmla="*/ 1552727 w 2835357"/>
-              <a:gd name="connsiteY2" fmla="*/ 0 h 1480837"/>
-              <a:gd name="connsiteX3" fmla="*/ 2835357 w 2835357"/>
-              <a:gd name="connsiteY3" fmla="*/ 1223245 h 1480837"/>
-            </a:gdLst>
-            <a:ahLst/>
-            <a:cxnLst>
-              <a:cxn ang="0">
-                <a:pos x="connsiteX0" y="connsiteY0"/>
-              </a:cxn>
-              <a:cxn ang="0">
-                <a:pos x="connsiteX1" y="connsiteY1"/>
-              </a:cxn>
-              <a:cxn ang="0">
-                <a:pos x="connsiteX2" y="connsiteY2"/>
-              </a:cxn>
-              <a:cxn ang="0">
-                <a:pos x="connsiteX3" y="connsiteY3"/>
-              </a:cxn>
-            </a:cxnLst>
-            <a:rect l="l" t="t" r="r" b="b"/>
-            <a:pathLst>
-              <a:path w="2835357" h="1480837">
-                <a:moveTo>
-                  <a:pt x="2835357" y="1480837"/>
-                </a:moveTo>
-                <a:lnTo>
-                  <a:pt x="0" y="1480837"/>
-                </a:lnTo>
-                <a:lnTo>
-                  <a:pt x="1552727" y="0"/>
-                </a:lnTo>
-                <a:lnTo>
-                  <a:pt x="2835357" y="1223245"/>
-                </a:lnTo>
-                <a:close/>
-              </a:path>
-            </a:pathLst>
-          </a:custGeom>
-          <a:solidFill>
-            <a:schemeClr val="accent4">
-              <a:alpha val="30000"/>
-            </a:schemeClr>
-          </a:solidFill>
-          <a:ln>
-            <a:noFill/>
-          </a:ln>
-        </p:spPr>
-        <p:style>
-          <a:lnRef idx="2">
-            <a:schemeClr val="accent1">
-              <a:shade val="50000"/>
-            </a:schemeClr>
-          </a:lnRef>
-          <a:fillRef idx="1">
-            <a:schemeClr val="accent1"/>
-          </a:fillRef>
-          <a:effectRef idx="0">
-            <a:schemeClr val="accent1"/>
-          </a:effectRef>
-          <a:fontRef idx="minor">
-            <a:schemeClr val="lt1"/>
-          </a:fontRef>
-        </p:style>
-        <p:txBody>
-          <a:bodyPr wrap="square" rtlCol="0" anchor="ctr">
-            <a:noAutofit/>
-          </a:bodyPr>
-          <a:lstStyle/>
-          <a:p>
-            <a:pPr algn="ctr"/>
-            <a:endParaRPr lang="en-US" dirty="0"/>
-          </a:p>
-        </p:txBody>
-      </p:sp>
-      <p:sp>
-        <p:nvSpPr>
-          <p:cNvPr id="47" name="Freeform: Shape 46">
-            <a:extLst>
-              <a:ext uri="{FF2B5EF4-FFF2-40B4-BE49-F238E27FC236}">
-                <a16:creationId xmlns:a16="http://schemas.microsoft.com/office/drawing/2014/main" id="{141ACBDB-38F8-4B34-8183-BD95B4E55A62}"/>
-              </a:ext>
-              <a:ext uri="{C183D7F6-B498-43B3-948B-1728B52AA6E4}">
-                <adec:decorative xmlns:adec="http://schemas.microsoft.com/office/drawing/2017/decorative" val="1"/>
-              </a:ext>
-            </a:extLst>
-          </p:cNvPr>
-          <p:cNvSpPr>
-            <a:spLocks noGrp="1" noRot="1" noChangeAspect="1" noMove="1" noResize="1" noEditPoints="1" noAdjustHandles="1" noChangeArrowheads="1" noChangeShapeType="1" noTextEdit="1"/>
-          </p:cNvSpPr>
-          <p:nvPr>
-            <p:extLst>
-              <p:ext uri="{386F3935-93C4-4BCD-93E2-E3B085C9AB24}">
-                <p16:designElem xmlns:p16="http://schemas.microsoft.com/office/powerpoint/2015/main" val="1"/>
-              </p:ext>
-            </p:extLst>
-          </p:nvPr>
-        </p:nvSpPr>
-        <p:spPr>
-          <a:xfrm rot="2700000">
-            <a:off x="10739327" y="-253670"/>
-            <a:ext cx="1827638" cy="1376989"/>
-          </a:xfrm>
-          <a:custGeom>
-            <a:avLst/>
-            <a:gdLst>
-              <a:gd name="connsiteX0" fmla="*/ 0 w 1827638"/>
-              <a:gd name="connsiteY0" fmla="*/ 987379 h 1376989"/>
-              <a:gd name="connsiteX1" fmla="*/ 987379 w 1827638"/>
-              <a:gd name="connsiteY1" fmla="*/ 0 h 1376989"/>
-              <a:gd name="connsiteX2" fmla="*/ 1827638 w 1827638"/>
-              <a:gd name="connsiteY2" fmla="*/ 840260 h 1376989"/>
-              <a:gd name="connsiteX3" fmla="*/ 1827638 w 1827638"/>
-              <a:gd name="connsiteY3" fmla="*/ 1376989 h 1376989"/>
-              <a:gd name="connsiteX4" fmla="*/ 0 w 1827638"/>
-              <a:gd name="connsiteY4" fmla="*/ 1376989 h 1376989"/>
-            </a:gdLst>
-            <a:ahLst/>
-            <a:cxnLst>
-              <a:cxn ang="0">
-                <a:pos x="connsiteX0" y="connsiteY0"/>
-              </a:cxn>
-              <a:cxn ang="0">
-                <a:pos x="connsiteX1" y="connsiteY1"/>
-              </a:cxn>
-              <a:cxn ang="0">
-                <a:pos x="connsiteX2" y="connsiteY2"/>
-              </a:cxn>
-              <a:cxn ang="0">
-                <a:pos x="connsiteX3" y="connsiteY3"/>
-              </a:cxn>
-              <a:cxn ang="0">
-                <a:pos x="connsiteX4" y="connsiteY4"/>
-              </a:cxn>
-            </a:cxnLst>
-            <a:rect l="l" t="t" r="r" b="b"/>
-            <a:pathLst>
-              <a:path w="1827638" h="1376989">
-                <a:moveTo>
-                  <a:pt x="0" y="987379"/>
-                </a:moveTo>
-                <a:lnTo>
-                  <a:pt x="987379" y="0"/>
-                </a:lnTo>
-                <a:lnTo>
-                  <a:pt x="1827638" y="840260"/>
-                </a:lnTo>
-                <a:lnTo>
-                  <a:pt x="1827638" y="1376989"/>
-                </a:lnTo>
-                <a:lnTo>
-                  <a:pt x="0" y="1376989"/>
-                </a:lnTo>
-                <a:close/>
-              </a:path>
-            </a:pathLst>
-          </a:custGeom>
-          <a:solidFill>
-            <a:schemeClr val="accent1">
-              <a:alpha val="30000"/>
-            </a:schemeClr>
-          </a:solidFill>
-          <a:ln>
-            <a:noFill/>
-          </a:ln>
-        </p:spPr>
-        <p:style>
-          <a:lnRef idx="2">
-            <a:schemeClr val="accent1">
-              <a:shade val="50000"/>
-            </a:schemeClr>
-          </a:lnRef>
-          <a:fillRef idx="1">
-            <a:schemeClr val="accent1"/>
-          </a:fillRef>
-          <a:effectRef idx="0">
-            <a:schemeClr val="accent1"/>
-          </a:effectRef>
-          <a:fontRef idx="minor">
-            <a:schemeClr val="lt1"/>
-          </a:fontRef>
-        </p:style>
-        <p:txBody>
-          <a:bodyPr wrap="square" rtlCol="0" anchor="ctr">
-            <a:noAutofit/>
-          </a:bodyPr>
-          <a:lstStyle/>
-          <a:p>
-            <a:pPr algn="ctr"/>
-            <a:endParaRPr lang="en-US" dirty="0"/>
-          </a:p>
-        </p:txBody>
-      </p:sp>
-      <p:sp>
-        <p:nvSpPr>
-          <p:cNvPr id="49" name="Rectangle 48">
-            <a:extLst>
-              <a:ext uri="{FF2B5EF4-FFF2-40B4-BE49-F238E27FC236}">
-                <a16:creationId xmlns:a16="http://schemas.microsoft.com/office/drawing/2014/main" id="{DE00DB52-3455-4E2F-867B-A6D0516E175B}"/>
-              </a:ext>
-              <a:ext uri="{C183D7F6-B498-43B3-948B-1728B52AA6E4}">
-                <adec:decorative xmlns:adec="http://schemas.microsoft.com/office/drawing/2017/decorative" val="1"/>
-              </a:ext>
-            </a:extLst>
-          </p:cNvPr>
-          <p:cNvSpPr>
-            <a:spLocks noGrp="1" noRot="1" noChangeAspect="1" noMove="1" noResize="1" noEditPoints="1" noAdjustHandles="1" noChangeArrowheads="1" noChangeShapeType="1" noTextEdit="1"/>
-          </p:cNvSpPr>
-          <p:nvPr>
-            <p:extLst>
-              <p:ext uri="{386F3935-93C4-4BCD-93E2-E3B085C9AB24}">
-                <p16:designElem xmlns:p16="http://schemas.microsoft.com/office/powerpoint/2015/main" val="1"/>
-              </p:ext>
-            </p:extLst>
-          </p:nvPr>
-        </p:nvSpPr>
-        <p:spPr>
-          <a:xfrm rot="2700000">
-            <a:off x="10653800" y="422146"/>
-            <a:ext cx="645368" cy="645368"/>
-          </a:xfrm>
-          <a:prstGeom prst="rect">
-            <a:avLst/>
-          </a:prstGeom>
-          <a:solidFill>
-            <a:schemeClr val="accent1">
-              <a:alpha val="30000"/>
-            </a:schemeClr>
-          </a:solidFill>
-          <a:ln>
-            <a:noFill/>
-          </a:ln>
-        </p:spPr>
-        <p:style>
-          <a:lnRef idx="2">
-            <a:schemeClr val="accent1">
-              <a:shade val="50000"/>
-            </a:schemeClr>
-          </a:lnRef>
-          <a:fillRef idx="1">
-            <a:schemeClr val="accent1"/>
-          </a:fillRef>
-          <a:effectRef idx="0">
-            <a:schemeClr val="accent1"/>
-          </a:effectRef>
-          <a:fontRef idx="minor">
-            <a:schemeClr val="lt1"/>
-          </a:fontRef>
-        </p:style>
-        <p:txBody>
-          <a:bodyPr wrap="square" rtlCol="0" anchor="ctr">
-            <a:noAutofit/>
-          </a:bodyPr>
-          <a:lstStyle/>
-          <a:p>
-            <a:pPr algn="ctr"/>
-            <a:endParaRPr lang="en-US"/>
-          </a:p>
-        </p:txBody>
-      </p:sp>
-      <p:sp>
-        <p:nvSpPr>
-          <p:cNvPr id="51" name="Isosceles Triangle 50">
-            <a:extLst>
-              <a:ext uri="{FF2B5EF4-FFF2-40B4-BE49-F238E27FC236}">
-                <a16:creationId xmlns:a16="http://schemas.microsoft.com/office/drawing/2014/main" id="{9E914C83-E0D8-4953-92D5-169D28CB43AE}"/>
-              </a:ext>
-              <a:ext uri="{C183D7F6-B498-43B3-948B-1728B52AA6E4}">
-                <adec:decorative xmlns:adec="http://schemas.microsoft.com/office/drawing/2017/decorative" val="1"/>
-              </a:ext>
-            </a:extLst>
-          </p:cNvPr>
-          <p:cNvSpPr>
-            <a:spLocks noGrp="1" noRot="1" noChangeAspect="1" noMove="1" noResize="1" noEditPoints="1" noAdjustHandles="1" noChangeArrowheads="1" noChangeShapeType="1" noTextEdit="1"/>
-          </p:cNvSpPr>
-          <p:nvPr>
-            <p:extLst>
-              <p:ext uri="{386F3935-93C4-4BCD-93E2-E3B085C9AB24}">
-                <p16:designElem xmlns:p16="http://schemas.microsoft.com/office/powerpoint/2015/main" val="1"/>
-              </p:ext>
-            </p:extLst>
-          </p:nvPr>
-        </p:nvSpPr>
-        <p:spPr>
-          <a:xfrm>
-            <a:off x="8115423" y="6115501"/>
-            <a:ext cx="1494513" cy="742499"/>
-          </a:xfrm>
-          <a:prstGeom prst="triangle">
-            <a:avLst/>
-          </a:prstGeom>
-          <a:solidFill>
-            <a:schemeClr val="accent1">
-              <a:alpha val="30000"/>
-            </a:schemeClr>
-          </a:solidFill>
-          <a:ln>
-            <a:noFill/>
-          </a:ln>
-        </p:spPr>
-        <p:style>
-          <a:lnRef idx="2">
-            <a:schemeClr val="accent1">
-              <a:shade val="50000"/>
-            </a:schemeClr>
-          </a:lnRef>
-          <a:fillRef idx="1">
-            <a:schemeClr val="accent1"/>
-          </a:fillRef>
-          <a:effectRef idx="0">
-            <a:schemeClr val="accent1"/>
-          </a:effectRef>
-          <a:fontRef idx="minor">
-            <a:schemeClr val="lt1"/>
-          </a:fontRef>
-        </p:style>
-        <p:txBody>
-          <a:bodyPr wrap="square" rtlCol="0" anchor="ctr">
-            <a:noAutofit/>
-          </a:bodyPr>
-          <a:lstStyle/>
-          <a:p>
-            <a:pPr algn="ctr"/>
-            <a:endParaRPr lang="en-US"/>
-          </a:p>
-        </p:txBody>
-      </p:sp>
-      <p:sp>
-        <p:nvSpPr>
-          <p:cNvPr id="53" name="Isosceles Triangle 52">
-            <a:extLst>
-              <a:ext uri="{FF2B5EF4-FFF2-40B4-BE49-F238E27FC236}">
-                <a16:creationId xmlns:a16="http://schemas.microsoft.com/office/drawing/2014/main" id="{3512E083-F550-46AF-8490-767ECFD00CB7}"/>
-              </a:ext>
-              <a:ext uri="{C183D7F6-B498-43B3-948B-1728B52AA6E4}">
-                <adec:decorative xmlns:adec="http://schemas.microsoft.com/office/drawing/2017/decorative" val="1"/>
-              </a:ext>
-            </a:extLst>
-          </p:cNvPr>
-          <p:cNvSpPr>
-            <a:spLocks noGrp="1" noRot="1" noChangeAspect="1" noMove="1" noResize="1" noEditPoints="1" noAdjustHandles="1" noChangeArrowheads="1" noChangeShapeType="1" noTextEdit="1"/>
-          </p:cNvSpPr>
-          <p:nvPr>
-            <p:extLst>
-              <p:ext uri="{386F3935-93C4-4BCD-93E2-E3B085C9AB24}">
-                <p16:designElem xmlns:p16="http://schemas.microsoft.com/office/powerpoint/2015/main" val="1"/>
-              </p:ext>
-            </p:extLst>
-          </p:nvPr>
-        </p:nvSpPr>
-        <p:spPr>
-          <a:xfrm>
-            <a:off x="9167297" y="6453143"/>
-            <a:ext cx="814903" cy="404857"/>
-          </a:xfrm>
-          <a:prstGeom prst="triangle">
-            <a:avLst/>
-          </a:prstGeom>
-          <a:solidFill>
-            <a:schemeClr val="accent1">
-              <a:alpha val="30000"/>
-            </a:schemeClr>
-          </a:solidFill>
-          <a:ln>
-            <a:noFill/>
-          </a:ln>
-        </p:spPr>
-        <p:style>
-          <a:lnRef idx="2">
-            <a:schemeClr val="accent1">
-              <a:shade val="50000"/>
-            </a:schemeClr>
-          </a:lnRef>
-          <a:fillRef idx="1">
-            <a:schemeClr val="accent1"/>
-          </a:fillRef>
-          <a:effectRef idx="0">
-            <a:schemeClr val="accent1"/>
-          </a:effectRef>
-          <a:fontRef idx="minor">
-            <a:schemeClr val="lt1"/>
-          </a:fontRef>
-        </p:style>
-        <p:txBody>
-          <a:bodyPr wrap="square" rtlCol="0" anchor="ctr">
-            <a:noAutofit/>
-          </a:bodyPr>
-          <a:lstStyle/>
-          <a:p>
-            <a:pPr algn="ctr"/>
-            <a:endParaRPr lang="en-US"/>
-          </a:p>
-        </p:txBody>
-      </p:sp>
-    </p:spTree>
-    <p:extLst>
-      <p:ext uri="{BB962C8B-B14F-4D97-AF65-F5344CB8AC3E}">
-        <p14:creationId xmlns:p14="http://schemas.microsoft.com/office/powerpoint/2010/main" val="1749780748"/>
-      </p:ext>
-    </p:extLst>
-  </p:cSld>
-  <p:clrMapOvr>
-    <a:masterClrMapping/>
-  </p:clrMapOvr>
-</p:sld>
-</file>
-
-<file path=ppt/slides/slide9.xml><?xml version="1.0" encoding="utf-8"?>
 <p:sld xmlns:a="http://schemas.openxmlformats.org/drawingml/2006/main" xmlns:r="http://schemas.openxmlformats.org/officeDocument/2006/relationships" xmlns:p="http://schemas.openxmlformats.org/presentationml/2006/main">
   <p:cSld>
     <p:bg>
@@ -19274,7 +17764,7 @@
         </p:nvSpPr>
         <p:spPr>
           <a:xfrm>
-            <a:off x="1991745" y="4557900"/>
+            <a:off x="1987807" y="4438390"/>
             <a:ext cx="2442690" cy="915772"/>
           </a:xfrm>
           <a:noFill/>
@@ -19289,71 +17779,15 @@
               <a:buNone/>
             </a:pPr>
             <a:r>
-              <a:rPr lang="en-US" sz="2000" dirty="0">
+              <a:rPr lang="fr-FR" sz="2000" dirty="0">
                 <a:solidFill>
                   <a:srgbClr val="080808"/>
                 </a:solidFill>
               </a:rPr>
-              <a:t>Ce dossier </a:t>
+              <a:t>Ce dossier permet de définir les chemins d’accès aux tables de données</a:t>
             </a:r>
             <a:r>
-              <a:rPr lang="en-US" sz="2000" dirty="0" err="1">
-                <a:solidFill>
-                  <a:srgbClr val="080808"/>
-                </a:solidFill>
-              </a:rPr>
-              <a:t>permet</a:t>
-            </a:r>
-            <a:r>
-              <a:rPr lang="en-US" sz="2000" dirty="0">
-                <a:solidFill>
-                  <a:srgbClr val="080808"/>
-                </a:solidFill>
-              </a:rPr>
-              <a:t> de </a:t>
-            </a:r>
-            <a:r>
-              <a:rPr lang="en-US" sz="2000" dirty="0" err="1">
-                <a:solidFill>
-                  <a:srgbClr val="080808"/>
-                </a:solidFill>
-              </a:rPr>
-              <a:t>définir</a:t>
-            </a:r>
-            <a:r>
-              <a:rPr lang="en-US" sz="2000" dirty="0">
-                <a:solidFill>
-                  <a:srgbClr val="080808"/>
-                </a:solidFill>
-              </a:rPr>
-              <a:t> les chemins </a:t>
-            </a:r>
-            <a:r>
-              <a:rPr lang="en-US" sz="2000" dirty="0" err="1">
-                <a:solidFill>
-                  <a:srgbClr val="080808"/>
-                </a:solidFill>
-              </a:rPr>
-              <a:t>d’accées</a:t>
-            </a:r>
-            <a:r>
-              <a:rPr lang="en-US" sz="2000" dirty="0">
-                <a:solidFill>
-                  <a:srgbClr val="080808"/>
-                </a:solidFill>
-              </a:rPr>
-              <a:t> au tables de </a:t>
-            </a:r>
-            <a:r>
-              <a:rPr lang="en-US" sz="2000" dirty="0" err="1">
-                <a:solidFill>
-                  <a:srgbClr val="080808"/>
-                </a:solidFill>
-              </a:rPr>
-              <a:t>données</a:t>
-            </a:r>
-            <a:r>
-              <a:rPr lang="en-US" sz="2000" kern="1200" dirty="0">
+              <a:rPr lang="fr-FR" sz="2000" kern="1200" dirty="0">
                 <a:solidFill>
                   <a:srgbClr val="080808"/>
                 </a:solidFill>
@@ -19500,6 +17934,718 @@
     <p:extLst>
       <p:ext uri="{BB962C8B-B14F-4D97-AF65-F5344CB8AC3E}">
         <p14:creationId xmlns:p14="http://schemas.microsoft.com/office/powerpoint/2010/main" val="1397955967"/>
+      </p:ext>
+    </p:extLst>
+  </p:cSld>
+  <p:clrMapOvr>
+    <a:masterClrMapping/>
+  </p:clrMapOvr>
+</p:sld>
+</file>
+
+<file path=ppt/slides/slide9.xml><?xml version="1.0" encoding="utf-8"?>
+<p:sld xmlns:a="http://schemas.openxmlformats.org/drawingml/2006/main" xmlns:r="http://schemas.openxmlformats.org/officeDocument/2006/relationships" xmlns:p="http://schemas.openxmlformats.org/presentationml/2006/main">
+  <p:cSld>
+    <p:bg>
+      <p:bgPr>
+        <a:solidFill>
+          <a:schemeClr val="bg1"/>
+        </a:solidFill>
+        <a:effectLst/>
+      </p:bgPr>
+    </p:bg>
+    <p:spTree>
+      <p:nvGrpSpPr>
+        <p:cNvPr id="1" name=""/>
+        <p:cNvGrpSpPr/>
+        <p:nvPr/>
+      </p:nvGrpSpPr>
+      <p:grpSpPr>
+        <a:xfrm>
+          <a:off x="0" y="0"/>
+          <a:ext cx="0" cy="0"/>
+          <a:chOff x="0" y="0"/>
+          <a:chExt cx="0" cy="0"/>
+        </a:xfrm>
+      </p:grpSpPr>
+      <p:sp>
+        <p:nvSpPr>
+          <p:cNvPr id="41" name="Rectangle 40">
+            <a:extLst>
+              <a:ext uri="{FF2B5EF4-FFF2-40B4-BE49-F238E27FC236}">
+                <a16:creationId xmlns:a16="http://schemas.microsoft.com/office/drawing/2014/main" id="{46D6306C-ED4F-4AAE-B4A5-EEA6AFAD726E}"/>
+              </a:ext>
+              <a:ext uri="{C183D7F6-B498-43B3-948B-1728B52AA6E4}">
+                <adec:decorative xmlns:adec="http://schemas.microsoft.com/office/drawing/2017/decorative" val="1"/>
+              </a:ext>
+            </a:extLst>
+          </p:cNvPr>
+          <p:cNvSpPr>
+            <a:spLocks noGrp="1" noRot="1" noChangeAspect="1" noMove="1" noResize="1" noEditPoints="1" noAdjustHandles="1" noChangeArrowheads="1" noChangeShapeType="1" noTextEdit="1"/>
+          </p:cNvSpPr>
+          <p:nvPr>
+            <p:extLst>
+              <p:ext uri="{386F3935-93C4-4BCD-93E2-E3B085C9AB24}">
+                <p16:designElem xmlns:p16="http://schemas.microsoft.com/office/powerpoint/2015/main" val="1"/>
+              </p:ext>
+            </p:extLst>
+          </p:nvPr>
+        </p:nvSpPr>
+        <p:spPr>
+          <a:xfrm>
+            <a:off x="0" y="0"/>
+            <a:ext cx="12192000" cy="6858000"/>
+          </a:xfrm>
+          <a:prstGeom prst="rect">
+            <a:avLst/>
+          </a:prstGeom>
+          <a:solidFill>
+            <a:schemeClr val="bg1"/>
+          </a:solidFill>
+          <a:ln>
+            <a:noFill/>
+          </a:ln>
+        </p:spPr>
+        <p:style>
+          <a:lnRef idx="2">
+            <a:schemeClr val="accent1">
+              <a:shade val="50000"/>
+            </a:schemeClr>
+          </a:lnRef>
+          <a:fillRef idx="1">
+            <a:schemeClr val="accent1"/>
+          </a:fillRef>
+          <a:effectRef idx="0">
+            <a:schemeClr val="accent1"/>
+          </a:effectRef>
+          <a:fontRef idx="minor">
+            <a:schemeClr val="lt1"/>
+          </a:fontRef>
+        </p:style>
+        <p:txBody>
+          <a:bodyPr rtlCol="0" anchor="ctr"/>
+          <a:lstStyle/>
+          <a:p>
+            <a:pPr algn="ctr"/>
+            <a:endParaRPr lang="en-US" dirty="0"/>
+          </a:p>
+        </p:txBody>
+      </p:sp>
+      <p:sp>
+        <p:nvSpPr>
+          <p:cNvPr id="43" name="Rectangle 42">
+            <a:extLst>
+              <a:ext uri="{FF2B5EF4-FFF2-40B4-BE49-F238E27FC236}">
+                <a16:creationId xmlns:a16="http://schemas.microsoft.com/office/drawing/2014/main" id="{0EC5361D-F897-4856-B945-0455A365EB24}"/>
+              </a:ext>
+              <a:ext uri="{C183D7F6-B498-43B3-948B-1728B52AA6E4}">
+                <adec:decorative xmlns:adec="http://schemas.microsoft.com/office/drawing/2017/decorative" val="1"/>
+              </a:ext>
+            </a:extLst>
+          </p:cNvPr>
+          <p:cNvSpPr>
+            <a:spLocks noGrp="1" noRot="1" noChangeAspect="1" noMove="1" noResize="1" noEditPoints="1" noAdjustHandles="1" noChangeArrowheads="1" noChangeShapeType="1" noTextEdit="1"/>
+          </p:cNvSpPr>
+          <p:nvPr>
+            <p:extLst>
+              <p:ext uri="{386F3935-93C4-4BCD-93E2-E3B085C9AB24}">
+                <p16:designElem xmlns:p16="http://schemas.microsoft.com/office/powerpoint/2015/main" val="1"/>
+              </p:ext>
+            </p:extLst>
+          </p:nvPr>
+        </p:nvSpPr>
+        <p:spPr>
+          <a:xfrm rot="2700000">
+            <a:off x="415435" y="655140"/>
+            <a:ext cx="687472" cy="687472"/>
+          </a:xfrm>
+          <a:prstGeom prst="rect">
+            <a:avLst/>
+          </a:prstGeom>
+          <a:solidFill>
+            <a:schemeClr val="accent4">
+              <a:alpha val="30000"/>
+            </a:schemeClr>
+          </a:solidFill>
+          <a:ln>
+            <a:noFill/>
+          </a:ln>
+        </p:spPr>
+        <p:style>
+          <a:lnRef idx="2">
+            <a:schemeClr val="accent1">
+              <a:shade val="50000"/>
+            </a:schemeClr>
+          </a:lnRef>
+          <a:fillRef idx="1">
+            <a:schemeClr val="accent1"/>
+          </a:fillRef>
+          <a:effectRef idx="0">
+            <a:schemeClr val="accent1"/>
+          </a:effectRef>
+          <a:fontRef idx="minor">
+            <a:schemeClr val="lt1"/>
+          </a:fontRef>
+        </p:style>
+        <p:txBody>
+          <a:bodyPr rtlCol="0" anchor="ctr"/>
+          <a:lstStyle/>
+          <a:p>
+            <a:pPr algn="ctr"/>
+            <a:endParaRPr lang="en-US"/>
+          </a:p>
+        </p:txBody>
+      </p:sp>
+      <p:sp>
+        <p:nvSpPr>
+          <p:cNvPr id="45" name="Freeform: Shape 44">
+            <a:extLst>
+              <a:ext uri="{FF2B5EF4-FFF2-40B4-BE49-F238E27FC236}">
+                <a16:creationId xmlns:a16="http://schemas.microsoft.com/office/drawing/2014/main" id="{4508C0C5-2268-42B5-B3C8-4D0899E05F8C}"/>
+              </a:ext>
+              <a:ext uri="{C183D7F6-B498-43B3-948B-1728B52AA6E4}">
+                <adec:decorative xmlns:adec="http://schemas.microsoft.com/office/drawing/2017/decorative" val="1"/>
+              </a:ext>
+            </a:extLst>
+          </p:cNvPr>
+          <p:cNvSpPr>
+            <a:spLocks noGrp="1" noRot="1" noChangeAspect="1" noMove="1" noResize="1" noEditPoints="1" noAdjustHandles="1" noChangeArrowheads="1" noChangeShapeType="1" noTextEdit="1"/>
+          </p:cNvSpPr>
+          <p:nvPr>
+            <p:extLst>
+              <p:ext uri="{386F3935-93C4-4BCD-93E2-E3B085C9AB24}">
+                <p16:designElem xmlns:p16="http://schemas.microsoft.com/office/powerpoint/2015/main" val="1"/>
+              </p:ext>
+            </p:extLst>
+          </p:nvPr>
+        </p:nvSpPr>
+        <p:spPr>
+          <a:xfrm rot="10800000">
+            <a:off x="0" y="0"/>
+            <a:ext cx="2835357" cy="1480837"/>
+          </a:xfrm>
+          <a:custGeom>
+            <a:avLst/>
+            <a:gdLst>
+              <a:gd name="connsiteX0" fmla="*/ 2835357 w 2835357"/>
+              <a:gd name="connsiteY0" fmla="*/ 1480837 h 1480837"/>
+              <a:gd name="connsiteX1" fmla="*/ 0 w 2835357"/>
+              <a:gd name="connsiteY1" fmla="*/ 1480837 h 1480837"/>
+              <a:gd name="connsiteX2" fmla="*/ 1552727 w 2835357"/>
+              <a:gd name="connsiteY2" fmla="*/ 0 h 1480837"/>
+              <a:gd name="connsiteX3" fmla="*/ 2835357 w 2835357"/>
+              <a:gd name="connsiteY3" fmla="*/ 1223245 h 1480837"/>
+            </a:gdLst>
+            <a:ahLst/>
+            <a:cxnLst>
+              <a:cxn ang="0">
+                <a:pos x="connsiteX0" y="connsiteY0"/>
+              </a:cxn>
+              <a:cxn ang="0">
+                <a:pos x="connsiteX1" y="connsiteY1"/>
+              </a:cxn>
+              <a:cxn ang="0">
+                <a:pos x="connsiteX2" y="connsiteY2"/>
+              </a:cxn>
+              <a:cxn ang="0">
+                <a:pos x="connsiteX3" y="connsiteY3"/>
+              </a:cxn>
+            </a:cxnLst>
+            <a:rect l="l" t="t" r="r" b="b"/>
+            <a:pathLst>
+              <a:path w="2835357" h="1480837">
+                <a:moveTo>
+                  <a:pt x="2835357" y="1480837"/>
+                </a:moveTo>
+                <a:lnTo>
+                  <a:pt x="0" y="1480837"/>
+                </a:lnTo>
+                <a:lnTo>
+                  <a:pt x="1552727" y="0"/>
+                </a:lnTo>
+                <a:lnTo>
+                  <a:pt x="2835357" y="1223245"/>
+                </a:lnTo>
+                <a:close/>
+              </a:path>
+            </a:pathLst>
+          </a:custGeom>
+          <a:solidFill>
+            <a:schemeClr val="accent4">
+              <a:alpha val="30000"/>
+            </a:schemeClr>
+          </a:solidFill>
+          <a:ln>
+            <a:noFill/>
+          </a:ln>
+        </p:spPr>
+        <p:style>
+          <a:lnRef idx="2">
+            <a:schemeClr val="accent1">
+              <a:shade val="50000"/>
+            </a:schemeClr>
+          </a:lnRef>
+          <a:fillRef idx="1">
+            <a:schemeClr val="accent1"/>
+          </a:fillRef>
+          <a:effectRef idx="0">
+            <a:schemeClr val="accent1"/>
+          </a:effectRef>
+          <a:fontRef idx="minor">
+            <a:schemeClr val="lt1"/>
+          </a:fontRef>
+        </p:style>
+        <p:txBody>
+          <a:bodyPr wrap="square" rtlCol="0" anchor="ctr">
+            <a:noAutofit/>
+          </a:bodyPr>
+          <a:lstStyle/>
+          <a:p>
+            <a:pPr algn="ctr"/>
+            <a:endParaRPr lang="en-US" dirty="0"/>
+          </a:p>
+        </p:txBody>
+      </p:sp>
+      <p:sp>
+        <p:nvSpPr>
+          <p:cNvPr id="47" name="Freeform: Shape 46">
+            <a:extLst>
+              <a:ext uri="{FF2B5EF4-FFF2-40B4-BE49-F238E27FC236}">
+                <a16:creationId xmlns:a16="http://schemas.microsoft.com/office/drawing/2014/main" id="{141ACBDB-38F8-4B34-8183-BD95B4E55A62}"/>
+              </a:ext>
+              <a:ext uri="{C183D7F6-B498-43B3-948B-1728B52AA6E4}">
+                <adec:decorative xmlns:adec="http://schemas.microsoft.com/office/drawing/2017/decorative" val="1"/>
+              </a:ext>
+            </a:extLst>
+          </p:cNvPr>
+          <p:cNvSpPr>
+            <a:spLocks noGrp="1" noRot="1" noChangeAspect="1" noMove="1" noResize="1" noEditPoints="1" noAdjustHandles="1" noChangeArrowheads="1" noChangeShapeType="1" noTextEdit="1"/>
+          </p:cNvSpPr>
+          <p:nvPr>
+            <p:extLst>
+              <p:ext uri="{386F3935-93C4-4BCD-93E2-E3B085C9AB24}">
+                <p16:designElem xmlns:p16="http://schemas.microsoft.com/office/powerpoint/2015/main" val="1"/>
+              </p:ext>
+            </p:extLst>
+          </p:nvPr>
+        </p:nvSpPr>
+        <p:spPr>
+          <a:xfrm rot="2700000">
+            <a:off x="10739327" y="-253670"/>
+            <a:ext cx="1827638" cy="1376989"/>
+          </a:xfrm>
+          <a:custGeom>
+            <a:avLst/>
+            <a:gdLst>
+              <a:gd name="connsiteX0" fmla="*/ 0 w 1827638"/>
+              <a:gd name="connsiteY0" fmla="*/ 987379 h 1376989"/>
+              <a:gd name="connsiteX1" fmla="*/ 987379 w 1827638"/>
+              <a:gd name="connsiteY1" fmla="*/ 0 h 1376989"/>
+              <a:gd name="connsiteX2" fmla="*/ 1827638 w 1827638"/>
+              <a:gd name="connsiteY2" fmla="*/ 840260 h 1376989"/>
+              <a:gd name="connsiteX3" fmla="*/ 1827638 w 1827638"/>
+              <a:gd name="connsiteY3" fmla="*/ 1376989 h 1376989"/>
+              <a:gd name="connsiteX4" fmla="*/ 0 w 1827638"/>
+              <a:gd name="connsiteY4" fmla="*/ 1376989 h 1376989"/>
+            </a:gdLst>
+            <a:ahLst/>
+            <a:cxnLst>
+              <a:cxn ang="0">
+                <a:pos x="connsiteX0" y="connsiteY0"/>
+              </a:cxn>
+              <a:cxn ang="0">
+                <a:pos x="connsiteX1" y="connsiteY1"/>
+              </a:cxn>
+              <a:cxn ang="0">
+                <a:pos x="connsiteX2" y="connsiteY2"/>
+              </a:cxn>
+              <a:cxn ang="0">
+                <a:pos x="connsiteX3" y="connsiteY3"/>
+              </a:cxn>
+              <a:cxn ang="0">
+                <a:pos x="connsiteX4" y="connsiteY4"/>
+              </a:cxn>
+            </a:cxnLst>
+            <a:rect l="l" t="t" r="r" b="b"/>
+            <a:pathLst>
+              <a:path w="1827638" h="1376989">
+                <a:moveTo>
+                  <a:pt x="0" y="987379"/>
+                </a:moveTo>
+                <a:lnTo>
+                  <a:pt x="987379" y="0"/>
+                </a:lnTo>
+                <a:lnTo>
+                  <a:pt x="1827638" y="840260"/>
+                </a:lnTo>
+                <a:lnTo>
+                  <a:pt x="1827638" y="1376989"/>
+                </a:lnTo>
+                <a:lnTo>
+                  <a:pt x="0" y="1376989"/>
+                </a:lnTo>
+                <a:close/>
+              </a:path>
+            </a:pathLst>
+          </a:custGeom>
+          <a:solidFill>
+            <a:schemeClr val="accent1">
+              <a:alpha val="30000"/>
+            </a:schemeClr>
+          </a:solidFill>
+          <a:ln>
+            <a:noFill/>
+          </a:ln>
+        </p:spPr>
+        <p:style>
+          <a:lnRef idx="2">
+            <a:schemeClr val="accent1">
+              <a:shade val="50000"/>
+            </a:schemeClr>
+          </a:lnRef>
+          <a:fillRef idx="1">
+            <a:schemeClr val="accent1"/>
+          </a:fillRef>
+          <a:effectRef idx="0">
+            <a:schemeClr val="accent1"/>
+          </a:effectRef>
+          <a:fontRef idx="minor">
+            <a:schemeClr val="lt1"/>
+          </a:fontRef>
+        </p:style>
+        <p:txBody>
+          <a:bodyPr wrap="square" rtlCol="0" anchor="ctr">
+            <a:noAutofit/>
+          </a:bodyPr>
+          <a:lstStyle/>
+          <a:p>
+            <a:pPr algn="ctr"/>
+            <a:endParaRPr lang="en-US" dirty="0"/>
+          </a:p>
+        </p:txBody>
+      </p:sp>
+      <p:sp>
+        <p:nvSpPr>
+          <p:cNvPr id="49" name="Rectangle 48">
+            <a:extLst>
+              <a:ext uri="{FF2B5EF4-FFF2-40B4-BE49-F238E27FC236}">
+                <a16:creationId xmlns:a16="http://schemas.microsoft.com/office/drawing/2014/main" id="{DE00DB52-3455-4E2F-867B-A6D0516E175B}"/>
+              </a:ext>
+              <a:ext uri="{C183D7F6-B498-43B3-948B-1728B52AA6E4}">
+                <adec:decorative xmlns:adec="http://schemas.microsoft.com/office/drawing/2017/decorative" val="1"/>
+              </a:ext>
+            </a:extLst>
+          </p:cNvPr>
+          <p:cNvSpPr>
+            <a:spLocks noGrp="1" noRot="1" noChangeAspect="1" noMove="1" noResize="1" noEditPoints="1" noAdjustHandles="1" noChangeArrowheads="1" noChangeShapeType="1" noTextEdit="1"/>
+          </p:cNvSpPr>
+          <p:nvPr>
+            <p:extLst>
+              <p:ext uri="{386F3935-93C4-4BCD-93E2-E3B085C9AB24}">
+                <p16:designElem xmlns:p16="http://schemas.microsoft.com/office/powerpoint/2015/main" val="1"/>
+              </p:ext>
+            </p:extLst>
+          </p:nvPr>
+        </p:nvSpPr>
+        <p:spPr>
+          <a:xfrm rot="2700000">
+            <a:off x="10653800" y="422146"/>
+            <a:ext cx="645368" cy="645368"/>
+          </a:xfrm>
+          <a:prstGeom prst="rect">
+            <a:avLst/>
+          </a:prstGeom>
+          <a:solidFill>
+            <a:schemeClr val="accent1">
+              <a:alpha val="30000"/>
+            </a:schemeClr>
+          </a:solidFill>
+          <a:ln>
+            <a:noFill/>
+          </a:ln>
+        </p:spPr>
+        <p:style>
+          <a:lnRef idx="2">
+            <a:schemeClr val="accent1">
+              <a:shade val="50000"/>
+            </a:schemeClr>
+          </a:lnRef>
+          <a:fillRef idx="1">
+            <a:schemeClr val="accent1"/>
+          </a:fillRef>
+          <a:effectRef idx="0">
+            <a:schemeClr val="accent1"/>
+          </a:effectRef>
+          <a:fontRef idx="minor">
+            <a:schemeClr val="lt1"/>
+          </a:fontRef>
+        </p:style>
+        <p:txBody>
+          <a:bodyPr wrap="square" rtlCol="0" anchor="ctr">
+            <a:noAutofit/>
+          </a:bodyPr>
+          <a:lstStyle/>
+          <a:p>
+            <a:pPr algn="ctr"/>
+            <a:endParaRPr lang="en-US"/>
+          </a:p>
+        </p:txBody>
+      </p:sp>
+      <p:sp>
+        <p:nvSpPr>
+          <p:cNvPr id="51" name="Isosceles Triangle 50">
+            <a:extLst>
+              <a:ext uri="{FF2B5EF4-FFF2-40B4-BE49-F238E27FC236}">
+                <a16:creationId xmlns:a16="http://schemas.microsoft.com/office/drawing/2014/main" id="{9E914C83-E0D8-4953-92D5-169D28CB43AE}"/>
+              </a:ext>
+              <a:ext uri="{C183D7F6-B498-43B3-948B-1728B52AA6E4}">
+                <adec:decorative xmlns:adec="http://schemas.microsoft.com/office/drawing/2017/decorative" val="1"/>
+              </a:ext>
+            </a:extLst>
+          </p:cNvPr>
+          <p:cNvSpPr>
+            <a:spLocks noGrp="1" noRot="1" noChangeAspect="1" noMove="1" noResize="1" noEditPoints="1" noAdjustHandles="1" noChangeArrowheads="1" noChangeShapeType="1" noTextEdit="1"/>
+          </p:cNvSpPr>
+          <p:nvPr>
+            <p:extLst>
+              <p:ext uri="{386F3935-93C4-4BCD-93E2-E3B085C9AB24}">
+                <p16:designElem xmlns:p16="http://schemas.microsoft.com/office/powerpoint/2015/main" val="1"/>
+              </p:ext>
+            </p:extLst>
+          </p:nvPr>
+        </p:nvSpPr>
+        <p:spPr>
+          <a:xfrm>
+            <a:off x="8115423" y="6115501"/>
+            <a:ext cx="1494513" cy="742499"/>
+          </a:xfrm>
+          <a:prstGeom prst="triangle">
+            <a:avLst/>
+          </a:prstGeom>
+          <a:solidFill>
+            <a:schemeClr val="accent1">
+              <a:alpha val="30000"/>
+            </a:schemeClr>
+          </a:solidFill>
+          <a:ln>
+            <a:noFill/>
+          </a:ln>
+        </p:spPr>
+        <p:style>
+          <a:lnRef idx="2">
+            <a:schemeClr val="accent1">
+              <a:shade val="50000"/>
+            </a:schemeClr>
+          </a:lnRef>
+          <a:fillRef idx="1">
+            <a:schemeClr val="accent1"/>
+          </a:fillRef>
+          <a:effectRef idx="0">
+            <a:schemeClr val="accent1"/>
+          </a:effectRef>
+          <a:fontRef idx="minor">
+            <a:schemeClr val="lt1"/>
+          </a:fontRef>
+        </p:style>
+        <p:txBody>
+          <a:bodyPr wrap="square" rtlCol="0" anchor="ctr">
+            <a:noAutofit/>
+          </a:bodyPr>
+          <a:lstStyle/>
+          <a:p>
+            <a:pPr algn="ctr"/>
+            <a:endParaRPr lang="en-US"/>
+          </a:p>
+        </p:txBody>
+      </p:sp>
+      <p:sp>
+        <p:nvSpPr>
+          <p:cNvPr id="53" name="Isosceles Triangle 52">
+            <a:extLst>
+              <a:ext uri="{FF2B5EF4-FFF2-40B4-BE49-F238E27FC236}">
+                <a16:creationId xmlns:a16="http://schemas.microsoft.com/office/drawing/2014/main" id="{3512E083-F550-46AF-8490-767ECFD00CB7}"/>
+              </a:ext>
+              <a:ext uri="{C183D7F6-B498-43B3-948B-1728B52AA6E4}">
+                <adec:decorative xmlns:adec="http://schemas.microsoft.com/office/drawing/2017/decorative" val="1"/>
+              </a:ext>
+            </a:extLst>
+          </p:cNvPr>
+          <p:cNvSpPr>
+            <a:spLocks noGrp="1" noRot="1" noChangeAspect="1" noMove="1" noResize="1" noEditPoints="1" noAdjustHandles="1" noChangeArrowheads="1" noChangeShapeType="1" noTextEdit="1"/>
+          </p:cNvSpPr>
+          <p:nvPr>
+            <p:extLst>
+              <p:ext uri="{386F3935-93C4-4BCD-93E2-E3B085C9AB24}">
+                <p16:designElem xmlns:p16="http://schemas.microsoft.com/office/powerpoint/2015/main" val="1"/>
+              </p:ext>
+            </p:extLst>
+          </p:nvPr>
+        </p:nvSpPr>
+        <p:spPr>
+          <a:xfrm>
+            <a:off x="9167297" y="6453143"/>
+            <a:ext cx="814903" cy="404857"/>
+          </a:xfrm>
+          <a:prstGeom prst="triangle">
+            <a:avLst/>
+          </a:prstGeom>
+          <a:solidFill>
+            <a:schemeClr val="accent1">
+              <a:alpha val="30000"/>
+            </a:schemeClr>
+          </a:solidFill>
+          <a:ln>
+            <a:noFill/>
+          </a:ln>
+        </p:spPr>
+        <p:style>
+          <a:lnRef idx="2">
+            <a:schemeClr val="accent1">
+              <a:shade val="50000"/>
+            </a:schemeClr>
+          </a:lnRef>
+          <a:fillRef idx="1">
+            <a:schemeClr val="accent1"/>
+          </a:fillRef>
+          <a:effectRef idx="0">
+            <a:schemeClr val="accent1"/>
+          </a:effectRef>
+          <a:fontRef idx="minor">
+            <a:schemeClr val="lt1"/>
+          </a:fontRef>
+        </p:style>
+        <p:txBody>
+          <a:bodyPr wrap="square" rtlCol="0" anchor="ctr">
+            <a:noAutofit/>
+          </a:bodyPr>
+          <a:lstStyle/>
+          <a:p>
+            <a:pPr algn="ctr"/>
+            <a:endParaRPr lang="en-US"/>
+          </a:p>
+        </p:txBody>
+      </p:sp>
+      <p:pic>
+        <p:nvPicPr>
+          <p:cNvPr id="3" name="Image 2">
+            <a:extLst>
+              <a:ext uri="{FF2B5EF4-FFF2-40B4-BE49-F238E27FC236}">
+                <a16:creationId xmlns:a16="http://schemas.microsoft.com/office/drawing/2014/main" id="{FC1C67A5-6FD4-8804-0F66-0516BD11B46E}"/>
+              </a:ext>
+            </a:extLst>
+          </p:cNvPr>
+          <p:cNvPicPr>
+            <a:picLocks noChangeAspect="1"/>
+          </p:cNvPicPr>
+          <p:nvPr/>
+        </p:nvPicPr>
+        <p:blipFill>
+          <a:blip r:embed="rId2"/>
+          <a:stretch>
+            <a:fillRect/>
+          </a:stretch>
+        </p:blipFill>
+        <p:spPr>
+          <a:xfrm>
+            <a:off x="2066925" y="3022283"/>
+            <a:ext cx="8058150" cy="2971800"/>
+          </a:xfrm>
+          <a:prstGeom prst="rect">
+            <a:avLst/>
+          </a:prstGeom>
+        </p:spPr>
+      </p:pic>
+      <p:sp>
+        <p:nvSpPr>
+          <p:cNvPr id="4" name="ZoneTexte 3">
+            <a:extLst>
+              <a:ext uri="{FF2B5EF4-FFF2-40B4-BE49-F238E27FC236}">
+                <a16:creationId xmlns:a16="http://schemas.microsoft.com/office/drawing/2014/main" id="{075A9D0D-5C88-6486-E185-61EBE4023225}"/>
+              </a:ext>
+            </a:extLst>
+          </p:cNvPr>
+          <p:cNvSpPr txBox="1"/>
+          <p:nvPr/>
+        </p:nvSpPr>
+        <p:spPr>
+          <a:xfrm>
+            <a:off x="1417678" y="1307658"/>
+            <a:ext cx="9772034" cy="646331"/>
+          </a:xfrm>
+          <a:prstGeom prst="rect">
+            <a:avLst/>
+          </a:prstGeom>
+          <a:noFill/>
+        </p:spPr>
+        <p:txBody>
+          <a:bodyPr wrap="none" rtlCol="0">
+            <a:spAutoFit/>
+          </a:bodyPr>
+          <a:lstStyle/>
+          <a:p>
+            <a:endParaRPr lang="fr-FR" dirty="0"/>
+          </a:p>
+          <a:p>
+            <a:r>
+              <a:rPr lang="fr-FR" dirty="0"/>
+              <a:t>Exemple : pour atteindre la page login ou </a:t>
+            </a:r>
+            <a:r>
+              <a:rPr lang="fr-FR" dirty="0" err="1"/>
+              <a:t>signup</a:t>
+            </a:r>
+            <a:r>
+              <a:rPr lang="fr-FR" dirty="0"/>
+              <a:t> il faudra utiliser https:// adresse/</a:t>
+            </a:r>
+            <a:r>
+              <a:rPr lang="fr-FR" dirty="0" err="1"/>
+              <a:t>auth</a:t>
+            </a:r>
+            <a:r>
+              <a:rPr lang="fr-FR" dirty="0"/>
+              <a:t>/</a:t>
+            </a:r>
+            <a:r>
+              <a:rPr lang="fr-FR" dirty="0">
+                <a:highlight>
+                  <a:srgbClr val="00FF00"/>
+                </a:highlight>
+              </a:rPr>
+              <a:t>login </a:t>
+            </a:r>
+            <a:r>
+              <a:rPr lang="fr-FR" dirty="0"/>
+              <a:t>||</a:t>
+            </a:r>
+            <a:r>
+              <a:rPr lang="fr-FR" dirty="0">
+                <a:highlight>
+                  <a:srgbClr val="00FF00"/>
+                </a:highlight>
+              </a:rPr>
+              <a:t> </a:t>
+            </a:r>
+            <a:r>
+              <a:rPr lang="fr-FR" dirty="0" err="1">
+                <a:highlight>
+                  <a:srgbClr val="00FF00"/>
+                </a:highlight>
+              </a:rPr>
+              <a:t>signup</a:t>
+            </a:r>
+            <a:endParaRPr lang="fr-FR" dirty="0">
+              <a:highlight>
+                <a:srgbClr val="00FF00"/>
+              </a:highlight>
+            </a:endParaRPr>
+          </a:p>
+        </p:txBody>
+      </p:sp>
+    </p:spTree>
+    <p:extLst>
+      <p:ext uri="{BB962C8B-B14F-4D97-AF65-F5344CB8AC3E}">
+        <p14:creationId xmlns:p14="http://schemas.microsoft.com/office/powerpoint/2010/main" val="1749780748"/>
       </p:ext>
     </p:extLst>
   </p:cSld>
